--- a/FinalProject/DSL_SS2018_FinalProject.pptx
+++ b/FinalProject/DSL_SS2018_FinalProject.pptx
@@ -18,6 +18,7 @@
     <p:sldId id="265" r:id="rId13"/>
     <p:sldId id="266" r:id="rId14"/>
     <p:sldId id="267" r:id="rId15"/>
+    <p:sldId id="268" r:id="rId16"/>
   </p:sldIdLst>
   <p:sldSz cx="9144000" cy="6858000"/>
   <p:notesSz cx="6858000" cy="9144000"/>
@@ -3236,7 +3237,35 @@
                 </a:uFill>
                 <a:latin typeface="Arial"/>
               </a:rPr>
-              <a:t>Click to edit the title text format</a:t>
+              <a:t>Click to edit </a:t>
+            </a:r>
+            <a:r>
+              <a:rPr b="0" lang="en-US" sz="1800" spc="-1" strike="noStrike">
+                <a:solidFill>
+                  <a:srgbClr val="000000"/>
+                </a:solidFill>
+                <a:uFill>
+                  <a:solidFill>
+                    <a:srgbClr val="ffffff"/>
+                  </a:solidFill>
+                </a:uFill>
+                <a:latin typeface="Arial"/>
+              </a:rPr>
+              <a:t>the title text </a:t>
+            </a:r>
+            <a:r>
+              <a:rPr b="0" lang="en-US" sz="1800" spc="-1" strike="noStrike">
+                <a:solidFill>
+                  <a:srgbClr val="000000"/>
+                </a:solidFill>
+                <a:uFill>
+                  <a:solidFill>
+                    <a:srgbClr val="ffffff"/>
+                  </a:solidFill>
+                </a:uFill>
+                <a:latin typeface="Arial"/>
+              </a:rPr>
+              <a:t>format</a:t>
             </a:r>
             <a:endParaRPr b="0" lang="en-US" sz="1800" spc="-1" strike="noStrike">
               <a:solidFill>
@@ -4380,228 +4409,6 @@
       </p:grpSpPr>
       <p:sp>
         <p:nvSpPr>
-          <p:cNvPr id="111" name="CustomShape 1"/>
-          <p:cNvSpPr/>
-          <p:nvPr/>
-        </p:nvSpPr>
-        <p:spPr>
-          <a:xfrm>
-            <a:off x="457200" y="32040"/>
-            <a:ext cx="8227440" cy="1140840"/>
-          </a:xfrm>
-          <a:prstGeom prst="rect">
-            <a:avLst/>
-          </a:prstGeom>
-          <a:noFill/>
-          <a:ln>
-            <a:noFill/>
-          </a:ln>
-        </p:spPr>
-        <p:style>
-          <a:lnRef idx="0"/>
-          <a:fillRef idx="0"/>
-          <a:effectRef idx="0"/>
-          <a:fontRef idx="minor"/>
-        </p:style>
-        <p:txBody>
-          <a:bodyPr lIns="90000" rIns="90000" tIns="45000" bIns="45000" anchor="ctr"/>
-          <a:p>
-            <a:pPr>
-              <a:lnSpc>
-                <a:spcPct val="100000"/>
-              </a:lnSpc>
-            </a:pPr>
-            <a:r>
-              <a:rPr b="1" lang="en-US" sz="3200" spc="-1" strike="noStrike">
-                <a:solidFill>
-                  <a:srgbClr val="1d3455"/>
-                </a:solidFill>
-                <a:uFill>
-                  <a:solidFill>
-                    <a:srgbClr val="ffffff"/>
-                  </a:solidFill>
-                </a:uFill>
-                <a:latin typeface="Calibri"/>
-                <a:ea typeface="DejaVu Sans"/>
-              </a:rPr>
-              <a:t>DEMO</a:t>
-            </a:r>
-            <a:endParaRPr b="0" lang="en-US" sz="1800" spc="-1" strike="noStrike">
-              <a:solidFill>
-                <a:srgbClr val="000000"/>
-              </a:solidFill>
-              <a:uFill>
-                <a:solidFill>
-                  <a:srgbClr val="ffffff"/>
-                </a:solidFill>
-              </a:uFill>
-              <a:latin typeface="Arial"/>
-            </a:endParaRPr>
-          </a:p>
-        </p:txBody>
-      </p:sp>
-      <p:sp>
-        <p:nvSpPr>
-          <p:cNvPr id="112" name="CustomShape 2"/>
-          <p:cNvSpPr/>
-          <p:nvPr/>
-        </p:nvSpPr>
-        <p:spPr>
-          <a:xfrm>
-            <a:off x="7164360" y="6520320"/>
-            <a:ext cx="1520280" cy="362880"/>
-          </a:xfrm>
-          <a:prstGeom prst="rect">
-            <a:avLst/>
-          </a:prstGeom>
-          <a:noFill/>
-          <a:ln>
-            <a:noFill/>
-          </a:ln>
-        </p:spPr>
-        <p:style>
-          <a:lnRef idx="0"/>
-          <a:fillRef idx="0"/>
-          <a:effectRef idx="0"/>
-          <a:fontRef idx="minor"/>
-        </p:style>
-      </p:sp>
-      <p:sp>
-        <p:nvSpPr>
-          <p:cNvPr id="113" name="CustomShape 3"/>
-          <p:cNvSpPr/>
-          <p:nvPr/>
-        </p:nvSpPr>
-        <p:spPr>
-          <a:xfrm>
-            <a:off x="457200" y="1600200"/>
-            <a:ext cx="8227440" cy="4523760"/>
-          </a:xfrm>
-          <a:prstGeom prst="rect">
-            <a:avLst/>
-          </a:prstGeom>
-          <a:noFill/>
-          <a:ln>
-            <a:noFill/>
-          </a:ln>
-        </p:spPr>
-        <p:style>
-          <a:lnRef idx="0"/>
-          <a:fillRef idx="0"/>
-          <a:effectRef idx="0"/>
-          <a:fontRef idx="minor"/>
-        </p:style>
-        <p:txBody>
-          <a:bodyPr lIns="90000" rIns="90000" tIns="45000" bIns="45000"/>
-          <a:p>
-            <a:pPr marL="343080" indent="-340920">
-              <a:lnSpc>
-                <a:spcPct val="100000"/>
-              </a:lnSpc>
-              <a:buClr>
-                <a:srgbClr val="1d3455"/>
-              </a:buClr>
-              <a:buFont typeface="Wingdings" charset="2"/>
-              <a:buChar char=""/>
-            </a:pPr>
-            <a:r>
-              <a:rPr b="0" lang="en-US" sz="2800" spc="-1" strike="noStrike">
-                <a:solidFill>
-                  <a:srgbClr val="000000"/>
-                </a:solidFill>
-                <a:uFill>
-                  <a:solidFill>
-                    <a:srgbClr val="ffffff"/>
-                  </a:solidFill>
-                </a:uFill>
-                <a:latin typeface="Calibri"/>
-                <a:ea typeface="DejaVu Sans"/>
-              </a:rPr>
-              <a:t> </a:t>
-            </a:r>
-            <a:endParaRPr b="0" lang="en-US" sz="1800" spc="-1" strike="noStrike">
-              <a:solidFill>
-                <a:srgbClr val="000000"/>
-              </a:solidFill>
-              <a:uFill>
-                <a:solidFill>
-                  <a:srgbClr val="ffffff"/>
-                </a:solidFill>
-              </a:uFill>
-              <a:latin typeface="Arial"/>
-            </a:endParaRPr>
-          </a:p>
-          <a:p>
-            <a:pPr>
-              <a:lnSpc>
-                <a:spcPct val="100000"/>
-              </a:lnSpc>
-            </a:pPr>
-            <a:endParaRPr b="0" lang="en-US" sz="1800" spc="-1" strike="noStrike">
-              <a:solidFill>
-                <a:srgbClr val="000000"/>
-              </a:solidFill>
-              <a:uFill>
-                <a:solidFill>
-                  <a:srgbClr val="ffffff"/>
-                </a:solidFill>
-              </a:uFill>
-              <a:latin typeface="Arial"/>
-            </a:endParaRPr>
-          </a:p>
-        </p:txBody>
-      </p:sp>
-    </p:spTree>
-  </p:cSld>
-  <p:timing>
-    <p:tnLst>
-      <p:par>
-        <p:cTn id="19" dur="indefinite" restart="never" nodeType="tmRoot">
-          <p:childTnLst>
-            <p:seq>
-              <p:cTn id="20" nodeType="mainSeq"/>
-              <p:prevCondLst>
-                <p:cond delay="0" evt="onPrev">
-                  <p:tgtEl>
-                    <p:sldTgt/>
-                  </p:tgtEl>
-                </p:cond>
-              </p:prevCondLst>
-              <p:nextCondLst>
-                <p:cond delay="0" evt="onNext">
-                  <p:tgtEl>
-                    <p:sldTgt/>
-                  </p:tgtEl>
-                </p:cond>
-              </p:nextCondLst>
-            </p:seq>
-          </p:childTnLst>
-        </p:cTn>
-      </p:par>
-    </p:tnLst>
-  </p:timing>
-</p:sld>
-</file>
-
-<file path=ppt/slides/slide11.xml><?xml version="1.0" encoding="utf-8"?>
-<p:sld xmlns:a="http://schemas.openxmlformats.org/drawingml/2006/main" xmlns:p="http://schemas.openxmlformats.org/presentationml/2006/main" xmlns:r="http://schemas.openxmlformats.org/officeDocument/2006/relationships" xmlns:p14="http://schemas.microsoft.com/office/powerpoint/2010/main" xmlns:p15="http://schemas.microsoft.com/office/powerpoint/2012/main" xmlns:mc="http://schemas.openxmlformats.org/markup-compatibility/2006">
-  <p:cSld>
-    <p:spTree>
-      <p:nvGrpSpPr>
-        <p:cNvPr id="1" name=""/>
-        <p:cNvGrpSpPr/>
-        <p:nvPr/>
-      </p:nvGrpSpPr>
-      <p:grpSpPr>
-        <a:xfrm>
-          <a:off x="0" y="0"/>
-          <a:ext cx="0" cy="0"/>
-          <a:chOff x="0" y="0"/>
-          <a:chExt cx="0" cy="0"/>
-        </a:xfrm>
-      </p:grpSpPr>
-      <p:sp>
-        <p:nvSpPr>
           <p:cNvPr id="114" name="CustomShape 1"/>
           <p:cNvSpPr/>
           <p:nvPr/>
@@ -4646,7 +4453,7 @@
                 <a:latin typeface="Calibri"/>
                 <a:ea typeface="DejaVu Sans"/>
               </a:rPr>
-              <a:t>Challenges</a:t>
+              <a:t>User Actions – Sound Composition</a:t>
             </a:r>
             <a:endParaRPr b="0" lang="en-US" sz="1800" spc="-1" strike="noStrike">
               <a:solidFill>
@@ -4739,85 +4546,7 @@
                 <a:latin typeface="Calibri"/>
                 <a:ea typeface="DejaVu Sans"/>
               </a:rPr>
-              <a:t>Deciding whith path to take </a:t>
-            </a:r>
-            <a:endParaRPr b="0" lang="en-US" sz="1800" spc="-1" strike="noStrike">
-              <a:solidFill>
-                <a:srgbClr val="000000"/>
-              </a:solidFill>
-              <a:uFill>
-                <a:solidFill>
-                  <a:srgbClr val="ffffff"/>
-                </a:solidFill>
-              </a:uFill>
-              <a:latin typeface="Arial"/>
-            </a:endParaRPr>
-          </a:p>
-          <a:p>
-            <a:pPr lvl="2" marL="648000" indent="-215640">
-              <a:lnSpc>
-                <a:spcPct val="100000"/>
-              </a:lnSpc>
-              <a:buClr>
-                <a:srgbClr val="000000"/>
-              </a:buClr>
-              <a:buSzPct val="45000"/>
-              <a:buFont typeface="Wingdings" charset="2"/>
-              <a:buChar char=""/>
-            </a:pPr>
-            <a:r>
-              <a:rPr b="0" lang="en-US" sz="2400" spc="-1" strike="noStrike">
-                <a:solidFill>
-                  <a:srgbClr val="000000"/>
-                </a:solidFill>
-                <a:uFill>
-                  <a:solidFill>
-                    <a:srgbClr val="ffffff"/>
-                  </a:solidFill>
-                </a:uFill>
-                <a:latin typeface="Calibri"/>
-                <a:ea typeface="DejaVu Sans"/>
-              </a:rPr>
-              <a:t>code generation or</a:t>
-            </a:r>
-            <a:endParaRPr b="0" lang="en-US" sz="1800" spc="-1" strike="noStrike">
-              <a:solidFill>
-                <a:srgbClr val="000000"/>
-              </a:solidFill>
-              <a:uFill>
-                <a:solidFill>
-                  <a:srgbClr val="ffffff"/>
-                </a:solidFill>
-              </a:uFill>
-              <a:latin typeface="Arial"/>
-            </a:endParaRPr>
-          </a:p>
-          <a:p>
-            <a:pPr lvl="2" marL="648000" indent="-215640">
-              <a:lnSpc>
-                <a:spcPct val="100000"/>
-              </a:lnSpc>
-              <a:buClr>
-                <a:srgbClr val="000000"/>
-              </a:buClr>
-              <a:buSzPct val="45000"/>
-              <a:buFont typeface="Wingdings" charset="2"/>
-              <a:buChar char=""/>
-            </a:pPr>
-            <a:r>
-              <a:rPr b="0" lang="en-US" sz="2400" spc="-1" strike="noStrike">
-                <a:solidFill>
-                  <a:srgbClr val="000000"/>
-                </a:solidFill>
-                <a:uFill>
-                  <a:solidFill>
-                    <a:srgbClr val="ffffff"/>
-                  </a:solidFill>
-                </a:uFill>
-                <a:latin typeface="Calibri"/>
-                <a:ea typeface="DejaVu Sans"/>
-              </a:rPr>
-              <a:t>wrapper approach (winner!)</a:t>
+              <a:t>Define the Operation for the </a:t>
             </a:r>
             <a:endParaRPr b="0" lang="en-US" sz="1800" spc="-1" strike="noStrike">
               <a:solidFill>
@@ -4855,7 +4584,7 @@
                 <a:latin typeface="Calibri"/>
                 <a:ea typeface="DejaVu Sans"/>
               </a:rPr>
-              <a:t> </a:t>
+              <a:t>Sound Composition </a:t>
             </a:r>
             <a:endParaRPr b="0" lang="en-US" sz="1800" spc="-1" strike="noStrike">
               <a:solidFill>
@@ -4893,100 +4622,7 @@
                 <a:latin typeface="Calibri"/>
                 <a:ea typeface="DejaVu Sans"/>
               </a:rPr>
-              <a:t>Separate DSL editor from logic</a:t>
-            </a:r>
-            <a:r>
-              <a:rPr b="0" lang="en-US" sz="2800" spc="-1" strike="noStrike">
-                <a:solidFill>
-                  <a:srgbClr val="000000"/>
-                </a:solidFill>
-                <a:uFill>
-                  <a:solidFill>
-                    <a:srgbClr val="ffffff"/>
-                  </a:solidFill>
-                </a:uFill>
-                <a:latin typeface="Calibri"/>
-                <a:ea typeface="DejaVu Sans"/>
-              </a:rPr>
-              <a:t>	</a:t>
-            </a:r>
-            <a:endParaRPr b="0" lang="en-US" sz="1800" spc="-1" strike="noStrike">
-              <a:solidFill>
-                <a:srgbClr val="000000"/>
-              </a:solidFill>
-              <a:uFill>
-                <a:solidFill>
-                  <a:srgbClr val="ffffff"/>
-                </a:solidFill>
-              </a:uFill>
-              <a:latin typeface="Arial"/>
-            </a:endParaRPr>
-          </a:p>
-          <a:p>
-            <a:pPr lvl="2" marL="648000" indent="-215640">
-              <a:lnSpc>
-                <a:spcPct val="100000"/>
-              </a:lnSpc>
-              <a:buClr>
-                <a:srgbClr val="000000"/>
-              </a:buClr>
-              <a:buSzPct val="45000"/>
-              <a:buFont typeface="Wingdings" charset="2"/>
-              <a:buChar char=""/>
-            </a:pPr>
-            <a:r>
-              <a:rPr b="0" lang="en-US" sz="2400" spc="-1" strike="noStrike">
-                <a:solidFill>
-                  <a:srgbClr val="000000"/>
-                </a:solidFill>
-                <a:uFill>
-                  <a:solidFill>
-                    <a:srgbClr val="ffffff"/>
-                  </a:solidFill>
-                </a:uFill>
-                <a:latin typeface="Calibri"/>
-                <a:ea typeface="DejaVu Sans"/>
-              </a:rPr>
-              <a:t>Reuniting via binding </a:t>
-            </a:r>
-            <a:endParaRPr b="0" lang="en-US" sz="1800" spc="-1" strike="noStrike">
-              <a:solidFill>
-                <a:srgbClr val="000000"/>
-              </a:solidFill>
-              <a:uFill>
-                <a:solidFill>
-                  <a:srgbClr val="ffffff"/>
-                </a:solidFill>
-              </a:uFill>
-              <a:latin typeface="Arial"/>
-            </a:endParaRPr>
-          </a:p>
-          <a:p>
-            <a:pPr lvl="2" marL="648000" indent="-215640">
-              <a:lnSpc>
-                <a:spcPct val="100000"/>
-              </a:lnSpc>
-              <a:buClr>
-                <a:srgbClr val="000000"/>
-              </a:buClr>
-              <a:buSzPct val="45000"/>
-              <a:buFont typeface="Wingdings" charset="2"/>
-              <a:buChar char=""/>
-            </a:pPr>
-            <a:r>
-              <a:rPr b="0" lang="en-US" sz="2400" spc="-1" strike="noStrike">
-                <a:solidFill>
-                  <a:srgbClr val="000000"/>
-                </a:solidFill>
-                <a:uFill>
-                  <a:solidFill>
-                    <a:srgbClr val="ffffff"/>
-                  </a:solidFill>
-                </a:uFill>
-                <a:latin typeface="Calibri"/>
-                <a:ea typeface="DejaVu Sans"/>
-              </a:rPr>
-              <a:t>Went for persisting editor data into json</a:t>
+              <a:t> </a:t>
             </a:r>
             <a:endParaRPr b="0" lang="en-US" sz="1800" spc="-1" strike="noStrike">
               <a:solidFill>
@@ -5038,6 +4674,513 @@
               <a:latin typeface="Arial"/>
             </a:endParaRPr>
           </a:p>
+        </p:txBody>
+      </p:sp>
+      <p:graphicFrame>
+        <p:nvGraphicFramePr>
+          <p:cNvPr id="117" name="Table 4"/>
+          <p:cNvGraphicFramePr/>
+          <p:nvPr/>
+        </p:nvGraphicFramePr>
+        <p:xfrm>
+          <a:off x="1817640" y="3242880"/>
+          <a:ext cx="4400280" cy="1629360"/>
+        </p:xfrm>
+        <a:graphic>
+          <a:graphicData uri="http://schemas.openxmlformats.org/drawingml/2006/table">
+            <a:tbl>
+              <a:tblPr/>
+              <a:tblGrid>
+                <a:gridCol w="4006080"/>
+              </a:tblGrid>
+              <a:tr h="719640">
+                <a:tc>
+                  <a:txBody>
+                    <a:bodyPr lIns="90000" rIns="90000" tIns="46800" bIns="46800"/>
+                    <a:p>
+                      <a:r>
+                        <a:rPr b="0" lang="en-US" sz="1800" spc="-1" strike="noStrike">
+                          <a:solidFill>
+                            <a:srgbClr val="000000"/>
+                          </a:solidFill>
+                          <a:uFill>
+                            <a:solidFill>
+                              <a:srgbClr val="ffffff"/>
+                            </a:solidFill>
+                          </a:uFill>
+                          <a:latin typeface="Arial"/>
+                        </a:rPr>
+                        <a:t>waveformOperations</a:t>
+                      </a:r>
+                      <a:endParaRPr b="0" lang="en-US" sz="1800" spc="-1" strike="noStrike">
+                        <a:solidFill>
+                          <a:srgbClr val="000000"/>
+                        </a:solidFill>
+                        <a:uFill>
+                          <a:solidFill>
+                            <a:srgbClr val="ffffff"/>
+                          </a:solidFill>
+                        </a:uFill>
+                        <a:latin typeface="Arial"/>
+                      </a:endParaRPr>
+                    </a:p>
+                    <a:p>
+                      <a:r>
+                        <a:rPr b="0" lang="en-US" sz="1800" spc="-1" strike="noStrike">
+                          <a:solidFill>
+                            <a:srgbClr val="000000"/>
+                          </a:solidFill>
+                          <a:uFill>
+                            <a:solidFill>
+                              <a:srgbClr val="ffffff"/>
+                            </a:solidFill>
+                          </a:uFill>
+                          <a:latin typeface="Arial"/>
+                        </a:rPr>
+                        <a:t>	</a:t>
+                      </a:r>
+                      <a:r>
+                        <a:rPr b="0" lang="en-US" sz="1800" spc="-1" strike="noStrike">
+                          <a:solidFill>
+                            <a:srgbClr val="000000"/>
+                          </a:solidFill>
+                          <a:uFill>
+                            <a:solidFill>
+                              <a:srgbClr val="ffffff"/>
+                            </a:solidFill>
+                          </a:uFill>
+                          <a:latin typeface="Arial"/>
+                        </a:rPr>
+                        <a:t>.add(</a:t>
+                      </a:r>
+                      <a:endParaRPr b="0" lang="en-US" sz="1800" spc="-1" strike="noStrike">
+                        <a:solidFill>
+                          <a:srgbClr val="000000"/>
+                        </a:solidFill>
+                        <a:uFill>
+                          <a:solidFill>
+                            <a:srgbClr val="ffffff"/>
+                          </a:solidFill>
+                        </a:uFill>
+                        <a:latin typeface="Arial"/>
+                      </a:endParaRPr>
+                    </a:p>
+                    <a:p>
+                      <a:r>
+                        <a:rPr b="0" lang="en-US" sz="1800" spc="-1" strike="noStrike">
+                          <a:solidFill>
+                            <a:srgbClr val="000000"/>
+                          </a:solidFill>
+                          <a:uFill>
+                            <a:solidFill>
+                              <a:srgbClr val="ffffff"/>
+                            </a:solidFill>
+                          </a:uFill>
+                          <a:latin typeface="Arial"/>
+                        </a:rPr>
+                        <a:t>	</a:t>
+                      </a:r>
+                      <a:r>
+                        <a:rPr b="0" lang="en-US" sz="1800" spc="-1" strike="noStrike">
+                          <a:solidFill>
+                            <a:srgbClr val="000000"/>
+                          </a:solidFill>
+                          <a:uFill>
+                            <a:solidFill>
+                              <a:srgbClr val="ffffff"/>
+                            </a:solidFill>
+                          </a:uFill>
+                          <a:latin typeface="Arial"/>
+                        </a:rPr>
+                        <a:t>	</a:t>
+                      </a:r>
+                      <a:r>
+                        <a:rPr b="0" lang="en-US" sz="1800" spc="-1" strike="noStrike">
+                          <a:solidFill>
+                            <a:srgbClr val="000000"/>
+                          </a:solidFill>
+                          <a:uFill>
+                            <a:solidFill>
+                              <a:srgbClr val="ffffff"/>
+                            </a:solidFill>
+                          </a:uFill>
+                          <a:latin typeface="Arial"/>
+                        </a:rPr>
+                        <a:t>new Operation(</a:t>
+                      </a:r>
+                      <a:endParaRPr b="0" lang="en-US" sz="1800" spc="-1" strike="noStrike">
+                        <a:solidFill>
+                          <a:srgbClr val="000000"/>
+                        </a:solidFill>
+                        <a:uFill>
+                          <a:solidFill>
+                            <a:srgbClr val="ffffff"/>
+                          </a:solidFill>
+                        </a:uFill>
+                        <a:latin typeface="Arial"/>
+                      </a:endParaRPr>
+                    </a:p>
+                    <a:p>
+                      <a:r>
+                        <a:rPr b="0" lang="en-US" sz="1800" spc="-1" strike="noStrike">
+                          <a:solidFill>
+                            <a:srgbClr val="000000"/>
+                          </a:solidFill>
+                          <a:uFill>
+                            <a:solidFill>
+                              <a:srgbClr val="ffffff"/>
+                            </a:solidFill>
+                          </a:uFill>
+                          <a:latin typeface="Arial"/>
+                        </a:rPr>
+                        <a:t>	</a:t>
+                      </a:r>
+                      <a:r>
+                        <a:rPr b="0" lang="en-US" sz="1800" spc="-1" strike="noStrike">
+                          <a:solidFill>
+                            <a:srgbClr val="000000"/>
+                          </a:solidFill>
+                          <a:uFill>
+                            <a:solidFill>
+                              <a:srgbClr val="ffffff"/>
+                            </a:solidFill>
+                          </a:uFill>
+                          <a:latin typeface="Arial"/>
+                        </a:rPr>
+                        <a:t>	</a:t>
+                      </a:r>
+                      <a:r>
+                        <a:rPr b="0" lang="en-US" sz="1800" spc="-1" strike="noStrike">
+                          <a:solidFill>
+                            <a:srgbClr val="000000"/>
+                          </a:solidFill>
+                          <a:uFill>
+                            <a:solidFill>
+                              <a:srgbClr val="ffffff"/>
+                            </a:solidFill>
+                          </a:uFill>
+                          <a:latin typeface="Arial"/>
+                        </a:rPr>
+                        <a:t>	</a:t>
+                      </a:r>
+                      <a:r>
+                        <a:rPr b="0" lang="en-US" sz="1800" spc="-1" strike="noStrike">
+                          <a:solidFill>
+                            <a:srgbClr val="000000"/>
+                          </a:solidFill>
+                          <a:uFill>
+                            <a:solidFill>
+                              <a:srgbClr val="ffffff"/>
+                            </a:solidFill>
+                          </a:uFill>
+                          <a:latin typeface="Arial"/>
+                        </a:rPr>
+                        <a:t>name: 'Division'</a:t>
+                      </a:r>
+                      <a:endParaRPr b="0" lang="en-US" sz="1800" spc="-1" strike="noStrike">
+                        <a:solidFill>
+                          <a:srgbClr val="000000"/>
+                        </a:solidFill>
+                        <a:uFill>
+                          <a:solidFill>
+                            <a:srgbClr val="ffffff"/>
+                          </a:solidFill>
+                        </a:uFill>
+                        <a:latin typeface="Arial"/>
+                      </a:endParaRPr>
+                    </a:p>
+                    <a:p>
+                      <a:r>
+                        <a:rPr b="0" lang="en-US" sz="1800" spc="-1" strike="noStrike">
+                          <a:solidFill>
+                            <a:srgbClr val="000000"/>
+                          </a:solidFill>
+                          <a:uFill>
+                            <a:solidFill>
+                              <a:srgbClr val="ffffff"/>
+                            </a:solidFill>
+                          </a:uFill>
+                          <a:latin typeface="Arial"/>
+                        </a:rPr>
+                        <a:t>	</a:t>
+                      </a:r>
+                      <a:r>
+                        <a:rPr b="0" lang="en-US" sz="1800" spc="-1" strike="noStrike">
+                          <a:solidFill>
+                            <a:srgbClr val="000000"/>
+                          </a:solidFill>
+                          <a:uFill>
+                            <a:solidFill>
+                              <a:srgbClr val="ffffff"/>
+                            </a:solidFill>
+                          </a:uFill>
+                          <a:latin typeface="Arial"/>
+                        </a:rPr>
+                        <a:t>	</a:t>
+                      </a:r>
+                      <a:r>
+                        <a:rPr b="0" lang="en-US" sz="1800" spc="-1" strike="noStrike">
+                          <a:solidFill>
+                            <a:srgbClr val="000000"/>
+                          </a:solidFill>
+                          <a:uFill>
+                            <a:solidFill>
+                              <a:srgbClr val="ffffff"/>
+                            </a:solidFill>
+                          </a:uFill>
+                          <a:latin typeface="Arial"/>
+                        </a:rPr>
+                        <a:t>)</a:t>
+                      </a:r>
+                      <a:endParaRPr b="0" lang="en-US" sz="1800" spc="-1" strike="noStrike">
+                        <a:solidFill>
+                          <a:srgbClr val="000000"/>
+                        </a:solidFill>
+                        <a:uFill>
+                          <a:solidFill>
+                            <a:srgbClr val="ffffff"/>
+                          </a:solidFill>
+                        </a:uFill>
+                        <a:latin typeface="Arial"/>
+                      </a:endParaRPr>
+                    </a:p>
+                    <a:p>
+                      <a:r>
+                        <a:rPr b="0" lang="en-US" sz="1800" spc="-1" strike="noStrike">
+                          <a:solidFill>
+                            <a:srgbClr val="000000"/>
+                          </a:solidFill>
+                          <a:uFill>
+                            <a:solidFill>
+                              <a:srgbClr val="ffffff"/>
+                            </a:solidFill>
+                          </a:uFill>
+                          <a:latin typeface="Arial"/>
+                        </a:rPr>
+                        <a:t>	</a:t>
+                      </a:r>
+                      <a:r>
+                        <a:rPr b="0" lang="en-US" sz="1800" spc="-1" strike="noStrike">
+                          <a:solidFill>
+                            <a:srgbClr val="000000"/>
+                          </a:solidFill>
+                          <a:uFill>
+                            <a:solidFill>
+                              <a:srgbClr val="ffffff"/>
+                            </a:solidFill>
+                          </a:uFill>
+                          <a:latin typeface="Arial"/>
+                        </a:rPr>
+                        <a:t>)</a:t>
+                      </a:r>
+                      <a:endParaRPr b="0" lang="en-US" sz="1800" spc="-1" strike="noStrike">
+                        <a:solidFill>
+                          <a:srgbClr val="000000"/>
+                        </a:solidFill>
+                        <a:uFill>
+                          <a:solidFill>
+                            <a:srgbClr val="ffffff"/>
+                          </a:solidFill>
+                        </a:uFill>
+                        <a:latin typeface="Arial"/>
+                      </a:endParaRPr>
+                    </a:p>
+                  </a:txBody>
+                  <a:tcPr marL="90000" marR="90000">
+                    <a:lnL w="720">
+                      <a:solidFill>
+                        <a:srgbClr val="ffffff"/>
+                      </a:solidFill>
+                    </a:lnL>
+                    <a:lnR w="720">
+                      <a:solidFill>
+                        <a:srgbClr val="ffffff"/>
+                      </a:solidFill>
+                    </a:lnR>
+                    <a:lnT w="720">
+                      <a:solidFill>
+                        <a:srgbClr val="ffffff"/>
+                      </a:solidFill>
+                    </a:lnT>
+                    <a:lnB w="720">
+                      <a:solidFill>
+                        <a:srgbClr val="ffffff"/>
+                      </a:solidFill>
+                    </a:lnB>
+                    <a:solidFill>
+                      <a:srgbClr val="e6e6e6"/>
+                    </a:solidFill>
+                  </a:tcPr>
+                </a:tc>
+              </a:tr>
+            </a:tbl>
+          </a:graphicData>
+        </a:graphic>
+      </p:graphicFrame>
+    </p:spTree>
+  </p:cSld>
+  <p:timing>
+    <p:tnLst>
+      <p:par>
+        <p:cTn id="19" dur="indefinite" restart="never" nodeType="tmRoot">
+          <p:childTnLst>
+            <p:seq>
+              <p:cTn id="20" nodeType="mainSeq"/>
+              <p:prevCondLst>
+                <p:cond delay="0" evt="onPrev">
+                  <p:tgtEl>
+                    <p:sldTgt/>
+                  </p:tgtEl>
+                </p:cond>
+              </p:prevCondLst>
+              <p:nextCondLst>
+                <p:cond delay="0" evt="onNext">
+                  <p:tgtEl>
+                    <p:sldTgt/>
+                  </p:tgtEl>
+                </p:cond>
+              </p:nextCondLst>
+            </p:seq>
+          </p:childTnLst>
+        </p:cTn>
+      </p:par>
+    </p:tnLst>
+  </p:timing>
+</p:sld>
+</file>
+
+<file path=ppt/slides/slide11.xml><?xml version="1.0" encoding="utf-8"?>
+<p:sld xmlns:a="http://schemas.openxmlformats.org/drawingml/2006/main" xmlns:p="http://schemas.openxmlformats.org/presentationml/2006/main" xmlns:r="http://schemas.openxmlformats.org/officeDocument/2006/relationships" xmlns:p14="http://schemas.microsoft.com/office/powerpoint/2010/main" xmlns:p15="http://schemas.microsoft.com/office/powerpoint/2012/main" xmlns:mc="http://schemas.openxmlformats.org/markup-compatibility/2006">
+  <p:cSld>
+    <p:spTree>
+      <p:nvGrpSpPr>
+        <p:cNvPr id="1" name=""/>
+        <p:cNvGrpSpPr/>
+        <p:nvPr/>
+      </p:nvGrpSpPr>
+      <p:grpSpPr>
+        <a:xfrm>
+          <a:off x="0" y="0"/>
+          <a:ext cx="0" cy="0"/>
+          <a:chOff x="0" y="0"/>
+          <a:chExt cx="0" cy="0"/>
+        </a:xfrm>
+      </p:grpSpPr>
+      <p:sp>
+        <p:nvSpPr>
+          <p:cNvPr id="118" name="CustomShape 1"/>
+          <p:cNvSpPr/>
+          <p:nvPr/>
+        </p:nvSpPr>
+        <p:spPr>
+          <a:xfrm>
+            <a:off x="457200" y="32040"/>
+            <a:ext cx="8227440" cy="1140840"/>
+          </a:xfrm>
+          <a:prstGeom prst="rect">
+            <a:avLst/>
+          </a:prstGeom>
+          <a:noFill/>
+          <a:ln>
+            <a:noFill/>
+          </a:ln>
+        </p:spPr>
+        <p:style>
+          <a:lnRef idx="0"/>
+          <a:fillRef idx="0"/>
+          <a:effectRef idx="0"/>
+          <a:fontRef idx="minor"/>
+        </p:style>
+        <p:txBody>
+          <a:bodyPr lIns="90000" rIns="90000" tIns="45000" bIns="45000" anchor="ctr"/>
+          <a:p>
+            <a:pPr>
+              <a:lnSpc>
+                <a:spcPct val="100000"/>
+              </a:lnSpc>
+            </a:pPr>
+            <a:r>
+              <a:rPr b="1" lang="en-US" sz="3200" spc="-1" strike="noStrike">
+                <a:solidFill>
+                  <a:srgbClr val="1d3455"/>
+                </a:solidFill>
+                <a:uFill>
+                  <a:solidFill>
+                    <a:srgbClr val="ffffff"/>
+                  </a:solidFill>
+                </a:uFill>
+                <a:latin typeface="Calibri"/>
+                <a:ea typeface="DejaVu Sans"/>
+              </a:rPr>
+              <a:t>DEMO</a:t>
+            </a:r>
+            <a:endParaRPr b="0" lang="en-US" sz="1800" spc="-1" strike="noStrike">
+              <a:solidFill>
+                <a:srgbClr val="000000"/>
+              </a:solidFill>
+              <a:uFill>
+                <a:solidFill>
+                  <a:srgbClr val="ffffff"/>
+                </a:solidFill>
+              </a:uFill>
+              <a:latin typeface="Arial"/>
+            </a:endParaRPr>
+          </a:p>
+        </p:txBody>
+      </p:sp>
+      <p:sp>
+        <p:nvSpPr>
+          <p:cNvPr id="119" name="CustomShape 2"/>
+          <p:cNvSpPr/>
+          <p:nvPr/>
+        </p:nvSpPr>
+        <p:spPr>
+          <a:xfrm>
+            <a:off x="7164360" y="6520320"/>
+            <a:ext cx="1520280" cy="362880"/>
+          </a:xfrm>
+          <a:prstGeom prst="rect">
+            <a:avLst/>
+          </a:prstGeom>
+          <a:noFill/>
+          <a:ln>
+            <a:noFill/>
+          </a:ln>
+        </p:spPr>
+        <p:style>
+          <a:lnRef idx="0"/>
+          <a:fillRef idx="0"/>
+          <a:effectRef idx="0"/>
+          <a:fontRef idx="minor"/>
+        </p:style>
+      </p:sp>
+      <p:sp>
+        <p:nvSpPr>
+          <p:cNvPr id="120" name="CustomShape 3"/>
+          <p:cNvSpPr/>
+          <p:nvPr/>
+        </p:nvSpPr>
+        <p:spPr>
+          <a:xfrm>
+            <a:off x="457200" y="1600200"/>
+            <a:ext cx="8227440" cy="4523760"/>
+          </a:xfrm>
+          <a:prstGeom prst="rect">
+            <a:avLst/>
+          </a:prstGeom>
+          <a:noFill/>
+          <a:ln>
+            <a:noFill/>
+          </a:ln>
+        </p:spPr>
+        <p:style>
+          <a:lnRef idx="0"/>
+          <a:fillRef idx="0"/>
+          <a:effectRef idx="0"/>
+          <a:fontRef idx="minor"/>
+        </p:style>
+        <p:txBody>
+          <a:bodyPr lIns="90000" rIns="90000" tIns="45000" bIns="45000"/>
           <a:p>
             <a:pPr marL="343080" indent="-340920">
               <a:lnSpc>
@@ -5062,85 +5205,7 @@
                 <a:latin typeface="Calibri"/>
                 <a:ea typeface="DejaVu Sans"/>
               </a:rPr>
-              <a:t>Using Java Enum class in both editor groovy scripts and logic groovy scripts</a:t>
-            </a:r>
-            <a:endParaRPr b="0" lang="en-US" sz="1800" spc="-1" strike="noStrike">
-              <a:solidFill>
-                <a:srgbClr val="000000"/>
-              </a:solidFill>
-              <a:uFill>
-                <a:solidFill>
-                  <a:srgbClr val="ffffff"/>
-                </a:solidFill>
-              </a:uFill>
-              <a:latin typeface="Arial"/>
-            </a:endParaRPr>
-          </a:p>
-          <a:p>
-            <a:pPr lvl="2" marL="648000" indent="-215640">
-              <a:lnSpc>
-                <a:spcPct val="100000"/>
-              </a:lnSpc>
-              <a:buClr>
-                <a:srgbClr val="000000"/>
-              </a:buClr>
-              <a:buSzPct val="45000"/>
-              <a:buFont typeface="Wingdings" charset="2"/>
-              <a:buChar char=""/>
-            </a:pPr>
-            <a:r>
-              <a:rPr b="0" lang="en-US" sz="2400" spc="-1" strike="noStrike">
-                <a:solidFill>
-                  <a:srgbClr val="000000"/>
-                </a:solidFill>
-                <a:uFill>
-                  <a:solidFill>
-                    <a:srgbClr val="ffffff"/>
-                  </a:solidFill>
-                </a:uFill>
-                <a:latin typeface="Calibri"/>
-                <a:ea typeface="DejaVu Sans"/>
-              </a:rPr>
-              <a:t>Went for using enums as groovy script &amp;</a:t>
-            </a:r>
-            <a:endParaRPr b="0" lang="en-US" sz="1800" spc="-1" strike="noStrike">
-              <a:solidFill>
-                <a:srgbClr val="000000"/>
-              </a:solidFill>
-              <a:uFill>
-                <a:solidFill>
-                  <a:srgbClr val="ffffff"/>
-                </a:solidFill>
-              </a:uFill>
-              <a:latin typeface="Arial"/>
-            </a:endParaRPr>
-          </a:p>
-          <a:p>
-            <a:pPr lvl="2" marL="648000" indent="-215640">
-              <a:lnSpc>
-                <a:spcPct val="100000"/>
-              </a:lnSpc>
-              <a:buClr>
-                <a:srgbClr val="000000"/>
-              </a:buClr>
-              <a:buSzPct val="45000"/>
-              <a:buFont typeface="Wingdings" charset="2"/>
-              <a:buChar char=""/>
-            </a:pPr>
-            <a:r>
-              <a:rPr b="0" lang="en-US" sz="2400" spc="-1" strike="noStrike">
-                <a:solidFill>
-                  <a:srgbClr val="000000"/>
-                </a:solidFill>
-                <a:uFill>
-                  <a:solidFill>
-                    <a:srgbClr val="ffffff"/>
-                  </a:solidFill>
-                </a:uFill>
-                <a:latin typeface="Calibri"/>
-                <a:ea typeface="DejaVu Sans"/>
-              </a:rPr>
-              <a:t>loading via groovy class loader </a:t>
+              <a:t> </a:t>
             </a:r>
             <a:endParaRPr b="0" lang="en-US" sz="1800" spc="-1" strike="noStrike">
               <a:solidFill>
@@ -5225,7 +5290,7 @@
       </p:grpSpPr>
       <p:sp>
         <p:nvSpPr>
-          <p:cNvPr id="117" name="CustomShape 1"/>
+          <p:cNvPr id="121" name="CustomShape 1"/>
           <p:cNvSpPr/>
           <p:nvPr/>
         </p:nvSpPr>
@@ -5269,7 +5334,7 @@
                 <a:latin typeface="Calibri"/>
                 <a:ea typeface="DejaVu Sans"/>
               </a:rPr>
-              <a:t>Conclusion &amp; Future Plans</a:t>
+              <a:t>Challenges</a:t>
             </a:r>
             <a:endParaRPr b="0" lang="en-US" sz="1800" spc="-1" strike="noStrike">
               <a:solidFill>
@@ -5287,7 +5352,7 @@
       </p:sp>
       <p:sp>
         <p:nvSpPr>
-          <p:cNvPr id="118" name="CustomShape 2"/>
+          <p:cNvPr id="122" name="CustomShape 2"/>
           <p:cNvSpPr/>
           <p:nvPr/>
         </p:nvSpPr>
@@ -5313,7 +5378,7 @@
       </p:sp>
       <p:sp>
         <p:nvSpPr>
-          <p:cNvPr id="119" name="CustomShape 3"/>
+          <p:cNvPr id="123" name="CustomShape 3"/>
           <p:cNvSpPr/>
           <p:nvPr/>
         </p:nvSpPr>
@@ -5362,7 +5427,7 @@
                 <a:latin typeface="Calibri"/>
                 <a:ea typeface="DejaVu Sans"/>
               </a:rPr>
-              <a:t>Benefit for defining a DSL is clear</a:t>
+              <a:t>Deciding whith path to take </a:t>
             </a:r>
             <a:endParaRPr b="0" lang="en-US" sz="1800" spc="-1" strike="noStrike">
               <a:solidFill>
@@ -5401,7 +5466,46 @@
                 <a:latin typeface="Calibri"/>
                 <a:ea typeface="DejaVu Sans"/>
               </a:rPr>
-              <a:t>Jsyn API can be challenging</a:t>
+              <a:t>code generation or</a:t>
+            </a:r>
+            <a:endParaRPr b="0" lang="en-US" sz="1800" spc="-1" strike="noStrike">
+              <a:solidFill>
+                <a:srgbClr val="000000"/>
+              </a:solidFill>
+              <a:uFill>
+                <a:solidFill>
+                  <a:srgbClr val="ffffff"/>
+                </a:solidFill>
+              </a:uFill>
+              <a:latin typeface="Arial"/>
+            </a:endParaRPr>
+          </a:p>
+          <a:p>
+            <a:pPr lvl="2" marL="648000" indent="-215640">
+              <a:lnSpc>
+                <a:spcPct val="100000"/>
+              </a:lnSpc>
+              <a:buClr>
+                <a:srgbClr val="000000"/>
+              </a:buClr>
+              <a:buSzPct val="45000"/>
+              <a:buFont typeface="Wingdings" charset="2"/>
+              <a:buChar char=""/>
+            </a:pPr>
+            <a:r>
+              <a:rPr b="0" lang="en-US" sz="2400" spc="-1" strike="noStrike">
+                <a:solidFill>
+                  <a:srgbClr val="000000"/>
+                </a:solidFill>
+                <a:uFill>
+                  <a:solidFill>
+                    <a:srgbClr val="ffffff"/>
+                  </a:solidFill>
+                </a:uFill>
+                <a:latin typeface="Calibri"/>
+                <a:ea typeface="DejaVu Sans"/>
+              </a:rPr>
+              <a:t>wrapper approach (winner!)</a:t>
             </a:r>
             <a:endParaRPr b="0" lang="en-US" sz="1800" spc="-1" strike="noStrike">
               <a:solidFill>
@@ -5477,7 +5581,100 @@
                 <a:latin typeface="Calibri"/>
                 <a:ea typeface="DejaVu Sans"/>
               </a:rPr>
-              <a:t> </a:t>
+              <a:t>Separate DSL editor from logic</a:t>
+            </a:r>
+            <a:r>
+              <a:rPr b="0" lang="en-US" sz="2800" spc="-1" strike="noStrike">
+                <a:solidFill>
+                  <a:srgbClr val="000000"/>
+                </a:solidFill>
+                <a:uFill>
+                  <a:solidFill>
+                    <a:srgbClr val="ffffff"/>
+                  </a:solidFill>
+                </a:uFill>
+                <a:latin typeface="Calibri"/>
+                <a:ea typeface="DejaVu Sans"/>
+              </a:rPr>
+              <a:t>	</a:t>
+            </a:r>
+            <a:endParaRPr b="0" lang="en-US" sz="1800" spc="-1" strike="noStrike">
+              <a:solidFill>
+                <a:srgbClr val="000000"/>
+              </a:solidFill>
+              <a:uFill>
+                <a:solidFill>
+                  <a:srgbClr val="ffffff"/>
+                </a:solidFill>
+              </a:uFill>
+              <a:latin typeface="Arial"/>
+            </a:endParaRPr>
+          </a:p>
+          <a:p>
+            <a:pPr lvl="2" marL="648000" indent="-215640">
+              <a:lnSpc>
+                <a:spcPct val="100000"/>
+              </a:lnSpc>
+              <a:buClr>
+                <a:srgbClr val="000000"/>
+              </a:buClr>
+              <a:buSzPct val="45000"/>
+              <a:buFont typeface="Wingdings" charset="2"/>
+              <a:buChar char=""/>
+            </a:pPr>
+            <a:r>
+              <a:rPr b="0" lang="en-US" sz="2400" spc="-1" strike="noStrike">
+                <a:solidFill>
+                  <a:srgbClr val="000000"/>
+                </a:solidFill>
+                <a:uFill>
+                  <a:solidFill>
+                    <a:srgbClr val="ffffff"/>
+                  </a:solidFill>
+                </a:uFill>
+                <a:latin typeface="Calibri"/>
+                <a:ea typeface="DejaVu Sans"/>
+              </a:rPr>
+              <a:t>Reuniting via binding </a:t>
+            </a:r>
+            <a:endParaRPr b="0" lang="en-US" sz="1800" spc="-1" strike="noStrike">
+              <a:solidFill>
+                <a:srgbClr val="000000"/>
+              </a:solidFill>
+              <a:uFill>
+                <a:solidFill>
+                  <a:srgbClr val="ffffff"/>
+                </a:solidFill>
+              </a:uFill>
+              <a:latin typeface="Arial"/>
+            </a:endParaRPr>
+          </a:p>
+          <a:p>
+            <a:pPr lvl="2" marL="648000" indent="-215640">
+              <a:lnSpc>
+                <a:spcPct val="100000"/>
+              </a:lnSpc>
+              <a:buClr>
+                <a:srgbClr val="000000"/>
+              </a:buClr>
+              <a:buSzPct val="45000"/>
+              <a:buFont typeface="Wingdings" charset="2"/>
+              <a:buChar char=""/>
+            </a:pPr>
+            <a:r>
+              <a:rPr b="0" lang="en-US" sz="2400" spc="-1" strike="noStrike">
+                <a:solidFill>
+                  <a:srgbClr val="000000"/>
+                </a:solidFill>
+                <a:uFill>
+                  <a:solidFill>
+                    <a:srgbClr val="ffffff"/>
+                  </a:solidFill>
+                </a:uFill>
+                <a:latin typeface="Calibri"/>
+                <a:ea typeface="DejaVu Sans"/>
+              </a:rPr>
+              <a:t>Went for persisting editor data into json</a:t>
             </a:r>
             <a:endParaRPr b="0" lang="en-US" sz="1800" spc="-1" strike="noStrike">
               <a:solidFill>
@@ -5515,85 +5712,7 @@
                 <a:latin typeface="Calibri"/>
                 <a:ea typeface="DejaVu Sans"/>
               </a:rPr>
-              <a:t>Ideas for future work</a:t>
-            </a:r>
-            <a:endParaRPr b="0" lang="en-US" sz="1800" spc="-1" strike="noStrike">
-              <a:solidFill>
-                <a:srgbClr val="000000"/>
-              </a:solidFill>
-              <a:uFill>
-                <a:solidFill>
-                  <a:srgbClr val="ffffff"/>
-                </a:solidFill>
-              </a:uFill>
-              <a:latin typeface="Arial"/>
-            </a:endParaRPr>
-          </a:p>
-          <a:p>
-            <a:pPr lvl="2" marL="648000" indent="-215640">
-              <a:lnSpc>
-                <a:spcPct val="100000"/>
-              </a:lnSpc>
-              <a:buClr>
-                <a:srgbClr val="000000"/>
-              </a:buClr>
-              <a:buSzPct val="45000"/>
-              <a:buFont typeface="Wingdings" charset="2"/>
-              <a:buChar char=""/>
-            </a:pPr>
-            <a:r>
-              <a:rPr b="0" lang="en-US" sz="2400" spc="-1" strike="noStrike">
-                <a:solidFill>
-                  <a:srgbClr val="000000"/>
-                </a:solidFill>
-                <a:uFill>
-                  <a:solidFill>
-                    <a:srgbClr val="ffffff"/>
-                  </a:solidFill>
-                </a:uFill>
-                <a:latin typeface="Calibri"/>
-                <a:ea typeface="DejaVu Sans"/>
-              </a:rPr>
-              <a:t>Extend the Demo with a build-in song</a:t>
-            </a:r>
-            <a:endParaRPr b="0" lang="en-US" sz="1800" spc="-1" strike="noStrike">
-              <a:solidFill>
-                <a:srgbClr val="000000"/>
-              </a:solidFill>
-              <a:uFill>
-                <a:solidFill>
-                  <a:srgbClr val="ffffff"/>
-                </a:solidFill>
-              </a:uFill>
-              <a:latin typeface="Arial"/>
-            </a:endParaRPr>
-          </a:p>
-          <a:p>
-            <a:pPr lvl="2" marL="648000" indent="-215640">
-              <a:lnSpc>
-                <a:spcPct val="100000"/>
-              </a:lnSpc>
-              <a:buClr>
-                <a:srgbClr val="000000"/>
-              </a:buClr>
-              <a:buSzPct val="45000"/>
-              <a:buFont typeface="Wingdings" charset="2"/>
-              <a:buChar char=""/>
-            </a:pPr>
-            <a:r>
-              <a:rPr b="0" lang="en-US" sz="2400" spc="-1" strike="noStrike">
-                <a:solidFill>
-                  <a:srgbClr val="000000"/>
-                </a:solidFill>
-                <a:uFill>
-                  <a:solidFill>
-                    <a:srgbClr val="ffffff"/>
-                  </a:solidFill>
-                </a:uFill>
-                <a:latin typeface="Calibri"/>
-                <a:ea typeface="DejaVu Sans"/>
-              </a:rPr>
-              <a:t>Experiment more with different Jsyn Components (Unit Generators)</a:t>
+              <a:t> </a:t>
             </a:r>
             <a:endParaRPr b="0" lang="en-US" sz="1800" spc="-1" strike="noStrike">
               <a:solidFill>
@@ -5631,8 +5750,104 @@
                 <a:latin typeface="Calibri"/>
                 <a:ea typeface="DejaVu Sans"/>
               </a:rPr>
-              <a:t> </a:t>
+              <a:t>Using Java Enum class in both editor groovy scripts and logic groovy scripts</a:t>
             </a:r>
+            <a:endParaRPr b="0" lang="en-US" sz="1800" spc="-1" strike="noStrike">
+              <a:solidFill>
+                <a:srgbClr val="000000"/>
+              </a:solidFill>
+              <a:uFill>
+                <a:solidFill>
+                  <a:srgbClr val="ffffff"/>
+                </a:solidFill>
+              </a:uFill>
+              <a:latin typeface="Arial"/>
+            </a:endParaRPr>
+          </a:p>
+          <a:p>
+            <a:pPr lvl="2" marL="648000" indent="-215640">
+              <a:lnSpc>
+                <a:spcPct val="100000"/>
+              </a:lnSpc>
+              <a:buClr>
+                <a:srgbClr val="000000"/>
+              </a:buClr>
+              <a:buSzPct val="45000"/>
+              <a:buFont typeface="Wingdings" charset="2"/>
+              <a:buChar char=""/>
+            </a:pPr>
+            <a:r>
+              <a:rPr b="0" lang="en-US" sz="2400" spc="-1" strike="noStrike">
+                <a:solidFill>
+                  <a:srgbClr val="000000"/>
+                </a:solidFill>
+                <a:uFill>
+                  <a:solidFill>
+                    <a:srgbClr val="ffffff"/>
+                  </a:solidFill>
+                </a:uFill>
+                <a:latin typeface="Calibri"/>
+                <a:ea typeface="DejaVu Sans"/>
+              </a:rPr>
+              <a:t>Went for using enums as groovy script &amp;</a:t>
+            </a:r>
+            <a:endParaRPr b="0" lang="en-US" sz="1800" spc="-1" strike="noStrike">
+              <a:solidFill>
+                <a:srgbClr val="000000"/>
+              </a:solidFill>
+              <a:uFill>
+                <a:solidFill>
+                  <a:srgbClr val="ffffff"/>
+                </a:solidFill>
+              </a:uFill>
+              <a:latin typeface="Arial"/>
+            </a:endParaRPr>
+          </a:p>
+          <a:p>
+            <a:pPr lvl="2" marL="648000" indent="-215640">
+              <a:lnSpc>
+                <a:spcPct val="100000"/>
+              </a:lnSpc>
+              <a:buClr>
+                <a:srgbClr val="000000"/>
+              </a:buClr>
+              <a:buSzPct val="45000"/>
+              <a:buFont typeface="Wingdings" charset="2"/>
+              <a:buChar char=""/>
+            </a:pPr>
+            <a:r>
+              <a:rPr b="0" lang="en-US" sz="2400" spc="-1" strike="noStrike">
+                <a:solidFill>
+                  <a:srgbClr val="000000"/>
+                </a:solidFill>
+                <a:uFill>
+                  <a:solidFill>
+                    <a:srgbClr val="ffffff"/>
+                  </a:solidFill>
+                </a:uFill>
+                <a:latin typeface="Calibri"/>
+                <a:ea typeface="DejaVu Sans"/>
+              </a:rPr>
+              <a:t>loading via groovy class loader </a:t>
+            </a:r>
+            <a:endParaRPr b="0" lang="en-US" sz="1800" spc="-1" strike="noStrike">
+              <a:solidFill>
+                <a:srgbClr val="000000"/>
+              </a:solidFill>
+              <a:uFill>
+                <a:solidFill>
+                  <a:srgbClr val="ffffff"/>
+                </a:solidFill>
+              </a:uFill>
+              <a:latin typeface="Arial"/>
+            </a:endParaRPr>
+          </a:p>
+          <a:p>
+            <a:pPr>
+              <a:lnSpc>
+                <a:spcPct val="100000"/>
+              </a:lnSpc>
+            </a:pPr>
             <a:endParaRPr b="0" lang="en-US" sz="1800" spc="-1" strike="noStrike">
               <a:solidFill>
                 <a:srgbClr val="000000"/>
@@ -5656,6 +5871,479 @@
           <p:childTnLst>
             <p:seq>
               <p:cTn id="24" nodeType="mainSeq"/>
+              <p:prevCondLst>
+                <p:cond delay="0" evt="onPrev">
+                  <p:tgtEl>
+                    <p:sldTgt/>
+                  </p:tgtEl>
+                </p:cond>
+              </p:prevCondLst>
+              <p:nextCondLst>
+                <p:cond delay="0" evt="onNext">
+                  <p:tgtEl>
+                    <p:sldTgt/>
+                  </p:tgtEl>
+                </p:cond>
+              </p:nextCondLst>
+            </p:seq>
+          </p:childTnLst>
+        </p:cTn>
+      </p:par>
+    </p:tnLst>
+  </p:timing>
+</p:sld>
+</file>
+
+<file path=ppt/slides/slide13.xml><?xml version="1.0" encoding="utf-8"?>
+<p:sld xmlns:a="http://schemas.openxmlformats.org/drawingml/2006/main" xmlns:p="http://schemas.openxmlformats.org/presentationml/2006/main" xmlns:r="http://schemas.openxmlformats.org/officeDocument/2006/relationships" xmlns:p14="http://schemas.microsoft.com/office/powerpoint/2010/main" xmlns:p15="http://schemas.microsoft.com/office/powerpoint/2012/main" xmlns:mc="http://schemas.openxmlformats.org/markup-compatibility/2006">
+  <p:cSld>
+    <p:spTree>
+      <p:nvGrpSpPr>
+        <p:cNvPr id="1" name=""/>
+        <p:cNvGrpSpPr/>
+        <p:nvPr/>
+      </p:nvGrpSpPr>
+      <p:grpSpPr>
+        <a:xfrm>
+          <a:off x="0" y="0"/>
+          <a:ext cx="0" cy="0"/>
+          <a:chOff x="0" y="0"/>
+          <a:chExt cx="0" cy="0"/>
+        </a:xfrm>
+      </p:grpSpPr>
+      <p:sp>
+        <p:nvSpPr>
+          <p:cNvPr id="124" name="CustomShape 1"/>
+          <p:cNvSpPr/>
+          <p:nvPr/>
+        </p:nvSpPr>
+        <p:spPr>
+          <a:xfrm>
+            <a:off x="457200" y="32040"/>
+            <a:ext cx="8227440" cy="1140840"/>
+          </a:xfrm>
+          <a:prstGeom prst="rect">
+            <a:avLst/>
+          </a:prstGeom>
+          <a:noFill/>
+          <a:ln>
+            <a:noFill/>
+          </a:ln>
+        </p:spPr>
+        <p:style>
+          <a:lnRef idx="0"/>
+          <a:fillRef idx="0"/>
+          <a:effectRef idx="0"/>
+          <a:fontRef idx="minor"/>
+        </p:style>
+        <p:txBody>
+          <a:bodyPr lIns="90000" rIns="90000" tIns="45000" bIns="45000" anchor="ctr"/>
+          <a:p>
+            <a:pPr>
+              <a:lnSpc>
+                <a:spcPct val="100000"/>
+              </a:lnSpc>
+            </a:pPr>
+            <a:r>
+              <a:rPr b="1" lang="en-US" sz="3200" spc="-1" strike="noStrike">
+                <a:solidFill>
+                  <a:srgbClr val="1d3455"/>
+                </a:solidFill>
+                <a:uFill>
+                  <a:solidFill>
+                    <a:srgbClr val="ffffff"/>
+                  </a:solidFill>
+                </a:uFill>
+                <a:latin typeface="Calibri"/>
+                <a:ea typeface="DejaVu Sans"/>
+              </a:rPr>
+              <a:t>Conclusion &amp; Future Plans</a:t>
+            </a:r>
+            <a:endParaRPr b="0" lang="en-US" sz="1800" spc="-1" strike="noStrike">
+              <a:solidFill>
+                <a:srgbClr val="000000"/>
+              </a:solidFill>
+              <a:uFill>
+                <a:solidFill>
+                  <a:srgbClr val="ffffff"/>
+                </a:solidFill>
+              </a:uFill>
+              <a:latin typeface="Arial"/>
+            </a:endParaRPr>
+          </a:p>
+        </p:txBody>
+      </p:sp>
+      <p:sp>
+        <p:nvSpPr>
+          <p:cNvPr id="125" name="CustomShape 2"/>
+          <p:cNvSpPr/>
+          <p:nvPr/>
+        </p:nvSpPr>
+        <p:spPr>
+          <a:xfrm>
+            <a:off x="7164360" y="6520320"/>
+            <a:ext cx="1520280" cy="362880"/>
+          </a:xfrm>
+          <a:prstGeom prst="rect">
+            <a:avLst/>
+          </a:prstGeom>
+          <a:noFill/>
+          <a:ln>
+            <a:noFill/>
+          </a:ln>
+        </p:spPr>
+        <p:style>
+          <a:lnRef idx="0"/>
+          <a:fillRef idx="0"/>
+          <a:effectRef idx="0"/>
+          <a:fontRef idx="minor"/>
+        </p:style>
+      </p:sp>
+      <p:sp>
+        <p:nvSpPr>
+          <p:cNvPr id="126" name="CustomShape 3"/>
+          <p:cNvSpPr/>
+          <p:nvPr/>
+        </p:nvSpPr>
+        <p:spPr>
+          <a:xfrm>
+            <a:off x="457200" y="1600200"/>
+            <a:ext cx="8227440" cy="4523760"/>
+          </a:xfrm>
+          <a:prstGeom prst="rect">
+            <a:avLst/>
+          </a:prstGeom>
+          <a:noFill/>
+          <a:ln>
+            <a:noFill/>
+          </a:ln>
+        </p:spPr>
+        <p:style>
+          <a:lnRef idx="0"/>
+          <a:fillRef idx="0"/>
+          <a:effectRef idx="0"/>
+          <a:fontRef idx="minor"/>
+        </p:style>
+        <p:txBody>
+          <a:bodyPr lIns="90000" rIns="90000" tIns="45000" bIns="45000"/>
+          <a:p>
+            <a:pPr marL="343080" indent="-340920">
+              <a:lnSpc>
+                <a:spcPct val="100000"/>
+              </a:lnSpc>
+              <a:buClr>
+                <a:srgbClr val="1d3455"/>
+              </a:buClr>
+              <a:buFont typeface="Wingdings" charset="2"/>
+              <a:buChar char=""/>
+            </a:pPr>
+            <a:r>
+              <a:rPr b="0" lang="en-US" sz="2800" spc="-1" strike="noStrike">
+                <a:solidFill>
+                  <a:srgbClr val="000000"/>
+                </a:solidFill>
+                <a:uFill>
+                  <a:solidFill>
+                    <a:srgbClr val="ffffff"/>
+                  </a:solidFill>
+                </a:uFill>
+                <a:latin typeface="Calibri"/>
+                <a:ea typeface="DejaVu Sans"/>
+              </a:rPr>
+              <a:t>Benefit for defining a DSL is clear</a:t>
+            </a:r>
+            <a:endParaRPr b="0" lang="en-US" sz="1800" spc="-1" strike="noStrike">
+              <a:solidFill>
+                <a:srgbClr val="000000"/>
+              </a:solidFill>
+              <a:uFill>
+                <a:solidFill>
+                  <a:srgbClr val="ffffff"/>
+                </a:solidFill>
+              </a:uFill>
+              <a:latin typeface="Arial"/>
+            </a:endParaRPr>
+          </a:p>
+          <a:p>
+            <a:pPr lvl="2" marL="648000" indent="-215640">
+              <a:lnSpc>
+                <a:spcPct val="100000"/>
+              </a:lnSpc>
+              <a:buClr>
+                <a:srgbClr val="000000"/>
+              </a:buClr>
+              <a:buSzPct val="45000"/>
+              <a:buFont typeface="Wingdings" charset="2"/>
+              <a:buChar char=""/>
+            </a:pPr>
+            <a:r>
+              <a:rPr b="0" lang="en-US" sz="2400" spc="-1" strike="noStrike">
+                <a:solidFill>
+                  <a:srgbClr val="000000"/>
+                </a:solidFill>
+                <a:uFill>
+                  <a:solidFill>
+                    <a:srgbClr val="ffffff"/>
+                  </a:solidFill>
+                </a:uFill>
+                <a:latin typeface="Calibri"/>
+                <a:ea typeface="DejaVu Sans"/>
+              </a:rPr>
+              <a:t>Jsyn API can be challenging</a:t>
+            </a:r>
+            <a:endParaRPr b="0" lang="en-US" sz="1800" spc="-1" strike="noStrike">
+              <a:solidFill>
+                <a:srgbClr val="000000"/>
+              </a:solidFill>
+              <a:uFill>
+                <a:solidFill>
+                  <a:srgbClr val="ffffff"/>
+                </a:solidFill>
+              </a:uFill>
+              <a:latin typeface="Arial"/>
+            </a:endParaRPr>
+          </a:p>
+          <a:p>
+            <a:pPr marL="343080" indent="-340920">
+              <a:lnSpc>
+                <a:spcPct val="100000"/>
+              </a:lnSpc>
+              <a:buClr>
+                <a:srgbClr val="1d3455"/>
+              </a:buClr>
+              <a:buFont typeface="Wingdings" charset="2"/>
+              <a:buChar char=""/>
+            </a:pPr>
+            <a:r>
+              <a:rPr b="0" lang="en-US" sz="2800" spc="-1" strike="noStrike">
+                <a:solidFill>
+                  <a:srgbClr val="000000"/>
+                </a:solidFill>
+                <a:uFill>
+                  <a:solidFill>
+                    <a:srgbClr val="ffffff"/>
+                  </a:solidFill>
+                </a:uFill>
+                <a:latin typeface="Calibri"/>
+                <a:ea typeface="DejaVu Sans"/>
+              </a:rPr>
+              <a:t> </a:t>
+            </a:r>
+            <a:endParaRPr b="0" lang="en-US" sz="1800" spc="-1" strike="noStrike">
+              <a:solidFill>
+                <a:srgbClr val="000000"/>
+              </a:solidFill>
+              <a:uFill>
+                <a:solidFill>
+                  <a:srgbClr val="ffffff"/>
+                </a:solidFill>
+              </a:uFill>
+              <a:latin typeface="Arial"/>
+            </a:endParaRPr>
+          </a:p>
+          <a:p>
+            <a:pPr marL="343080" indent="-340920">
+              <a:lnSpc>
+                <a:spcPct val="100000"/>
+              </a:lnSpc>
+              <a:buClr>
+                <a:srgbClr val="1d3455"/>
+              </a:buClr>
+              <a:buFont typeface="Wingdings" charset="2"/>
+              <a:buChar char=""/>
+            </a:pPr>
+            <a:r>
+              <a:rPr b="0" lang="en-US" sz="2800" spc="-1" strike="noStrike">
+                <a:solidFill>
+                  <a:srgbClr val="000000"/>
+                </a:solidFill>
+                <a:uFill>
+                  <a:solidFill>
+                    <a:srgbClr val="ffffff"/>
+                  </a:solidFill>
+                </a:uFill>
+                <a:latin typeface="Calibri"/>
+                <a:ea typeface="DejaVu Sans"/>
+              </a:rPr>
+              <a:t> </a:t>
+            </a:r>
+            <a:endParaRPr b="0" lang="en-US" sz="1800" spc="-1" strike="noStrike">
+              <a:solidFill>
+                <a:srgbClr val="000000"/>
+              </a:solidFill>
+              <a:uFill>
+                <a:solidFill>
+                  <a:srgbClr val="ffffff"/>
+                </a:solidFill>
+              </a:uFill>
+              <a:latin typeface="Arial"/>
+            </a:endParaRPr>
+          </a:p>
+          <a:p>
+            <a:pPr marL="343080" indent="-340920">
+              <a:lnSpc>
+                <a:spcPct val="100000"/>
+              </a:lnSpc>
+              <a:buClr>
+                <a:srgbClr val="1d3455"/>
+              </a:buClr>
+              <a:buFont typeface="Wingdings" charset="2"/>
+              <a:buChar char=""/>
+            </a:pPr>
+            <a:r>
+              <a:rPr b="0" lang="en-US" sz="2800" spc="-1" strike="noStrike">
+                <a:solidFill>
+                  <a:srgbClr val="000000"/>
+                </a:solidFill>
+                <a:uFill>
+                  <a:solidFill>
+                    <a:srgbClr val="ffffff"/>
+                  </a:solidFill>
+                </a:uFill>
+                <a:latin typeface="Calibri"/>
+                <a:ea typeface="DejaVu Sans"/>
+              </a:rPr>
+              <a:t>Ideas for future work</a:t>
+            </a:r>
+            <a:endParaRPr b="0" lang="en-US" sz="1800" spc="-1" strike="noStrike">
+              <a:solidFill>
+                <a:srgbClr val="000000"/>
+              </a:solidFill>
+              <a:uFill>
+                <a:solidFill>
+                  <a:srgbClr val="ffffff"/>
+                </a:solidFill>
+              </a:uFill>
+              <a:latin typeface="Arial"/>
+            </a:endParaRPr>
+          </a:p>
+          <a:p>
+            <a:pPr lvl="2" marL="648000" indent="-215640">
+              <a:lnSpc>
+                <a:spcPct val="100000"/>
+              </a:lnSpc>
+              <a:buClr>
+                <a:srgbClr val="000000"/>
+              </a:buClr>
+              <a:buSzPct val="45000"/>
+              <a:buFont typeface="Wingdings" charset="2"/>
+              <a:buChar char=""/>
+            </a:pPr>
+            <a:r>
+              <a:rPr b="0" lang="en-US" sz="2400" spc="-1" strike="noStrike">
+                <a:solidFill>
+                  <a:srgbClr val="000000"/>
+                </a:solidFill>
+                <a:uFill>
+                  <a:solidFill>
+                    <a:srgbClr val="ffffff"/>
+                  </a:solidFill>
+                </a:uFill>
+                <a:latin typeface="Calibri"/>
+                <a:ea typeface="DejaVu Sans"/>
+              </a:rPr>
+              <a:t>Extend the Demo with a build-in song</a:t>
+            </a:r>
+            <a:endParaRPr b="0" lang="en-US" sz="1800" spc="-1" strike="noStrike">
+              <a:solidFill>
+                <a:srgbClr val="000000"/>
+              </a:solidFill>
+              <a:uFill>
+                <a:solidFill>
+                  <a:srgbClr val="ffffff"/>
+                </a:solidFill>
+              </a:uFill>
+              <a:latin typeface="Arial"/>
+            </a:endParaRPr>
+          </a:p>
+          <a:p>
+            <a:pPr lvl="2" marL="648000" indent="-215640">
+              <a:lnSpc>
+                <a:spcPct val="100000"/>
+              </a:lnSpc>
+              <a:buClr>
+                <a:srgbClr val="000000"/>
+              </a:buClr>
+              <a:buSzPct val="45000"/>
+              <a:buFont typeface="Wingdings" charset="2"/>
+              <a:buChar char=""/>
+            </a:pPr>
+            <a:r>
+              <a:rPr b="0" lang="en-US" sz="2400" spc="-1" strike="noStrike">
+                <a:solidFill>
+                  <a:srgbClr val="000000"/>
+                </a:solidFill>
+                <a:uFill>
+                  <a:solidFill>
+                    <a:srgbClr val="ffffff"/>
+                  </a:solidFill>
+                </a:uFill>
+                <a:latin typeface="Calibri"/>
+                <a:ea typeface="DejaVu Sans"/>
+              </a:rPr>
+              <a:t>Experiment more with different Jsyn Components (Unit Generators)</a:t>
+            </a:r>
+            <a:endParaRPr b="0" lang="en-US" sz="1800" spc="-1" strike="noStrike">
+              <a:solidFill>
+                <a:srgbClr val="000000"/>
+              </a:solidFill>
+              <a:uFill>
+                <a:solidFill>
+                  <a:srgbClr val="ffffff"/>
+                </a:solidFill>
+              </a:uFill>
+              <a:latin typeface="Arial"/>
+            </a:endParaRPr>
+          </a:p>
+          <a:p>
+            <a:pPr marL="343080" indent="-340920">
+              <a:lnSpc>
+                <a:spcPct val="100000"/>
+              </a:lnSpc>
+              <a:buClr>
+                <a:srgbClr val="1d3455"/>
+              </a:buClr>
+              <a:buFont typeface="Wingdings" charset="2"/>
+              <a:buChar char=""/>
+            </a:pPr>
+            <a:r>
+              <a:rPr b="0" lang="en-US" sz="2800" spc="-1" strike="noStrike">
+                <a:solidFill>
+                  <a:srgbClr val="000000"/>
+                </a:solidFill>
+                <a:uFill>
+                  <a:solidFill>
+                    <a:srgbClr val="ffffff"/>
+                  </a:solidFill>
+                </a:uFill>
+                <a:latin typeface="Calibri"/>
+                <a:ea typeface="DejaVu Sans"/>
+              </a:rPr>
+              <a:t> </a:t>
+            </a:r>
+            <a:endParaRPr b="0" lang="en-US" sz="1800" spc="-1" strike="noStrike">
+              <a:solidFill>
+                <a:srgbClr val="000000"/>
+              </a:solidFill>
+              <a:uFill>
+                <a:solidFill>
+                  <a:srgbClr val="ffffff"/>
+                </a:solidFill>
+              </a:uFill>
+              <a:latin typeface="Arial"/>
+            </a:endParaRPr>
+          </a:p>
+        </p:txBody>
+      </p:sp>
+    </p:spTree>
+  </p:cSld>
+  <p:timing>
+    <p:tnLst>
+      <p:par>
+        <p:cTn id="25" dur="indefinite" restart="never" nodeType="tmRoot">
+          <p:childTnLst>
+            <p:seq>
+              <p:cTn id="26" nodeType="mainSeq"/>
               <p:prevCondLst>
                 <p:cond delay="0" evt="onPrev">
                   <p:tgtEl>
@@ -6421,6 +7109,45 @@
             </a:endParaRPr>
           </a:p>
           <a:p>
+            <a:pPr lvl="2" marL="1296000" indent="-286200">
+              <a:lnSpc>
+                <a:spcPct val="100000"/>
+              </a:lnSpc>
+              <a:buClr>
+                <a:srgbClr val="000000"/>
+              </a:buClr>
+              <a:buSzPct val="45000"/>
+              <a:buFont typeface="Wingdings" charset="2"/>
+              <a:buChar char=""/>
+            </a:pPr>
+            <a:r>
+              <a:rPr b="0" lang="en-US" sz="2200" spc="-1" strike="noStrike">
+                <a:solidFill>
+                  <a:srgbClr val="000000"/>
+                </a:solidFill>
+                <a:uFill>
+                  <a:solidFill>
+                    <a:srgbClr val="ffffff"/>
+                  </a:solidFill>
+                </a:uFill>
+                <a:latin typeface="Calibri"/>
+                <a:ea typeface="DejaVu Sans"/>
+              </a:rPr>
+              <a:t> </a:t>
+            </a:r>
+            <a:endParaRPr b="0" lang="en-US" sz="1800" spc="-1" strike="noStrike">
+              <a:solidFill>
+                <a:srgbClr val="000000"/>
+              </a:solidFill>
+              <a:uFill>
+                <a:solidFill>
+                  <a:srgbClr val="ffffff"/>
+                </a:solidFill>
+              </a:uFill>
+              <a:latin typeface="Arial"/>
+            </a:endParaRPr>
+          </a:p>
+          <a:p>
             <a:pPr marL="343080" indent="-340920">
               <a:lnSpc>
                 <a:spcPct val="100000"/>
@@ -6521,7 +7248,7 @@
                 <a:latin typeface="Calibri"/>
                 <a:ea typeface="DejaVu Sans"/>
               </a:rPr>
-              <a:t>Groovy script to combine separated JSON file</a:t>
+              <a:t>Groovy script to read/write JSON data</a:t>
             </a:r>
             <a:endParaRPr b="0" lang="en-US" sz="1800" spc="-1" strike="noStrike">
               <a:solidFill>
@@ -8107,121 +8834,7 @@
                 <a:latin typeface="Calibri"/>
                 <a:ea typeface="DejaVu Sans"/>
               </a:rPr>
-              <a:t>Define Components</a:t>
-            </a:r>
-            <a:endParaRPr b="0" lang="en-US" sz="1800" spc="-1" strike="noStrike">
-              <a:solidFill>
-                <a:srgbClr val="000000"/>
-              </a:solidFill>
-              <a:uFill>
-                <a:solidFill>
-                  <a:srgbClr val="ffffff"/>
-                </a:solidFill>
-              </a:uFill>
-              <a:latin typeface="Arial"/>
-            </a:endParaRPr>
-          </a:p>
-          <a:p>
-            <a:pPr marL="343080" indent="-340920">
-              <a:lnSpc>
-                <a:spcPct val="100000"/>
-              </a:lnSpc>
-              <a:buClr>
-                <a:srgbClr val="1d3455"/>
-              </a:buClr>
-              <a:buFont typeface="Wingdings" charset="2"/>
-              <a:buChar char=""/>
-            </a:pPr>
-            <a:r>
-              <a:rPr b="0" lang="en-US" sz="2800" spc="-1" strike="noStrike">
-                <a:solidFill>
-                  <a:srgbClr val="000000"/>
-                </a:solidFill>
-                <a:uFill>
-                  <a:solidFill>
-                    <a:srgbClr val="ffffff"/>
-                  </a:solidFill>
-                </a:uFill>
-                <a:latin typeface="Calibri"/>
-                <a:ea typeface="DejaVu Sans"/>
-              </a:rPr>
-              <a:t> </a:t>
-            </a:r>
-            <a:endParaRPr b="0" lang="en-US" sz="1800" spc="-1" strike="noStrike">
-              <a:solidFill>
-                <a:srgbClr val="000000"/>
-              </a:solidFill>
-              <a:uFill>
-                <a:solidFill>
-                  <a:srgbClr val="ffffff"/>
-                </a:solidFill>
-              </a:uFill>
-              <a:latin typeface="Arial"/>
-            </a:endParaRPr>
-          </a:p>
-          <a:p>
-            <a:pPr marL="343080" indent="-340920">
-              <a:lnSpc>
-                <a:spcPct val="100000"/>
-              </a:lnSpc>
-              <a:buClr>
-                <a:srgbClr val="1d3455"/>
-              </a:buClr>
-              <a:buFont typeface="Wingdings" charset="2"/>
-              <a:buChar char=""/>
-            </a:pPr>
-            <a:r>
-              <a:rPr b="0" lang="en-US" sz="2800" spc="-1" strike="noStrike">
-                <a:solidFill>
-                  <a:srgbClr val="000000"/>
-                </a:solidFill>
-                <a:uFill>
-                  <a:solidFill>
-                    <a:srgbClr val="ffffff"/>
-                  </a:solidFill>
-                </a:uFill>
-                <a:latin typeface="Calibri"/>
-                <a:ea typeface="DejaVu Sans"/>
-              </a:rPr>
-              <a:t>TODO: add snippet</a:t>
-            </a:r>
-            <a:endParaRPr b="0" lang="en-US" sz="1800" spc="-1" strike="noStrike">
-              <a:solidFill>
-                <a:srgbClr val="000000"/>
-              </a:solidFill>
-              <a:uFill>
-                <a:solidFill>
-                  <a:srgbClr val="ffffff"/>
-                </a:solidFill>
-              </a:uFill>
-              <a:latin typeface="Arial"/>
-            </a:endParaRPr>
-          </a:p>
-          <a:p>
-            <a:pPr marL="343080" indent="-340920">
-              <a:lnSpc>
-                <a:spcPct val="100000"/>
-              </a:lnSpc>
-              <a:buClr>
-                <a:srgbClr val="1d3455"/>
-              </a:buClr>
-              <a:buFont typeface="Wingdings" charset="2"/>
-              <a:buChar char=""/>
-            </a:pPr>
-            <a:r>
-              <a:rPr b="0" lang="en-US" sz="2800" spc="-1" strike="noStrike">
-                <a:solidFill>
-                  <a:srgbClr val="000000"/>
-                </a:solidFill>
-                <a:uFill>
-                  <a:solidFill>
-                    <a:srgbClr val="ffffff"/>
-                  </a:solidFill>
-                </a:uFill>
-                <a:latin typeface="Calibri"/>
-                <a:ea typeface="DejaVu Sans"/>
-              </a:rPr>
-              <a:t> </a:t>
+              <a:t>Define Controllers and Filters </a:t>
             </a:r>
             <a:endParaRPr b="0" lang="en-US" sz="1800" spc="-1" strike="noStrike">
               <a:solidFill>
@@ -8255,6 +8868,1510 @@
           </a:p>
         </p:txBody>
       </p:sp>
+      <p:graphicFrame>
+        <p:nvGraphicFramePr>
+          <p:cNvPr id="105" name="Table 4"/>
+          <p:cNvGraphicFramePr/>
+          <p:nvPr/>
+        </p:nvGraphicFramePr>
+        <p:xfrm>
+          <a:off x="866160" y="2134080"/>
+          <a:ext cx="7818480" cy="4749480"/>
+        </p:xfrm>
+        <a:graphic>
+          <a:graphicData uri="http://schemas.openxmlformats.org/drawingml/2006/table">
+            <a:tbl>
+              <a:tblPr/>
+              <a:tblGrid>
+                <a:gridCol w="4056120"/>
+                <a:gridCol w="3762360"/>
+              </a:tblGrid>
+              <a:tr h="719640">
+                <a:tc>
+                  <a:txBody>
+                    <a:bodyPr lIns="90000" rIns="90000" tIns="46800" bIns="46800"/>
+                    <a:p>
+                      <a:r>
+                        <a:rPr b="0" lang="en-US" sz="1400" spc="-1" strike="noStrike">
+                          <a:solidFill>
+                            <a:srgbClr val="000000"/>
+                          </a:solidFill>
+                          <a:uFill>
+                            <a:solidFill>
+                              <a:srgbClr val="ffffff"/>
+                            </a:solidFill>
+                          </a:uFill>
+                          <a:latin typeface="Courier 10 Pitch"/>
+                        </a:rPr>
+                        <a:t>controls</a:t>
+                      </a:r>
+                      <a:endParaRPr b="0" lang="en-US" sz="1400" spc="-1" strike="noStrike">
+                        <a:solidFill>
+                          <a:srgbClr val="000000"/>
+                        </a:solidFill>
+                        <a:uFill>
+                          <a:solidFill>
+                            <a:srgbClr val="ffffff"/>
+                          </a:solidFill>
+                        </a:uFill>
+                        <a:latin typeface="Courier 10 Pitch"/>
+                      </a:endParaRPr>
+                    </a:p>
+                    <a:p>
+                      <a:r>
+                        <a:rPr b="0" lang="en-US" sz="1400" spc="-1" strike="noStrike">
+                          <a:solidFill>
+                            <a:srgbClr val="000000"/>
+                          </a:solidFill>
+                          <a:uFill>
+                            <a:solidFill>
+                              <a:srgbClr val="ffffff"/>
+                            </a:solidFill>
+                          </a:uFill>
+                          <a:latin typeface="Courier 10 Pitch"/>
+                        </a:rPr>
+                        <a:t>	</a:t>
+                      </a:r>
+                      <a:r>
+                        <a:rPr b="0" lang="en-US" sz="1400" spc="-1" strike="noStrike">
+                          <a:solidFill>
+                            <a:srgbClr val="000000"/>
+                          </a:solidFill>
+                          <a:uFill>
+                            <a:solidFill>
+                              <a:srgbClr val="ffffff"/>
+                            </a:solidFill>
+                          </a:uFill>
+                          <a:latin typeface="Courier 10 Pitch"/>
+                        </a:rPr>
+                        <a:t>.add(new RotaryKnob(</a:t>
+                      </a:r>
+                      <a:endParaRPr b="0" lang="en-US" sz="1400" spc="-1" strike="noStrike">
+                        <a:solidFill>
+                          <a:srgbClr val="000000"/>
+                        </a:solidFill>
+                        <a:uFill>
+                          <a:solidFill>
+                            <a:srgbClr val="ffffff"/>
+                          </a:solidFill>
+                        </a:uFill>
+                        <a:latin typeface="Courier 10 Pitch"/>
+                      </a:endParaRPr>
+                    </a:p>
+                    <a:p>
+                      <a:r>
+                        <a:rPr b="0" lang="en-US" sz="1400" spc="-1" strike="noStrike">
+                          <a:solidFill>
+                            <a:srgbClr val="000000"/>
+                          </a:solidFill>
+                          <a:uFill>
+                            <a:solidFill>
+                              <a:srgbClr val="ffffff"/>
+                            </a:solidFill>
+                          </a:uFill>
+                          <a:latin typeface="Courier 10 Pitch"/>
+                        </a:rPr>
+                        <a:t>	</a:t>
+                      </a:r>
+                      <a:r>
+                        <a:rPr b="0" lang="en-US" sz="1400" spc="-1" strike="noStrike">
+                          <a:solidFill>
+                            <a:srgbClr val="000000"/>
+                          </a:solidFill>
+                          <a:uFill>
+                            <a:solidFill>
+                              <a:srgbClr val="ffffff"/>
+                            </a:solidFill>
+                          </a:uFill>
+                          <a:latin typeface="Courier 10 Pitch"/>
+                        </a:rPr>
+                        <a:t>	</a:t>
+                      </a:r>
+                      <a:r>
+                        <a:rPr b="0" lang="en-US" sz="1400" spc="-1" strike="noStrike">
+                          <a:solidFill>
+                            <a:srgbClr val="000000"/>
+                          </a:solidFill>
+                          <a:uFill>
+                            <a:solidFill>
+                              <a:srgbClr val="ffffff"/>
+                            </a:solidFill>
+                          </a:uFill>
+                          <a:latin typeface="Courier 10 Pitch"/>
+                        </a:rPr>
+                        <a:t>	</a:t>
+                      </a:r>
+                      <a:r>
+                        <a:rPr b="0" lang="en-US" sz="1400" spc="-1" strike="noStrike">
+                          <a:solidFill>
+                            <a:srgbClr val="000000"/>
+                          </a:solidFill>
+                          <a:uFill>
+                            <a:solidFill>
+                              <a:srgbClr val="ffffff"/>
+                            </a:solidFill>
+                          </a:uFill>
+                          <a:latin typeface="Courier 10 Pitch"/>
+                        </a:rPr>
+                        <a:t>type: 'knob',</a:t>
+                      </a:r>
+                      <a:endParaRPr b="0" lang="en-US" sz="1400" spc="-1" strike="noStrike">
+                        <a:solidFill>
+                          <a:srgbClr val="000000"/>
+                        </a:solidFill>
+                        <a:uFill>
+                          <a:solidFill>
+                            <a:srgbClr val="ffffff"/>
+                          </a:solidFill>
+                        </a:uFill>
+                        <a:latin typeface="Courier 10 Pitch"/>
+                      </a:endParaRPr>
+                    </a:p>
+                    <a:p>
+                      <a:r>
+                        <a:rPr b="0" lang="en-US" sz="1400" spc="-1" strike="noStrike">
+                          <a:solidFill>
+                            <a:srgbClr val="000000"/>
+                          </a:solidFill>
+                          <a:uFill>
+                            <a:solidFill>
+                              <a:srgbClr val="ffffff"/>
+                            </a:solidFill>
+                          </a:uFill>
+                          <a:latin typeface="Courier 10 Pitch"/>
+                        </a:rPr>
+                        <a:t>	</a:t>
+                      </a:r>
+                      <a:r>
+                        <a:rPr b="0" lang="en-US" sz="1400" spc="-1" strike="noStrike">
+                          <a:solidFill>
+                            <a:srgbClr val="000000"/>
+                          </a:solidFill>
+                          <a:uFill>
+                            <a:solidFill>
+                              <a:srgbClr val="ffffff"/>
+                            </a:solidFill>
+                          </a:uFill>
+                          <a:latin typeface="Courier 10 Pitch"/>
+                        </a:rPr>
+                        <a:t>	</a:t>
+                      </a:r>
+                      <a:r>
+                        <a:rPr b="0" lang="en-US" sz="1400" spc="-1" strike="noStrike">
+                          <a:solidFill>
+                            <a:srgbClr val="000000"/>
+                          </a:solidFill>
+                          <a:uFill>
+                            <a:solidFill>
+                              <a:srgbClr val="ffffff"/>
+                            </a:solidFill>
+                          </a:uFill>
+                          <a:latin typeface="Courier 10 Pitch"/>
+                        </a:rPr>
+                        <a:t>	</a:t>
+                      </a:r>
+                      <a:r>
+                        <a:rPr b="0" lang="en-US" sz="1400" spc="-1" strike="noStrike">
+                          <a:solidFill>
+                            <a:srgbClr val="000000"/>
+                          </a:solidFill>
+                          <a:uFill>
+                            <a:solidFill>
+                              <a:srgbClr val="ffffff"/>
+                            </a:solidFill>
+                          </a:uFill>
+                          <a:latin typeface="Courier 10 Pitch"/>
+                        </a:rPr>
+                        <a:t>name: 'myKnob',</a:t>
+                      </a:r>
+                      <a:endParaRPr b="0" lang="en-US" sz="1400" spc="-1" strike="noStrike">
+                        <a:solidFill>
+                          <a:srgbClr val="000000"/>
+                        </a:solidFill>
+                        <a:uFill>
+                          <a:solidFill>
+                            <a:srgbClr val="ffffff"/>
+                          </a:solidFill>
+                        </a:uFill>
+                        <a:latin typeface="Courier 10 Pitch"/>
+                      </a:endParaRPr>
+                    </a:p>
+                    <a:p>
+                      <a:r>
+                        <a:rPr b="0" lang="en-US" sz="1400" spc="-1" strike="noStrike">
+                          <a:solidFill>
+                            <a:srgbClr val="000000"/>
+                          </a:solidFill>
+                          <a:uFill>
+                            <a:solidFill>
+                              <a:srgbClr val="ffffff"/>
+                            </a:solidFill>
+                          </a:uFill>
+                          <a:latin typeface="Courier 10 Pitch"/>
+                        </a:rPr>
+                        <a:t>	</a:t>
+                      </a:r>
+                      <a:r>
+                        <a:rPr b="0" lang="en-US" sz="1400" spc="-1" strike="noStrike">
+                          <a:solidFill>
+                            <a:srgbClr val="000000"/>
+                          </a:solidFill>
+                          <a:uFill>
+                            <a:solidFill>
+                              <a:srgbClr val="ffffff"/>
+                            </a:solidFill>
+                          </a:uFill>
+                          <a:latin typeface="Courier 10 Pitch"/>
+                        </a:rPr>
+                        <a:t>	</a:t>
+                      </a:r>
+                      <a:r>
+                        <a:rPr b="0" lang="en-US" sz="1400" spc="-1" strike="noStrike">
+                          <a:solidFill>
+                            <a:srgbClr val="000000"/>
+                          </a:solidFill>
+                          <a:uFill>
+                            <a:solidFill>
+                              <a:srgbClr val="ffffff"/>
+                            </a:solidFill>
+                          </a:uFill>
+                          <a:latin typeface="Courier 10 Pitch"/>
+                        </a:rPr>
+                        <a:t>	</a:t>
+                      </a:r>
+                      <a:r>
+                        <a:rPr b="0" lang="en-US" sz="1400" spc="-1" strike="noStrike">
+                          <a:solidFill>
+                            <a:srgbClr val="000000"/>
+                          </a:solidFill>
+                          <a:uFill>
+                            <a:solidFill>
+                              <a:srgbClr val="ffffff"/>
+                            </a:solidFill>
+                          </a:uFill>
+                          <a:latin typeface="Courier 10 Pitch"/>
+                        </a:rPr>
+                        <a:t>digits: 5</a:t>
+                      </a:r>
+                      <a:endParaRPr b="0" lang="en-US" sz="1400" spc="-1" strike="noStrike">
+                        <a:solidFill>
+                          <a:srgbClr val="000000"/>
+                        </a:solidFill>
+                        <a:uFill>
+                          <a:solidFill>
+                            <a:srgbClr val="ffffff"/>
+                          </a:solidFill>
+                        </a:uFill>
+                        <a:latin typeface="Courier 10 Pitch"/>
+                      </a:endParaRPr>
+                    </a:p>
+                    <a:p>
+                      <a:r>
+                        <a:rPr b="0" lang="en-US" sz="1400" spc="-1" strike="noStrike">
+                          <a:solidFill>
+                            <a:srgbClr val="000000"/>
+                          </a:solidFill>
+                          <a:uFill>
+                            <a:solidFill>
+                              <a:srgbClr val="ffffff"/>
+                            </a:solidFill>
+                          </a:uFill>
+                          <a:latin typeface="Courier 10 Pitch"/>
+                        </a:rPr>
+                        <a:t>	</a:t>
+                      </a:r>
+                      <a:r>
+                        <a:rPr b="0" lang="en-US" sz="1400" spc="-1" strike="noStrike">
+                          <a:solidFill>
+                            <a:srgbClr val="000000"/>
+                          </a:solidFill>
+                          <a:uFill>
+                            <a:solidFill>
+                              <a:srgbClr val="ffffff"/>
+                            </a:solidFill>
+                          </a:uFill>
+                          <a:latin typeface="Courier 10 Pitch"/>
+                        </a:rPr>
+                        <a:t>	</a:t>
+                      </a:r>
+                      <a:r>
+                        <a:rPr b="0" lang="en-US" sz="1400" spc="-1" strike="noStrike">
+                          <a:solidFill>
+                            <a:srgbClr val="000000"/>
+                          </a:solidFill>
+                          <a:uFill>
+                            <a:solidFill>
+                              <a:srgbClr val="ffffff"/>
+                            </a:solidFill>
+                          </a:uFill>
+                          <a:latin typeface="Courier 10 Pitch"/>
+                        </a:rPr>
+                        <a:t>))</a:t>
+                      </a:r>
+                      <a:endParaRPr b="0" lang="en-US" sz="1400" spc="-1" strike="noStrike">
+                        <a:solidFill>
+                          <a:srgbClr val="000000"/>
+                        </a:solidFill>
+                        <a:uFill>
+                          <a:solidFill>
+                            <a:srgbClr val="ffffff"/>
+                          </a:solidFill>
+                        </a:uFill>
+                        <a:latin typeface="Courier 10 Pitch"/>
+                      </a:endParaRPr>
+                    </a:p>
+                  </a:txBody>
+                  <a:tcPr marL="90000" marR="90000">
+                    <a:lnL w="720">
+                      <a:solidFill>
+                        <a:srgbClr val="ffffff"/>
+                      </a:solidFill>
+                    </a:lnL>
+                    <a:lnR w="720">
+                      <a:solidFill>
+                        <a:srgbClr val="ffffff"/>
+                      </a:solidFill>
+                    </a:lnR>
+                    <a:lnT w="720">
+                      <a:solidFill>
+                        <a:srgbClr val="ffffff"/>
+                      </a:solidFill>
+                    </a:lnT>
+                    <a:lnB w="720">
+                      <a:solidFill>
+                        <a:srgbClr val="ffffff"/>
+                      </a:solidFill>
+                    </a:lnB>
+                    <a:solidFill>
+                      <a:srgbClr val="e6e6e6"/>
+                    </a:solidFill>
+                  </a:tcPr>
+                </a:tc>
+                <a:tc>
+                  <a:txBody>
+                    <a:bodyPr lIns="90000" rIns="90000" tIns="46800" bIns="46800"/>
+                    <a:p>
+                      <a:r>
+                        <a:rPr b="0" lang="en-US" sz="1400" spc="-1" strike="noStrike">
+                          <a:solidFill>
+                            <a:srgbClr val="000000"/>
+                          </a:solidFill>
+                          <a:uFill>
+                            <a:solidFill>
+                              <a:srgbClr val="ffffff"/>
+                            </a:solidFill>
+                          </a:uFill>
+                          <a:latin typeface="Courier 10 Pitch"/>
+                        </a:rPr>
+                        <a:t>controls</a:t>
+                      </a:r>
+                      <a:endParaRPr b="0" lang="en-US" sz="1400" spc="-1" strike="noStrike">
+                        <a:solidFill>
+                          <a:srgbClr val="000000"/>
+                        </a:solidFill>
+                        <a:uFill>
+                          <a:solidFill>
+                            <a:srgbClr val="ffffff"/>
+                          </a:solidFill>
+                        </a:uFill>
+                        <a:latin typeface="Courier 10 Pitch"/>
+                      </a:endParaRPr>
+                    </a:p>
+                    <a:p>
+                      <a:r>
+                        <a:rPr b="0" lang="en-US" sz="1400" spc="-1" strike="noStrike">
+                          <a:solidFill>
+                            <a:srgbClr val="000000"/>
+                          </a:solidFill>
+                          <a:uFill>
+                            <a:solidFill>
+                              <a:srgbClr val="ffffff"/>
+                            </a:solidFill>
+                          </a:uFill>
+                          <a:latin typeface="Courier 10 Pitch"/>
+                        </a:rPr>
+                        <a:t>	</a:t>
+                      </a:r>
+                      <a:r>
+                        <a:rPr b="0" lang="en-US" sz="1400" spc="-1" strike="noStrike">
+                          <a:solidFill>
+                            <a:srgbClr val="000000"/>
+                          </a:solidFill>
+                          <a:uFill>
+                            <a:solidFill>
+                              <a:srgbClr val="ffffff"/>
+                            </a:solidFill>
+                          </a:uFill>
+                          <a:latin typeface="Courier 10 Pitch"/>
+                        </a:rPr>
+                        <a:t>.add(new Slider(</a:t>
+                      </a:r>
+                      <a:endParaRPr b="0" lang="en-US" sz="1400" spc="-1" strike="noStrike">
+                        <a:solidFill>
+                          <a:srgbClr val="000000"/>
+                        </a:solidFill>
+                        <a:uFill>
+                          <a:solidFill>
+                            <a:srgbClr val="ffffff"/>
+                          </a:solidFill>
+                        </a:uFill>
+                        <a:latin typeface="Courier 10 Pitch"/>
+                      </a:endParaRPr>
+                    </a:p>
+                    <a:p>
+                      <a:r>
+                        <a:rPr b="0" lang="en-US" sz="1400" spc="-1" strike="noStrike">
+                          <a:solidFill>
+                            <a:srgbClr val="000000"/>
+                          </a:solidFill>
+                          <a:uFill>
+                            <a:solidFill>
+                              <a:srgbClr val="ffffff"/>
+                            </a:solidFill>
+                          </a:uFill>
+                          <a:latin typeface="Courier 10 Pitch"/>
+                        </a:rPr>
+                        <a:t>	</a:t>
+                      </a:r>
+                      <a:r>
+                        <a:rPr b="0" lang="en-US" sz="1400" spc="-1" strike="noStrike">
+                          <a:solidFill>
+                            <a:srgbClr val="000000"/>
+                          </a:solidFill>
+                          <a:uFill>
+                            <a:solidFill>
+                              <a:srgbClr val="ffffff"/>
+                            </a:solidFill>
+                          </a:uFill>
+                          <a:latin typeface="Courier 10 Pitch"/>
+                        </a:rPr>
+                        <a:t>	</a:t>
+                      </a:r>
+                      <a:r>
+                        <a:rPr b="0" lang="en-US" sz="1400" spc="-1" strike="noStrike">
+                          <a:solidFill>
+                            <a:srgbClr val="000000"/>
+                          </a:solidFill>
+                          <a:uFill>
+                            <a:solidFill>
+                              <a:srgbClr val="ffffff"/>
+                            </a:solidFill>
+                          </a:uFill>
+                          <a:latin typeface="Courier 10 Pitch"/>
+                        </a:rPr>
+                        <a:t>type: 'slider',</a:t>
+                      </a:r>
+                      <a:endParaRPr b="0" lang="en-US" sz="1400" spc="-1" strike="noStrike">
+                        <a:solidFill>
+                          <a:srgbClr val="000000"/>
+                        </a:solidFill>
+                        <a:uFill>
+                          <a:solidFill>
+                            <a:srgbClr val="ffffff"/>
+                          </a:solidFill>
+                        </a:uFill>
+                        <a:latin typeface="Courier 10 Pitch"/>
+                      </a:endParaRPr>
+                    </a:p>
+                    <a:p>
+                      <a:r>
+                        <a:rPr b="0" lang="en-US" sz="1400" spc="-1" strike="noStrike">
+                          <a:solidFill>
+                            <a:srgbClr val="000000"/>
+                          </a:solidFill>
+                          <a:uFill>
+                            <a:solidFill>
+                              <a:srgbClr val="ffffff"/>
+                            </a:solidFill>
+                          </a:uFill>
+                          <a:latin typeface="Courier 10 Pitch"/>
+                        </a:rPr>
+                        <a:t>	</a:t>
+                      </a:r>
+                      <a:r>
+                        <a:rPr b="0" lang="en-US" sz="1400" spc="-1" strike="noStrike">
+                          <a:solidFill>
+                            <a:srgbClr val="000000"/>
+                          </a:solidFill>
+                          <a:uFill>
+                            <a:solidFill>
+                              <a:srgbClr val="ffffff"/>
+                            </a:solidFill>
+                          </a:uFill>
+                          <a:latin typeface="Courier 10 Pitch"/>
+                        </a:rPr>
+                        <a:t>	</a:t>
+                      </a:r>
+                      <a:r>
+                        <a:rPr b="0" lang="en-US" sz="1400" spc="-1" strike="noStrike">
+                          <a:solidFill>
+                            <a:srgbClr val="000000"/>
+                          </a:solidFill>
+                          <a:uFill>
+                            <a:solidFill>
+                              <a:srgbClr val="ffffff"/>
+                            </a:solidFill>
+                          </a:uFill>
+                          <a:latin typeface="Courier 10 Pitch"/>
+                        </a:rPr>
+                        <a:t>name: 'mySlider'</a:t>
+                      </a:r>
+                      <a:endParaRPr b="0" lang="en-US" sz="1400" spc="-1" strike="noStrike">
+                        <a:solidFill>
+                          <a:srgbClr val="000000"/>
+                        </a:solidFill>
+                        <a:uFill>
+                          <a:solidFill>
+                            <a:srgbClr val="ffffff"/>
+                          </a:solidFill>
+                        </a:uFill>
+                        <a:latin typeface="Courier 10 Pitch"/>
+                      </a:endParaRPr>
+                    </a:p>
+                    <a:p>
+                      <a:r>
+                        <a:rPr b="0" lang="en-US" sz="1400" spc="-1" strike="noStrike">
+                          <a:solidFill>
+                            <a:srgbClr val="000000"/>
+                          </a:solidFill>
+                          <a:uFill>
+                            <a:solidFill>
+                              <a:srgbClr val="ffffff"/>
+                            </a:solidFill>
+                          </a:uFill>
+                          <a:latin typeface="Courier 10 Pitch"/>
+                        </a:rPr>
+                        <a:t>	</a:t>
+                      </a:r>
+                      <a:r>
+                        <a:rPr b="0" lang="en-US" sz="1400" spc="-1" strike="noStrike">
+                          <a:solidFill>
+                            <a:srgbClr val="000000"/>
+                          </a:solidFill>
+                          <a:uFill>
+                            <a:solidFill>
+                              <a:srgbClr val="ffffff"/>
+                            </a:solidFill>
+                          </a:uFill>
+                          <a:latin typeface="Courier 10 Pitch"/>
+                        </a:rPr>
+                        <a:t>	</a:t>
+                      </a:r>
+                      <a:r>
+                        <a:rPr b="0" lang="en-US" sz="1400" spc="-1" strike="noStrike">
+                          <a:solidFill>
+                            <a:srgbClr val="000000"/>
+                          </a:solidFill>
+                          <a:uFill>
+                            <a:solidFill>
+                              <a:srgbClr val="ffffff"/>
+                            </a:solidFill>
+                          </a:uFill>
+                          <a:latin typeface="Courier 10 Pitch"/>
+                        </a:rPr>
+                        <a:t>))</a:t>
+                      </a:r>
+                      <a:endParaRPr b="0" lang="en-US" sz="1400" spc="-1" strike="noStrike">
+                        <a:solidFill>
+                          <a:srgbClr val="000000"/>
+                        </a:solidFill>
+                        <a:uFill>
+                          <a:solidFill>
+                            <a:srgbClr val="ffffff"/>
+                          </a:solidFill>
+                        </a:uFill>
+                        <a:latin typeface="Courier 10 Pitch"/>
+                      </a:endParaRPr>
+                    </a:p>
+                  </a:txBody>
+                  <a:tcPr marL="90000" marR="90000">
+                    <a:lnL w="720">
+                      <a:solidFill>
+                        <a:srgbClr val="ffffff"/>
+                      </a:solidFill>
+                    </a:lnL>
+                    <a:lnR w="720">
+                      <a:solidFill>
+                        <a:srgbClr val="ffffff"/>
+                      </a:solidFill>
+                    </a:lnR>
+                    <a:lnT w="720">
+                      <a:solidFill>
+                        <a:srgbClr val="ffffff"/>
+                      </a:solidFill>
+                    </a:lnT>
+                    <a:lnB w="720">
+                      <a:solidFill>
+                        <a:srgbClr val="ffffff"/>
+                      </a:solidFill>
+                    </a:lnB>
+                    <a:solidFill>
+                      <a:srgbClr val="e6e6e6"/>
+                    </a:solidFill>
+                  </a:tcPr>
+                </a:tc>
+              </a:tr>
+              <a:tr h="720000">
+                <a:tc>
+                  <a:txBody>
+                    <a:bodyPr lIns="90000" rIns="90000" tIns="46800" bIns="46800"/>
+                    <a:p>
+                      <a:r>
+                        <a:rPr b="0" lang="en-US" sz="1400" spc="-1" strike="noStrike">
+                          <a:solidFill>
+                            <a:srgbClr val="000000"/>
+                          </a:solidFill>
+                          <a:uFill>
+                            <a:solidFill>
+                              <a:srgbClr val="ffffff"/>
+                            </a:solidFill>
+                          </a:uFill>
+                          <a:latin typeface="Courier 10 Pitch"/>
+                        </a:rPr>
+                        <a:t>filters</a:t>
+                      </a:r>
+                      <a:endParaRPr b="0" lang="en-US" sz="1400" spc="-1" strike="noStrike">
+                        <a:solidFill>
+                          <a:srgbClr val="000000"/>
+                        </a:solidFill>
+                        <a:uFill>
+                          <a:solidFill>
+                            <a:srgbClr val="ffffff"/>
+                          </a:solidFill>
+                        </a:uFill>
+                        <a:latin typeface="Courier 10 Pitch"/>
+                      </a:endParaRPr>
+                    </a:p>
+                    <a:p>
+                      <a:r>
+                        <a:rPr b="0" lang="en-US" sz="1400" spc="-1" strike="noStrike">
+                          <a:solidFill>
+                            <a:srgbClr val="000000"/>
+                          </a:solidFill>
+                          <a:uFill>
+                            <a:solidFill>
+                              <a:srgbClr val="ffffff"/>
+                            </a:solidFill>
+                          </a:uFill>
+                          <a:latin typeface="Courier 10 Pitch"/>
+                        </a:rPr>
+                        <a:t>	</a:t>
+                      </a:r>
+                      <a:r>
+                        <a:rPr b="0" lang="en-US" sz="1400" spc="-1" strike="noStrike">
+                          <a:solidFill>
+                            <a:srgbClr val="000000"/>
+                          </a:solidFill>
+                          <a:uFill>
+                            <a:solidFill>
+                              <a:srgbClr val="ffffff"/>
+                            </a:solidFill>
+                          </a:uFill>
+                          <a:latin typeface="Courier 10 Pitch"/>
+                        </a:rPr>
+                        <a:t>.add(new LinearRamp(</a:t>
+                      </a:r>
+                      <a:endParaRPr b="0" lang="en-US" sz="1400" spc="-1" strike="noStrike">
+                        <a:solidFill>
+                          <a:srgbClr val="000000"/>
+                        </a:solidFill>
+                        <a:uFill>
+                          <a:solidFill>
+                            <a:srgbClr val="ffffff"/>
+                          </a:solidFill>
+                        </a:uFill>
+                        <a:latin typeface="Courier 10 Pitch"/>
+                      </a:endParaRPr>
+                    </a:p>
+                    <a:p>
+                      <a:r>
+                        <a:rPr b="0" lang="en-US" sz="1400" spc="-1" strike="noStrike">
+                          <a:solidFill>
+                            <a:srgbClr val="000000"/>
+                          </a:solidFill>
+                          <a:uFill>
+                            <a:solidFill>
+                              <a:srgbClr val="ffffff"/>
+                            </a:solidFill>
+                          </a:uFill>
+                          <a:latin typeface="Courier 10 Pitch"/>
+                        </a:rPr>
+                        <a:t>	</a:t>
+                      </a:r>
+                      <a:r>
+                        <a:rPr b="0" lang="en-US" sz="1400" spc="-1" strike="noStrike">
+                          <a:solidFill>
+                            <a:srgbClr val="000000"/>
+                          </a:solidFill>
+                          <a:uFill>
+                            <a:solidFill>
+                              <a:srgbClr val="ffffff"/>
+                            </a:solidFill>
+                          </a:uFill>
+                          <a:latin typeface="Courier 10 Pitch"/>
+                        </a:rPr>
+                        <a:t>	</a:t>
+                      </a:r>
+                      <a:r>
+                        <a:rPr b="0" lang="en-US" sz="1400" spc="-1" strike="noStrike">
+                          <a:solidFill>
+                            <a:srgbClr val="000000"/>
+                          </a:solidFill>
+                          <a:uFill>
+                            <a:solidFill>
+                              <a:srgbClr val="ffffff"/>
+                            </a:solidFill>
+                          </a:uFill>
+                          <a:latin typeface="Courier 10 Pitch"/>
+                        </a:rPr>
+                        <a:t>name: 'frequencyRamp',</a:t>
+                      </a:r>
+                      <a:endParaRPr b="0" lang="en-US" sz="1400" spc="-1" strike="noStrike">
+                        <a:solidFill>
+                          <a:srgbClr val="000000"/>
+                        </a:solidFill>
+                        <a:uFill>
+                          <a:solidFill>
+                            <a:srgbClr val="ffffff"/>
+                          </a:solidFill>
+                        </a:uFill>
+                        <a:latin typeface="Courier 10 Pitch"/>
+                      </a:endParaRPr>
+                    </a:p>
+                    <a:p>
+                      <a:r>
+                        <a:rPr b="0" lang="en-US" sz="1400" spc="-1" strike="noStrike">
+                          <a:solidFill>
+                            <a:srgbClr val="000000"/>
+                          </a:solidFill>
+                          <a:uFill>
+                            <a:solidFill>
+                              <a:srgbClr val="ffffff"/>
+                            </a:solidFill>
+                          </a:uFill>
+                          <a:latin typeface="Courier 10 Pitch"/>
+                        </a:rPr>
+                        <a:t>	</a:t>
+                      </a:r>
+                      <a:r>
+                        <a:rPr b="0" lang="en-US" sz="1400" spc="-1" strike="noStrike">
+                          <a:solidFill>
+                            <a:srgbClr val="000000"/>
+                          </a:solidFill>
+                          <a:uFill>
+                            <a:solidFill>
+                              <a:srgbClr val="ffffff"/>
+                            </a:solidFill>
+                          </a:uFill>
+                          <a:latin typeface="Courier 10 Pitch"/>
+                        </a:rPr>
+                        <a:t>	</a:t>
+                      </a:r>
+                      <a:r>
+                        <a:rPr b="0" lang="en-US" sz="1400" spc="-1" strike="noStrike">
+                          <a:solidFill>
+                            <a:srgbClr val="000000"/>
+                          </a:solidFill>
+                          <a:uFill>
+                            <a:solidFill>
+                              <a:srgbClr val="ffffff"/>
+                            </a:solidFill>
+                          </a:uFill>
+                          <a:latin typeface="Courier 10 Pitch"/>
+                        </a:rPr>
+                        <a:t>type: 'LinearRamp',</a:t>
+                      </a:r>
+                      <a:endParaRPr b="0" lang="en-US" sz="1400" spc="-1" strike="noStrike">
+                        <a:solidFill>
+                          <a:srgbClr val="000000"/>
+                        </a:solidFill>
+                        <a:uFill>
+                          <a:solidFill>
+                            <a:srgbClr val="ffffff"/>
+                          </a:solidFill>
+                        </a:uFill>
+                        <a:latin typeface="Courier 10 Pitch"/>
+                      </a:endParaRPr>
+                    </a:p>
+                    <a:p>
+                      <a:r>
+                        <a:rPr b="0" lang="en-US" sz="1400" spc="-1" strike="noStrike">
+                          <a:solidFill>
+                            <a:srgbClr val="000000"/>
+                          </a:solidFill>
+                          <a:uFill>
+                            <a:solidFill>
+                              <a:srgbClr val="ffffff"/>
+                            </a:solidFill>
+                          </a:uFill>
+                          <a:latin typeface="Courier 10 Pitch"/>
+                        </a:rPr>
+                        <a:t>	</a:t>
+                      </a:r>
+                      <a:r>
+                        <a:rPr b="0" lang="en-US" sz="1400" spc="-1" strike="noStrike">
+                          <a:solidFill>
+                            <a:srgbClr val="000000"/>
+                          </a:solidFill>
+                          <a:uFill>
+                            <a:solidFill>
+                              <a:srgbClr val="ffffff"/>
+                            </a:solidFill>
+                          </a:uFill>
+                          <a:latin typeface="Courier 10 Pitch"/>
+                        </a:rPr>
+                        <a:t>	</a:t>
+                      </a:r>
+                      <a:r>
+                        <a:rPr b="0" lang="en-US" sz="1400" spc="-1" strike="noStrike">
+                          <a:solidFill>
+                            <a:srgbClr val="000000"/>
+                          </a:solidFill>
+                          <a:uFill>
+                            <a:solidFill>
+                              <a:srgbClr val="ffffff"/>
+                            </a:solidFill>
+                          </a:uFill>
+                          <a:latin typeface="Courier 10 Pitch"/>
+                        </a:rPr>
+                        <a:t>input: new LinearRampInput(</a:t>
+                      </a:r>
+                      <a:endParaRPr b="0" lang="en-US" sz="1400" spc="-1" strike="noStrike">
+                        <a:solidFill>
+                          <a:srgbClr val="000000"/>
+                        </a:solidFill>
+                        <a:uFill>
+                          <a:solidFill>
+                            <a:srgbClr val="ffffff"/>
+                          </a:solidFill>
+                        </a:uFill>
+                        <a:latin typeface="Courier 10 Pitch"/>
+                      </a:endParaRPr>
+                    </a:p>
+                    <a:p>
+                      <a:r>
+                        <a:rPr b="0" lang="en-US" sz="1400" spc="-1" strike="noStrike">
+                          <a:solidFill>
+                            <a:srgbClr val="000000"/>
+                          </a:solidFill>
+                          <a:uFill>
+                            <a:solidFill>
+                              <a:srgbClr val="ffffff"/>
+                            </a:solidFill>
+                          </a:uFill>
+                          <a:latin typeface="Courier 10 Pitch"/>
+                        </a:rPr>
+                        <a:t>	</a:t>
+                      </a:r>
+                      <a:r>
+                        <a:rPr b="0" lang="en-US" sz="1400" spc="-1" strike="noStrike">
+                          <a:solidFill>
+                            <a:srgbClr val="000000"/>
+                          </a:solidFill>
+                          <a:uFill>
+                            <a:solidFill>
+                              <a:srgbClr val="ffffff"/>
+                            </a:solidFill>
+                          </a:uFill>
+                          <a:latin typeface="Courier 10 Pitch"/>
+                        </a:rPr>
+                        <a:t>	</a:t>
+                      </a:r>
+                      <a:r>
+                        <a:rPr b="0" lang="en-US" sz="1400" spc="-1" strike="noStrike">
+                          <a:solidFill>
+                            <a:srgbClr val="000000"/>
+                          </a:solidFill>
+                          <a:uFill>
+                            <a:solidFill>
+                              <a:srgbClr val="ffffff"/>
+                            </a:solidFill>
+                          </a:uFill>
+                          <a:latin typeface="Courier 10 Pitch"/>
+                        </a:rPr>
+                        <a:t>	</a:t>
+                      </a:r>
+                      <a:r>
+                        <a:rPr b="0" lang="en-US" sz="1400" spc="-1" strike="noStrike">
+                          <a:solidFill>
+                            <a:srgbClr val="000000"/>
+                          </a:solidFill>
+                          <a:uFill>
+                            <a:solidFill>
+                              <a:srgbClr val="ffffff"/>
+                            </a:solidFill>
+                          </a:uFill>
+                          <a:latin typeface="Courier 10 Pitch"/>
+                        </a:rPr>
+                        <a:t>minimum: 50.0, </a:t>
+                      </a:r>
+                      <a:endParaRPr b="0" lang="en-US" sz="1400" spc="-1" strike="noStrike">
+                        <a:solidFill>
+                          <a:srgbClr val="000000"/>
+                        </a:solidFill>
+                        <a:uFill>
+                          <a:solidFill>
+                            <a:srgbClr val="ffffff"/>
+                          </a:solidFill>
+                        </a:uFill>
+                        <a:latin typeface="Courier 10 Pitch"/>
+                      </a:endParaRPr>
+                    </a:p>
+                    <a:p>
+                      <a:r>
+                        <a:rPr b="0" lang="en-US" sz="1400" spc="-1" strike="noStrike">
+                          <a:solidFill>
+                            <a:srgbClr val="000000"/>
+                          </a:solidFill>
+                          <a:uFill>
+                            <a:solidFill>
+                              <a:srgbClr val="ffffff"/>
+                            </a:solidFill>
+                          </a:uFill>
+                          <a:latin typeface="Courier 10 Pitch"/>
+                        </a:rPr>
+                        <a:t>	</a:t>
+                      </a:r>
+                      <a:r>
+                        <a:rPr b="0" lang="en-US" sz="1400" spc="-1" strike="noStrike">
+                          <a:solidFill>
+                            <a:srgbClr val="000000"/>
+                          </a:solidFill>
+                          <a:uFill>
+                            <a:solidFill>
+                              <a:srgbClr val="ffffff"/>
+                            </a:solidFill>
+                          </a:uFill>
+                          <a:latin typeface="Courier 10 Pitch"/>
+                        </a:rPr>
+                        <a:t>	</a:t>
+                      </a:r>
+                      <a:r>
+                        <a:rPr b="0" lang="en-US" sz="1400" spc="-1" strike="noStrike">
+                          <a:solidFill>
+                            <a:srgbClr val="000000"/>
+                          </a:solidFill>
+                          <a:uFill>
+                            <a:solidFill>
+                              <a:srgbClr val="ffffff"/>
+                            </a:solidFill>
+                          </a:uFill>
+                          <a:latin typeface="Courier 10 Pitch"/>
+                        </a:rPr>
+                        <a:t>	</a:t>
+                      </a:r>
+                      <a:r>
+                        <a:rPr b="0" lang="en-US" sz="1400" spc="-1" strike="noStrike">
+                          <a:solidFill>
+                            <a:srgbClr val="000000"/>
+                          </a:solidFill>
+                          <a:uFill>
+                            <a:solidFill>
+                              <a:srgbClr val="ffffff"/>
+                            </a:solidFill>
+                          </a:uFill>
+                          <a:latin typeface="Courier 10 Pitch"/>
+                        </a:rPr>
+                        <a:t>actualValue: 300.0, </a:t>
+                      </a:r>
+                      <a:endParaRPr b="0" lang="en-US" sz="1400" spc="-1" strike="noStrike">
+                        <a:solidFill>
+                          <a:srgbClr val="000000"/>
+                        </a:solidFill>
+                        <a:uFill>
+                          <a:solidFill>
+                            <a:srgbClr val="ffffff"/>
+                          </a:solidFill>
+                        </a:uFill>
+                        <a:latin typeface="Courier 10 Pitch"/>
+                      </a:endParaRPr>
+                    </a:p>
+                    <a:p>
+                      <a:r>
+                        <a:rPr b="0" lang="en-US" sz="1400" spc="-1" strike="noStrike">
+                          <a:solidFill>
+                            <a:srgbClr val="000000"/>
+                          </a:solidFill>
+                          <a:uFill>
+                            <a:solidFill>
+                              <a:srgbClr val="ffffff"/>
+                            </a:solidFill>
+                          </a:uFill>
+                          <a:latin typeface="Courier 10 Pitch"/>
+                        </a:rPr>
+                        <a:t>	</a:t>
+                      </a:r>
+                      <a:r>
+                        <a:rPr b="0" lang="en-US" sz="1400" spc="-1" strike="noStrike">
+                          <a:solidFill>
+                            <a:srgbClr val="000000"/>
+                          </a:solidFill>
+                          <a:uFill>
+                            <a:solidFill>
+                              <a:srgbClr val="ffffff"/>
+                            </a:solidFill>
+                          </a:uFill>
+                          <a:latin typeface="Courier 10 Pitch"/>
+                        </a:rPr>
+                        <a:t>	</a:t>
+                      </a:r>
+                      <a:r>
+                        <a:rPr b="0" lang="en-US" sz="1400" spc="-1" strike="noStrike">
+                          <a:solidFill>
+                            <a:srgbClr val="000000"/>
+                          </a:solidFill>
+                          <a:uFill>
+                            <a:solidFill>
+                              <a:srgbClr val="ffffff"/>
+                            </a:solidFill>
+                          </a:uFill>
+                          <a:latin typeface="Courier 10 Pitch"/>
+                        </a:rPr>
+                        <a:t>	</a:t>
+                      </a:r>
+                      <a:r>
+                        <a:rPr b="0" lang="en-US" sz="1400" spc="-1" strike="noStrike">
+                          <a:solidFill>
+                            <a:srgbClr val="000000"/>
+                          </a:solidFill>
+                          <a:uFill>
+                            <a:solidFill>
+                              <a:srgbClr val="ffffff"/>
+                            </a:solidFill>
+                          </a:uFill>
+                          <a:latin typeface="Courier 10 Pitch"/>
+                        </a:rPr>
+                        <a:t>maximum: 10000.0</a:t>
+                      </a:r>
+                      <a:endParaRPr b="0" lang="en-US" sz="1400" spc="-1" strike="noStrike">
+                        <a:solidFill>
+                          <a:srgbClr val="000000"/>
+                        </a:solidFill>
+                        <a:uFill>
+                          <a:solidFill>
+                            <a:srgbClr val="ffffff"/>
+                          </a:solidFill>
+                        </a:uFill>
+                        <a:latin typeface="Courier 10 Pitch"/>
+                      </a:endParaRPr>
+                    </a:p>
+                    <a:p>
+                      <a:r>
+                        <a:rPr b="0" lang="en-US" sz="1400" spc="-1" strike="noStrike">
+                          <a:solidFill>
+                            <a:srgbClr val="000000"/>
+                          </a:solidFill>
+                          <a:uFill>
+                            <a:solidFill>
+                              <a:srgbClr val="ffffff"/>
+                            </a:solidFill>
+                          </a:uFill>
+                          <a:latin typeface="Courier 10 Pitch"/>
+                        </a:rPr>
+                        <a:t>	</a:t>
+                      </a:r>
+                      <a:r>
+                        <a:rPr b="0" lang="en-US" sz="1400" spc="-1" strike="noStrike">
+                          <a:solidFill>
+                            <a:srgbClr val="000000"/>
+                          </a:solidFill>
+                          <a:uFill>
+                            <a:solidFill>
+                              <a:srgbClr val="ffffff"/>
+                            </a:solidFill>
+                          </a:uFill>
+                          <a:latin typeface="Courier 10 Pitch"/>
+                        </a:rPr>
+                        <a:t>	</a:t>
+                      </a:r>
+                      <a:r>
+                        <a:rPr b="0" lang="en-US" sz="1400" spc="-1" strike="noStrike">
+                          <a:solidFill>
+                            <a:srgbClr val="000000"/>
+                          </a:solidFill>
+                          <a:uFill>
+                            <a:solidFill>
+                              <a:srgbClr val="ffffff"/>
+                            </a:solidFill>
+                          </a:uFill>
+                          <a:latin typeface="Courier 10 Pitch"/>
+                        </a:rPr>
+                        <a:t>),</a:t>
+                      </a:r>
+                      <a:endParaRPr b="0" lang="en-US" sz="1400" spc="-1" strike="noStrike">
+                        <a:solidFill>
+                          <a:srgbClr val="000000"/>
+                        </a:solidFill>
+                        <a:uFill>
+                          <a:solidFill>
+                            <a:srgbClr val="ffffff"/>
+                          </a:solidFill>
+                        </a:uFill>
+                        <a:latin typeface="Courier 10 Pitch"/>
+                      </a:endParaRPr>
+                    </a:p>
+                    <a:p>
+                      <a:r>
+                        <a:rPr b="0" lang="en-US" sz="1400" spc="-1" strike="noStrike">
+                          <a:solidFill>
+                            <a:srgbClr val="000000"/>
+                          </a:solidFill>
+                          <a:uFill>
+                            <a:solidFill>
+                              <a:srgbClr val="ffffff"/>
+                            </a:solidFill>
+                          </a:uFill>
+                          <a:latin typeface="Courier 10 Pitch"/>
+                        </a:rPr>
+                        <a:t>	</a:t>
+                      </a:r>
+                      <a:r>
+                        <a:rPr b="0" lang="en-US" sz="1400" spc="-1" strike="noStrike">
+                          <a:solidFill>
+                            <a:srgbClr val="000000"/>
+                          </a:solidFill>
+                          <a:uFill>
+                            <a:solidFill>
+                              <a:srgbClr val="ffffff"/>
+                            </a:solidFill>
+                          </a:uFill>
+                          <a:latin typeface="Courier 10 Pitch"/>
+                        </a:rPr>
+                        <a:t>	</a:t>
+                      </a:r>
+                      <a:r>
+                        <a:rPr b="0" lang="en-US" sz="1400" spc="-1" strike="noStrike">
+                          <a:solidFill>
+                            <a:srgbClr val="000000"/>
+                          </a:solidFill>
+                          <a:uFill>
+                            <a:solidFill>
+                              <a:srgbClr val="ffffff"/>
+                            </a:solidFill>
+                          </a:uFill>
+                          <a:latin typeface="Courier 10 Pitch"/>
+                        </a:rPr>
+                        <a:t>connectsTo: 'frequency',</a:t>
+                      </a:r>
+                      <a:endParaRPr b="0" lang="en-US" sz="1400" spc="-1" strike="noStrike">
+                        <a:solidFill>
+                          <a:srgbClr val="000000"/>
+                        </a:solidFill>
+                        <a:uFill>
+                          <a:solidFill>
+                            <a:srgbClr val="ffffff"/>
+                          </a:solidFill>
+                        </a:uFill>
+                        <a:latin typeface="Courier 10 Pitch"/>
+                      </a:endParaRPr>
+                    </a:p>
+                    <a:p>
+                      <a:r>
+                        <a:rPr b="0" lang="en-US" sz="1400" spc="-1" strike="noStrike">
+                          <a:solidFill>
+                            <a:srgbClr val="000000"/>
+                          </a:solidFill>
+                          <a:uFill>
+                            <a:solidFill>
+                              <a:srgbClr val="ffffff"/>
+                            </a:solidFill>
+                          </a:uFill>
+                          <a:latin typeface="Courier 10 Pitch"/>
+                        </a:rPr>
+                        <a:t>	</a:t>
+                      </a:r>
+                      <a:r>
+                        <a:rPr b="0" lang="en-US" sz="1400" spc="-1" strike="noStrike">
+                          <a:solidFill>
+                            <a:srgbClr val="000000"/>
+                          </a:solidFill>
+                          <a:uFill>
+                            <a:solidFill>
+                              <a:srgbClr val="ffffff"/>
+                            </a:solidFill>
+                          </a:uFill>
+                          <a:latin typeface="Courier 10 Pitch"/>
+                        </a:rPr>
+                        <a:t>	</a:t>
+                      </a:r>
+                      <a:r>
+                        <a:rPr b="0" lang="en-US" sz="1400" spc="-1" strike="noStrike">
+                          <a:solidFill>
+                            <a:srgbClr val="000000"/>
+                          </a:solidFill>
+                          <a:uFill>
+                            <a:solidFill>
+                              <a:srgbClr val="ffffff"/>
+                            </a:solidFill>
+                          </a:uFill>
+                          <a:latin typeface="Courier 10 Pitch"/>
+                        </a:rPr>
+                        <a:t>time: new LinearRampTime(</a:t>
+                      </a:r>
+                      <a:endParaRPr b="0" lang="en-US" sz="1400" spc="-1" strike="noStrike">
+                        <a:solidFill>
+                          <a:srgbClr val="000000"/>
+                        </a:solidFill>
+                        <a:uFill>
+                          <a:solidFill>
+                            <a:srgbClr val="ffffff"/>
+                          </a:solidFill>
+                        </a:uFill>
+                        <a:latin typeface="Courier 10 Pitch"/>
+                      </a:endParaRPr>
+                    </a:p>
+                    <a:p>
+                      <a:r>
+                        <a:rPr b="0" lang="en-US" sz="1400" spc="-1" strike="noStrike">
+                          <a:solidFill>
+                            <a:srgbClr val="000000"/>
+                          </a:solidFill>
+                          <a:uFill>
+                            <a:solidFill>
+                              <a:srgbClr val="ffffff"/>
+                            </a:solidFill>
+                          </a:uFill>
+                          <a:latin typeface="Courier 10 Pitch"/>
+                        </a:rPr>
+                        <a:t>	</a:t>
+                      </a:r>
+                      <a:r>
+                        <a:rPr b="0" lang="en-US" sz="1400" spc="-1" strike="noStrike">
+                          <a:solidFill>
+                            <a:srgbClr val="000000"/>
+                          </a:solidFill>
+                          <a:uFill>
+                            <a:solidFill>
+                              <a:srgbClr val="ffffff"/>
+                            </a:solidFill>
+                          </a:uFill>
+                          <a:latin typeface="Courier 10 Pitch"/>
+                        </a:rPr>
+                        <a:t>	</a:t>
+                      </a:r>
+                      <a:r>
+                        <a:rPr b="0" lang="en-US" sz="1400" spc="-1" strike="noStrike">
+                          <a:solidFill>
+                            <a:srgbClr val="000000"/>
+                          </a:solidFill>
+                          <a:uFill>
+                            <a:solidFill>
+                              <a:srgbClr val="ffffff"/>
+                            </a:solidFill>
+                          </a:uFill>
+                          <a:latin typeface="Courier 10 Pitch"/>
+                        </a:rPr>
+                        <a:t>	</a:t>
+                      </a:r>
+                      <a:r>
+                        <a:rPr b="0" lang="en-US" sz="1400" spc="-1" strike="noStrike">
+                          <a:solidFill>
+                            <a:srgbClr val="000000"/>
+                          </a:solidFill>
+                          <a:uFill>
+                            <a:solidFill>
+                              <a:srgbClr val="ffffff"/>
+                            </a:solidFill>
+                          </a:uFill>
+                          <a:latin typeface="Courier 10 Pitch"/>
+                        </a:rPr>
+                        <a:t>duration: 0.2</a:t>
+                      </a:r>
+                      <a:endParaRPr b="0" lang="en-US" sz="1400" spc="-1" strike="noStrike">
+                        <a:solidFill>
+                          <a:srgbClr val="000000"/>
+                        </a:solidFill>
+                        <a:uFill>
+                          <a:solidFill>
+                            <a:srgbClr val="ffffff"/>
+                          </a:solidFill>
+                        </a:uFill>
+                        <a:latin typeface="Courier 10 Pitch"/>
+                      </a:endParaRPr>
+                    </a:p>
+                    <a:p>
+                      <a:r>
+                        <a:rPr b="0" lang="en-US" sz="1400" spc="-1" strike="noStrike">
+                          <a:solidFill>
+                            <a:srgbClr val="000000"/>
+                          </a:solidFill>
+                          <a:uFill>
+                            <a:solidFill>
+                              <a:srgbClr val="ffffff"/>
+                            </a:solidFill>
+                          </a:uFill>
+                          <a:latin typeface="Courier 10 Pitch"/>
+                        </a:rPr>
+                        <a:t>	</a:t>
+                      </a:r>
+                      <a:r>
+                        <a:rPr b="0" lang="en-US" sz="1400" spc="-1" strike="noStrike">
+                          <a:solidFill>
+                            <a:srgbClr val="000000"/>
+                          </a:solidFill>
+                          <a:uFill>
+                            <a:solidFill>
+                              <a:srgbClr val="ffffff"/>
+                            </a:solidFill>
+                          </a:uFill>
+                          <a:latin typeface="Courier 10 Pitch"/>
+                        </a:rPr>
+                        <a:t>	</a:t>
+                      </a:r>
+                      <a:r>
+                        <a:rPr b="0" lang="en-US" sz="1400" spc="-1" strike="noStrike">
+                          <a:solidFill>
+                            <a:srgbClr val="000000"/>
+                          </a:solidFill>
+                          <a:uFill>
+                            <a:solidFill>
+                              <a:srgbClr val="ffffff"/>
+                            </a:solidFill>
+                          </a:uFill>
+                          <a:latin typeface="Courier 10 Pitch"/>
+                        </a:rPr>
+                        <a:t>	</a:t>
+                      </a:r>
+                      <a:r>
+                        <a:rPr b="0" lang="en-US" sz="1400" spc="-1" strike="noStrike">
+                          <a:solidFill>
+                            <a:srgbClr val="000000"/>
+                          </a:solidFill>
+                          <a:uFill>
+                            <a:solidFill>
+                              <a:srgbClr val="ffffff"/>
+                            </a:solidFill>
+                          </a:uFill>
+                          <a:latin typeface="Courier 10 Pitch"/>
+                        </a:rPr>
+                        <a:t>)</a:t>
+                      </a:r>
+                      <a:endParaRPr b="0" lang="en-US" sz="1400" spc="-1" strike="noStrike">
+                        <a:solidFill>
+                          <a:srgbClr val="000000"/>
+                        </a:solidFill>
+                        <a:uFill>
+                          <a:solidFill>
+                            <a:srgbClr val="ffffff"/>
+                          </a:solidFill>
+                        </a:uFill>
+                        <a:latin typeface="Courier 10 Pitch"/>
+                      </a:endParaRPr>
+                    </a:p>
+                    <a:p>
+                      <a:r>
+                        <a:rPr b="0" lang="en-US" sz="1400" spc="-1" strike="noStrike">
+                          <a:solidFill>
+                            <a:srgbClr val="000000"/>
+                          </a:solidFill>
+                          <a:uFill>
+                            <a:solidFill>
+                              <a:srgbClr val="ffffff"/>
+                            </a:solidFill>
+                          </a:uFill>
+                          <a:latin typeface="Courier 10 Pitch"/>
+                        </a:rPr>
+                        <a:t>	</a:t>
+                      </a:r>
+                      <a:r>
+                        <a:rPr b="0" lang="en-US" sz="1400" spc="-1" strike="noStrike">
+                          <a:solidFill>
+                            <a:srgbClr val="000000"/>
+                          </a:solidFill>
+                          <a:uFill>
+                            <a:solidFill>
+                              <a:srgbClr val="ffffff"/>
+                            </a:solidFill>
+                          </a:uFill>
+                          <a:latin typeface="Courier 10 Pitch"/>
+                        </a:rPr>
+                        <a:t>	</a:t>
+                      </a:r>
+                      <a:r>
+                        <a:rPr b="0" lang="en-US" sz="1400" spc="-1" strike="noStrike">
+                          <a:solidFill>
+                            <a:srgbClr val="000000"/>
+                          </a:solidFill>
+                          <a:uFill>
+                            <a:solidFill>
+                              <a:srgbClr val="ffffff"/>
+                            </a:solidFill>
+                          </a:uFill>
+                          <a:latin typeface="Courier 10 Pitch"/>
+                        </a:rPr>
+                        <a:t>))</a:t>
+                      </a:r>
+                      <a:endParaRPr b="0" lang="en-US" sz="1400" spc="-1" strike="noStrike">
+                        <a:solidFill>
+                          <a:srgbClr val="000000"/>
+                        </a:solidFill>
+                        <a:uFill>
+                          <a:solidFill>
+                            <a:srgbClr val="ffffff"/>
+                          </a:solidFill>
+                        </a:uFill>
+                        <a:latin typeface="Courier 10 Pitch"/>
+                      </a:endParaRPr>
+                    </a:p>
+                  </a:txBody>
+                  <a:tcPr marL="90000" marR="90000">
+                    <a:lnL w="720">
+                      <a:solidFill>
+                        <a:srgbClr val="ffffff"/>
+                      </a:solidFill>
+                    </a:lnL>
+                    <a:lnR w="720">
+                      <a:solidFill>
+                        <a:srgbClr val="ffffff"/>
+                      </a:solidFill>
+                    </a:lnR>
+                    <a:lnT w="720">
+                      <a:solidFill>
+                        <a:srgbClr val="ffffff"/>
+                      </a:solidFill>
+                    </a:lnT>
+                    <a:lnB w="720">
+                      <a:solidFill>
+                        <a:srgbClr val="ffffff"/>
+                      </a:solidFill>
+                    </a:lnB>
+                    <a:solidFill>
+                      <a:srgbClr val="e6e6e6"/>
+                    </a:solidFill>
+                  </a:tcPr>
+                </a:tc>
+                <a:tc>
+                  <a:tcPr marL="90000" marR="90000">
+                    <a:lnL w="720">
+                      <a:solidFill>
+                        <a:srgbClr val="ffffff"/>
+                      </a:solidFill>
+                    </a:lnL>
+                    <a:lnR w="720">
+                      <a:solidFill>
+                        <a:srgbClr val="ffffff"/>
+                      </a:solidFill>
+                    </a:lnR>
+                    <a:lnT w="720">
+                      <a:solidFill>
+                        <a:srgbClr val="ffffff"/>
+                      </a:solidFill>
+                    </a:lnT>
+                    <a:lnB w="720">
+                      <a:solidFill>
+                        <a:srgbClr val="ffffff"/>
+                      </a:solidFill>
+                    </a:lnB>
+                    <a:solidFill>
+                      <a:srgbClr val="e6e6e6"/>
+                    </a:solidFill>
+                  </a:tcPr>
+                </a:tc>
+              </a:tr>
+            </a:tbl>
+          </a:graphicData>
+        </a:graphic>
+      </p:graphicFrame>
     </p:spTree>
   </p:cSld>
   <p:timing>
@@ -8306,7 +10423,7 @@
       </p:grpSpPr>
       <p:sp>
         <p:nvSpPr>
-          <p:cNvPr id="105" name="CustomShape 1"/>
+          <p:cNvPr id="106" name="CustomShape 1"/>
           <p:cNvSpPr/>
           <p:nvPr/>
         </p:nvSpPr>
@@ -8350,7 +10467,472 @@
                 <a:latin typeface="Calibri"/>
                 <a:ea typeface="DejaVu Sans"/>
               </a:rPr>
-              <a:t>User Actions – Add Relationships</a:t>
+              <a:t>U</a:t>
+            </a:r>
+            <a:r>
+              <a:rPr b="1" lang="en-US" sz="3200" spc="-1" strike="noStrike">
+                <a:solidFill>
+                  <a:srgbClr val="1d3455"/>
+                </a:solidFill>
+                <a:uFill>
+                  <a:solidFill>
+                    <a:srgbClr val="ffffff"/>
+                  </a:solidFill>
+                </a:uFill>
+                <a:latin typeface="Calibri"/>
+                <a:ea typeface="DejaVu Sans"/>
+              </a:rPr>
+              <a:t>s</a:t>
+            </a:r>
+            <a:r>
+              <a:rPr b="1" lang="en-US" sz="3200" spc="-1" strike="noStrike">
+                <a:solidFill>
+                  <a:srgbClr val="1d3455"/>
+                </a:solidFill>
+                <a:uFill>
+                  <a:solidFill>
+                    <a:srgbClr val="ffffff"/>
+                  </a:solidFill>
+                </a:uFill>
+                <a:latin typeface="Calibri"/>
+                <a:ea typeface="DejaVu Sans"/>
+              </a:rPr>
+              <a:t>e</a:t>
+            </a:r>
+            <a:r>
+              <a:rPr b="1" lang="en-US" sz="3200" spc="-1" strike="noStrike">
+                <a:solidFill>
+                  <a:srgbClr val="1d3455"/>
+                </a:solidFill>
+                <a:uFill>
+                  <a:solidFill>
+                    <a:srgbClr val="ffffff"/>
+                  </a:solidFill>
+                </a:uFill>
+                <a:latin typeface="Calibri"/>
+                <a:ea typeface="DejaVu Sans"/>
+              </a:rPr>
+              <a:t>r</a:t>
+            </a:r>
+            <a:r>
+              <a:rPr b="1" lang="en-US" sz="3200" spc="-1" strike="noStrike">
+                <a:solidFill>
+                  <a:srgbClr val="1d3455"/>
+                </a:solidFill>
+                <a:uFill>
+                  <a:solidFill>
+                    <a:srgbClr val="ffffff"/>
+                  </a:solidFill>
+                </a:uFill>
+                <a:latin typeface="Calibri"/>
+                <a:ea typeface="DejaVu Sans"/>
+              </a:rPr>
+              <a:t> </a:t>
+            </a:r>
+            <a:r>
+              <a:rPr b="1" lang="en-US" sz="3200" spc="-1" strike="noStrike">
+                <a:solidFill>
+                  <a:srgbClr val="1d3455"/>
+                </a:solidFill>
+                <a:uFill>
+                  <a:solidFill>
+                    <a:srgbClr val="ffffff"/>
+                  </a:solidFill>
+                </a:uFill>
+                <a:latin typeface="Calibri"/>
+                <a:ea typeface="DejaVu Sans"/>
+              </a:rPr>
+              <a:t>A</a:t>
+            </a:r>
+            <a:r>
+              <a:rPr b="1" lang="en-US" sz="3200" spc="-1" strike="noStrike">
+                <a:solidFill>
+                  <a:srgbClr val="1d3455"/>
+                </a:solidFill>
+                <a:uFill>
+                  <a:solidFill>
+                    <a:srgbClr val="ffffff"/>
+                  </a:solidFill>
+                </a:uFill>
+                <a:latin typeface="Calibri"/>
+                <a:ea typeface="DejaVu Sans"/>
+              </a:rPr>
+              <a:t>c</a:t>
+            </a:r>
+            <a:r>
+              <a:rPr b="1" lang="en-US" sz="3200" spc="-1" strike="noStrike">
+                <a:solidFill>
+                  <a:srgbClr val="1d3455"/>
+                </a:solidFill>
+                <a:uFill>
+                  <a:solidFill>
+                    <a:srgbClr val="ffffff"/>
+                  </a:solidFill>
+                </a:uFill>
+                <a:latin typeface="Calibri"/>
+                <a:ea typeface="DejaVu Sans"/>
+              </a:rPr>
+              <a:t>t</a:t>
+            </a:r>
+            <a:r>
+              <a:rPr b="1" lang="en-US" sz="3200" spc="-1" strike="noStrike">
+                <a:solidFill>
+                  <a:srgbClr val="1d3455"/>
+                </a:solidFill>
+                <a:uFill>
+                  <a:solidFill>
+                    <a:srgbClr val="ffffff"/>
+                  </a:solidFill>
+                </a:uFill>
+                <a:latin typeface="Calibri"/>
+                <a:ea typeface="DejaVu Sans"/>
+              </a:rPr>
+              <a:t>i</a:t>
+            </a:r>
+            <a:r>
+              <a:rPr b="1" lang="en-US" sz="3200" spc="-1" strike="noStrike">
+                <a:solidFill>
+                  <a:srgbClr val="1d3455"/>
+                </a:solidFill>
+                <a:uFill>
+                  <a:solidFill>
+                    <a:srgbClr val="ffffff"/>
+                  </a:solidFill>
+                </a:uFill>
+                <a:latin typeface="Calibri"/>
+                <a:ea typeface="DejaVu Sans"/>
+              </a:rPr>
+              <a:t>o</a:t>
+            </a:r>
+            <a:r>
+              <a:rPr b="1" lang="en-US" sz="3200" spc="-1" strike="noStrike">
+                <a:solidFill>
+                  <a:srgbClr val="1d3455"/>
+                </a:solidFill>
+                <a:uFill>
+                  <a:solidFill>
+                    <a:srgbClr val="ffffff"/>
+                  </a:solidFill>
+                </a:uFill>
+                <a:latin typeface="Calibri"/>
+                <a:ea typeface="DejaVu Sans"/>
+              </a:rPr>
+              <a:t>n</a:t>
+            </a:r>
+            <a:r>
+              <a:rPr b="1" lang="en-US" sz="3200" spc="-1" strike="noStrike">
+                <a:solidFill>
+                  <a:srgbClr val="1d3455"/>
+                </a:solidFill>
+                <a:uFill>
+                  <a:solidFill>
+                    <a:srgbClr val="ffffff"/>
+                  </a:solidFill>
+                </a:uFill>
+                <a:latin typeface="Calibri"/>
+                <a:ea typeface="DejaVu Sans"/>
+              </a:rPr>
+              <a:t>s</a:t>
+            </a:r>
+            <a:r>
+              <a:rPr b="1" lang="en-US" sz="3200" spc="-1" strike="noStrike">
+                <a:solidFill>
+                  <a:srgbClr val="1d3455"/>
+                </a:solidFill>
+                <a:uFill>
+                  <a:solidFill>
+                    <a:srgbClr val="ffffff"/>
+                  </a:solidFill>
+                </a:uFill>
+                <a:latin typeface="Calibri"/>
+                <a:ea typeface="DejaVu Sans"/>
+              </a:rPr>
+              <a:t> </a:t>
+            </a:r>
+            <a:r>
+              <a:rPr b="1" lang="en-US" sz="3200" spc="-1" strike="noStrike">
+                <a:solidFill>
+                  <a:srgbClr val="1d3455"/>
+                </a:solidFill>
+                <a:uFill>
+                  <a:solidFill>
+                    <a:srgbClr val="ffffff"/>
+                  </a:solidFill>
+                </a:uFill>
+                <a:latin typeface="Calibri"/>
+                <a:ea typeface="DejaVu Sans"/>
+              </a:rPr>
+              <a:t>–</a:t>
+            </a:r>
+            <a:r>
+              <a:rPr b="1" lang="en-US" sz="3200" spc="-1" strike="noStrike">
+                <a:solidFill>
+                  <a:srgbClr val="1d3455"/>
+                </a:solidFill>
+                <a:uFill>
+                  <a:solidFill>
+                    <a:srgbClr val="ffffff"/>
+                  </a:solidFill>
+                </a:uFill>
+                <a:latin typeface="Calibri"/>
+                <a:ea typeface="DejaVu Sans"/>
+              </a:rPr>
+              <a:t> </a:t>
+            </a:r>
+            <a:r>
+              <a:rPr b="1" lang="en-US" sz="3200" spc="-1" strike="noStrike">
+                <a:solidFill>
+                  <a:srgbClr val="1d3455"/>
+                </a:solidFill>
+                <a:uFill>
+                  <a:solidFill>
+                    <a:srgbClr val="ffffff"/>
+                  </a:solidFill>
+                </a:uFill>
+                <a:latin typeface="Calibri"/>
+                <a:ea typeface="DejaVu Sans"/>
+              </a:rPr>
+              <a:t>D</a:t>
+            </a:r>
+            <a:r>
+              <a:rPr b="1" lang="en-US" sz="3200" spc="-1" strike="noStrike">
+                <a:solidFill>
+                  <a:srgbClr val="1d3455"/>
+                </a:solidFill>
+                <a:uFill>
+                  <a:solidFill>
+                    <a:srgbClr val="ffffff"/>
+                  </a:solidFill>
+                </a:uFill>
+                <a:latin typeface="Calibri"/>
+                <a:ea typeface="DejaVu Sans"/>
+              </a:rPr>
+              <a:t>e</a:t>
+            </a:r>
+            <a:r>
+              <a:rPr b="1" lang="en-US" sz="3200" spc="-1" strike="noStrike">
+                <a:solidFill>
+                  <a:srgbClr val="1d3455"/>
+                </a:solidFill>
+                <a:uFill>
+                  <a:solidFill>
+                    <a:srgbClr val="ffffff"/>
+                  </a:solidFill>
+                </a:uFill>
+                <a:latin typeface="Calibri"/>
+                <a:ea typeface="DejaVu Sans"/>
+              </a:rPr>
+              <a:t>f</a:t>
+            </a:r>
+            <a:r>
+              <a:rPr b="1" lang="en-US" sz="3200" spc="-1" strike="noStrike">
+                <a:solidFill>
+                  <a:srgbClr val="1d3455"/>
+                </a:solidFill>
+                <a:uFill>
+                  <a:solidFill>
+                    <a:srgbClr val="ffffff"/>
+                  </a:solidFill>
+                </a:uFill>
+                <a:latin typeface="Calibri"/>
+                <a:ea typeface="DejaVu Sans"/>
+              </a:rPr>
+              <a:t>i</a:t>
+            </a:r>
+            <a:r>
+              <a:rPr b="1" lang="en-US" sz="3200" spc="-1" strike="noStrike">
+                <a:solidFill>
+                  <a:srgbClr val="1d3455"/>
+                </a:solidFill>
+                <a:uFill>
+                  <a:solidFill>
+                    <a:srgbClr val="ffffff"/>
+                  </a:solidFill>
+                </a:uFill>
+                <a:latin typeface="Calibri"/>
+                <a:ea typeface="DejaVu Sans"/>
+              </a:rPr>
+              <a:t>n</a:t>
+            </a:r>
+            <a:r>
+              <a:rPr b="1" lang="en-US" sz="3200" spc="-1" strike="noStrike">
+                <a:solidFill>
+                  <a:srgbClr val="1d3455"/>
+                </a:solidFill>
+                <a:uFill>
+                  <a:solidFill>
+                    <a:srgbClr val="ffffff"/>
+                  </a:solidFill>
+                </a:uFill>
+                <a:latin typeface="Calibri"/>
+                <a:ea typeface="DejaVu Sans"/>
+              </a:rPr>
+              <a:t>e</a:t>
+            </a:r>
+            <a:r>
+              <a:rPr b="1" lang="en-US" sz="3200" spc="-1" strike="noStrike">
+                <a:solidFill>
+                  <a:srgbClr val="1d3455"/>
+                </a:solidFill>
+                <a:uFill>
+                  <a:solidFill>
+                    <a:srgbClr val="ffffff"/>
+                  </a:solidFill>
+                </a:uFill>
+                <a:latin typeface="Calibri"/>
+                <a:ea typeface="DejaVu Sans"/>
+              </a:rPr>
+              <a:t> </a:t>
+            </a:r>
+            <a:r>
+              <a:rPr b="1" lang="en-US" sz="3200" spc="-1" strike="noStrike">
+                <a:solidFill>
+                  <a:srgbClr val="1d3455"/>
+                </a:solidFill>
+                <a:uFill>
+                  <a:solidFill>
+                    <a:srgbClr val="ffffff"/>
+                  </a:solidFill>
+                </a:uFill>
+                <a:latin typeface="Calibri"/>
+                <a:ea typeface="DejaVu Sans"/>
+              </a:rPr>
+              <a:t>C</a:t>
+            </a:r>
+            <a:r>
+              <a:rPr b="1" lang="en-US" sz="3200" spc="-1" strike="noStrike">
+                <a:solidFill>
+                  <a:srgbClr val="1d3455"/>
+                </a:solidFill>
+                <a:uFill>
+                  <a:solidFill>
+                    <a:srgbClr val="ffffff"/>
+                  </a:solidFill>
+                </a:uFill>
+                <a:latin typeface="Calibri"/>
+                <a:ea typeface="DejaVu Sans"/>
+              </a:rPr>
+              <a:t>o</a:t>
+            </a:r>
+            <a:r>
+              <a:rPr b="1" lang="en-US" sz="3200" spc="-1" strike="noStrike">
+                <a:solidFill>
+                  <a:srgbClr val="1d3455"/>
+                </a:solidFill>
+                <a:uFill>
+                  <a:solidFill>
+                    <a:srgbClr val="ffffff"/>
+                  </a:solidFill>
+                </a:uFill>
+                <a:latin typeface="Calibri"/>
+                <a:ea typeface="DejaVu Sans"/>
+              </a:rPr>
+              <a:t>m</a:t>
+            </a:r>
+            <a:r>
+              <a:rPr b="1" lang="en-US" sz="3200" spc="-1" strike="noStrike">
+                <a:solidFill>
+                  <a:srgbClr val="1d3455"/>
+                </a:solidFill>
+                <a:uFill>
+                  <a:solidFill>
+                    <a:srgbClr val="ffffff"/>
+                  </a:solidFill>
+                </a:uFill>
+                <a:latin typeface="Calibri"/>
+                <a:ea typeface="DejaVu Sans"/>
+              </a:rPr>
+              <a:t>p</a:t>
+            </a:r>
+            <a:r>
+              <a:rPr b="1" lang="en-US" sz="3200" spc="-1" strike="noStrike">
+                <a:solidFill>
+                  <a:srgbClr val="1d3455"/>
+                </a:solidFill>
+                <a:uFill>
+                  <a:solidFill>
+                    <a:srgbClr val="ffffff"/>
+                  </a:solidFill>
+                </a:uFill>
+                <a:latin typeface="Calibri"/>
+                <a:ea typeface="DejaVu Sans"/>
+              </a:rPr>
+              <a:t>o</a:t>
+            </a:r>
+            <a:r>
+              <a:rPr b="1" lang="en-US" sz="3200" spc="-1" strike="noStrike">
+                <a:solidFill>
+                  <a:srgbClr val="1d3455"/>
+                </a:solidFill>
+                <a:uFill>
+                  <a:solidFill>
+                    <a:srgbClr val="ffffff"/>
+                  </a:solidFill>
+                </a:uFill>
+                <a:latin typeface="Calibri"/>
+                <a:ea typeface="DejaVu Sans"/>
+              </a:rPr>
+              <a:t>n</a:t>
+            </a:r>
+            <a:r>
+              <a:rPr b="1" lang="en-US" sz="3200" spc="-1" strike="noStrike">
+                <a:solidFill>
+                  <a:srgbClr val="1d3455"/>
+                </a:solidFill>
+                <a:uFill>
+                  <a:solidFill>
+                    <a:srgbClr val="ffffff"/>
+                  </a:solidFill>
+                </a:uFill>
+                <a:latin typeface="Calibri"/>
+                <a:ea typeface="DejaVu Sans"/>
+              </a:rPr>
+              <a:t>e</a:t>
+            </a:r>
+            <a:r>
+              <a:rPr b="1" lang="en-US" sz="3200" spc="-1" strike="noStrike">
+                <a:solidFill>
+                  <a:srgbClr val="1d3455"/>
+                </a:solidFill>
+                <a:uFill>
+                  <a:solidFill>
+                    <a:srgbClr val="ffffff"/>
+                  </a:solidFill>
+                </a:uFill>
+                <a:latin typeface="Calibri"/>
+                <a:ea typeface="DejaVu Sans"/>
+              </a:rPr>
+              <a:t>n</a:t>
+            </a:r>
+            <a:r>
+              <a:rPr b="1" lang="en-US" sz="3200" spc="-1" strike="noStrike">
+                <a:solidFill>
+                  <a:srgbClr val="1d3455"/>
+                </a:solidFill>
+                <a:uFill>
+                  <a:solidFill>
+                    <a:srgbClr val="ffffff"/>
+                  </a:solidFill>
+                </a:uFill>
+                <a:latin typeface="Calibri"/>
+                <a:ea typeface="DejaVu Sans"/>
+              </a:rPr>
+              <a:t>t</a:t>
+            </a:r>
+            <a:r>
+              <a:rPr b="1" lang="en-US" sz="3200" spc="-1" strike="noStrike">
+                <a:solidFill>
+                  <a:srgbClr val="1d3455"/>
+                </a:solidFill>
+                <a:uFill>
+                  <a:solidFill>
+                    <a:srgbClr val="ffffff"/>
+                  </a:solidFill>
+                </a:uFill>
+                <a:latin typeface="Calibri"/>
+                <a:ea typeface="DejaVu Sans"/>
+              </a:rPr>
+              <a:t>s</a:t>
             </a:r>
             <a:endParaRPr b="0" lang="en-US" sz="1800" spc="-1" strike="noStrike">
               <a:solidFill>
@@ -8368,7 +10950,7 @@
       </p:sp>
       <p:sp>
         <p:nvSpPr>
-          <p:cNvPr id="106" name="CustomShape 2"/>
+          <p:cNvPr id="107" name="CustomShape 2"/>
           <p:cNvSpPr/>
           <p:nvPr/>
         </p:nvSpPr>
@@ -8394,7 +10976,7 @@
       </p:sp>
       <p:sp>
         <p:nvSpPr>
-          <p:cNvPr id="107" name="CustomShape 3"/>
+          <p:cNvPr id="108" name="CustomShape 3"/>
           <p:cNvSpPr/>
           <p:nvPr/>
         </p:nvSpPr>
@@ -8443,31 +11025,8 @@
                 <a:latin typeface="Calibri"/>
                 <a:ea typeface="DejaVu Sans"/>
               </a:rPr>
-              <a:t> </a:t>
+              <a:t>Define </a:t>
             </a:r>
-            <a:endParaRPr b="0" lang="en-US" sz="1800" spc="-1" strike="noStrike">
-              <a:solidFill>
-                <a:srgbClr val="000000"/>
-              </a:solidFill>
-              <a:uFill>
-                <a:solidFill>
-                  <a:srgbClr val="ffffff"/>
-                </a:solidFill>
-              </a:uFill>
-              <a:latin typeface="Arial"/>
-            </a:endParaRPr>
-          </a:p>
-          <a:p>
-            <a:pPr marL="343080" indent="-340920">
-              <a:lnSpc>
-                <a:spcPct val="100000"/>
-              </a:lnSpc>
-              <a:buClr>
-                <a:srgbClr val="1d3455"/>
-              </a:buClr>
-              <a:buFont typeface="Wingdings" charset="2"/>
-              <a:buChar char=""/>
-            </a:pPr>
             <a:r>
               <a:rPr b="0" lang="en-US" sz="2800" spc="-1" strike="noStrike">
                 <a:solidFill>
@@ -8481,84 +11040,7 @@
                 <a:latin typeface="Calibri"/>
                 <a:ea typeface="DejaVu Sans"/>
               </a:rPr>
-              <a:t>Define Relationships between Components</a:t>
-            </a:r>
-            <a:endParaRPr b="0" lang="en-US" sz="1800" spc="-1" strike="noStrike">
-              <a:solidFill>
-                <a:srgbClr val="000000"/>
-              </a:solidFill>
-              <a:uFill>
-                <a:solidFill>
-                  <a:srgbClr val="ffffff"/>
-                </a:solidFill>
-              </a:uFill>
-              <a:latin typeface="Arial"/>
-            </a:endParaRPr>
-          </a:p>
-          <a:p>
-            <a:pPr lvl="1" marL="864000" indent="-322200">
-              <a:lnSpc>
-                <a:spcPct val="100000"/>
-              </a:lnSpc>
-              <a:buClr>
-                <a:srgbClr val="000000"/>
-              </a:buClr>
-              <a:buSzPct val="75000"/>
-              <a:buFont typeface="Symbol"/>
-              <a:buChar char=""/>
-            </a:pPr>
-            <a:r>
-              <a:rPr b="0" lang="en-US" sz="2400" spc="-1" strike="noStrike">
-                <a:solidFill>
-                  <a:srgbClr val="000000"/>
-                </a:solidFill>
-                <a:uFill>
-                  <a:solidFill>
-                    <a:srgbClr val="ffffff"/>
-                  </a:solidFill>
-                </a:uFill>
-                <a:latin typeface="Calibri"/>
-                <a:ea typeface="DejaVu Sans"/>
-              </a:rPr>
-              <a:t> </a:t>
-            </a:r>
-            <a:endParaRPr b="0" lang="en-US" sz="1800" spc="-1" strike="noStrike">
-              <a:solidFill>
-                <a:srgbClr val="000000"/>
-              </a:solidFill>
-              <a:uFill>
-                <a:solidFill>
-                  <a:srgbClr val="ffffff"/>
-                </a:solidFill>
-              </a:uFill>
-              <a:latin typeface="Arial"/>
-            </a:endParaRPr>
-          </a:p>
-          <a:p>
-            <a:pPr marL="343080" indent="-340920">
-              <a:lnSpc>
-                <a:spcPct val="100000"/>
-              </a:lnSpc>
-              <a:buClr>
-                <a:srgbClr val="1d3455"/>
-              </a:buClr>
-              <a:buFont typeface="Wingdings" charset="2"/>
-              <a:buChar char=""/>
-            </a:pPr>
-            <a:r>
-              <a:rPr b="0" lang="en-US" sz="2800" spc="-1" strike="noStrike">
-                <a:solidFill>
-                  <a:srgbClr val="000000"/>
-                </a:solidFill>
-                <a:uFill>
-                  <a:solidFill>
-                    <a:srgbClr val="ffffff"/>
-                  </a:solidFill>
-                </a:uFill>
-                <a:latin typeface="Calibri"/>
-                <a:ea typeface="DejaVu Sans"/>
-              </a:rPr>
-              <a:t>TODO add snippet</a:t>
+              <a:t>Oscillators </a:t>
             </a:r>
             <a:endParaRPr b="0" lang="en-US" sz="1800" spc="-1" strike="noStrike">
               <a:solidFill>
@@ -8592,6 +11074,1080 @@
           </a:p>
         </p:txBody>
       </p:sp>
+      <p:graphicFrame>
+        <p:nvGraphicFramePr>
+          <p:cNvPr id="109" name="Table 4"/>
+          <p:cNvGraphicFramePr/>
+          <p:nvPr/>
+        </p:nvGraphicFramePr>
+        <p:xfrm>
+          <a:off x="1760760" y="2600640"/>
+          <a:ext cx="5075280" cy="719280"/>
+        </p:xfrm>
+        <a:graphic>
+          <a:graphicData uri="http://schemas.openxmlformats.org/drawingml/2006/table">
+            <a:tbl>
+              <a:tblPr/>
+              <a:tblGrid>
+                <a:gridCol w="5075640"/>
+              </a:tblGrid>
+              <a:tr h="719640">
+                <a:tc>
+                  <a:txBody>
+                    <a:bodyPr lIns="90000" rIns="90000" tIns="46800" bIns="46800"/>
+                    <a:p>
+                      <a:r>
+                        <a:rPr b="0" lang="en-US" sz="1400" spc="-1" strike="noStrike">
+                          <a:solidFill>
+                            <a:srgbClr val="000000"/>
+                          </a:solidFill>
+                          <a:uFill>
+                            <a:solidFill>
+                              <a:srgbClr val="ffffff"/>
+                            </a:solidFill>
+                          </a:uFill>
+                          <a:latin typeface="Arial"/>
+                        </a:rPr>
+                        <a:t>oscillators</a:t>
+                      </a:r>
+                      <a:endParaRPr b="0" lang="en-US" sz="1400" spc="-1" strike="noStrike">
+                        <a:solidFill>
+                          <a:srgbClr val="000000"/>
+                        </a:solidFill>
+                        <a:uFill>
+                          <a:solidFill>
+                            <a:srgbClr val="ffffff"/>
+                          </a:solidFill>
+                        </a:uFill>
+                        <a:latin typeface="Arial"/>
+                      </a:endParaRPr>
+                    </a:p>
+                    <a:p>
+                      <a:r>
+                        <a:rPr b="0" lang="en-US" sz="1400" spc="-1" strike="noStrike">
+                          <a:solidFill>
+                            <a:srgbClr val="000000"/>
+                          </a:solidFill>
+                          <a:uFill>
+                            <a:solidFill>
+                              <a:srgbClr val="ffffff"/>
+                            </a:solidFill>
+                          </a:uFill>
+                          <a:latin typeface="Arial"/>
+                        </a:rPr>
+                        <a:t>	</a:t>
+                      </a:r>
+                      <a:r>
+                        <a:rPr b="0" lang="en-US" sz="1400" spc="-1" strike="noStrike">
+                          <a:solidFill>
+                            <a:srgbClr val="000000"/>
+                          </a:solidFill>
+                          <a:uFill>
+                            <a:solidFill>
+                              <a:srgbClr val="ffffff"/>
+                            </a:solidFill>
+                          </a:uFill>
+                          <a:latin typeface="Arial"/>
+                        </a:rPr>
+                        <a:t>.add(new Oscillator(</a:t>
+                      </a:r>
+                      <a:endParaRPr b="0" lang="en-US" sz="1400" spc="-1" strike="noStrike">
+                        <a:solidFill>
+                          <a:srgbClr val="000000"/>
+                        </a:solidFill>
+                        <a:uFill>
+                          <a:solidFill>
+                            <a:srgbClr val="ffffff"/>
+                          </a:solidFill>
+                        </a:uFill>
+                        <a:latin typeface="Arial"/>
+                      </a:endParaRPr>
+                    </a:p>
+                    <a:p>
+                      <a:r>
+                        <a:rPr b="0" lang="en-US" sz="1400" spc="-1" strike="noStrike">
+                          <a:solidFill>
+                            <a:srgbClr val="000000"/>
+                          </a:solidFill>
+                          <a:uFill>
+                            <a:solidFill>
+                              <a:srgbClr val="ffffff"/>
+                            </a:solidFill>
+                          </a:uFill>
+                          <a:latin typeface="Arial"/>
+                        </a:rPr>
+                        <a:t>	</a:t>
+                      </a:r>
+                      <a:r>
+                        <a:rPr b="0" lang="en-US" sz="1400" spc="-1" strike="noStrike">
+                          <a:solidFill>
+                            <a:srgbClr val="000000"/>
+                          </a:solidFill>
+                          <a:uFill>
+                            <a:solidFill>
+                              <a:srgbClr val="ffffff"/>
+                            </a:solidFill>
+                          </a:uFill>
+                          <a:latin typeface="Arial"/>
+                        </a:rPr>
+                        <a:t>	</a:t>
+                      </a:r>
+                      <a:r>
+                        <a:rPr b="0" lang="en-US" sz="1400" spc="-1" strike="noStrike">
+                          <a:solidFill>
+                            <a:srgbClr val="000000"/>
+                          </a:solidFill>
+                          <a:uFill>
+                            <a:solidFill>
+                              <a:srgbClr val="ffffff"/>
+                            </a:solidFill>
+                          </a:uFill>
+                          <a:latin typeface="Arial"/>
+                        </a:rPr>
+                        <a:t>	</a:t>
+                      </a:r>
+                      <a:r>
+                        <a:rPr b="0" lang="en-US" sz="1400" spc="-1" strike="noStrike">
+                          <a:solidFill>
+                            <a:srgbClr val="000000"/>
+                          </a:solidFill>
+                          <a:uFill>
+                            <a:solidFill>
+                              <a:srgbClr val="ffffff"/>
+                            </a:solidFill>
+                          </a:uFill>
+                          <a:latin typeface="Arial"/>
+                        </a:rPr>
+                        <a:t>name: 'myFirstOsc',</a:t>
+                      </a:r>
+                      <a:endParaRPr b="0" lang="en-US" sz="1400" spc="-1" strike="noStrike">
+                        <a:solidFill>
+                          <a:srgbClr val="000000"/>
+                        </a:solidFill>
+                        <a:uFill>
+                          <a:solidFill>
+                            <a:srgbClr val="ffffff"/>
+                          </a:solidFill>
+                        </a:uFill>
+                        <a:latin typeface="Arial"/>
+                      </a:endParaRPr>
+                    </a:p>
+                    <a:p>
+                      <a:r>
+                        <a:rPr b="0" lang="en-US" sz="1400" spc="-1" strike="noStrike">
+                          <a:solidFill>
+                            <a:srgbClr val="000000"/>
+                          </a:solidFill>
+                          <a:uFill>
+                            <a:solidFill>
+                              <a:srgbClr val="ffffff"/>
+                            </a:solidFill>
+                          </a:uFill>
+                          <a:latin typeface="Arial"/>
+                        </a:rPr>
+                        <a:t>	</a:t>
+                      </a:r>
+                      <a:r>
+                        <a:rPr b="0" lang="en-US" sz="1400" spc="-1" strike="noStrike">
+                          <a:solidFill>
+                            <a:srgbClr val="000000"/>
+                          </a:solidFill>
+                          <a:uFill>
+                            <a:solidFill>
+                              <a:srgbClr val="ffffff"/>
+                            </a:solidFill>
+                          </a:uFill>
+                          <a:latin typeface="Arial"/>
+                        </a:rPr>
+                        <a:t>	</a:t>
+                      </a:r>
+                      <a:r>
+                        <a:rPr b="0" lang="en-US" sz="1400" spc="-1" strike="noStrike">
+                          <a:solidFill>
+                            <a:srgbClr val="000000"/>
+                          </a:solidFill>
+                          <a:uFill>
+                            <a:solidFill>
+                              <a:srgbClr val="ffffff"/>
+                            </a:solidFill>
+                          </a:uFill>
+                          <a:latin typeface="Arial"/>
+                        </a:rPr>
+                        <a:t>	</a:t>
+                      </a:r>
+                      <a:r>
+                        <a:rPr b="0" lang="en-US" sz="1400" spc="-1" strike="noStrike">
+                          <a:solidFill>
+                            <a:srgbClr val="000000"/>
+                          </a:solidFill>
+                          <a:uFill>
+                            <a:solidFill>
+                              <a:srgbClr val="ffffff"/>
+                            </a:solidFill>
+                          </a:uFill>
+                          <a:latin typeface="Arial"/>
+                        </a:rPr>
+                        <a:t>type: 'SineOscillator',</a:t>
+                      </a:r>
+                      <a:endParaRPr b="0" lang="en-US" sz="1400" spc="-1" strike="noStrike">
+                        <a:solidFill>
+                          <a:srgbClr val="000000"/>
+                        </a:solidFill>
+                        <a:uFill>
+                          <a:solidFill>
+                            <a:srgbClr val="ffffff"/>
+                          </a:solidFill>
+                        </a:uFill>
+                        <a:latin typeface="Arial"/>
+                      </a:endParaRPr>
+                    </a:p>
+                    <a:p>
+                      <a:r>
+                        <a:rPr b="0" lang="en-US" sz="1400" spc="-1" strike="noStrike">
+                          <a:solidFill>
+                            <a:srgbClr val="000000"/>
+                          </a:solidFill>
+                          <a:uFill>
+                            <a:solidFill>
+                              <a:srgbClr val="ffffff"/>
+                            </a:solidFill>
+                          </a:uFill>
+                          <a:latin typeface="Arial"/>
+                        </a:rPr>
+                        <a:t>	</a:t>
+                      </a:r>
+                      <a:r>
+                        <a:rPr b="0" lang="en-US" sz="1400" spc="-1" strike="noStrike">
+                          <a:solidFill>
+                            <a:srgbClr val="000000"/>
+                          </a:solidFill>
+                          <a:uFill>
+                            <a:solidFill>
+                              <a:srgbClr val="ffffff"/>
+                            </a:solidFill>
+                          </a:uFill>
+                          <a:latin typeface="Arial"/>
+                        </a:rPr>
+                        <a:t>	</a:t>
+                      </a:r>
+                      <a:r>
+                        <a:rPr b="0" lang="en-US" sz="1400" spc="-1" strike="noStrike">
+                          <a:solidFill>
+                            <a:srgbClr val="000000"/>
+                          </a:solidFill>
+                          <a:uFill>
+                            <a:solidFill>
+                              <a:srgbClr val="ffffff"/>
+                            </a:solidFill>
+                          </a:uFill>
+                          <a:latin typeface="Arial"/>
+                        </a:rPr>
+                        <a:t>	</a:t>
+                      </a:r>
+                      <a:r>
+                        <a:rPr b="0" lang="en-US" sz="1400" spc="-1" strike="noStrike">
+                          <a:solidFill>
+                            <a:srgbClr val="000000"/>
+                          </a:solidFill>
+                          <a:uFill>
+                            <a:solidFill>
+                              <a:srgbClr val="ffffff"/>
+                            </a:solidFill>
+                          </a:uFill>
+                          <a:latin typeface="Arial"/>
+                        </a:rPr>
+                        <a:t>amplitude: new Amplitude(</a:t>
+                      </a:r>
+                      <a:endParaRPr b="0" lang="en-US" sz="1400" spc="-1" strike="noStrike">
+                        <a:solidFill>
+                          <a:srgbClr val="000000"/>
+                        </a:solidFill>
+                        <a:uFill>
+                          <a:solidFill>
+                            <a:srgbClr val="ffffff"/>
+                          </a:solidFill>
+                        </a:uFill>
+                        <a:latin typeface="Arial"/>
+                      </a:endParaRPr>
+                    </a:p>
+                    <a:p>
+                      <a:r>
+                        <a:rPr b="0" lang="en-US" sz="1400" spc="-1" strike="noStrike">
+                          <a:solidFill>
+                            <a:srgbClr val="000000"/>
+                          </a:solidFill>
+                          <a:uFill>
+                            <a:solidFill>
+                              <a:srgbClr val="ffffff"/>
+                            </a:solidFill>
+                          </a:uFill>
+                          <a:latin typeface="Arial"/>
+                        </a:rPr>
+                        <a:t>	</a:t>
+                      </a:r>
+                      <a:r>
+                        <a:rPr b="0" lang="en-US" sz="1400" spc="-1" strike="noStrike">
+                          <a:solidFill>
+                            <a:srgbClr val="000000"/>
+                          </a:solidFill>
+                          <a:uFill>
+                            <a:solidFill>
+                              <a:srgbClr val="ffffff"/>
+                            </a:solidFill>
+                          </a:uFill>
+                          <a:latin typeface="Arial"/>
+                        </a:rPr>
+                        <a:t>	</a:t>
+                      </a:r>
+                      <a:r>
+                        <a:rPr b="0" lang="en-US" sz="1400" spc="-1" strike="noStrike">
+                          <a:solidFill>
+                            <a:srgbClr val="000000"/>
+                          </a:solidFill>
+                          <a:uFill>
+                            <a:solidFill>
+                              <a:srgbClr val="ffffff"/>
+                            </a:solidFill>
+                          </a:uFill>
+                          <a:latin typeface="Arial"/>
+                        </a:rPr>
+                        <a:t>	</a:t>
+                      </a:r>
+                      <a:r>
+                        <a:rPr b="0" lang="en-US" sz="1400" spc="-1" strike="noStrike">
+                          <a:solidFill>
+                            <a:srgbClr val="000000"/>
+                          </a:solidFill>
+                          <a:uFill>
+                            <a:solidFill>
+                              <a:srgbClr val="ffffff"/>
+                            </a:solidFill>
+                          </a:uFill>
+                          <a:latin typeface="Arial"/>
+                        </a:rPr>
+                        <a:t>	</a:t>
+                      </a:r>
+                      <a:r>
+                        <a:rPr b="0" lang="en-US" sz="1400" spc="-1" strike="noStrike">
+                          <a:solidFill>
+                            <a:srgbClr val="000000"/>
+                          </a:solidFill>
+                          <a:uFill>
+                            <a:solidFill>
+                              <a:srgbClr val="ffffff"/>
+                            </a:solidFill>
+                          </a:uFill>
+                          <a:latin typeface="Arial"/>
+                        </a:rPr>
+                        <a:t>minimum : 0.0,</a:t>
+                      </a:r>
+                      <a:endParaRPr b="0" lang="en-US" sz="1400" spc="-1" strike="noStrike">
+                        <a:solidFill>
+                          <a:srgbClr val="000000"/>
+                        </a:solidFill>
+                        <a:uFill>
+                          <a:solidFill>
+                            <a:srgbClr val="ffffff"/>
+                          </a:solidFill>
+                        </a:uFill>
+                        <a:latin typeface="Arial"/>
+                      </a:endParaRPr>
+                    </a:p>
+                    <a:p>
+                      <a:r>
+                        <a:rPr b="0" lang="en-US" sz="1400" spc="-1" strike="noStrike">
+                          <a:solidFill>
+                            <a:srgbClr val="000000"/>
+                          </a:solidFill>
+                          <a:uFill>
+                            <a:solidFill>
+                              <a:srgbClr val="ffffff"/>
+                            </a:solidFill>
+                          </a:uFill>
+                          <a:latin typeface="Arial"/>
+                        </a:rPr>
+                        <a:t>	</a:t>
+                      </a:r>
+                      <a:r>
+                        <a:rPr b="0" lang="en-US" sz="1400" spc="-1" strike="noStrike">
+                          <a:solidFill>
+                            <a:srgbClr val="000000"/>
+                          </a:solidFill>
+                          <a:uFill>
+                            <a:solidFill>
+                              <a:srgbClr val="ffffff"/>
+                            </a:solidFill>
+                          </a:uFill>
+                          <a:latin typeface="Arial"/>
+                        </a:rPr>
+                        <a:t>	</a:t>
+                      </a:r>
+                      <a:r>
+                        <a:rPr b="0" lang="en-US" sz="1400" spc="-1" strike="noStrike">
+                          <a:solidFill>
+                            <a:srgbClr val="000000"/>
+                          </a:solidFill>
+                          <a:uFill>
+                            <a:solidFill>
+                              <a:srgbClr val="ffffff"/>
+                            </a:solidFill>
+                          </a:uFill>
+                          <a:latin typeface="Arial"/>
+                        </a:rPr>
+                        <a:t>	</a:t>
+                      </a:r>
+                      <a:r>
+                        <a:rPr b="0" lang="en-US" sz="1400" spc="-1" strike="noStrike">
+                          <a:solidFill>
+                            <a:srgbClr val="000000"/>
+                          </a:solidFill>
+                          <a:uFill>
+                            <a:solidFill>
+                              <a:srgbClr val="ffffff"/>
+                            </a:solidFill>
+                          </a:uFill>
+                          <a:latin typeface="Arial"/>
+                        </a:rPr>
+                        <a:t>	</a:t>
+                      </a:r>
+                      <a:r>
+                        <a:rPr b="0" lang="en-US" sz="1400" spc="-1" strike="noStrike">
+                          <a:solidFill>
+                            <a:srgbClr val="000000"/>
+                          </a:solidFill>
+                          <a:uFill>
+                            <a:solidFill>
+                              <a:srgbClr val="ffffff"/>
+                            </a:solidFill>
+                          </a:uFill>
+                          <a:latin typeface="Arial"/>
+                        </a:rPr>
+                        <a:t>maximum : 1.0,</a:t>
+                      </a:r>
+                      <a:endParaRPr b="0" lang="en-US" sz="1400" spc="-1" strike="noStrike">
+                        <a:solidFill>
+                          <a:srgbClr val="000000"/>
+                        </a:solidFill>
+                        <a:uFill>
+                          <a:solidFill>
+                            <a:srgbClr val="ffffff"/>
+                          </a:solidFill>
+                        </a:uFill>
+                        <a:latin typeface="Arial"/>
+                      </a:endParaRPr>
+                    </a:p>
+                    <a:p>
+                      <a:r>
+                        <a:rPr b="0" lang="en-US" sz="1400" spc="-1" strike="noStrike">
+                          <a:solidFill>
+                            <a:srgbClr val="000000"/>
+                          </a:solidFill>
+                          <a:uFill>
+                            <a:solidFill>
+                              <a:srgbClr val="ffffff"/>
+                            </a:solidFill>
+                          </a:uFill>
+                          <a:latin typeface="Arial"/>
+                        </a:rPr>
+                        <a:t>	</a:t>
+                      </a:r>
+                      <a:r>
+                        <a:rPr b="0" lang="en-US" sz="1400" spc="-1" strike="noStrike">
+                          <a:solidFill>
+                            <a:srgbClr val="000000"/>
+                          </a:solidFill>
+                          <a:uFill>
+                            <a:solidFill>
+                              <a:srgbClr val="ffffff"/>
+                            </a:solidFill>
+                          </a:uFill>
+                          <a:latin typeface="Arial"/>
+                        </a:rPr>
+                        <a:t>	</a:t>
+                      </a:r>
+                      <a:r>
+                        <a:rPr b="0" lang="en-US" sz="1400" spc="-1" strike="noStrike">
+                          <a:solidFill>
+                            <a:srgbClr val="000000"/>
+                          </a:solidFill>
+                          <a:uFill>
+                            <a:solidFill>
+                              <a:srgbClr val="ffffff"/>
+                            </a:solidFill>
+                          </a:uFill>
+                          <a:latin typeface="Arial"/>
+                        </a:rPr>
+                        <a:t>	</a:t>
+                      </a:r>
+                      <a:r>
+                        <a:rPr b="0" lang="en-US" sz="1400" spc="-1" strike="noStrike">
+                          <a:solidFill>
+                            <a:srgbClr val="000000"/>
+                          </a:solidFill>
+                          <a:uFill>
+                            <a:solidFill>
+                              <a:srgbClr val="ffffff"/>
+                            </a:solidFill>
+                          </a:uFill>
+                          <a:latin typeface="Arial"/>
+                        </a:rPr>
+                        <a:t>	</a:t>
+                      </a:r>
+                      <a:r>
+                        <a:rPr b="0" lang="en-US" sz="1400" spc="-1" strike="noStrike">
+                          <a:solidFill>
+                            <a:srgbClr val="000000"/>
+                          </a:solidFill>
+                          <a:uFill>
+                            <a:solidFill>
+                              <a:srgbClr val="ffffff"/>
+                            </a:solidFill>
+                          </a:uFill>
+                          <a:latin typeface="Arial"/>
+                        </a:rPr>
+                        <a:t>defaultValue : 0.5</a:t>
+                      </a:r>
+                      <a:endParaRPr b="0" lang="en-US" sz="1400" spc="-1" strike="noStrike">
+                        <a:solidFill>
+                          <a:srgbClr val="000000"/>
+                        </a:solidFill>
+                        <a:uFill>
+                          <a:solidFill>
+                            <a:srgbClr val="ffffff"/>
+                          </a:solidFill>
+                        </a:uFill>
+                        <a:latin typeface="Arial"/>
+                      </a:endParaRPr>
+                    </a:p>
+                    <a:p>
+                      <a:r>
+                        <a:rPr b="0" lang="en-US" sz="1400" spc="-1" strike="noStrike">
+                          <a:solidFill>
+                            <a:srgbClr val="000000"/>
+                          </a:solidFill>
+                          <a:uFill>
+                            <a:solidFill>
+                              <a:srgbClr val="ffffff"/>
+                            </a:solidFill>
+                          </a:uFill>
+                          <a:latin typeface="Arial"/>
+                        </a:rPr>
+                        <a:t>	</a:t>
+                      </a:r>
+                      <a:r>
+                        <a:rPr b="0" lang="en-US" sz="1400" spc="-1" strike="noStrike">
+                          <a:solidFill>
+                            <a:srgbClr val="000000"/>
+                          </a:solidFill>
+                          <a:uFill>
+                            <a:solidFill>
+                              <a:srgbClr val="ffffff"/>
+                            </a:solidFill>
+                          </a:uFill>
+                          <a:latin typeface="Arial"/>
+                        </a:rPr>
+                        <a:t>	</a:t>
+                      </a:r>
+                      <a:r>
+                        <a:rPr b="0" lang="en-US" sz="1400" spc="-1" strike="noStrike">
+                          <a:solidFill>
+                            <a:srgbClr val="000000"/>
+                          </a:solidFill>
+                          <a:uFill>
+                            <a:solidFill>
+                              <a:srgbClr val="ffffff"/>
+                            </a:solidFill>
+                          </a:uFill>
+                          <a:latin typeface="Arial"/>
+                        </a:rPr>
+                        <a:t>	</a:t>
+                      </a:r>
+                      <a:r>
+                        <a:rPr b="0" lang="en-US" sz="1400" spc="-1" strike="noStrike">
+                          <a:solidFill>
+                            <a:srgbClr val="000000"/>
+                          </a:solidFill>
+                          <a:uFill>
+                            <a:solidFill>
+                              <a:srgbClr val="ffffff"/>
+                            </a:solidFill>
+                          </a:uFill>
+                          <a:latin typeface="Arial"/>
+                        </a:rPr>
+                        <a:t>),</a:t>
+                      </a:r>
+                      <a:endParaRPr b="0" lang="en-US" sz="1400" spc="-1" strike="noStrike">
+                        <a:solidFill>
+                          <a:srgbClr val="000000"/>
+                        </a:solidFill>
+                        <a:uFill>
+                          <a:solidFill>
+                            <a:srgbClr val="ffffff"/>
+                          </a:solidFill>
+                        </a:uFill>
+                        <a:latin typeface="Arial"/>
+                      </a:endParaRPr>
+                    </a:p>
+                    <a:p>
+                      <a:r>
+                        <a:rPr b="0" lang="en-US" sz="1400" spc="-1" strike="noStrike">
+                          <a:solidFill>
+                            <a:srgbClr val="000000"/>
+                          </a:solidFill>
+                          <a:uFill>
+                            <a:solidFill>
+                              <a:srgbClr val="ffffff"/>
+                            </a:solidFill>
+                          </a:uFill>
+                          <a:latin typeface="Arial"/>
+                        </a:rPr>
+                        <a:t>	</a:t>
+                      </a:r>
+                      <a:r>
+                        <a:rPr b="0" lang="en-US" sz="1400" spc="-1" strike="noStrike">
+                          <a:solidFill>
+                            <a:srgbClr val="000000"/>
+                          </a:solidFill>
+                          <a:uFill>
+                            <a:solidFill>
+                              <a:srgbClr val="ffffff"/>
+                            </a:solidFill>
+                          </a:uFill>
+                          <a:latin typeface="Arial"/>
+                        </a:rPr>
+                        <a:t>	</a:t>
+                      </a:r>
+                      <a:r>
+                        <a:rPr b="0" lang="en-US" sz="1400" spc="-1" strike="noStrike">
+                          <a:solidFill>
+                            <a:srgbClr val="000000"/>
+                          </a:solidFill>
+                          <a:uFill>
+                            <a:solidFill>
+                              <a:srgbClr val="ffffff"/>
+                            </a:solidFill>
+                          </a:uFill>
+                          <a:latin typeface="Arial"/>
+                        </a:rPr>
+                        <a:t>	</a:t>
+                      </a:r>
+                      <a:r>
+                        <a:rPr b="0" lang="en-US" sz="1400" spc="-1" strike="noStrike">
+                          <a:solidFill>
+                            <a:srgbClr val="000000"/>
+                          </a:solidFill>
+                          <a:uFill>
+                            <a:solidFill>
+                              <a:srgbClr val="ffffff"/>
+                            </a:solidFill>
+                          </a:uFill>
+                          <a:latin typeface="Arial"/>
+                        </a:rPr>
+                        <a:t>frequency: new Frequency(</a:t>
+                      </a:r>
+                      <a:endParaRPr b="0" lang="en-US" sz="1400" spc="-1" strike="noStrike">
+                        <a:solidFill>
+                          <a:srgbClr val="000000"/>
+                        </a:solidFill>
+                        <a:uFill>
+                          <a:solidFill>
+                            <a:srgbClr val="ffffff"/>
+                          </a:solidFill>
+                        </a:uFill>
+                        <a:latin typeface="Arial"/>
+                      </a:endParaRPr>
+                    </a:p>
+                    <a:p>
+                      <a:r>
+                        <a:rPr b="0" lang="en-US" sz="1400" spc="-1" strike="noStrike">
+                          <a:solidFill>
+                            <a:srgbClr val="000000"/>
+                          </a:solidFill>
+                          <a:uFill>
+                            <a:solidFill>
+                              <a:srgbClr val="ffffff"/>
+                            </a:solidFill>
+                          </a:uFill>
+                          <a:latin typeface="Arial"/>
+                        </a:rPr>
+                        <a:t>	</a:t>
+                      </a:r>
+                      <a:r>
+                        <a:rPr b="0" lang="en-US" sz="1400" spc="-1" strike="noStrike">
+                          <a:solidFill>
+                            <a:srgbClr val="000000"/>
+                          </a:solidFill>
+                          <a:uFill>
+                            <a:solidFill>
+                              <a:srgbClr val="ffffff"/>
+                            </a:solidFill>
+                          </a:uFill>
+                          <a:latin typeface="Arial"/>
+                        </a:rPr>
+                        <a:t>	</a:t>
+                      </a:r>
+                      <a:r>
+                        <a:rPr b="0" lang="en-US" sz="1400" spc="-1" strike="noStrike">
+                          <a:solidFill>
+                            <a:srgbClr val="000000"/>
+                          </a:solidFill>
+                          <a:uFill>
+                            <a:solidFill>
+                              <a:srgbClr val="ffffff"/>
+                            </a:solidFill>
+                          </a:uFill>
+                          <a:latin typeface="Arial"/>
+                        </a:rPr>
+                        <a:t>	</a:t>
+                      </a:r>
+                      <a:r>
+                        <a:rPr b="0" lang="en-US" sz="1400" spc="-1" strike="noStrike">
+                          <a:solidFill>
+                            <a:srgbClr val="000000"/>
+                          </a:solidFill>
+                          <a:uFill>
+                            <a:solidFill>
+                              <a:srgbClr val="ffffff"/>
+                            </a:solidFill>
+                          </a:uFill>
+                          <a:latin typeface="Arial"/>
+                        </a:rPr>
+                        <a:t>	</a:t>
+                      </a:r>
+                      <a:r>
+                        <a:rPr b="0" lang="en-US" sz="1400" spc="-1" strike="noStrike">
+                          <a:solidFill>
+                            <a:srgbClr val="000000"/>
+                          </a:solidFill>
+                          <a:uFill>
+                            <a:solidFill>
+                              <a:srgbClr val="ffffff"/>
+                            </a:solidFill>
+                          </a:uFill>
+                          <a:latin typeface="Arial"/>
+                        </a:rPr>
+                        <a:t>minimum : 50.0,</a:t>
+                      </a:r>
+                      <a:endParaRPr b="0" lang="en-US" sz="1400" spc="-1" strike="noStrike">
+                        <a:solidFill>
+                          <a:srgbClr val="000000"/>
+                        </a:solidFill>
+                        <a:uFill>
+                          <a:solidFill>
+                            <a:srgbClr val="ffffff"/>
+                          </a:solidFill>
+                        </a:uFill>
+                        <a:latin typeface="Arial"/>
+                      </a:endParaRPr>
+                    </a:p>
+                    <a:p>
+                      <a:r>
+                        <a:rPr b="0" lang="en-US" sz="1400" spc="-1" strike="noStrike">
+                          <a:solidFill>
+                            <a:srgbClr val="000000"/>
+                          </a:solidFill>
+                          <a:uFill>
+                            <a:solidFill>
+                              <a:srgbClr val="ffffff"/>
+                            </a:solidFill>
+                          </a:uFill>
+                          <a:latin typeface="Arial"/>
+                        </a:rPr>
+                        <a:t>	</a:t>
+                      </a:r>
+                      <a:r>
+                        <a:rPr b="0" lang="en-US" sz="1400" spc="-1" strike="noStrike">
+                          <a:solidFill>
+                            <a:srgbClr val="000000"/>
+                          </a:solidFill>
+                          <a:uFill>
+                            <a:solidFill>
+                              <a:srgbClr val="ffffff"/>
+                            </a:solidFill>
+                          </a:uFill>
+                          <a:latin typeface="Arial"/>
+                        </a:rPr>
+                        <a:t>	</a:t>
+                      </a:r>
+                      <a:r>
+                        <a:rPr b="0" lang="en-US" sz="1400" spc="-1" strike="noStrike">
+                          <a:solidFill>
+                            <a:srgbClr val="000000"/>
+                          </a:solidFill>
+                          <a:uFill>
+                            <a:solidFill>
+                              <a:srgbClr val="ffffff"/>
+                            </a:solidFill>
+                          </a:uFill>
+                          <a:latin typeface="Arial"/>
+                        </a:rPr>
+                        <a:t>	</a:t>
+                      </a:r>
+                      <a:r>
+                        <a:rPr b="0" lang="en-US" sz="1400" spc="-1" strike="noStrike">
+                          <a:solidFill>
+                            <a:srgbClr val="000000"/>
+                          </a:solidFill>
+                          <a:uFill>
+                            <a:solidFill>
+                              <a:srgbClr val="ffffff"/>
+                            </a:solidFill>
+                          </a:uFill>
+                          <a:latin typeface="Arial"/>
+                        </a:rPr>
+                        <a:t>	</a:t>
+                      </a:r>
+                      <a:r>
+                        <a:rPr b="0" lang="en-US" sz="1400" spc="-1" strike="noStrike">
+                          <a:solidFill>
+                            <a:srgbClr val="000000"/>
+                          </a:solidFill>
+                          <a:uFill>
+                            <a:solidFill>
+                              <a:srgbClr val="ffffff"/>
+                            </a:solidFill>
+                          </a:uFill>
+                          <a:latin typeface="Arial"/>
+                        </a:rPr>
+                        <a:t>maximum : 10000.0,</a:t>
+                      </a:r>
+                      <a:endParaRPr b="0" lang="en-US" sz="1400" spc="-1" strike="noStrike">
+                        <a:solidFill>
+                          <a:srgbClr val="000000"/>
+                        </a:solidFill>
+                        <a:uFill>
+                          <a:solidFill>
+                            <a:srgbClr val="ffffff"/>
+                          </a:solidFill>
+                        </a:uFill>
+                        <a:latin typeface="Arial"/>
+                      </a:endParaRPr>
+                    </a:p>
+                    <a:p>
+                      <a:r>
+                        <a:rPr b="0" lang="en-US" sz="1400" spc="-1" strike="noStrike">
+                          <a:solidFill>
+                            <a:srgbClr val="000000"/>
+                          </a:solidFill>
+                          <a:uFill>
+                            <a:solidFill>
+                              <a:srgbClr val="ffffff"/>
+                            </a:solidFill>
+                          </a:uFill>
+                          <a:latin typeface="Arial"/>
+                        </a:rPr>
+                        <a:t>	</a:t>
+                      </a:r>
+                      <a:r>
+                        <a:rPr b="0" lang="en-US" sz="1400" spc="-1" strike="noStrike">
+                          <a:solidFill>
+                            <a:srgbClr val="000000"/>
+                          </a:solidFill>
+                          <a:uFill>
+                            <a:solidFill>
+                              <a:srgbClr val="ffffff"/>
+                            </a:solidFill>
+                          </a:uFill>
+                          <a:latin typeface="Arial"/>
+                        </a:rPr>
+                        <a:t>	</a:t>
+                      </a:r>
+                      <a:r>
+                        <a:rPr b="0" lang="en-US" sz="1400" spc="-1" strike="noStrike">
+                          <a:solidFill>
+                            <a:srgbClr val="000000"/>
+                          </a:solidFill>
+                          <a:uFill>
+                            <a:solidFill>
+                              <a:srgbClr val="ffffff"/>
+                            </a:solidFill>
+                          </a:uFill>
+                          <a:latin typeface="Arial"/>
+                        </a:rPr>
+                        <a:t>	</a:t>
+                      </a:r>
+                      <a:r>
+                        <a:rPr b="0" lang="en-US" sz="1400" spc="-1" strike="noStrike">
+                          <a:solidFill>
+                            <a:srgbClr val="000000"/>
+                          </a:solidFill>
+                          <a:uFill>
+                            <a:solidFill>
+                              <a:srgbClr val="ffffff"/>
+                            </a:solidFill>
+                          </a:uFill>
+                          <a:latin typeface="Arial"/>
+                        </a:rPr>
+                        <a:t>	</a:t>
+                      </a:r>
+                      <a:r>
+                        <a:rPr b="0" lang="en-US" sz="1400" spc="-1" strike="noStrike">
+                          <a:solidFill>
+                            <a:srgbClr val="000000"/>
+                          </a:solidFill>
+                          <a:uFill>
+                            <a:solidFill>
+                              <a:srgbClr val="ffffff"/>
+                            </a:solidFill>
+                          </a:uFill>
+                          <a:latin typeface="Arial"/>
+                        </a:rPr>
+                        <a:t>defaultValue : 300.0</a:t>
+                      </a:r>
+                      <a:endParaRPr b="0" lang="en-US" sz="1400" spc="-1" strike="noStrike">
+                        <a:solidFill>
+                          <a:srgbClr val="000000"/>
+                        </a:solidFill>
+                        <a:uFill>
+                          <a:solidFill>
+                            <a:srgbClr val="ffffff"/>
+                          </a:solidFill>
+                        </a:uFill>
+                        <a:latin typeface="Arial"/>
+                      </a:endParaRPr>
+                    </a:p>
+                    <a:p>
+                      <a:r>
+                        <a:rPr b="0" lang="en-US" sz="1400" spc="-1" strike="noStrike">
+                          <a:solidFill>
+                            <a:srgbClr val="000000"/>
+                          </a:solidFill>
+                          <a:uFill>
+                            <a:solidFill>
+                              <a:srgbClr val="ffffff"/>
+                            </a:solidFill>
+                          </a:uFill>
+                          <a:latin typeface="Arial"/>
+                        </a:rPr>
+                        <a:t>	</a:t>
+                      </a:r>
+                      <a:r>
+                        <a:rPr b="0" lang="en-US" sz="1400" spc="-1" strike="noStrike">
+                          <a:solidFill>
+                            <a:srgbClr val="000000"/>
+                          </a:solidFill>
+                          <a:uFill>
+                            <a:solidFill>
+                              <a:srgbClr val="ffffff"/>
+                            </a:solidFill>
+                          </a:uFill>
+                          <a:latin typeface="Arial"/>
+                        </a:rPr>
+                        <a:t>	</a:t>
+                      </a:r>
+                      <a:r>
+                        <a:rPr b="0" lang="en-US" sz="1400" spc="-1" strike="noStrike">
+                          <a:solidFill>
+                            <a:srgbClr val="000000"/>
+                          </a:solidFill>
+                          <a:uFill>
+                            <a:solidFill>
+                              <a:srgbClr val="ffffff"/>
+                            </a:solidFill>
+                          </a:uFill>
+                          <a:latin typeface="Arial"/>
+                        </a:rPr>
+                        <a:t>	</a:t>
+                      </a:r>
+                      <a:r>
+                        <a:rPr b="0" lang="en-US" sz="1400" spc="-1" strike="noStrike">
+                          <a:solidFill>
+                            <a:srgbClr val="000000"/>
+                          </a:solidFill>
+                          <a:uFill>
+                            <a:solidFill>
+                              <a:srgbClr val="ffffff"/>
+                            </a:solidFill>
+                          </a:uFill>
+                          <a:latin typeface="Arial"/>
+                        </a:rPr>
+                        <a:t>)</a:t>
+                      </a:r>
+                      <a:endParaRPr b="0" lang="en-US" sz="1400" spc="-1" strike="noStrike">
+                        <a:solidFill>
+                          <a:srgbClr val="000000"/>
+                        </a:solidFill>
+                        <a:uFill>
+                          <a:solidFill>
+                            <a:srgbClr val="ffffff"/>
+                          </a:solidFill>
+                        </a:uFill>
+                        <a:latin typeface="Arial"/>
+                      </a:endParaRPr>
+                    </a:p>
+                    <a:p>
+                      <a:r>
+                        <a:rPr b="0" lang="en-US" sz="1400" spc="-1" strike="noStrike">
+                          <a:solidFill>
+                            <a:srgbClr val="000000"/>
+                          </a:solidFill>
+                          <a:uFill>
+                            <a:solidFill>
+                              <a:srgbClr val="ffffff"/>
+                            </a:solidFill>
+                          </a:uFill>
+                          <a:latin typeface="Arial"/>
+                        </a:rPr>
+                        <a:t>	</a:t>
+                      </a:r>
+                      <a:r>
+                        <a:rPr b="0" lang="en-US" sz="1400" spc="-1" strike="noStrike">
+                          <a:solidFill>
+                            <a:srgbClr val="000000"/>
+                          </a:solidFill>
+                          <a:uFill>
+                            <a:solidFill>
+                              <a:srgbClr val="ffffff"/>
+                            </a:solidFill>
+                          </a:uFill>
+                          <a:latin typeface="Arial"/>
+                        </a:rPr>
+                        <a:t>))</a:t>
+                      </a:r>
+                      <a:endParaRPr b="0" lang="en-US" sz="1400" spc="-1" strike="noStrike">
+                        <a:solidFill>
+                          <a:srgbClr val="000000"/>
+                        </a:solidFill>
+                        <a:uFill>
+                          <a:solidFill>
+                            <a:srgbClr val="ffffff"/>
+                          </a:solidFill>
+                        </a:uFill>
+                        <a:latin typeface="Arial"/>
+                      </a:endParaRPr>
+                    </a:p>
+                  </a:txBody>
+                  <a:tcPr marL="90000" marR="90000">
+                    <a:lnL w="720">
+                      <a:solidFill>
+                        <a:srgbClr val="ffffff"/>
+                      </a:solidFill>
+                    </a:lnL>
+                    <a:lnR w="720">
+                      <a:solidFill>
+                        <a:srgbClr val="ffffff"/>
+                      </a:solidFill>
+                    </a:lnR>
+                    <a:lnT w="720">
+                      <a:solidFill>
+                        <a:srgbClr val="ffffff"/>
+                      </a:solidFill>
+                    </a:lnT>
+                    <a:lnB w="720">
+                      <a:solidFill>
+                        <a:srgbClr val="ffffff"/>
+                      </a:solidFill>
+                    </a:lnB>
+                    <a:solidFill>
+                      <a:srgbClr val="e6e6e6"/>
+                    </a:solidFill>
+                  </a:tcPr>
+                </a:tc>
+              </a:tr>
+            </a:tbl>
+          </a:graphicData>
+        </a:graphic>
+      </p:graphicFrame>
     </p:spTree>
   </p:cSld>
   <p:timing>
@@ -8643,7 +12199,7 @@
       </p:grpSpPr>
       <p:sp>
         <p:nvSpPr>
-          <p:cNvPr id="108" name="CustomShape 1"/>
+          <p:cNvPr id="110" name="CustomShape 1"/>
           <p:cNvSpPr/>
           <p:nvPr/>
         </p:nvSpPr>
@@ -8687,7 +12243,7 @@
                 <a:latin typeface="Calibri"/>
                 <a:ea typeface="DejaVu Sans"/>
               </a:rPr>
-              <a:t>User Actions – Sound Composition</a:t>
+              <a:t>User Actions – Add Relationships</a:t>
             </a:r>
             <a:endParaRPr b="0" lang="en-US" sz="1800" spc="-1" strike="noStrike">
               <a:solidFill>
@@ -8705,7 +12261,7 @@
       </p:sp>
       <p:sp>
         <p:nvSpPr>
-          <p:cNvPr id="109" name="CustomShape 2"/>
+          <p:cNvPr id="111" name="CustomShape 2"/>
           <p:cNvSpPr/>
           <p:nvPr/>
         </p:nvSpPr>
@@ -8731,7 +12287,7 @@
       </p:sp>
       <p:sp>
         <p:nvSpPr>
-          <p:cNvPr id="110" name="CustomShape 3"/>
+          <p:cNvPr id="112" name="CustomShape 3"/>
           <p:cNvSpPr/>
           <p:nvPr/>
         </p:nvSpPr>
@@ -8780,159 +12336,7 @@
                 <a:latin typeface="Calibri"/>
                 <a:ea typeface="DejaVu Sans"/>
               </a:rPr>
-              <a:t> </a:t>
-            </a:r>
-            <a:endParaRPr b="0" lang="en-US" sz="1800" spc="-1" strike="noStrike">
-              <a:solidFill>
-                <a:srgbClr val="000000"/>
-              </a:solidFill>
-              <a:uFill>
-                <a:solidFill>
-                  <a:srgbClr val="ffffff"/>
-                </a:solidFill>
-              </a:uFill>
-              <a:latin typeface="Arial"/>
-            </a:endParaRPr>
-          </a:p>
-          <a:p>
-            <a:pPr marL="343080" indent="-340920">
-              <a:lnSpc>
-                <a:spcPct val="100000"/>
-              </a:lnSpc>
-              <a:buClr>
-                <a:srgbClr val="1d3455"/>
-              </a:buClr>
-              <a:buFont typeface="Wingdings" charset="2"/>
-              <a:buChar char=""/>
-            </a:pPr>
-            <a:r>
-              <a:rPr b="0" lang="en-US" sz="2800" spc="-1" strike="noStrike">
-                <a:solidFill>
-                  <a:srgbClr val="000000"/>
-                </a:solidFill>
-                <a:uFill>
-                  <a:solidFill>
-                    <a:srgbClr val="ffffff"/>
-                  </a:solidFill>
-                </a:uFill>
-                <a:latin typeface="Calibri"/>
-                <a:ea typeface="DejaVu Sans"/>
-              </a:rPr>
-              <a:t>Define the Operation for the </a:t>
-            </a:r>
-            <a:endParaRPr b="0" lang="en-US" sz="1800" spc="-1" strike="noStrike">
-              <a:solidFill>
-                <a:srgbClr val="000000"/>
-              </a:solidFill>
-              <a:uFill>
-                <a:solidFill>
-                  <a:srgbClr val="ffffff"/>
-                </a:solidFill>
-              </a:uFill>
-              <a:latin typeface="Arial"/>
-            </a:endParaRPr>
-          </a:p>
-          <a:p>
-            <a:pPr marL="343080" indent="-340920">
-              <a:lnSpc>
-                <a:spcPct val="100000"/>
-              </a:lnSpc>
-              <a:buClr>
-                <a:srgbClr val="1d3455"/>
-              </a:buClr>
-              <a:buFont typeface="Wingdings" charset="2"/>
-              <a:buChar char=""/>
-            </a:pPr>
-            <a:r>
-              <a:rPr b="0" lang="en-US" sz="2800" spc="-1" strike="noStrike">
-                <a:solidFill>
-                  <a:srgbClr val="000000"/>
-                </a:solidFill>
-                <a:uFill>
-                  <a:solidFill>
-                    <a:srgbClr val="ffffff"/>
-                  </a:solidFill>
-                </a:uFill>
-                <a:latin typeface="Calibri"/>
-                <a:ea typeface="DejaVu Sans"/>
-              </a:rPr>
-              <a:t>Sound Composition </a:t>
-            </a:r>
-            <a:endParaRPr b="0" lang="en-US" sz="1800" spc="-1" strike="noStrike">
-              <a:solidFill>
-                <a:srgbClr val="000000"/>
-              </a:solidFill>
-              <a:uFill>
-                <a:solidFill>
-                  <a:srgbClr val="ffffff"/>
-                </a:solidFill>
-              </a:uFill>
-              <a:latin typeface="Arial"/>
-            </a:endParaRPr>
-          </a:p>
-          <a:p>
-            <a:pPr marL="343080" indent="-340920">
-              <a:lnSpc>
-                <a:spcPct val="100000"/>
-              </a:lnSpc>
-              <a:buClr>
-                <a:srgbClr val="1d3455"/>
-              </a:buClr>
-              <a:buFont typeface="Wingdings" charset="2"/>
-              <a:buChar char=""/>
-            </a:pPr>
-            <a:r>
-              <a:rPr b="0" lang="en-US" sz="2800" spc="-1" strike="noStrike">
-                <a:solidFill>
-                  <a:srgbClr val="000000"/>
-                </a:solidFill>
-                <a:uFill>
-                  <a:solidFill>
-                    <a:srgbClr val="ffffff"/>
-                  </a:solidFill>
-                </a:uFill>
-                <a:latin typeface="Calibri"/>
-                <a:ea typeface="DejaVu Sans"/>
-              </a:rPr>
-              <a:t> </a:t>
-            </a:r>
-            <a:endParaRPr b="0" lang="en-US" sz="1800" spc="-1" strike="noStrike">
-              <a:solidFill>
-                <a:srgbClr val="000000"/>
-              </a:solidFill>
-              <a:uFill>
-                <a:solidFill>
-                  <a:srgbClr val="ffffff"/>
-                </a:solidFill>
-              </a:uFill>
-              <a:latin typeface="Arial"/>
-            </a:endParaRPr>
-          </a:p>
-          <a:p>
-            <a:pPr marL="343080" indent="-340920">
-              <a:lnSpc>
-                <a:spcPct val="100000"/>
-              </a:lnSpc>
-              <a:buClr>
-                <a:srgbClr val="1d3455"/>
-              </a:buClr>
-              <a:buFont typeface="Wingdings" charset="2"/>
-              <a:buChar char=""/>
-            </a:pPr>
-            <a:r>
-              <a:rPr b="0" lang="en-US" sz="2800" spc="-1" strike="noStrike">
-                <a:solidFill>
-                  <a:srgbClr val="000000"/>
-                </a:solidFill>
-                <a:uFill>
-                  <a:solidFill>
-                    <a:srgbClr val="ffffff"/>
-                  </a:solidFill>
-                </a:uFill>
-                <a:latin typeface="Calibri"/>
-                <a:ea typeface="DejaVu Sans"/>
-              </a:rPr>
-              <a:t>TODO add snippet</a:t>
+              <a:t>Add Connection </a:t>
             </a:r>
             <a:endParaRPr b="0" lang="en-US" sz="1800" spc="-1" strike="noStrike">
               <a:solidFill>
@@ -8966,6 +12370,485 @@
           </a:p>
         </p:txBody>
       </p:sp>
+      <p:graphicFrame>
+        <p:nvGraphicFramePr>
+          <p:cNvPr id="113" name="Table 4"/>
+          <p:cNvGraphicFramePr/>
+          <p:nvPr/>
+        </p:nvGraphicFramePr>
+        <p:xfrm>
+          <a:off x="1760760" y="2600640"/>
+          <a:ext cx="5075280" cy="719280"/>
+        </p:xfrm>
+        <a:graphic>
+          <a:graphicData uri="http://schemas.openxmlformats.org/drawingml/2006/table">
+            <a:tbl>
+              <a:tblPr/>
+              <a:tblGrid>
+                <a:gridCol w="5075640"/>
+              </a:tblGrid>
+              <a:tr h="719640">
+                <a:tc>
+                  <a:txBody>
+                    <a:bodyPr lIns="90000" rIns="90000" tIns="46800" bIns="46800"/>
+                    <a:p>
+                      <a:r>
+                        <a:rPr b="0" lang="en-US" sz="1400" spc="-1" strike="noStrike">
+                          <a:solidFill>
+                            <a:srgbClr val="000000"/>
+                          </a:solidFill>
+                          <a:uFill>
+                            <a:solidFill>
+                              <a:srgbClr val="ffffff"/>
+                            </a:solidFill>
+                          </a:uFill>
+                          <a:latin typeface="Arial"/>
+                        </a:rPr>
+                        <a:t>connections</a:t>
+                      </a:r>
+                      <a:endParaRPr b="0" lang="en-US" sz="1800" spc="-1" strike="noStrike">
+                        <a:solidFill>
+                          <a:srgbClr val="000000"/>
+                        </a:solidFill>
+                        <a:uFill>
+                          <a:solidFill>
+                            <a:srgbClr val="ffffff"/>
+                          </a:solidFill>
+                        </a:uFill>
+                        <a:latin typeface="Arial"/>
+                      </a:endParaRPr>
+                    </a:p>
+                    <a:p>
+                      <a:r>
+                        <a:rPr b="0" lang="en-US" sz="1400" spc="-1" strike="noStrike">
+                          <a:solidFill>
+                            <a:srgbClr val="000000"/>
+                          </a:solidFill>
+                          <a:uFill>
+                            <a:solidFill>
+                              <a:srgbClr val="ffffff"/>
+                            </a:solidFill>
+                          </a:uFill>
+                          <a:latin typeface="Arial"/>
+                        </a:rPr>
+                        <a:t>	</a:t>
+                      </a:r>
+                      <a:r>
+                        <a:rPr b="0" lang="en-US" sz="1400" spc="-1" strike="noStrike">
+                          <a:solidFill>
+                            <a:srgbClr val="000000"/>
+                          </a:solidFill>
+                          <a:uFill>
+                            <a:solidFill>
+                              <a:srgbClr val="ffffff"/>
+                            </a:solidFill>
+                          </a:uFill>
+                          <a:latin typeface="Arial"/>
+                        </a:rPr>
+                        <a:t>.add(</a:t>
+                      </a:r>
+                      <a:endParaRPr b="0" lang="en-US" sz="1800" spc="-1" strike="noStrike">
+                        <a:solidFill>
+                          <a:srgbClr val="000000"/>
+                        </a:solidFill>
+                        <a:uFill>
+                          <a:solidFill>
+                            <a:srgbClr val="ffffff"/>
+                          </a:solidFill>
+                        </a:uFill>
+                        <a:latin typeface="Arial"/>
+                      </a:endParaRPr>
+                    </a:p>
+                    <a:p>
+                      <a:r>
+                        <a:rPr b="0" lang="en-US" sz="1400" spc="-1" strike="noStrike">
+                          <a:solidFill>
+                            <a:srgbClr val="000000"/>
+                          </a:solidFill>
+                          <a:uFill>
+                            <a:solidFill>
+                              <a:srgbClr val="ffffff"/>
+                            </a:solidFill>
+                          </a:uFill>
+                          <a:latin typeface="Arial"/>
+                        </a:rPr>
+                        <a:t>	</a:t>
+                      </a:r>
+                      <a:r>
+                        <a:rPr b="0" lang="en-US" sz="1400" spc="-1" strike="noStrike">
+                          <a:solidFill>
+                            <a:srgbClr val="000000"/>
+                          </a:solidFill>
+                          <a:uFill>
+                            <a:solidFill>
+                              <a:srgbClr val="ffffff"/>
+                            </a:solidFill>
+                          </a:uFill>
+                          <a:latin typeface="Arial"/>
+                        </a:rPr>
+                        <a:t>	</a:t>
+                      </a:r>
+                      <a:r>
+                        <a:rPr b="0" lang="en-US" sz="1400" spc="-1" strike="noStrike">
+                          <a:solidFill>
+                            <a:srgbClr val="000000"/>
+                          </a:solidFill>
+                          <a:uFill>
+                            <a:solidFill>
+                              <a:srgbClr val="ffffff"/>
+                            </a:solidFill>
+                          </a:uFill>
+                          <a:latin typeface="Arial"/>
+                        </a:rPr>
+                        <a:t>new Connection(</a:t>
+                      </a:r>
+                      <a:endParaRPr b="0" lang="en-US" sz="1800" spc="-1" strike="noStrike">
+                        <a:solidFill>
+                          <a:srgbClr val="000000"/>
+                        </a:solidFill>
+                        <a:uFill>
+                          <a:solidFill>
+                            <a:srgbClr val="ffffff"/>
+                          </a:solidFill>
+                        </a:uFill>
+                        <a:latin typeface="Arial"/>
+                      </a:endParaRPr>
+                    </a:p>
+                    <a:p>
+                      <a:r>
+                        <a:rPr b="0" lang="en-US" sz="1400" spc="-1" strike="noStrike">
+                          <a:solidFill>
+                            <a:srgbClr val="000000"/>
+                          </a:solidFill>
+                          <a:uFill>
+                            <a:solidFill>
+                              <a:srgbClr val="ffffff"/>
+                            </a:solidFill>
+                          </a:uFill>
+                          <a:latin typeface="Arial"/>
+                        </a:rPr>
+                        <a:t>	</a:t>
+                      </a:r>
+                      <a:r>
+                        <a:rPr b="0" lang="en-US" sz="1400" spc="-1" strike="noStrike">
+                          <a:solidFill>
+                            <a:srgbClr val="000000"/>
+                          </a:solidFill>
+                          <a:uFill>
+                            <a:solidFill>
+                              <a:srgbClr val="ffffff"/>
+                            </a:solidFill>
+                          </a:uFill>
+                          <a:latin typeface="Arial"/>
+                        </a:rPr>
+                        <a:t>	</a:t>
+                      </a:r>
+                      <a:r>
+                        <a:rPr b="0" lang="en-US" sz="1400" spc="-1" strike="noStrike">
+                          <a:solidFill>
+                            <a:srgbClr val="000000"/>
+                          </a:solidFill>
+                          <a:uFill>
+                            <a:solidFill>
+                              <a:srgbClr val="ffffff"/>
+                            </a:solidFill>
+                          </a:uFill>
+                          <a:latin typeface="Arial"/>
+                        </a:rPr>
+                        <a:t>	</a:t>
+                      </a:r>
+                      <a:r>
+                        <a:rPr b="0" lang="en-US" sz="1400" spc="-1" strike="noStrike">
+                          <a:solidFill>
+                            <a:srgbClr val="000000"/>
+                          </a:solidFill>
+                          <a:uFill>
+                            <a:solidFill>
+                              <a:srgbClr val="ffffff"/>
+                            </a:solidFill>
+                          </a:uFill>
+                          <a:latin typeface="Arial"/>
+                        </a:rPr>
+                        <a:t>filter: 'amplitudeRamp',</a:t>
+                      </a:r>
+                      <a:endParaRPr b="0" lang="en-US" sz="1800" spc="-1" strike="noStrike">
+                        <a:solidFill>
+                          <a:srgbClr val="000000"/>
+                        </a:solidFill>
+                        <a:uFill>
+                          <a:solidFill>
+                            <a:srgbClr val="ffffff"/>
+                          </a:solidFill>
+                        </a:uFill>
+                        <a:latin typeface="Arial"/>
+                      </a:endParaRPr>
+                    </a:p>
+                    <a:p>
+                      <a:r>
+                        <a:rPr b="0" lang="en-US" sz="1400" spc="-1" strike="noStrike">
+                          <a:solidFill>
+                            <a:srgbClr val="000000"/>
+                          </a:solidFill>
+                          <a:uFill>
+                            <a:solidFill>
+                              <a:srgbClr val="ffffff"/>
+                            </a:solidFill>
+                          </a:uFill>
+                          <a:latin typeface="Arial"/>
+                        </a:rPr>
+                        <a:t>	</a:t>
+                      </a:r>
+                      <a:r>
+                        <a:rPr b="0" lang="en-US" sz="1400" spc="-1" strike="noStrike">
+                          <a:solidFill>
+                            <a:srgbClr val="000000"/>
+                          </a:solidFill>
+                          <a:uFill>
+                            <a:solidFill>
+                              <a:srgbClr val="ffffff"/>
+                            </a:solidFill>
+                          </a:uFill>
+                          <a:latin typeface="Arial"/>
+                        </a:rPr>
+                        <a:t>	</a:t>
+                      </a:r>
+                      <a:r>
+                        <a:rPr b="0" lang="en-US" sz="1400" spc="-1" strike="noStrike">
+                          <a:solidFill>
+                            <a:srgbClr val="000000"/>
+                          </a:solidFill>
+                          <a:uFill>
+                            <a:solidFill>
+                              <a:srgbClr val="ffffff"/>
+                            </a:solidFill>
+                          </a:uFill>
+                          <a:latin typeface="Arial"/>
+                        </a:rPr>
+                        <a:t>	</a:t>
+                      </a:r>
+                      <a:r>
+                        <a:rPr b="0" lang="en-US" sz="1400" spc="-1" strike="noStrike">
+                          <a:solidFill>
+                            <a:srgbClr val="000000"/>
+                          </a:solidFill>
+                          <a:uFill>
+                            <a:solidFill>
+                              <a:srgbClr val="ffffff"/>
+                            </a:solidFill>
+                          </a:uFill>
+                          <a:latin typeface="Arial"/>
+                        </a:rPr>
+                        <a:t>fromController: 'myKnob',</a:t>
+                      </a:r>
+                      <a:endParaRPr b="0" lang="en-US" sz="1800" spc="-1" strike="noStrike">
+                        <a:solidFill>
+                          <a:srgbClr val="000000"/>
+                        </a:solidFill>
+                        <a:uFill>
+                          <a:solidFill>
+                            <a:srgbClr val="ffffff"/>
+                          </a:solidFill>
+                        </a:uFill>
+                        <a:latin typeface="Arial"/>
+                      </a:endParaRPr>
+                    </a:p>
+                    <a:p>
+                      <a:r>
+                        <a:rPr b="0" lang="en-US" sz="1400" spc="-1" strike="noStrike">
+                          <a:solidFill>
+                            <a:srgbClr val="000000"/>
+                          </a:solidFill>
+                          <a:uFill>
+                            <a:solidFill>
+                              <a:srgbClr val="ffffff"/>
+                            </a:solidFill>
+                          </a:uFill>
+                          <a:latin typeface="Arial"/>
+                        </a:rPr>
+                        <a:t>	</a:t>
+                      </a:r>
+                      <a:r>
+                        <a:rPr b="0" lang="en-US" sz="1400" spc="-1" strike="noStrike">
+                          <a:solidFill>
+                            <a:srgbClr val="000000"/>
+                          </a:solidFill>
+                          <a:uFill>
+                            <a:solidFill>
+                              <a:srgbClr val="ffffff"/>
+                            </a:solidFill>
+                          </a:uFill>
+                          <a:latin typeface="Arial"/>
+                        </a:rPr>
+                        <a:t>	</a:t>
+                      </a:r>
+                      <a:r>
+                        <a:rPr b="0" lang="en-US" sz="1400" spc="-1" strike="noStrike">
+                          <a:solidFill>
+                            <a:srgbClr val="000000"/>
+                          </a:solidFill>
+                          <a:uFill>
+                            <a:solidFill>
+                              <a:srgbClr val="ffffff"/>
+                            </a:solidFill>
+                          </a:uFill>
+                          <a:latin typeface="Arial"/>
+                        </a:rPr>
+                        <a:t>	</a:t>
+                      </a:r>
+                      <a:r>
+                        <a:rPr b="0" lang="en-US" sz="1400" spc="-1" strike="noStrike">
+                          <a:solidFill>
+                            <a:srgbClr val="000000"/>
+                          </a:solidFill>
+                          <a:uFill>
+                            <a:solidFill>
+                              <a:srgbClr val="ffffff"/>
+                            </a:solidFill>
+                          </a:uFill>
+                          <a:latin typeface="Arial"/>
+                        </a:rPr>
+                        <a:t>toOscillator: 'myFirstOsc'</a:t>
+                      </a:r>
+                      <a:endParaRPr b="0" lang="en-US" sz="1800" spc="-1" strike="noStrike">
+                        <a:solidFill>
+                          <a:srgbClr val="000000"/>
+                        </a:solidFill>
+                        <a:uFill>
+                          <a:solidFill>
+                            <a:srgbClr val="ffffff"/>
+                          </a:solidFill>
+                        </a:uFill>
+                        <a:latin typeface="Arial"/>
+                      </a:endParaRPr>
+                    </a:p>
+                    <a:p>
+                      <a:r>
+                        <a:rPr b="0" lang="en-US" sz="1400" spc="-1" strike="noStrike">
+                          <a:solidFill>
+                            <a:srgbClr val="000000"/>
+                          </a:solidFill>
+                          <a:uFill>
+                            <a:solidFill>
+                              <a:srgbClr val="ffffff"/>
+                            </a:solidFill>
+                          </a:uFill>
+                          <a:latin typeface="Arial"/>
+                        </a:rPr>
+                        <a:t>	</a:t>
+                      </a:r>
+                      <a:r>
+                        <a:rPr b="0" lang="en-US" sz="1400" spc="-1" strike="noStrike">
+                          <a:solidFill>
+                            <a:srgbClr val="000000"/>
+                          </a:solidFill>
+                          <a:uFill>
+                            <a:solidFill>
+                              <a:srgbClr val="ffffff"/>
+                            </a:solidFill>
+                          </a:uFill>
+                          <a:latin typeface="Arial"/>
+                        </a:rPr>
+                        <a:t>	</a:t>
+                      </a:r>
+                      <a:r>
+                        <a:rPr b="0" lang="en-US" sz="1400" spc="-1" strike="noStrike">
+                          <a:solidFill>
+                            <a:srgbClr val="000000"/>
+                          </a:solidFill>
+                          <a:uFill>
+                            <a:solidFill>
+                              <a:srgbClr val="ffffff"/>
+                            </a:solidFill>
+                          </a:uFill>
+                          <a:latin typeface="Arial"/>
+                        </a:rPr>
+                        <a:t>)</a:t>
+                      </a:r>
+                      <a:endParaRPr b="0" lang="en-US" sz="1800" spc="-1" strike="noStrike">
+                        <a:solidFill>
+                          <a:srgbClr val="000000"/>
+                        </a:solidFill>
+                        <a:uFill>
+                          <a:solidFill>
+                            <a:srgbClr val="ffffff"/>
+                          </a:solidFill>
+                        </a:uFill>
+                        <a:latin typeface="Arial"/>
+                      </a:endParaRPr>
+                    </a:p>
+                    <a:p>
+                      <a:r>
+                        <a:rPr b="0" lang="en-US" sz="1400" spc="-1" strike="noStrike">
+                          <a:solidFill>
+                            <a:srgbClr val="000000"/>
+                          </a:solidFill>
+                          <a:uFill>
+                            <a:solidFill>
+                              <a:srgbClr val="ffffff"/>
+                            </a:solidFill>
+                          </a:uFill>
+                          <a:latin typeface="Arial"/>
+                        </a:rPr>
+                        <a:t>	</a:t>
+                      </a:r>
+                      <a:r>
+                        <a:rPr b="0" lang="en-US" sz="1400" spc="-1" strike="noStrike">
+                          <a:solidFill>
+                            <a:srgbClr val="000000"/>
+                          </a:solidFill>
+                          <a:uFill>
+                            <a:solidFill>
+                              <a:srgbClr val="ffffff"/>
+                            </a:solidFill>
+                          </a:uFill>
+                          <a:latin typeface="Arial"/>
+                        </a:rPr>
+                        <a:t>)</a:t>
+                      </a:r>
+                      <a:endParaRPr b="0" lang="en-US" sz="1800" spc="-1" strike="noStrike">
+                        <a:solidFill>
+                          <a:srgbClr val="000000"/>
+                        </a:solidFill>
+                        <a:uFill>
+                          <a:solidFill>
+                            <a:srgbClr val="ffffff"/>
+                          </a:solidFill>
+                        </a:uFill>
+                        <a:latin typeface="Arial"/>
+                      </a:endParaRPr>
+                    </a:p>
+                  </a:txBody>
+                  <a:tcPr marL="90000" marR="90000">
+                    <a:lnL w="720">
+                      <a:solidFill>
+                        <a:srgbClr val="ffffff"/>
+                      </a:solidFill>
+                    </a:lnL>
+                    <a:lnR w="720">
+                      <a:solidFill>
+                        <a:srgbClr val="ffffff"/>
+                      </a:solidFill>
+                    </a:lnR>
+                    <a:lnT w="720">
+                      <a:solidFill>
+                        <a:srgbClr val="ffffff"/>
+                      </a:solidFill>
+                    </a:lnT>
+                    <a:lnB w="720">
+                      <a:solidFill>
+                        <a:srgbClr val="ffffff"/>
+                      </a:solidFill>
+                    </a:lnB>
+                    <a:solidFill>
+                      <a:srgbClr val="e6e6e6"/>
+                    </a:solidFill>
+                  </a:tcPr>
+                </a:tc>
+              </a:tr>
+            </a:tbl>
+          </a:graphicData>
+        </a:graphic>
+      </p:graphicFrame>
     </p:spTree>
   </p:cSld>
   <p:timing>

--- a/FinalProject/DSL_SS2018_FinalProject.pptx
+++ b/FinalProject/DSL_SS2018_FinalProject.pptx
@@ -18,10 +18,9 @@
     <p:sldId id="265" r:id="rId13"/>
     <p:sldId id="266" r:id="rId14"/>
     <p:sldId id="267" r:id="rId15"/>
-    <p:sldId id="268" r:id="rId16"/>
   </p:sldIdLst>
   <p:sldSz cx="9144000" cy="6858000"/>
-  <p:notesSz cx="6858000" cy="9144000"/>
+  <p:notesSz cx="7559675" cy="10691812"/>
 </p:presentation>
 </file>
 
@@ -86,7 +85,8 @@
         <p:txBody>
           <a:bodyPr lIns="0" rIns="0" tIns="0" bIns="0" anchor="ctr"/>
           <a:p>
-            <a:endParaRPr b="0" lang="en-US" sz="1800" spc="-1" strike="noStrike">
+            <a:pPr algn="ctr"/>
+            <a:endParaRPr b="0" lang="en-US" sz="4400" spc="-1" strike="noStrike">
               <a:solidFill>
                 <a:srgbClr val="000000"/>
               </a:solidFill>
@@ -122,7 +122,7 @@
         <p:txBody>
           <a:bodyPr lIns="0" rIns="0" tIns="0" bIns="0"/>
           <a:p>
-            <a:endParaRPr b="0" lang="en-US" sz="2800" spc="-1" strike="noStrike">
+            <a:endParaRPr b="0" lang="en-US" sz="3200" spc="-1" strike="noStrike">
               <a:solidFill>
                 <a:srgbClr val="000000"/>
               </a:solidFill>
@@ -158,7 +158,7 @@
         <p:txBody>
           <a:bodyPr lIns="0" rIns="0" tIns="0" bIns="0"/>
           <a:p>
-            <a:endParaRPr b="0" lang="en-US" sz="2800" spc="-1" strike="noStrike">
+            <a:endParaRPr b="0" lang="en-US" sz="3200" spc="-1" strike="noStrike">
               <a:solidFill>
                 <a:srgbClr val="000000"/>
               </a:solidFill>
@@ -216,7 +216,8 @@
         <p:txBody>
           <a:bodyPr lIns="0" rIns="0" tIns="0" bIns="0" anchor="ctr"/>
           <a:p>
-            <a:endParaRPr b="0" lang="en-US" sz="1800" spc="-1" strike="noStrike">
+            <a:pPr algn="ctr"/>
+            <a:endParaRPr b="0" lang="en-US" sz="4400" spc="-1" strike="noStrike">
               <a:solidFill>
                 <a:srgbClr val="000000"/>
               </a:solidFill>
@@ -252,7 +253,7 @@
         <p:txBody>
           <a:bodyPr lIns="0" rIns="0" tIns="0" bIns="0"/>
           <a:p>
-            <a:endParaRPr b="0" lang="en-US" sz="2800" spc="-1" strike="noStrike">
+            <a:endParaRPr b="0" lang="en-US" sz="3200" spc="-1" strike="noStrike">
               <a:solidFill>
                 <a:srgbClr val="000000"/>
               </a:solidFill>
@@ -288,7 +289,7 @@
         <p:txBody>
           <a:bodyPr lIns="0" rIns="0" tIns="0" bIns="0"/>
           <a:p>
-            <a:endParaRPr b="0" lang="en-US" sz="2800" spc="-1" strike="noStrike">
+            <a:endParaRPr b="0" lang="en-US" sz="3200" spc="-1" strike="noStrike">
               <a:solidFill>
                 <a:srgbClr val="000000"/>
               </a:solidFill>
@@ -324,7 +325,7 @@
         <p:txBody>
           <a:bodyPr lIns="0" rIns="0" tIns="0" bIns="0"/>
           <a:p>
-            <a:endParaRPr b="0" lang="en-US" sz="2800" spc="-1" strike="noStrike">
+            <a:endParaRPr b="0" lang="en-US" sz="3200" spc="-1" strike="noStrike">
               <a:solidFill>
                 <a:srgbClr val="000000"/>
               </a:solidFill>
@@ -360,7 +361,7 @@
         <p:txBody>
           <a:bodyPr lIns="0" rIns="0" tIns="0" bIns="0"/>
           <a:p>
-            <a:endParaRPr b="0" lang="en-US" sz="2800" spc="-1" strike="noStrike">
+            <a:endParaRPr b="0" lang="en-US" sz="3200" spc="-1" strike="noStrike">
               <a:solidFill>
                 <a:srgbClr val="000000"/>
               </a:solidFill>
@@ -418,7 +419,8 @@
         <p:txBody>
           <a:bodyPr lIns="0" rIns="0" tIns="0" bIns="0" anchor="ctr"/>
           <a:p>
-            <a:endParaRPr b="0" lang="en-US" sz="1800" spc="-1" strike="noStrike">
+            <a:pPr algn="ctr"/>
+            <a:endParaRPr b="0" lang="en-US" sz="4400" spc="-1" strike="noStrike">
               <a:solidFill>
                 <a:srgbClr val="000000"/>
               </a:solidFill>
@@ -454,7 +456,7 @@
         <p:txBody>
           <a:bodyPr lIns="0" rIns="0" tIns="0" bIns="0"/>
           <a:p>
-            <a:endParaRPr b="0" lang="en-US" sz="2800" spc="-1" strike="noStrike">
+            <a:endParaRPr b="0" lang="en-US" sz="3200" spc="-1" strike="noStrike">
               <a:solidFill>
                 <a:srgbClr val="000000"/>
               </a:solidFill>
@@ -490,7 +492,7 @@
         <p:txBody>
           <a:bodyPr lIns="0" rIns="0" tIns="0" bIns="0"/>
           <a:p>
-            <a:endParaRPr b="0" lang="en-US" sz="2800" spc="-1" strike="noStrike">
+            <a:endParaRPr b="0" lang="en-US" sz="3200" spc="-1" strike="noStrike">
               <a:solidFill>
                 <a:srgbClr val="000000"/>
               </a:solidFill>
@@ -516,8 +518,8 @@
         </p:blipFill>
         <p:spPr>
           <a:xfrm>
-            <a:off x="2077920" y="1604520"/>
-            <a:ext cx="4987440" cy="3977280"/>
+            <a:off x="2079000" y="1604520"/>
+            <a:ext cx="4984920" cy="3977280"/>
           </a:xfrm>
           <a:prstGeom prst="rect">
             <a:avLst/>
@@ -539,8 +541,8 @@
         </p:blipFill>
         <p:spPr>
           <a:xfrm>
-            <a:off x="2077920" y="1604520"/>
-            <a:ext cx="4987440" cy="3977280"/>
+            <a:off x="2079000" y="1604520"/>
+            <a:ext cx="4984920" cy="3977280"/>
           </a:xfrm>
           <a:prstGeom prst="rect">
             <a:avLst/>
@@ -616,7 +618,8 @@
         <p:txBody>
           <a:bodyPr lIns="0" rIns="0" tIns="0" bIns="0" anchor="ctr"/>
           <a:p>
-            <a:endParaRPr b="0" lang="en-US" sz="1800" spc="-1" strike="noStrike">
+            <a:pPr algn="ctr"/>
+            <a:endParaRPr b="0" lang="en-US" sz="4400" spc="-1" strike="noStrike">
               <a:solidFill>
                 <a:srgbClr val="000000"/>
               </a:solidFill>
@@ -711,7 +714,8 @@
         <p:txBody>
           <a:bodyPr lIns="0" rIns="0" tIns="0" bIns="0" anchor="ctr"/>
           <a:p>
-            <a:endParaRPr b="0" lang="en-US" sz="1800" spc="-1" strike="noStrike">
+            <a:pPr algn="ctr"/>
+            <a:endParaRPr b="0" lang="en-US" sz="4400" spc="-1" strike="noStrike">
               <a:solidFill>
                 <a:srgbClr val="000000"/>
               </a:solidFill>
@@ -747,7 +751,7 @@
         <p:txBody>
           <a:bodyPr lIns="0" rIns="0" tIns="0" bIns="0"/>
           <a:p>
-            <a:endParaRPr b="0" lang="en-US" sz="2800" spc="-1" strike="noStrike">
+            <a:endParaRPr b="0" lang="en-US" sz="3200" spc="-1" strike="noStrike">
               <a:solidFill>
                 <a:srgbClr val="000000"/>
               </a:solidFill>
@@ -805,7 +809,8 @@
         <p:txBody>
           <a:bodyPr lIns="0" rIns="0" tIns="0" bIns="0" anchor="ctr"/>
           <a:p>
-            <a:endParaRPr b="0" lang="en-US" sz="1800" spc="-1" strike="noStrike">
+            <a:pPr algn="ctr"/>
+            <a:endParaRPr b="0" lang="en-US" sz="4400" spc="-1" strike="noStrike">
               <a:solidFill>
                 <a:srgbClr val="000000"/>
               </a:solidFill>
@@ -841,7 +846,7 @@
         <p:txBody>
           <a:bodyPr lIns="0" rIns="0" tIns="0" bIns="0"/>
           <a:p>
-            <a:endParaRPr b="0" lang="en-US" sz="2800" spc="-1" strike="noStrike">
+            <a:endParaRPr b="0" lang="en-US" sz="3200" spc="-1" strike="noStrike">
               <a:solidFill>
                 <a:srgbClr val="000000"/>
               </a:solidFill>
@@ -877,7 +882,7 @@
         <p:txBody>
           <a:bodyPr lIns="0" rIns="0" tIns="0" bIns="0"/>
           <a:p>
-            <a:endParaRPr b="0" lang="en-US" sz="2800" spc="-1" strike="noStrike">
+            <a:endParaRPr b="0" lang="en-US" sz="3200" spc="-1" strike="noStrike">
               <a:solidFill>
                 <a:srgbClr val="000000"/>
               </a:solidFill>
@@ -935,7 +940,8 @@
         <p:txBody>
           <a:bodyPr lIns="0" rIns="0" tIns="0" bIns="0" anchor="ctr"/>
           <a:p>
-            <a:endParaRPr b="0" lang="en-US" sz="1800" spc="-1" strike="noStrike">
+            <a:pPr algn="ctr"/>
+            <a:endParaRPr b="0" lang="en-US" sz="4400" spc="-1" strike="noStrike">
               <a:solidFill>
                 <a:srgbClr val="000000"/>
               </a:solidFill>
@@ -1052,7 +1058,8 @@
         <p:txBody>
           <a:bodyPr lIns="0" rIns="0" tIns="0" bIns="0" anchor="ctr"/>
           <a:p>
-            <a:endParaRPr b="0" lang="en-US" sz="1800" spc="-1" strike="noStrike">
+            <a:pPr algn="ctr"/>
+            <a:endParaRPr b="0" lang="en-US" sz="4400" spc="-1" strike="noStrike">
               <a:solidFill>
                 <a:srgbClr val="000000"/>
               </a:solidFill>
@@ -1088,7 +1095,7 @@
         <p:txBody>
           <a:bodyPr lIns="0" rIns="0" tIns="0" bIns="0"/>
           <a:p>
-            <a:endParaRPr b="0" lang="en-US" sz="2800" spc="-1" strike="noStrike">
+            <a:endParaRPr b="0" lang="en-US" sz="3200" spc="-1" strike="noStrike">
               <a:solidFill>
                 <a:srgbClr val="000000"/>
               </a:solidFill>
@@ -1124,7 +1131,7 @@
         <p:txBody>
           <a:bodyPr lIns="0" rIns="0" tIns="0" bIns="0"/>
           <a:p>
-            <a:endParaRPr b="0" lang="en-US" sz="2800" spc="-1" strike="noStrike">
+            <a:endParaRPr b="0" lang="en-US" sz="3200" spc="-1" strike="noStrike">
               <a:solidFill>
                 <a:srgbClr val="000000"/>
               </a:solidFill>
@@ -1160,7 +1167,7 @@
         <p:txBody>
           <a:bodyPr lIns="0" rIns="0" tIns="0" bIns="0"/>
           <a:p>
-            <a:endParaRPr b="0" lang="en-US" sz="2800" spc="-1" strike="noStrike">
+            <a:endParaRPr b="0" lang="en-US" sz="3200" spc="-1" strike="noStrike">
               <a:solidFill>
                 <a:srgbClr val="000000"/>
               </a:solidFill>
@@ -1218,7 +1225,8 @@
         <p:txBody>
           <a:bodyPr lIns="0" rIns="0" tIns="0" bIns="0" anchor="ctr"/>
           <a:p>
-            <a:endParaRPr b="0" lang="en-US" sz="1800" spc="-1" strike="noStrike">
+            <a:pPr algn="ctr"/>
+            <a:endParaRPr b="0" lang="en-US" sz="4400" spc="-1" strike="noStrike">
               <a:solidFill>
                 <a:srgbClr val="000000"/>
               </a:solidFill>
@@ -1313,7 +1321,8 @@
         <p:txBody>
           <a:bodyPr lIns="0" rIns="0" tIns="0" bIns="0" anchor="ctr"/>
           <a:p>
-            <a:endParaRPr b="0" lang="en-US" sz="1800" spc="-1" strike="noStrike">
+            <a:pPr algn="ctr"/>
+            <a:endParaRPr b="0" lang="en-US" sz="4400" spc="-1" strike="noStrike">
               <a:solidFill>
                 <a:srgbClr val="000000"/>
               </a:solidFill>
@@ -1349,7 +1358,7 @@
         <p:txBody>
           <a:bodyPr lIns="0" rIns="0" tIns="0" bIns="0"/>
           <a:p>
-            <a:endParaRPr b="0" lang="en-US" sz="2800" spc="-1" strike="noStrike">
+            <a:endParaRPr b="0" lang="en-US" sz="3200" spc="-1" strike="noStrike">
               <a:solidFill>
                 <a:srgbClr val="000000"/>
               </a:solidFill>
@@ -1385,7 +1394,7 @@
         <p:txBody>
           <a:bodyPr lIns="0" rIns="0" tIns="0" bIns="0"/>
           <a:p>
-            <a:endParaRPr b="0" lang="en-US" sz="2800" spc="-1" strike="noStrike">
+            <a:endParaRPr b="0" lang="en-US" sz="3200" spc="-1" strike="noStrike">
               <a:solidFill>
                 <a:srgbClr val="000000"/>
               </a:solidFill>
@@ -1421,7 +1430,7 @@
         <p:txBody>
           <a:bodyPr lIns="0" rIns="0" tIns="0" bIns="0"/>
           <a:p>
-            <a:endParaRPr b="0" lang="en-US" sz="2800" spc="-1" strike="noStrike">
+            <a:endParaRPr b="0" lang="en-US" sz="3200" spc="-1" strike="noStrike">
               <a:solidFill>
                 <a:srgbClr val="000000"/>
               </a:solidFill>
@@ -1479,7 +1488,8 @@
         <p:txBody>
           <a:bodyPr lIns="0" rIns="0" tIns="0" bIns="0" anchor="ctr"/>
           <a:p>
-            <a:endParaRPr b="0" lang="en-US" sz="1800" spc="-1" strike="noStrike">
+            <a:pPr algn="ctr"/>
+            <a:endParaRPr b="0" lang="en-US" sz="4400" spc="-1" strike="noStrike">
               <a:solidFill>
                 <a:srgbClr val="000000"/>
               </a:solidFill>
@@ -1515,7 +1525,7 @@
         <p:txBody>
           <a:bodyPr lIns="0" rIns="0" tIns="0" bIns="0"/>
           <a:p>
-            <a:endParaRPr b="0" lang="en-US" sz="2800" spc="-1" strike="noStrike">
+            <a:endParaRPr b="0" lang="en-US" sz="3200" spc="-1" strike="noStrike">
               <a:solidFill>
                 <a:srgbClr val="000000"/>
               </a:solidFill>
@@ -1551,7 +1561,7 @@
         <p:txBody>
           <a:bodyPr lIns="0" rIns="0" tIns="0" bIns="0"/>
           <a:p>
-            <a:endParaRPr b="0" lang="en-US" sz="2800" spc="-1" strike="noStrike">
+            <a:endParaRPr b="0" lang="en-US" sz="3200" spc="-1" strike="noStrike">
               <a:solidFill>
                 <a:srgbClr val="000000"/>
               </a:solidFill>
@@ -1587,7 +1597,7 @@
         <p:txBody>
           <a:bodyPr lIns="0" rIns="0" tIns="0" bIns="0"/>
           <a:p>
-            <a:endParaRPr b="0" lang="en-US" sz="2800" spc="-1" strike="noStrike">
+            <a:endParaRPr b="0" lang="en-US" sz="3200" spc="-1" strike="noStrike">
               <a:solidFill>
                 <a:srgbClr val="000000"/>
               </a:solidFill>
@@ -1645,7 +1655,8 @@
         <p:txBody>
           <a:bodyPr lIns="0" rIns="0" tIns="0" bIns="0" anchor="ctr"/>
           <a:p>
-            <a:endParaRPr b="0" lang="en-US" sz="1800" spc="-1" strike="noStrike">
+            <a:pPr algn="ctr"/>
+            <a:endParaRPr b="0" lang="en-US" sz="4400" spc="-1" strike="noStrike">
               <a:solidFill>
                 <a:srgbClr val="000000"/>
               </a:solidFill>
@@ -1681,7 +1692,7 @@
         <p:txBody>
           <a:bodyPr lIns="0" rIns="0" tIns="0" bIns="0"/>
           <a:p>
-            <a:endParaRPr b="0" lang="en-US" sz="2800" spc="-1" strike="noStrike">
+            <a:endParaRPr b="0" lang="en-US" sz="3200" spc="-1" strike="noStrike">
               <a:solidFill>
                 <a:srgbClr val="000000"/>
               </a:solidFill>
@@ -1717,7 +1728,7 @@
         <p:txBody>
           <a:bodyPr lIns="0" rIns="0" tIns="0" bIns="0"/>
           <a:p>
-            <a:endParaRPr b="0" lang="en-US" sz="2800" spc="-1" strike="noStrike">
+            <a:endParaRPr b="0" lang="en-US" sz="3200" spc="-1" strike="noStrike">
               <a:solidFill>
                 <a:srgbClr val="000000"/>
               </a:solidFill>
@@ -1775,7 +1786,8 @@
         <p:txBody>
           <a:bodyPr lIns="0" rIns="0" tIns="0" bIns="0" anchor="ctr"/>
           <a:p>
-            <a:endParaRPr b="0" lang="en-US" sz="1800" spc="-1" strike="noStrike">
+            <a:pPr algn="ctr"/>
+            <a:endParaRPr b="0" lang="en-US" sz="4400" spc="-1" strike="noStrike">
               <a:solidFill>
                 <a:srgbClr val="000000"/>
               </a:solidFill>
@@ -1811,7 +1823,7 @@
         <p:txBody>
           <a:bodyPr lIns="0" rIns="0" tIns="0" bIns="0"/>
           <a:p>
-            <a:endParaRPr b="0" lang="en-US" sz="2800" spc="-1" strike="noStrike">
+            <a:endParaRPr b="0" lang="en-US" sz="3200" spc="-1" strike="noStrike">
               <a:solidFill>
                 <a:srgbClr val="000000"/>
               </a:solidFill>
@@ -1847,7 +1859,7 @@
         <p:txBody>
           <a:bodyPr lIns="0" rIns="0" tIns="0" bIns="0"/>
           <a:p>
-            <a:endParaRPr b="0" lang="en-US" sz="2800" spc="-1" strike="noStrike">
+            <a:endParaRPr b="0" lang="en-US" sz="3200" spc="-1" strike="noStrike">
               <a:solidFill>
                 <a:srgbClr val="000000"/>
               </a:solidFill>
@@ -1883,7 +1895,7 @@
         <p:txBody>
           <a:bodyPr lIns="0" rIns="0" tIns="0" bIns="0"/>
           <a:p>
-            <a:endParaRPr b="0" lang="en-US" sz="2800" spc="-1" strike="noStrike">
+            <a:endParaRPr b="0" lang="en-US" sz="3200" spc="-1" strike="noStrike">
               <a:solidFill>
                 <a:srgbClr val="000000"/>
               </a:solidFill>
@@ -1919,7 +1931,7 @@
         <p:txBody>
           <a:bodyPr lIns="0" rIns="0" tIns="0" bIns="0"/>
           <a:p>
-            <a:endParaRPr b="0" lang="en-US" sz="2800" spc="-1" strike="noStrike">
+            <a:endParaRPr b="0" lang="en-US" sz="3200" spc="-1" strike="noStrike">
               <a:solidFill>
                 <a:srgbClr val="000000"/>
               </a:solidFill>
@@ -1977,7 +1989,8 @@
         <p:txBody>
           <a:bodyPr lIns="0" rIns="0" tIns="0" bIns="0" anchor="ctr"/>
           <a:p>
-            <a:endParaRPr b="0" lang="en-US" sz="1800" spc="-1" strike="noStrike">
+            <a:pPr algn="ctr"/>
+            <a:endParaRPr b="0" lang="en-US" sz="4400" spc="-1" strike="noStrike">
               <a:solidFill>
                 <a:srgbClr val="000000"/>
               </a:solidFill>
@@ -2013,7 +2026,7 @@
         <p:txBody>
           <a:bodyPr lIns="0" rIns="0" tIns="0" bIns="0"/>
           <a:p>
-            <a:endParaRPr b="0" lang="en-US" sz="2800" spc="-1" strike="noStrike">
+            <a:endParaRPr b="0" lang="en-US" sz="3200" spc="-1" strike="noStrike">
               <a:solidFill>
                 <a:srgbClr val="000000"/>
               </a:solidFill>
@@ -2049,7 +2062,7 @@
         <p:txBody>
           <a:bodyPr lIns="0" rIns="0" tIns="0" bIns="0"/>
           <a:p>
-            <a:endParaRPr b="0" lang="en-US" sz="2800" spc="-1" strike="noStrike">
+            <a:endParaRPr b="0" lang="en-US" sz="3200" spc="-1" strike="noStrike">
               <a:solidFill>
                 <a:srgbClr val="000000"/>
               </a:solidFill>
@@ -2075,8 +2088,8 @@
         </p:blipFill>
         <p:spPr>
           <a:xfrm>
-            <a:off x="2077920" y="1604520"/>
-            <a:ext cx="4987440" cy="3977280"/>
+            <a:off x="2079000" y="1604520"/>
+            <a:ext cx="4984920" cy="3977280"/>
           </a:xfrm>
           <a:prstGeom prst="rect">
             <a:avLst/>
@@ -2098,8 +2111,8 @@
         </p:blipFill>
         <p:spPr>
           <a:xfrm>
-            <a:off x="2077920" y="1604520"/>
-            <a:ext cx="4987440" cy="3977280"/>
+            <a:off x="2079000" y="1604520"/>
+            <a:ext cx="4984920" cy="3977280"/>
           </a:xfrm>
           <a:prstGeom prst="rect">
             <a:avLst/>
@@ -2153,7 +2166,8 @@
         <p:txBody>
           <a:bodyPr lIns="0" rIns="0" tIns="0" bIns="0" anchor="ctr"/>
           <a:p>
-            <a:endParaRPr b="0" lang="en-US" sz="1800" spc="-1" strike="noStrike">
+            <a:pPr algn="ctr"/>
+            <a:endParaRPr b="0" lang="en-US" sz="4400" spc="-1" strike="noStrike">
               <a:solidFill>
                 <a:srgbClr val="000000"/>
               </a:solidFill>
@@ -2189,7 +2203,7 @@
         <p:txBody>
           <a:bodyPr lIns="0" rIns="0" tIns="0" bIns="0"/>
           <a:p>
-            <a:endParaRPr b="0" lang="en-US" sz="2800" spc="-1" strike="noStrike">
+            <a:endParaRPr b="0" lang="en-US" sz="3200" spc="-1" strike="noStrike">
               <a:solidFill>
                 <a:srgbClr val="000000"/>
               </a:solidFill>
@@ -2247,7 +2261,8 @@
         <p:txBody>
           <a:bodyPr lIns="0" rIns="0" tIns="0" bIns="0" anchor="ctr"/>
           <a:p>
-            <a:endParaRPr b="0" lang="en-US" sz="1800" spc="-1" strike="noStrike">
+            <a:pPr algn="ctr"/>
+            <a:endParaRPr b="0" lang="en-US" sz="4400" spc="-1" strike="noStrike">
               <a:solidFill>
                 <a:srgbClr val="000000"/>
               </a:solidFill>
@@ -2283,7 +2298,7 @@
         <p:txBody>
           <a:bodyPr lIns="0" rIns="0" tIns="0" bIns="0"/>
           <a:p>
-            <a:endParaRPr b="0" lang="en-US" sz="2800" spc="-1" strike="noStrike">
+            <a:endParaRPr b="0" lang="en-US" sz="3200" spc="-1" strike="noStrike">
               <a:solidFill>
                 <a:srgbClr val="000000"/>
               </a:solidFill>
@@ -2319,7 +2334,7 @@
         <p:txBody>
           <a:bodyPr lIns="0" rIns="0" tIns="0" bIns="0"/>
           <a:p>
-            <a:endParaRPr b="0" lang="en-US" sz="2800" spc="-1" strike="noStrike">
+            <a:endParaRPr b="0" lang="en-US" sz="3200" spc="-1" strike="noStrike">
               <a:solidFill>
                 <a:srgbClr val="000000"/>
               </a:solidFill>
@@ -2377,7 +2392,8 @@
         <p:txBody>
           <a:bodyPr lIns="0" rIns="0" tIns="0" bIns="0" anchor="ctr"/>
           <a:p>
-            <a:endParaRPr b="0" lang="en-US" sz="1800" spc="-1" strike="noStrike">
+            <a:pPr algn="ctr"/>
+            <a:endParaRPr b="0" lang="en-US" sz="4400" spc="-1" strike="noStrike">
               <a:solidFill>
                 <a:srgbClr val="000000"/>
               </a:solidFill>
@@ -2494,7 +2510,8 @@
         <p:txBody>
           <a:bodyPr lIns="0" rIns="0" tIns="0" bIns="0" anchor="ctr"/>
           <a:p>
-            <a:endParaRPr b="0" lang="en-US" sz="1800" spc="-1" strike="noStrike">
+            <a:pPr algn="ctr"/>
+            <a:endParaRPr b="0" lang="en-US" sz="4400" spc="-1" strike="noStrike">
               <a:solidFill>
                 <a:srgbClr val="000000"/>
               </a:solidFill>
@@ -2530,7 +2547,7 @@
         <p:txBody>
           <a:bodyPr lIns="0" rIns="0" tIns="0" bIns="0"/>
           <a:p>
-            <a:endParaRPr b="0" lang="en-US" sz="2800" spc="-1" strike="noStrike">
+            <a:endParaRPr b="0" lang="en-US" sz="3200" spc="-1" strike="noStrike">
               <a:solidFill>
                 <a:srgbClr val="000000"/>
               </a:solidFill>
@@ -2566,7 +2583,7 @@
         <p:txBody>
           <a:bodyPr lIns="0" rIns="0" tIns="0" bIns="0"/>
           <a:p>
-            <a:endParaRPr b="0" lang="en-US" sz="2800" spc="-1" strike="noStrike">
+            <a:endParaRPr b="0" lang="en-US" sz="3200" spc="-1" strike="noStrike">
               <a:solidFill>
                 <a:srgbClr val="000000"/>
               </a:solidFill>
@@ -2602,7 +2619,7 @@
         <p:txBody>
           <a:bodyPr lIns="0" rIns="0" tIns="0" bIns="0"/>
           <a:p>
-            <a:endParaRPr b="0" lang="en-US" sz="2800" spc="-1" strike="noStrike">
+            <a:endParaRPr b="0" lang="en-US" sz="3200" spc="-1" strike="noStrike">
               <a:solidFill>
                 <a:srgbClr val="000000"/>
               </a:solidFill>
@@ -2660,7 +2677,8 @@
         <p:txBody>
           <a:bodyPr lIns="0" rIns="0" tIns="0" bIns="0" anchor="ctr"/>
           <a:p>
-            <a:endParaRPr b="0" lang="en-US" sz="1800" spc="-1" strike="noStrike">
+            <a:pPr algn="ctr"/>
+            <a:endParaRPr b="0" lang="en-US" sz="4400" spc="-1" strike="noStrike">
               <a:solidFill>
                 <a:srgbClr val="000000"/>
               </a:solidFill>
@@ -2696,7 +2714,7 @@
         <p:txBody>
           <a:bodyPr lIns="0" rIns="0" tIns="0" bIns="0"/>
           <a:p>
-            <a:endParaRPr b="0" lang="en-US" sz="2800" spc="-1" strike="noStrike">
+            <a:endParaRPr b="0" lang="en-US" sz="3200" spc="-1" strike="noStrike">
               <a:solidFill>
                 <a:srgbClr val="000000"/>
               </a:solidFill>
@@ -2732,7 +2750,7 @@
         <p:txBody>
           <a:bodyPr lIns="0" rIns="0" tIns="0" bIns="0"/>
           <a:p>
-            <a:endParaRPr b="0" lang="en-US" sz="2800" spc="-1" strike="noStrike">
+            <a:endParaRPr b="0" lang="en-US" sz="3200" spc="-1" strike="noStrike">
               <a:solidFill>
                 <a:srgbClr val="000000"/>
               </a:solidFill>
@@ -2768,7 +2786,7 @@
         <p:txBody>
           <a:bodyPr lIns="0" rIns="0" tIns="0" bIns="0"/>
           <a:p>
-            <a:endParaRPr b="0" lang="en-US" sz="2800" spc="-1" strike="noStrike">
+            <a:endParaRPr b="0" lang="en-US" sz="3200" spc="-1" strike="noStrike">
               <a:solidFill>
                 <a:srgbClr val="000000"/>
               </a:solidFill>
@@ -2826,7 +2844,8 @@
         <p:txBody>
           <a:bodyPr lIns="0" rIns="0" tIns="0" bIns="0" anchor="ctr"/>
           <a:p>
-            <a:endParaRPr b="0" lang="en-US" sz="1800" spc="-1" strike="noStrike">
+            <a:pPr algn="ctr"/>
+            <a:endParaRPr b="0" lang="en-US" sz="4400" spc="-1" strike="noStrike">
               <a:solidFill>
                 <a:srgbClr val="000000"/>
               </a:solidFill>
@@ -2862,7 +2881,7 @@
         <p:txBody>
           <a:bodyPr lIns="0" rIns="0" tIns="0" bIns="0"/>
           <a:p>
-            <a:endParaRPr b="0" lang="en-US" sz="2800" spc="-1" strike="noStrike">
+            <a:endParaRPr b="0" lang="en-US" sz="3200" spc="-1" strike="noStrike">
               <a:solidFill>
                 <a:srgbClr val="000000"/>
               </a:solidFill>
@@ -2898,7 +2917,7 @@
         <p:txBody>
           <a:bodyPr lIns="0" rIns="0" tIns="0" bIns="0"/>
           <a:p>
-            <a:endParaRPr b="0" lang="en-US" sz="2800" spc="-1" strike="noStrike">
+            <a:endParaRPr b="0" lang="en-US" sz="3200" spc="-1" strike="noStrike">
               <a:solidFill>
                 <a:srgbClr val="000000"/>
               </a:solidFill>
@@ -2934,7 +2953,7 @@
         <p:txBody>
           <a:bodyPr lIns="0" rIns="0" tIns="0" bIns="0"/>
           <a:p>
-            <a:endParaRPr b="0" lang="en-US" sz="2800" spc="-1" strike="noStrike">
+            <a:endParaRPr b="0" lang="en-US" sz="3200" spc="-1" strike="noStrike">
               <a:solidFill>
                 <a:srgbClr val="000000"/>
               </a:solidFill>
@@ -2986,7 +3005,7 @@
         <p:spPr>
           <a:xfrm>
             <a:off x="447480" y="1196640"/>
-            <a:ext cx="8673840" cy="26640"/>
+            <a:ext cx="8673480" cy="26280"/>
           </a:xfrm>
           <a:prstGeom prst="rect">
             <a:avLst/>
@@ -3022,7 +3041,7 @@
         <p:spPr>
           <a:xfrm>
             <a:off x="11160" y="6555960"/>
-            <a:ext cx="9141840" cy="26640"/>
+            <a:ext cx="9141480" cy="26280"/>
           </a:xfrm>
           <a:prstGeom prst="rect">
             <a:avLst/>
@@ -3062,7 +3081,7 @@
         <p:spPr>
           <a:xfrm>
             <a:off x="8708760" y="6003000"/>
-            <a:ext cx="429840" cy="856080"/>
+            <a:ext cx="429480" cy="855720"/>
           </a:xfrm>
           <a:prstGeom prst="rect">
             <a:avLst/>
@@ -3081,7 +3100,7 @@
         <p:spPr>
           <a:xfrm>
             <a:off x="8424720" y="1052640"/>
-            <a:ext cx="681480" cy="285840"/>
+            <a:ext cx="681120" cy="285480"/>
           </a:xfrm>
           <a:prstGeom prst="rect">
             <a:avLst/>
@@ -3112,7 +3131,7 @@
         <p:spPr>
           <a:xfrm>
             <a:off x="11160" y="5965200"/>
-            <a:ext cx="9130680" cy="894600"/>
+            <a:ext cx="9130320" cy="894240"/>
           </a:xfrm>
           <a:prstGeom prst="rect">
             <a:avLst/>
@@ -3140,7 +3159,7 @@
         <p:spPr>
           <a:xfrm>
             <a:off x="-9360" y="223560"/>
-            <a:ext cx="8673840" cy="217800"/>
+            <a:ext cx="8673480" cy="217440"/>
           </a:xfrm>
           <a:prstGeom prst="rect">
             <a:avLst/>
@@ -3176,7 +3195,7 @@
         <p:spPr>
           <a:xfrm>
             <a:off x="11160" y="2654280"/>
-            <a:ext cx="9141840" cy="217800"/>
+            <a:ext cx="9141480" cy="217440"/>
           </a:xfrm>
           <a:prstGeom prst="rect">
             <a:avLst/>
@@ -3225,8 +3244,9 @@
         <p:txBody>
           <a:bodyPr lIns="0" rIns="0" tIns="0" bIns="0" anchor="ctr"/>
           <a:p>
+            <a:pPr algn="ctr"/>
             <a:r>
-              <a:rPr b="0" lang="en-US" sz="1800" spc="-1" strike="noStrike">
+              <a:rPr b="0" lang="en-US" sz="4400" spc="-1" strike="noStrike">
                 <a:solidFill>
                   <a:srgbClr val="000000"/>
                 </a:solidFill>
@@ -3237,37 +3257,9 @@
                 </a:uFill>
                 <a:latin typeface="Arial"/>
               </a:rPr>
-              <a:t>Click to edit </a:t>
+              <a:t>Click to edit the title text format</a:t>
             </a:r>
-            <a:r>
-              <a:rPr b="0" lang="en-US" sz="1800" spc="-1" strike="noStrike">
-                <a:solidFill>
-                  <a:srgbClr val="000000"/>
-                </a:solidFill>
-                <a:uFill>
-                  <a:solidFill>
-                    <a:srgbClr val="ffffff"/>
-                  </a:solidFill>
-                </a:uFill>
-                <a:latin typeface="Arial"/>
-              </a:rPr>
-              <a:t>the title text </a:t>
-            </a:r>
-            <a:r>
-              <a:rPr b="0" lang="en-US" sz="1800" spc="-1" strike="noStrike">
-                <a:solidFill>
-                  <a:srgbClr val="000000"/>
-                </a:solidFill>
-                <a:uFill>
-                  <a:solidFill>
-                    <a:srgbClr val="ffffff"/>
-                  </a:solidFill>
-                </a:uFill>
-                <a:latin typeface="Arial"/>
-              </a:rPr>
-              <a:t>format</a:t>
-            </a:r>
-            <a:endParaRPr b="0" lang="en-US" sz="1800" spc="-1" strike="noStrike">
+            <a:endParaRPr b="0" lang="en-US" sz="4400" spc="-1" strike="noStrike">
               <a:solidFill>
                 <a:srgbClr val="000000"/>
               </a:solidFill>
@@ -3312,7 +3304,7 @@
               <a:buChar char=""/>
             </a:pPr>
             <a:r>
-              <a:rPr b="0" lang="en-US" sz="2800" spc="-1" strike="noStrike">
+              <a:rPr b="0" lang="en-US" sz="3200" spc="-1" strike="noStrike">
                 <a:solidFill>
                   <a:srgbClr val="000000"/>
                 </a:solidFill>
@@ -3325,7 +3317,7 @@
               </a:rPr>
               <a:t>Click to edit the outline text format</a:t>
             </a:r>
-            <a:endParaRPr b="0" lang="en-US" sz="2800" spc="-1" strike="noStrike">
+            <a:endParaRPr b="0" lang="en-US" sz="3200" spc="-1" strike="noStrike">
               <a:solidFill>
                 <a:srgbClr val="000000"/>
               </a:solidFill>
@@ -3347,7 +3339,7 @@
               <a:buChar char=""/>
             </a:pPr>
             <a:r>
-              <a:rPr b="0" lang="en-US" sz="2000" spc="-1" strike="noStrike">
+              <a:rPr b="0" lang="en-US" sz="2800" spc="-1" strike="noStrike">
                 <a:solidFill>
                   <a:srgbClr val="000000"/>
                 </a:solidFill>
@@ -3360,7 +3352,7 @@
               </a:rPr>
               <a:t>Second Outline Level</a:t>
             </a:r>
-            <a:endParaRPr b="0" lang="en-US" sz="2000" spc="-1" strike="noStrike">
+            <a:endParaRPr b="0" lang="en-US" sz="2800" spc="-1" strike="noStrike">
               <a:solidFill>
                 <a:srgbClr val="000000"/>
               </a:solidFill>
@@ -3382,7 +3374,7 @@
               <a:buChar char=""/>
             </a:pPr>
             <a:r>
-              <a:rPr b="0" lang="en-US" sz="1800" spc="-1" strike="noStrike">
+              <a:rPr b="0" lang="en-US" sz="2400" spc="-1" strike="noStrike">
                 <a:solidFill>
                   <a:srgbClr val="000000"/>
                 </a:solidFill>
@@ -3395,7 +3387,7 @@
               </a:rPr>
               <a:t>Third Outline Level</a:t>
             </a:r>
-            <a:endParaRPr b="0" lang="en-US" sz="1800" spc="-1" strike="noStrike">
+            <a:endParaRPr b="0" lang="en-US" sz="2400" spc="-1" strike="noStrike">
               <a:solidFill>
                 <a:srgbClr val="000000"/>
               </a:solidFill>
@@ -3417,7 +3409,7 @@
               <a:buChar char=""/>
             </a:pPr>
             <a:r>
-              <a:rPr b="0" lang="en-US" sz="1800" spc="-1" strike="noStrike">
+              <a:rPr b="0" lang="en-US" sz="2000" spc="-1" strike="noStrike">
                 <a:solidFill>
                   <a:srgbClr val="000000"/>
                 </a:solidFill>
@@ -3430,7 +3422,7 @@
               </a:rPr>
               <a:t>Fourth Outline Level</a:t>
             </a:r>
-            <a:endParaRPr b="0" lang="en-US" sz="1800" spc="-1" strike="noStrike">
+            <a:endParaRPr b="0" lang="en-US" sz="2000" spc="-1" strike="noStrike">
               <a:solidFill>
                 <a:srgbClr val="000000"/>
               </a:solidFill>
@@ -3602,7 +3594,7 @@
         <p:spPr>
           <a:xfrm>
             <a:off x="447480" y="1196640"/>
-            <a:ext cx="8673840" cy="26640"/>
+            <a:ext cx="8673480" cy="26280"/>
           </a:xfrm>
           <a:prstGeom prst="rect">
             <a:avLst/>
@@ -3638,7 +3630,7 @@
         <p:spPr>
           <a:xfrm>
             <a:off x="11160" y="6555960"/>
-            <a:ext cx="9141840" cy="26640"/>
+            <a:ext cx="9141480" cy="26280"/>
           </a:xfrm>
           <a:prstGeom prst="rect">
             <a:avLst/>
@@ -3678,7 +3670,7 @@
         <p:spPr>
           <a:xfrm>
             <a:off x="8708760" y="6003000"/>
-            <a:ext cx="429840" cy="856080"/>
+            <a:ext cx="429480" cy="855720"/>
           </a:xfrm>
           <a:prstGeom prst="rect">
             <a:avLst/>
@@ -3710,8 +3702,9 @@
         <p:txBody>
           <a:bodyPr lIns="0" rIns="0" tIns="0" bIns="0" anchor="ctr"/>
           <a:p>
+            <a:pPr algn="ctr"/>
             <a:r>
-              <a:rPr b="0" lang="en-US" sz="1800" spc="-1" strike="noStrike">
+              <a:rPr b="0" lang="en-US" sz="4400" spc="-1" strike="noStrike">
                 <a:solidFill>
                   <a:srgbClr val="000000"/>
                 </a:solidFill>
@@ -3724,7 +3717,7 @@
               </a:rPr>
               <a:t>Click to edit the title text format</a:t>
             </a:r>
-            <a:endParaRPr b="0" lang="en-US" sz="1800" spc="-1" strike="noStrike">
+            <a:endParaRPr b="0" lang="en-US" sz="4400" spc="-1" strike="noStrike">
               <a:solidFill>
                 <a:srgbClr val="000000"/>
               </a:solidFill>
@@ -3769,7 +3762,7 @@
               <a:buChar char=""/>
             </a:pPr>
             <a:r>
-              <a:rPr b="0" lang="en-US" sz="2800" spc="-1" strike="noStrike">
+              <a:rPr b="0" lang="en-US" sz="3200" spc="-1" strike="noStrike">
                 <a:solidFill>
                   <a:srgbClr val="000000"/>
                 </a:solidFill>
@@ -3782,7 +3775,7 @@
               </a:rPr>
               <a:t>Click to edit the outline text format</a:t>
             </a:r>
-            <a:endParaRPr b="0" lang="en-US" sz="2800" spc="-1" strike="noStrike">
+            <a:endParaRPr b="0" lang="en-US" sz="3200" spc="-1" strike="noStrike">
               <a:solidFill>
                 <a:srgbClr val="000000"/>
               </a:solidFill>
@@ -3804,7 +3797,7 @@
               <a:buChar char=""/>
             </a:pPr>
             <a:r>
-              <a:rPr b="0" lang="en-US" sz="2000" spc="-1" strike="noStrike">
+              <a:rPr b="0" lang="en-US" sz="2800" spc="-1" strike="noStrike">
                 <a:solidFill>
                   <a:srgbClr val="000000"/>
                 </a:solidFill>
@@ -3817,7 +3810,7 @@
               </a:rPr>
               <a:t>Second Outline Level</a:t>
             </a:r>
-            <a:endParaRPr b="0" lang="en-US" sz="2000" spc="-1" strike="noStrike">
+            <a:endParaRPr b="0" lang="en-US" sz="2800" spc="-1" strike="noStrike">
               <a:solidFill>
                 <a:srgbClr val="000000"/>
               </a:solidFill>
@@ -3839,7 +3832,7 @@
               <a:buChar char=""/>
             </a:pPr>
             <a:r>
-              <a:rPr b="0" lang="en-US" sz="1800" spc="-1" strike="noStrike">
+              <a:rPr b="0" lang="en-US" sz="2400" spc="-1" strike="noStrike">
                 <a:solidFill>
                   <a:srgbClr val="000000"/>
                 </a:solidFill>
@@ -3852,7 +3845,7 @@
               </a:rPr>
               <a:t>Third Outline Level</a:t>
             </a:r>
-            <a:endParaRPr b="0" lang="en-US" sz="1800" spc="-1" strike="noStrike">
+            <a:endParaRPr b="0" lang="en-US" sz="2400" spc="-1" strike="noStrike">
               <a:solidFill>
                 <a:srgbClr val="000000"/>
               </a:solidFill>
@@ -3874,7 +3867,7 @@
               <a:buChar char=""/>
             </a:pPr>
             <a:r>
-              <a:rPr b="0" lang="en-US" sz="1800" spc="-1" strike="noStrike">
+              <a:rPr b="0" lang="en-US" sz="2000" spc="-1" strike="noStrike">
                 <a:solidFill>
                   <a:srgbClr val="000000"/>
                 </a:solidFill>
@@ -3887,7 +3880,7 @@
               </a:rPr>
               <a:t>Fourth Outline Level</a:t>
             </a:r>
-            <a:endParaRPr b="0" lang="en-US" sz="1800" spc="-1" strike="noStrike">
+            <a:endParaRPr b="0" lang="en-US" sz="2000" spc="-1" strike="noStrike">
               <a:solidFill>
                 <a:srgbClr val="000000"/>
               </a:solidFill>
@@ -4052,7 +4045,7 @@
         <p:spPr>
           <a:xfrm>
             <a:off x="179640" y="449280"/>
-            <a:ext cx="8782920" cy="2182320"/>
+            <a:ext cx="8782560" cy="2181960"/>
           </a:xfrm>
           <a:prstGeom prst="rect">
             <a:avLst/>
@@ -4116,7 +4109,7 @@
         <p:spPr>
           <a:xfrm>
             <a:off x="1692360" y="3061440"/>
-            <a:ext cx="5757120" cy="1221840"/>
+            <a:ext cx="5756760" cy="1221480"/>
           </a:xfrm>
           <a:prstGeom prst="rect">
             <a:avLst/>
@@ -4135,7 +4128,7 @@
         <p:txBody>
           <a:bodyPr lIns="90000" rIns="90000" tIns="45000" bIns="45000"/>
           <a:p>
-            <a:pPr marL="343080" indent="-340920" algn="ctr">
+            <a:pPr marL="343080" indent="-340560" algn="ctr">
               <a:lnSpc>
                 <a:spcPct val="100000"/>
               </a:lnSpc>
@@ -4168,7 +4161,7 @@
             </a:endParaRPr>
           </a:p>
           <a:p>
-            <a:pPr marL="343080" indent="-340920" algn="ctr">
+            <a:pPr marL="343080" indent="-340560" algn="ctr">
               <a:lnSpc>
                 <a:spcPct val="100000"/>
               </a:lnSpc>
@@ -4186,7 +4179,7 @@
             </a:endParaRPr>
           </a:p>
           <a:p>
-            <a:pPr marL="343080" indent="-340920" algn="ctr">
+            <a:pPr marL="343080" indent="-340560" algn="ctr">
               <a:lnSpc>
                 <a:spcPct val="100000"/>
               </a:lnSpc>
@@ -4204,7 +4197,7 @@
             </a:endParaRPr>
           </a:p>
           <a:p>
-            <a:pPr marL="343080" indent="-340920" algn="ctr">
+            <a:pPr marL="343080" indent="-340560" algn="ctr">
               <a:lnSpc>
                 <a:spcPct val="100000"/>
               </a:lnSpc>
@@ -4237,7 +4230,7 @@
             </a:endParaRPr>
           </a:p>
           <a:p>
-            <a:pPr marL="343080" indent="-340920" algn="ctr">
+            <a:pPr marL="343080" indent="-340560" algn="ctr">
               <a:lnSpc>
                 <a:spcPct val="100000"/>
               </a:lnSpc>
@@ -4271,7 +4264,7 @@
             </a:endParaRPr>
           </a:p>
           <a:p>
-            <a:pPr marL="343080" indent="-340920" algn="ctr">
+            <a:pPr marL="343080" indent="-340560" algn="ctr">
               <a:lnSpc>
                 <a:spcPct val="100000"/>
               </a:lnSpc>
@@ -4321,7 +4314,7 @@
             </a:endParaRPr>
           </a:p>
           <a:p>
-            <a:pPr marL="343080" indent="-340920" algn="ctr">
+            <a:pPr marL="343080" indent="-340560" algn="ctr">
               <a:lnSpc>
                 <a:spcPct val="100000"/>
               </a:lnSpc>
@@ -4339,7 +4332,7 @@
             </a:endParaRPr>
           </a:p>
           <a:p>
-            <a:pPr marL="343080" indent="-340920" algn="ctr">
+            <a:pPr marL="343080" indent="-340560" algn="ctr">
               <a:lnSpc>
                 <a:spcPct val="100000"/>
               </a:lnSpc>
@@ -4409,14 +4402,14 @@
       </p:grpSpPr>
       <p:sp>
         <p:nvSpPr>
-          <p:cNvPr id="114" name="CustomShape 1"/>
+          <p:cNvPr id="116" name="CustomShape 1"/>
           <p:cNvSpPr/>
           <p:nvPr/>
         </p:nvSpPr>
         <p:spPr>
           <a:xfrm>
             <a:off x="457200" y="32040"/>
-            <a:ext cx="8227440" cy="1140840"/>
+            <a:ext cx="8227080" cy="1140480"/>
           </a:xfrm>
           <a:prstGeom prst="rect">
             <a:avLst/>
@@ -4453,7 +4446,7 @@
                 <a:latin typeface="Calibri"/>
                 <a:ea typeface="DejaVu Sans"/>
               </a:rPr>
-              <a:t>User Actions – Sound Composition</a:t>
+              <a:t>DEMO</a:t>
             </a:r>
             <a:endParaRPr b="0" lang="en-US" sz="1800" spc="-1" strike="noStrike">
               <a:solidFill>
@@ -4471,14 +4464,14 @@
       </p:sp>
       <p:sp>
         <p:nvSpPr>
-          <p:cNvPr id="115" name="CustomShape 2"/>
+          <p:cNvPr id="117" name="CustomShape 2"/>
           <p:cNvSpPr/>
           <p:nvPr/>
         </p:nvSpPr>
         <p:spPr>
           <a:xfrm>
             <a:off x="7164360" y="6520320"/>
-            <a:ext cx="1520280" cy="362880"/>
+            <a:ext cx="1519920" cy="362520"/>
           </a:xfrm>
           <a:prstGeom prst="rect">
             <a:avLst/>
@@ -4497,14 +4490,14 @@
       </p:sp>
       <p:sp>
         <p:nvSpPr>
-          <p:cNvPr id="116" name="CustomShape 3"/>
+          <p:cNvPr id="118" name="CustomShape 3"/>
           <p:cNvSpPr/>
           <p:nvPr/>
         </p:nvSpPr>
         <p:spPr>
           <a:xfrm>
             <a:off x="457200" y="1600200"/>
-            <a:ext cx="8227440" cy="4523760"/>
+            <a:ext cx="8227080" cy="4523400"/>
           </a:xfrm>
           <a:prstGeom prst="rect">
             <a:avLst/>
@@ -4523,7 +4516,7 @@
         <p:txBody>
           <a:bodyPr lIns="90000" rIns="90000" tIns="45000" bIns="45000"/>
           <a:p>
-            <a:pPr marL="343080" indent="-340920">
+            <a:pPr marL="343080" indent="-340560">
               <a:lnSpc>
                 <a:spcPct val="100000"/>
               </a:lnSpc>
@@ -4546,7 +4539,7 @@
                 <a:latin typeface="Calibri"/>
                 <a:ea typeface="DejaVu Sans"/>
               </a:rPr>
-              <a:t>Define the Operation for the </a:t>
+              <a:t> </a:t>
             </a:r>
             <a:endParaRPr b="0" lang="en-US" sz="1800" spc="-1" strike="noStrike">
               <a:solidFill>
@@ -4561,107 +4554,11 @@
             </a:endParaRPr>
           </a:p>
           <a:p>
-            <a:pPr marL="343080" indent="-340920">
+            <a:pPr>
               <a:lnSpc>
                 <a:spcPct val="100000"/>
               </a:lnSpc>
-              <a:buClr>
-                <a:srgbClr val="1d3455"/>
-              </a:buClr>
-              <a:buFont typeface="Wingdings" charset="2"/>
-              <a:buChar char=""/>
             </a:pPr>
-            <a:r>
-              <a:rPr b="0" lang="en-US" sz="2800" spc="-1" strike="noStrike">
-                <a:solidFill>
-                  <a:srgbClr val="000000"/>
-                </a:solidFill>
-                <a:uFill>
-                  <a:solidFill>
-                    <a:srgbClr val="ffffff"/>
-                  </a:solidFill>
-                </a:uFill>
-                <a:latin typeface="Calibri"/>
-                <a:ea typeface="DejaVu Sans"/>
-              </a:rPr>
-              <a:t>Sound Composition </a:t>
-            </a:r>
-            <a:endParaRPr b="0" lang="en-US" sz="1800" spc="-1" strike="noStrike">
-              <a:solidFill>
-                <a:srgbClr val="000000"/>
-              </a:solidFill>
-              <a:uFill>
-                <a:solidFill>
-                  <a:srgbClr val="ffffff"/>
-                </a:solidFill>
-              </a:uFill>
-              <a:latin typeface="Arial"/>
-            </a:endParaRPr>
-          </a:p>
-          <a:p>
-            <a:pPr marL="343080" indent="-340920">
-              <a:lnSpc>
-                <a:spcPct val="100000"/>
-              </a:lnSpc>
-              <a:buClr>
-                <a:srgbClr val="1d3455"/>
-              </a:buClr>
-              <a:buFont typeface="Wingdings" charset="2"/>
-              <a:buChar char=""/>
-            </a:pPr>
-            <a:r>
-              <a:rPr b="0" lang="en-US" sz="2800" spc="-1" strike="noStrike">
-                <a:solidFill>
-                  <a:srgbClr val="000000"/>
-                </a:solidFill>
-                <a:uFill>
-                  <a:solidFill>
-                    <a:srgbClr val="ffffff"/>
-                  </a:solidFill>
-                </a:uFill>
-                <a:latin typeface="Calibri"/>
-                <a:ea typeface="DejaVu Sans"/>
-              </a:rPr>
-              <a:t> </a:t>
-            </a:r>
-            <a:endParaRPr b="0" lang="en-US" sz="1800" spc="-1" strike="noStrike">
-              <a:solidFill>
-                <a:srgbClr val="000000"/>
-              </a:solidFill>
-              <a:uFill>
-                <a:solidFill>
-                  <a:srgbClr val="ffffff"/>
-                </a:solidFill>
-              </a:uFill>
-              <a:latin typeface="Arial"/>
-            </a:endParaRPr>
-          </a:p>
-          <a:p>
-            <a:pPr marL="343080" indent="-340920">
-              <a:lnSpc>
-                <a:spcPct val="100000"/>
-              </a:lnSpc>
-              <a:buClr>
-                <a:srgbClr val="1d3455"/>
-              </a:buClr>
-              <a:buFont typeface="Wingdings" charset="2"/>
-              <a:buChar char=""/>
-            </a:pPr>
-            <a:r>
-              <a:rPr b="0" lang="en-US" sz="2800" spc="-1" strike="noStrike">
-                <a:solidFill>
-                  <a:srgbClr val="000000"/>
-                </a:solidFill>
-                <a:uFill>
-                  <a:solidFill>
-                    <a:srgbClr val="ffffff"/>
-                  </a:solidFill>
-                </a:uFill>
-                <a:latin typeface="Calibri"/>
-                <a:ea typeface="DejaVu Sans"/>
-              </a:rPr>
-              <a:t> </a:t>
-            </a:r>
             <a:endParaRPr b="0" lang="en-US" sz="1800" spc="-1" strike="noStrike">
               <a:solidFill>
                 <a:srgbClr val="000000"/>
@@ -4676,347 +4573,6 @@
           </a:p>
         </p:txBody>
       </p:sp>
-      <p:graphicFrame>
-        <p:nvGraphicFramePr>
-          <p:cNvPr id="117" name="Table 4"/>
-          <p:cNvGraphicFramePr/>
-          <p:nvPr/>
-        </p:nvGraphicFramePr>
-        <p:xfrm>
-          <a:off x="1817640" y="3242880"/>
-          <a:ext cx="4400280" cy="1629360"/>
-        </p:xfrm>
-        <a:graphic>
-          <a:graphicData uri="http://schemas.openxmlformats.org/drawingml/2006/table">
-            <a:tbl>
-              <a:tblPr/>
-              <a:tblGrid>
-                <a:gridCol w="4006080"/>
-              </a:tblGrid>
-              <a:tr h="719640">
-                <a:tc>
-                  <a:txBody>
-                    <a:bodyPr lIns="90000" rIns="90000" tIns="46800" bIns="46800"/>
-                    <a:p>
-                      <a:r>
-                        <a:rPr b="0" lang="en-US" sz="1800" spc="-1" strike="noStrike">
-                          <a:solidFill>
-                            <a:srgbClr val="000000"/>
-                          </a:solidFill>
-                          <a:uFill>
-                            <a:solidFill>
-                              <a:srgbClr val="ffffff"/>
-                            </a:solidFill>
-                          </a:uFill>
-                          <a:latin typeface="Arial"/>
-                        </a:rPr>
-                        <a:t>waveformOperations</a:t>
-                      </a:r>
-                      <a:endParaRPr b="0" lang="en-US" sz="1800" spc="-1" strike="noStrike">
-                        <a:solidFill>
-                          <a:srgbClr val="000000"/>
-                        </a:solidFill>
-                        <a:uFill>
-                          <a:solidFill>
-                            <a:srgbClr val="ffffff"/>
-                          </a:solidFill>
-                        </a:uFill>
-                        <a:latin typeface="Arial"/>
-                      </a:endParaRPr>
-                    </a:p>
-                    <a:p>
-                      <a:r>
-                        <a:rPr b="0" lang="en-US" sz="1800" spc="-1" strike="noStrike">
-                          <a:solidFill>
-                            <a:srgbClr val="000000"/>
-                          </a:solidFill>
-                          <a:uFill>
-                            <a:solidFill>
-                              <a:srgbClr val="ffffff"/>
-                            </a:solidFill>
-                          </a:uFill>
-                          <a:latin typeface="Arial"/>
-                        </a:rPr>
-                        <a:t>	</a:t>
-                      </a:r>
-                      <a:r>
-                        <a:rPr b="0" lang="en-US" sz="1800" spc="-1" strike="noStrike">
-                          <a:solidFill>
-                            <a:srgbClr val="000000"/>
-                          </a:solidFill>
-                          <a:uFill>
-                            <a:solidFill>
-                              <a:srgbClr val="ffffff"/>
-                            </a:solidFill>
-                          </a:uFill>
-                          <a:latin typeface="Arial"/>
-                        </a:rPr>
-                        <a:t>.add(</a:t>
-                      </a:r>
-                      <a:endParaRPr b="0" lang="en-US" sz="1800" spc="-1" strike="noStrike">
-                        <a:solidFill>
-                          <a:srgbClr val="000000"/>
-                        </a:solidFill>
-                        <a:uFill>
-                          <a:solidFill>
-                            <a:srgbClr val="ffffff"/>
-                          </a:solidFill>
-                        </a:uFill>
-                        <a:latin typeface="Arial"/>
-                      </a:endParaRPr>
-                    </a:p>
-                    <a:p>
-                      <a:r>
-                        <a:rPr b="0" lang="en-US" sz="1800" spc="-1" strike="noStrike">
-                          <a:solidFill>
-                            <a:srgbClr val="000000"/>
-                          </a:solidFill>
-                          <a:uFill>
-                            <a:solidFill>
-                              <a:srgbClr val="ffffff"/>
-                            </a:solidFill>
-                          </a:uFill>
-                          <a:latin typeface="Arial"/>
-                        </a:rPr>
-                        <a:t>	</a:t>
-                      </a:r>
-                      <a:r>
-                        <a:rPr b="0" lang="en-US" sz="1800" spc="-1" strike="noStrike">
-                          <a:solidFill>
-                            <a:srgbClr val="000000"/>
-                          </a:solidFill>
-                          <a:uFill>
-                            <a:solidFill>
-                              <a:srgbClr val="ffffff"/>
-                            </a:solidFill>
-                          </a:uFill>
-                          <a:latin typeface="Arial"/>
-                        </a:rPr>
-                        <a:t>	</a:t>
-                      </a:r>
-                      <a:r>
-                        <a:rPr b="0" lang="en-US" sz="1800" spc="-1" strike="noStrike">
-                          <a:solidFill>
-                            <a:srgbClr val="000000"/>
-                          </a:solidFill>
-                          <a:uFill>
-                            <a:solidFill>
-                              <a:srgbClr val="ffffff"/>
-                            </a:solidFill>
-                          </a:uFill>
-                          <a:latin typeface="Arial"/>
-                        </a:rPr>
-                        <a:t>new Operation(</a:t>
-                      </a:r>
-                      <a:endParaRPr b="0" lang="en-US" sz="1800" spc="-1" strike="noStrike">
-                        <a:solidFill>
-                          <a:srgbClr val="000000"/>
-                        </a:solidFill>
-                        <a:uFill>
-                          <a:solidFill>
-                            <a:srgbClr val="ffffff"/>
-                          </a:solidFill>
-                        </a:uFill>
-                        <a:latin typeface="Arial"/>
-                      </a:endParaRPr>
-                    </a:p>
-                    <a:p>
-                      <a:r>
-                        <a:rPr b="0" lang="en-US" sz="1800" spc="-1" strike="noStrike">
-                          <a:solidFill>
-                            <a:srgbClr val="000000"/>
-                          </a:solidFill>
-                          <a:uFill>
-                            <a:solidFill>
-                              <a:srgbClr val="ffffff"/>
-                            </a:solidFill>
-                          </a:uFill>
-                          <a:latin typeface="Arial"/>
-                        </a:rPr>
-                        <a:t>	</a:t>
-                      </a:r>
-                      <a:r>
-                        <a:rPr b="0" lang="en-US" sz="1800" spc="-1" strike="noStrike">
-                          <a:solidFill>
-                            <a:srgbClr val="000000"/>
-                          </a:solidFill>
-                          <a:uFill>
-                            <a:solidFill>
-                              <a:srgbClr val="ffffff"/>
-                            </a:solidFill>
-                          </a:uFill>
-                          <a:latin typeface="Arial"/>
-                        </a:rPr>
-                        <a:t>	</a:t>
-                      </a:r>
-                      <a:r>
-                        <a:rPr b="0" lang="en-US" sz="1800" spc="-1" strike="noStrike">
-                          <a:solidFill>
-                            <a:srgbClr val="000000"/>
-                          </a:solidFill>
-                          <a:uFill>
-                            <a:solidFill>
-                              <a:srgbClr val="ffffff"/>
-                            </a:solidFill>
-                          </a:uFill>
-                          <a:latin typeface="Arial"/>
-                        </a:rPr>
-                        <a:t>	</a:t>
-                      </a:r>
-                      <a:r>
-                        <a:rPr b="0" lang="en-US" sz="1800" spc="-1" strike="noStrike">
-                          <a:solidFill>
-                            <a:srgbClr val="000000"/>
-                          </a:solidFill>
-                          <a:uFill>
-                            <a:solidFill>
-                              <a:srgbClr val="ffffff"/>
-                            </a:solidFill>
-                          </a:uFill>
-                          <a:latin typeface="Arial"/>
-                        </a:rPr>
-                        <a:t>name: 'Division'</a:t>
-                      </a:r>
-                      <a:endParaRPr b="0" lang="en-US" sz="1800" spc="-1" strike="noStrike">
-                        <a:solidFill>
-                          <a:srgbClr val="000000"/>
-                        </a:solidFill>
-                        <a:uFill>
-                          <a:solidFill>
-                            <a:srgbClr val="ffffff"/>
-                          </a:solidFill>
-                        </a:uFill>
-                        <a:latin typeface="Arial"/>
-                      </a:endParaRPr>
-                    </a:p>
-                    <a:p>
-                      <a:r>
-                        <a:rPr b="0" lang="en-US" sz="1800" spc="-1" strike="noStrike">
-                          <a:solidFill>
-                            <a:srgbClr val="000000"/>
-                          </a:solidFill>
-                          <a:uFill>
-                            <a:solidFill>
-                              <a:srgbClr val="ffffff"/>
-                            </a:solidFill>
-                          </a:uFill>
-                          <a:latin typeface="Arial"/>
-                        </a:rPr>
-                        <a:t>	</a:t>
-                      </a:r>
-                      <a:r>
-                        <a:rPr b="0" lang="en-US" sz="1800" spc="-1" strike="noStrike">
-                          <a:solidFill>
-                            <a:srgbClr val="000000"/>
-                          </a:solidFill>
-                          <a:uFill>
-                            <a:solidFill>
-                              <a:srgbClr val="ffffff"/>
-                            </a:solidFill>
-                          </a:uFill>
-                          <a:latin typeface="Arial"/>
-                        </a:rPr>
-                        <a:t>	</a:t>
-                      </a:r>
-                      <a:r>
-                        <a:rPr b="0" lang="en-US" sz="1800" spc="-1" strike="noStrike">
-                          <a:solidFill>
-                            <a:srgbClr val="000000"/>
-                          </a:solidFill>
-                          <a:uFill>
-                            <a:solidFill>
-                              <a:srgbClr val="ffffff"/>
-                            </a:solidFill>
-                          </a:uFill>
-                          <a:latin typeface="Arial"/>
-                        </a:rPr>
-                        <a:t>)</a:t>
-                      </a:r>
-                      <a:endParaRPr b="0" lang="en-US" sz="1800" spc="-1" strike="noStrike">
-                        <a:solidFill>
-                          <a:srgbClr val="000000"/>
-                        </a:solidFill>
-                        <a:uFill>
-                          <a:solidFill>
-                            <a:srgbClr val="ffffff"/>
-                          </a:solidFill>
-                        </a:uFill>
-                        <a:latin typeface="Arial"/>
-                      </a:endParaRPr>
-                    </a:p>
-                    <a:p>
-                      <a:r>
-                        <a:rPr b="0" lang="en-US" sz="1800" spc="-1" strike="noStrike">
-                          <a:solidFill>
-                            <a:srgbClr val="000000"/>
-                          </a:solidFill>
-                          <a:uFill>
-                            <a:solidFill>
-                              <a:srgbClr val="ffffff"/>
-                            </a:solidFill>
-                          </a:uFill>
-                          <a:latin typeface="Arial"/>
-                        </a:rPr>
-                        <a:t>	</a:t>
-                      </a:r>
-                      <a:r>
-                        <a:rPr b="0" lang="en-US" sz="1800" spc="-1" strike="noStrike">
-                          <a:solidFill>
-                            <a:srgbClr val="000000"/>
-                          </a:solidFill>
-                          <a:uFill>
-                            <a:solidFill>
-                              <a:srgbClr val="ffffff"/>
-                            </a:solidFill>
-                          </a:uFill>
-                          <a:latin typeface="Arial"/>
-                        </a:rPr>
-                        <a:t>)</a:t>
-                      </a:r>
-                      <a:endParaRPr b="0" lang="en-US" sz="1800" spc="-1" strike="noStrike">
-                        <a:solidFill>
-                          <a:srgbClr val="000000"/>
-                        </a:solidFill>
-                        <a:uFill>
-                          <a:solidFill>
-                            <a:srgbClr val="ffffff"/>
-                          </a:solidFill>
-                        </a:uFill>
-                        <a:latin typeface="Arial"/>
-                      </a:endParaRPr>
-                    </a:p>
-                  </a:txBody>
-                  <a:tcPr marL="90000" marR="90000">
-                    <a:lnL w="720">
-                      <a:solidFill>
-                        <a:srgbClr val="ffffff"/>
-                      </a:solidFill>
-                    </a:lnL>
-                    <a:lnR w="720">
-                      <a:solidFill>
-                        <a:srgbClr val="ffffff"/>
-                      </a:solidFill>
-                    </a:lnR>
-                    <a:lnT w="720">
-                      <a:solidFill>
-                        <a:srgbClr val="ffffff"/>
-                      </a:solidFill>
-                    </a:lnT>
-                    <a:lnB w="720">
-                      <a:solidFill>
-                        <a:srgbClr val="ffffff"/>
-                      </a:solidFill>
-                    </a:lnB>
-                    <a:solidFill>
-                      <a:srgbClr val="e6e6e6"/>
-                    </a:solidFill>
-                  </a:tcPr>
-                </a:tc>
-              </a:tr>
-            </a:tbl>
-          </a:graphicData>
-        </a:graphic>
-      </p:graphicFrame>
     </p:spTree>
   </p:cSld>
   <p:timing>
@@ -5068,14 +4624,14 @@
       </p:grpSpPr>
       <p:sp>
         <p:nvSpPr>
-          <p:cNvPr id="118" name="CustomShape 1"/>
+          <p:cNvPr id="119" name="CustomShape 1"/>
           <p:cNvSpPr/>
           <p:nvPr/>
         </p:nvSpPr>
         <p:spPr>
           <a:xfrm>
             <a:off x="457200" y="32040"/>
-            <a:ext cx="8227440" cy="1140840"/>
+            <a:ext cx="8227080" cy="1140480"/>
           </a:xfrm>
           <a:prstGeom prst="rect">
             <a:avLst/>
@@ -5112,7 +4668,7 @@
                 <a:latin typeface="Calibri"/>
                 <a:ea typeface="DejaVu Sans"/>
               </a:rPr>
-              <a:t>DEMO</a:t>
+              <a:t>Challenges</a:t>
             </a:r>
             <a:endParaRPr b="0" lang="en-US" sz="1800" spc="-1" strike="noStrike">
               <a:solidFill>
@@ -5130,14 +4686,14 @@
       </p:sp>
       <p:sp>
         <p:nvSpPr>
-          <p:cNvPr id="119" name="CustomShape 2"/>
+          <p:cNvPr id="120" name="CustomShape 2"/>
           <p:cNvSpPr/>
           <p:nvPr/>
         </p:nvSpPr>
         <p:spPr>
           <a:xfrm>
             <a:off x="7164360" y="6520320"/>
-            <a:ext cx="1520280" cy="362880"/>
+            <a:ext cx="1519920" cy="362520"/>
           </a:xfrm>
           <a:prstGeom prst="rect">
             <a:avLst/>
@@ -5156,14 +4712,14 @@
       </p:sp>
       <p:sp>
         <p:nvSpPr>
-          <p:cNvPr id="120" name="CustomShape 3"/>
+          <p:cNvPr id="121" name="CustomShape 3"/>
           <p:cNvSpPr/>
           <p:nvPr/>
         </p:nvSpPr>
         <p:spPr>
           <a:xfrm>
             <a:off x="457200" y="1600200"/>
-            <a:ext cx="8227440" cy="4523760"/>
+            <a:ext cx="8227080" cy="4523400"/>
           </a:xfrm>
           <a:prstGeom prst="rect">
             <a:avLst/>
@@ -5182,7 +4738,7 @@
         <p:txBody>
           <a:bodyPr lIns="90000" rIns="90000" tIns="45000" bIns="45000"/>
           <a:p>
-            <a:pPr marL="343080" indent="-340920">
+            <a:pPr marL="343080" indent="-340560">
               <a:lnSpc>
                 <a:spcPct val="100000"/>
               </a:lnSpc>
@@ -5205,7 +4761,408 @@
                 <a:latin typeface="Calibri"/>
                 <a:ea typeface="DejaVu Sans"/>
               </a:rPr>
+              <a:t>Deciding which path to take </a:t>
+            </a:r>
+            <a:endParaRPr b="0" lang="en-US" sz="1800" spc="-1" strike="noStrike">
+              <a:solidFill>
+                <a:srgbClr val="000000"/>
+              </a:solidFill>
+              <a:uFill>
+                <a:solidFill>
+                  <a:srgbClr val="ffffff"/>
+                </a:solidFill>
+              </a:uFill>
+              <a:latin typeface="Arial"/>
+            </a:endParaRPr>
+          </a:p>
+          <a:p>
+            <a:pPr lvl="2" marL="648000" indent="-215280">
+              <a:lnSpc>
+                <a:spcPct val="100000"/>
+              </a:lnSpc>
+              <a:buClr>
+                <a:srgbClr val="000000"/>
+              </a:buClr>
+              <a:buSzPct val="45000"/>
+              <a:buFont typeface="Wingdings" charset="2"/>
+              <a:buChar char=""/>
+            </a:pPr>
+            <a:r>
+              <a:rPr b="0" lang="en-US" sz="2400" spc="-1" strike="noStrike">
+                <a:solidFill>
+                  <a:srgbClr val="000000"/>
+                </a:solidFill>
+                <a:uFill>
+                  <a:solidFill>
+                    <a:srgbClr val="ffffff"/>
+                  </a:solidFill>
+                </a:uFill>
+                <a:latin typeface="Calibri"/>
+                <a:ea typeface="DejaVu Sans"/>
+              </a:rPr>
+              <a:t>code generation or</a:t>
+            </a:r>
+            <a:endParaRPr b="0" lang="en-US" sz="1800" spc="-1" strike="noStrike">
+              <a:solidFill>
+                <a:srgbClr val="000000"/>
+              </a:solidFill>
+              <a:uFill>
+                <a:solidFill>
+                  <a:srgbClr val="ffffff"/>
+                </a:solidFill>
+              </a:uFill>
+              <a:latin typeface="Arial"/>
+            </a:endParaRPr>
+          </a:p>
+          <a:p>
+            <a:pPr lvl="2" marL="648000" indent="-215280">
+              <a:lnSpc>
+                <a:spcPct val="100000"/>
+              </a:lnSpc>
+              <a:buClr>
+                <a:srgbClr val="000000"/>
+              </a:buClr>
+              <a:buSzPct val="45000"/>
+              <a:buFont typeface="Wingdings" charset="2"/>
+              <a:buChar char=""/>
+            </a:pPr>
+            <a:r>
+              <a:rPr b="0" lang="en-US" sz="2400" spc="-1" strike="noStrike">
+                <a:solidFill>
+                  <a:srgbClr val="000000"/>
+                </a:solidFill>
+                <a:uFill>
+                  <a:solidFill>
+                    <a:srgbClr val="ffffff"/>
+                  </a:solidFill>
+                </a:uFill>
+                <a:latin typeface="Calibri"/>
+                <a:ea typeface="DejaVu Sans"/>
+              </a:rPr>
+              <a:t>wrapper approach (winner!)</a:t>
+            </a:r>
+            <a:endParaRPr b="0" lang="en-US" sz="1800" spc="-1" strike="noStrike">
+              <a:solidFill>
+                <a:srgbClr val="000000"/>
+              </a:solidFill>
+              <a:uFill>
+                <a:solidFill>
+                  <a:srgbClr val="ffffff"/>
+                </a:solidFill>
+              </a:uFill>
+              <a:latin typeface="Arial"/>
+            </a:endParaRPr>
+          </a:p>
+          <a:p>
+            <a:pPr marL="343080" indent="-340560">
+              <a:lnSpc>
+                <a:spcPct val="100000"/>
+              </a:lnSpc>
+              <a:buClr>
+                <a:srgbClr val="1d3455"/>
+              </a:buClr>
+              <a:buFont typeface="Wingdings" charset="2"/>
+              <a:buChar char=""/>
+            </a:pPr>
+            <a:r>
+              <a:rPr b="0" lang="en-US" sz="2800" spc="-1" strike="noStrike">
+                <a:solidFill>
+                  <a:srgbClr val="000000"/>
+                </a:solidFill>
+                <a:uFill>
+                  <a:solidFill>
+                    <a:srgbClr val="ffffff"/>
+                  </a:solidFill>
+                </a:uFill>
+                <a:latin typeface="Calibri"/>
+                <a:ea typeface="DejaVu Sans"/>
+              </a:rPr>
               <a:t> </a:t>
+            </a:r>
+            <a:endParaRPr b="0" lang="en-US" sz="1800" spc="-1" strike="noStrike">
+              <a:solidFill>
+                <a:srgbClr val="000000"/>
+              </a:solidFill>
+              <a:uFill>
+                <a:solidFill>
+                  <a:srgbClr val="ffffff"/>
+                </a:solidFill>
+              </a:uFill>
+              <a:latin typeface="Arial"/>
+            </a:endParaRPr>
+          </a:p>
+          <a:p>
+            <a:pPr marL="343080" indent="-340560">
+              <a:lnSpc>
+                <a:spcPct val="100000"/>
+              </a:lnSpc>
+              <a:buClr>
+                <a:srgbClr val="1d3455"/>
+              </a:buClr>
+              <a:buFont typeface="Wingdings" charset="2"/>
+              <a:buChar char=""/>
+            </a:pPr>
+            <a:r>
+              <a:rPr b="0" lang="en-US" sz="2800" spc="-1" strike="noStrike">
+                <a:solidFill>
+                  <a:srgbClr val="000000"/>
+                </a:solidFill>
+                <a:uFill>
+                  <a:solidFill>
+                    <a:srgbClr val="ffffff"/>
+                  </a:solidFill>
+                </a:uFill>
+                <a:latin typeface="Calibri"/>
+                <a:ea typeface="DejaVu Sans"/>
+              </a:rPr>
+              <a:t>Separate DSL editor from logic</a:t>
+            </a:r>
+            <a:r>
+              <a:rPr b="0" lang="en-US" sz="2800" spc="-1" strike="noStrike">
+                <a:solidFill>
+                  <a:srgbClr val="000000"/>
+                </a:solidFill>
+                <a:uFill>
+                  <a:solidFill>
+                    <a:srgbClr val="ffffff"/>
+                  </a:solidFill>
+                </a:uFill>
+                <a:latin typeface="Calibri"/>
+                <a:ea typeface="DejaVu Sans"/>
+              </a:rPr>
+              <a:t>	</a:t>
+            </a:r>
+            <a:endParaRPr b="0" lang="en-US" sz="1800" spc="-1" strike="noStrike">
+              <a:solidFill>
+                <a:srgbClr val="000000"/>
+              </a:solidFill>
+              <a:uFill>
+                <a:solidFill>
+                  <a:srgbClr val="ffffff"/>
+                </a:solidFill>
+              </a:uFill>
+              <a:latin typeface="Arial"/>
+            </a:endParaRPr>
+          </a:p>
+          <a:p>
+            <a:pPr lvl="2" marL="648000" indent="-215280">
+              <a:lnSpc>
+                <a:spcPct val="100000"/>
+              </a:lnSpc>
+              <a:buClr>
+                <a:srgbClr val="000000"/>
+              </a:buClr>
+              <a:buSzPct val="45000"/>
+              <a:buFont typeface="Wingdings" charset="2"/>
+              <a:buChar char=""/>
+            </a:pPr>
+            <a:r>
+              <a:rPr b="0" lang="en-US" sz="2400" spc="-1" strike="noStrike">
+                <a:solidFill>
+                  <a:srgbClr val="000000"/>
+                </a:solidFill>
+                <a:uFill>
+                  <a:solidFill>
+                    <a:srgbClr val="ffffff"/>
+                  </a:solidFill>
+                </a:uFill>
+                <a:latin typeface="Calibri"/>
+                <a:ea typeface="DejaVu Sans"/>
+              </a:rPr>
+              <a:t>Reuniting via binding </a:t>
+            </a:r>
+            <a:endParaRPr b="0" lang="en-US" sz="1800" spc="-1" strike="noStrike">
+              <a:solidFill>
+                <a:srgbClr val="000000"/>
+              </a:solidFill>
+              <a:uFill>
+                <a:solidFill>
+                  <a:srgbClr val="ffffff"/>
+                </a:solidFill>
+              </a:uFill>
+              <a:latin typeface="Arial"/>
+            </a:endParaRPr>
+          </a:p>
+          <a:p>
+            <a:pPr lvl="2" marL="648000" indent="-215280">
+              <a:lnSpc>
+                <a:spcPct val="100000"/>
+              </a:lnSpc>
+              <a:buClr>
+                <a:srgbClr val="000000"/>
+              </a:buClr>
+              <a:buSzPct val="45000"/>
+              <a:buFont typeface="Wingdings" charset="2"/>
+              <a:buChar char=""/>
+            </a:pPr>
+            <a:r>
+              <a:rPr b="0" lang="en-US" sz="2400" spc="-1" strike="noStrike">
+                <a:solidFill>
+                  <a:srgbClr val="000000"/>
+                </a:solidFill>
+                <a:uFill>
+                  <a:solidFill>
+                    <a:srgbClr val="ffffff"/>
+                  </a:solidFill>
+                </a:uFill>
+                <a:latin typeface="Calibri"/>
+                <a:ea typeface="DejaVu Sans"/>
+              </a:rPr>
+              <a:t>Went for persisting editor data into json</a:t>
+            </a:r>
+            <a:endParaRPr b="0" lang="en-US" sz="1800" spc="-1" strike="noStrike">
+              <a:solidFill>
+                <a:srgbClr val="000000"/>
+              </a:solidFill>
+              <a:uFill>
+                <a:solidFill>
+                  <a:srgbClr val="ffffff"/>
+                </a:solidFill>
+              </a:uFill>
+              <a:latin typeface="Arial"/>
+            </a:endParaRPr>
+          </a:p>
+          <a:p>
+            <a:pPr marL="343080" indent="-340560">
+              <a:lnSpc>
+                <a:spcPct val="100000"/>
+              </a:lnSpc>
+              <a:buClr>
+                <a:srgbClr val="1d3455"/>
+              </a:buClr>
+              <a:buFont typeface="Wingdings" charset="2"/>
+              <a:buChar char=""/>
+            </a:pPr>
+            <a:r>
+              <a:rPr b="0" lang="en-US" sz="2800" spc="-1" strike="noStrike">
+                <a:solidFill>
+                  <a:srgbClr val="000000"/>
+                </a:solidFill>
+                <a:uFill>
+                  <a:solidFill>
+                    <a:srgbClr val="ffffff"/>
+                  </a:solidFill>
+                </a:uFill>
+                <a:latin typeface="Calibri"/>
+                <a:ea typeface="DejaVu Sans"/>
+              </a:rPr>
+              <a:t> </a:t>
+            </a:r>
+            <a:endParaRPr b="0" lang="en-US" sz="1800" spc="-1" strike="noStrike">
+              <a:solidFill>
+                <a:srgbClr val="000000"/>
+              </a:solidFill>
+              <a:uFill>
+                <a:solidFill>
+                  <a:srgbClr val="ffffff"/>
+                </a:solidFill>
+              </a:uFill>
+              <a:latin typeface="Arial"/>
+            </a:endParaRPr>
+          </a:p>
+          <a:p>
+            <a:pPr marL="343080" indent="-340560">
+              <a:lnSpc>
+                <a:spcPct val="100000"/>
+              </a:lnSpc>
+              <a:buClr>
+                <a:srgbClr val="1d3455"/>
+              </a:buClr>
+              <a:buFont typeface="Wingdings" charset="2"/>
+              <a:buChar char=""/>
+            </a:pPr>
+            <a:r>
+              <a:rPr b="0" lang="en-US" sz="2800" spc="-1" strike="noStrike">
+                <a:solidFill>
+                  <a:srgbClr val="000000"/>
+                </a:solidFill>
+                <a:uFill>
+                  <a:solidFill>
+                    <a:srgbClr val="ffffff"/>
+                  </a:solidFill>
+                </a:uFill>
+                <a:latin typeface="Calibri"/>
+                <a:ea typeface="DejaVu Sans"/>
+              </a:rPr>
+              <a:t>Using Java Enum class in both editor groovy scripts and logic groovy scripts</a:t>
+            </a:r>
+            <a:endParaRPr b="0" lang="en-US" sz="1800" spc="-1" strike="noStrike">
+              <a:solidFill>
+                <a:srgbClr val="000000"/>
+              </a:solidFill>
+              <a:uFill>
+                <a:solidFill>
+                  <a:srgbClr val="ffffff"/>
+                </a:solidFill>
+              </a:uFill>
+              <a:latin typeface="Arial"/>
+            </a:endParaRPr>
+          </a:p>
+          <a:p>
+            <a:pPr lvl="2" marL="648000" indent="-215280">
+              <a:lnSpc>
+                <a:spcPct val="100000"/>
+              </a:lnSpc>
+              <a:buClr>
+                <a:srgbClr val="000000"/>
+              </a:buClr>
+              <a:buSzPct val="45000"/>
+              <a:buFont typeface="Wingdings" charset="2"/>
+              <a:buChar char=""/>
+            </a:pPr>
+            <a:r>
+              <a:rPr b="0" lang="en-US" sz="2400" spc="-1" strike="noStrike">
+                <a:solidFill>
+                  <a:srgbClr val="000000"/>
+                </a:solidFill>
+                <a:uFill>
+                  <a:solidFill>
+                    <a:srgbClr val="ffffff"/>
+                  </a:solidFill>
+                </a:uFill>
+                <a:latin typeface="Calibri"/>
+                <a:ea typeface="DejaVu Sans"/>
+              </a:rPr>
+              <a:t>Went for using enums as groovy script &amp;</a:t>
+            </a:r>
+            <a:endParaRPr b="0" lang="en-US" sz="1800" spc="-1" strike="noStrike">
+              <a:solidFill>
+                <a:srgbClr val="000000"/>
+              </a:solidFill>
+              <a:uFill>
+                <a:solidFill>
+                  <a:srgbClr val="ffffff"/>
+                </a:solidFill>
+              </a:uFill>
+              <a:latin typeface="Arial"/>
+            </a:endParaRPr>
+          </a:p>
+          <a:p>
+            <a:pPr lvl="2" marL="648000" indent="-215280">
+              <a:lnSpc>
+                <a:spcPct val="100000"/>
+              </a:lnSpc>
+              <a:buClr>
+                <a:srgbClr val="000000"/>
+              </a:buClr>
+              <a:buSzPct val="45000"/>
+              <a:buFont typeface="Wingdings" charset="2"/>
+              <a:buChar char=""/>
+            </a:pPr>
+            <a:r>
+              <a:rPr b="0" lang="en-US" sz="2400" spc="-1" strike="noStrike">
+                <a:solidFill>
+                  <a:srgbClr val="000000"/>
+                </a:solidFill>
+                <a:uFill>
+                  <a:solidFill>
+                    <a:srgbClr val="ffffff"/>
+                  </a:solidFill>
+                </a:uFill>
+                <a:latin typeface="Calibri"/>
+                <a:ea typeface="DejaVu Sans"/>
+              </a:rPr>
+              <a:t>loading via groovy class loader </a:t>
             </a:r>
             <a:endParaRPr b="0" lang="en-US" sz="1800" spc="-1" strike="noStrike">
               <a:solidFill>
@@ -5290,14 +5247,14 @@
       </p:grpSpPr>
       <p:sp>
         <p:nvSpPr>
-          <p:cNvPr id="121" name="CustomShape 1"/>
+          <p:cNvPr id="122" name="CustomShape 1"/>
           <p:cNvSpPr/>
           <p:nvPr/>
         </p:nvSpPr>
         <p:spPr>
           <a:xfrm>
             <a:off x="457200" y="32040"/>
-            <a:ext cx="8227440" cy="1140840"/>
+            <a:ext cx="8227080" cy="1140480"/>
           </a:xfrm>
           <a:prstGeom prst="rect">
             <a:avLst/>
@@ -5334,7 +5291,7 @@
                 <a:latin typeface="Calibri"/>
                 <a:ea typeface="DejaVu Sans"/>
               </a:rPr>
-              <a:t>Challenges</a:t>
+              <a:t>Conclusion &amp; Future Plans</a:t>
             </a:r>
             <a:endParaRPr b="0" lang="en-US" sz="1800" spc="-1" strike="noStrike">
               <a:solidFill>
@@ -5352,14 +5309,14 @@
       </p:sp>
       <p:sp>
         <p:nvSpPr>
-          <p:cNvPr id="122" name="CustomShape 2"/>
+          <p:cNvPr id="123" name="CustomShape 2"/>
           <p:cNvSpPr/>
           <p:nvPr/>
         </p:nvSpPr>
         <p:spPr>
           <a:xfrm>
             <a:off x="7164360" y="6520320"/>
-            <a:ext cx="1520280" cy="362880"/>
+            <a:ext cx="1519920" cy="362520"/>
           </a:xfrm>
           <a:prstGeom prst="rect">
             <a:avLst/>
@@ -5378,14 +5335,14 @@
       </p:sp>
       <p:sp>
         <p:nvSpPr>
-          <p:cNvPr id="123" name="CustomShape 3"/>
+          <p:cNvPr id="124" name="CustomShape 3"/>
           <p:cNvSpPr/>
           <p:nvPr/>
         </p:nvSpPr>
         <p:spPr>
           <a:xfrm>
             <a:off x="457200" y="1600200"/>
-            <a:ext cx="8227440" cy="4523760"/>
+            <a:ext cx="8227080" cy="4523400"/>
           </a:xfrm>
           <a:prstGeom prst="rect">
             <a:avLst/>
@@ -5404,7 +5361,7 @@
         <p:txBody>
           <a:bodyPr lIns="90000" rIns="90000" tIns="45000" bIns="45000"/>
           <a:p>
-            <a:pPr marL="343080" indent="-340920">
+            <a:pPr marL="343080" indent="-340560">
               <a:lnSpc>
                 <a:spcPct val="100000"/>
               </a:lnSpc>
@@ -5427,7 +5384,7 @@
                 <a:latin typeface="Calibri"/>
                 <a:ea typeface="DejaVu Sans"/>
               </a:rPr>
-              <a:t>Deciding whith path to take </a:t>
+              <a:t>Benefit for defining a DSL is clear</a:t>
             </a:r>
             <a:endParaRPr b="0" lang="en-US" sz="1800" spc="-1" strike="noStrike">
               <a:solidFill>
@@ -5442,7 +5399,7 @@
             </a:endParaRPr>
           </a:p>
           <a:p>
-            <a:pPr lvl="2" marL="648000" indent="-215640">
+            <a:pPr lvl="2" marL="648000" indent="-215280">
               <a:lnSpc>
                 <a:spcPct val="100000"/>
               </a:lnSpc>
@@ -5466,7 +5423,7 @@
                 <a:latin typeface="Calibri"/>
                 <a:ea typeface="DejaVu Sans"/>
               </a:rPr>
-              <a:t>code generation or</a:t>
+              <a:t>Jsyn API can be challenging</a:t>
             </a:r>
             <a:endParaRPr b="0" lang="en-US" sz="1800" spc="-1" strike="noStrike">
               <a:solidFill>
@@ -5481,46 +5438,7 @@
             </a:endParaRPr>
           </a:p>
           <a:p>
-            <a:pPr lvl="2" marL="648000" indent="-215640">
-              <a:lnSpc>
-                <a:spcPct val="100000"/>
-              </a:lnSpc>
-              <a:buClr>
-                <a:srgbClr val="000000"/>
-              </a:buClr>
-              <a:buSzPct val="45000"/>
-              <a:buFont typeface="Wingdings" charset="2"/>
-              <a:buChar char=""/>
-            </a:pPr>
-            <a:r>
-              <a:rPr b="0" lang="en-US" sz="2400" spc="-1" strike="noStrike">
-                <a:solidFill>
-                  <a:srgbClr val="000000"/>
-                </a:solidFill>
-                <a:uFill>
-                  <a:solidFill>
-                    <a:srgbClr val="ffffff"/>
-                  </a:solidFill>
-                </a:uFill>
-                <a:latin typeface="Calibri"/>
-                <a:ea typeface="DejaVu Sans"/>
-              </a:rPr>
-              <a:t>wrapper approach (winner!)</a:t>
-            </a:r>
-            <a:endParaRPr b="0" lang="en-US" sz="1800" spc="-1" strike="noStrike">
-              <a:solidFill>
-                <a:srgbClr val="000000"/>
-              </a:solidFill>
-              <a:uFill>
-                <a:solidFill>
-                  <a:srgbClr val="ffffff"/>
-                </a:solidFill>
-              </a:uFill>
-              <a:latin typeface="Arial"/>
-            </a:endParaRPr>
-          </a:p>
-          <a:p>
-            <a:pPr marL="343080" indent="-340920">
+            <a:pPr marL="343080" indent="-340560">
               <a:lnSpc>
                 <a:spcPct val="100000"/>
               </a:lnSpc>
@@ -5558,7 +5476,7 @@
             </a:endParaRPr>
           </a:p>
           <a:p>
-            <a:pPr marL="343080" indent="-340920">
+            <a:pPr marL="343080" indent="-340560">
               <a:lnSpc>
                 <a:spcPct val="100000"/>
               </a:lnSpc>
@@ -5581,10 +5499,34 @@
                 <a:latin typeface="Calibri"/>
                 <a:ea typeface="DejaVu Sans"/>
               </a:rPr>
-              <a:t>Separate DSL editor from logic</a:t>
+              <a:t>Ideas for future work</a:t>
             </a:r>
+            <a:endParaRPr b="0" lang="en-US" sz="1800" spc="-1" strike="noStrike">
+              <a:solidFill>
+                <a:srgbClr val="000000"/>
+              </a:solidFill>
+              <a:uFill>
+                <a:solidFill>
+                  <a:srgbClr val="ffffff"/>
+                </a:solidFill>
+              </a:uFill>
+              <a:latin typeface="Arial"/>
+            </a:endParaRPr>
+          </a:p>
+          <a:p>
+            <a:pPr lvl="2" marL="648000" indent="-215280">
+              <a:lnSpc>
+                <a:spcPct val="100000"/>
+              </a:lnSpc>
+              <a:buClr>
+                <a:srgbClr val="000000"/>
+              </a:buClr>
+              <a:buSzPct val="45000"/>
+              <a:buFont typeface="Wingdings" charset="2"/>
+              <a:buChar char=""/>
+            </a:pPr>
             <a:r>
-              <a:rPr b="0" lang="en-US" sz="2800" spc="-1" strike="noStrike">
+              <a:rPr b="0" lang="en-US" sz="2400" spc="-1" strike="noStrike">
                 <a:solidFill>
                   <a:srgbClr val="000000"/>
                 </a:solidFill>
@@ -5596,7 +5538,7 @@
                 <a:latin typeface="Calibri"/>
                 <a:ea typeface="DejaVu Sans"/>
               </a:rPr>
-              <a:t>	</a:t>
+              <a:t>Extend the Demo with a build-in song</a:t>
             </a:r>
             <a:endParaRPr b="0" lang="en-US" sz="1800" spc="-1" strike="noStrike">
               <a:solidFill>
@@ -5611,7 +5553,7 @@
             </a:endParaRPr>
           </a:p>
           <a:p>
-            <a:pPr lvl="2" marL="648000" indent="-215640">
+            <a:pPr lvl="2" marL="648000" indent="-215280">
               <a:lnSpc>
                 <a:spcPct val="100000"/>
               </a:lnSpc>
@@ -5635,7 +5577,7 @@
                 <a:latin typeface="Calibri"/>
                 <a:ea typeface="DejaVu Sans"/>
               </a:rPr>
-              <a:t>Reuniting via binding </a:t>
+              <a:t>Experiment more with different Jsyn Components (Unit Generators)</a:t>
             </a:r>
             <a:endParaRPr b="0" lang="en-US" sz="1800" spc="-1" strike="noStrike">
               <a:solidFill>
@@ -5650,46 +5592,7 @@
             </a:endParaRPr>
           </a:p>
           <a:p>
-            <a:pPr lvl="2" marL="648000" indent="-215640">
-              <a:lnSpc>
-                <a:spcPct val="100000"/>
-              </a:lnSpc>
-              <a:buClr>
-                <a:srgbClr val="000000"/>
-              </a:buClr>
-              <a:buSzPct val="45000"/>
-              <a:buFont typeface="Wingdings" charset="2"/>
-              <a:buChar char=""/>
-            </a:pPr>
-            <a:r>
-              <a:rPr b="0" lang="en-US" sz="2400" spc="-1" strike="noStrike">
-                <a:solidFill>
-                  <a:srgbClr val="000000"/>
-                </a:solidFill>
-                <a:uFill>
-                  <a:solidFill>
-                    <a:srgbClr val="ffffff"/>
-                  </a:solidFill>
-                </a:uFill>
-                <a:latin typeface="Calibri"/>
-                <a:ea typeface="DejaVu Sans"/>
-              </a:rPr>
-              <a:t>Went for persisting editor data into json</a:t>
-            </a:r>
-            <a:endParaRPr b="0" lang="en-US" sz="1800" spc="-1" strike="noStrike">
-              <a:solidFill>
-                <a:srgbClr val="000000"/>
-              </a:solidFill>
-              <a:uFill>
-                <a:solidFill>
-                  <a:srgbClr val="ffffff"/>
-                </a:solidFill>
-              </a:uFill>
-              <a:latin typeface="Arial"/>
-            </a:endParaRPr>
-          </a:p>
-          <a:p>
-            <a:pPr marL="343080" indent="-340920">
+            <a:pPr marL="343080" indent="-340560">
               <a:lnSpc>
                 <a:spcPct val="100000"/>
               </a:lnSpc>
@@ -5726,140 +5629,6 @@
               <a:latin typeface="Arial"/>
             </a:endParaRPr>
           </a:p>
-          <a:p>
-            <a:pPr marL="343080" indent="-340920">
-              <a:lnSpc>
-                <a:spcPct val="100000"/>
-              </a:lnSpc>
-              <a:buClr>
-                <a:srgbClr val="1d3455"/>
-              </a:buClr>
-              <a:buFont typeface="Wingdings" charset="2"/>
-              <a:buChar char=""/>
-            </a:pPr>
-            <a:r>
-              <a:rPr b="0" lang="en-US" sz="2800" spc="-1" strike="noStrike">
-                <a:solidFill>
-                  <a:srgbClr val="000000"/>
-                </a:solidFill>
-                <a:uFill>
-                  <a:solidFill>
-                    <a:srgbClr val="ffffff"/>
-                  </a:solidFill>
-                </a:uFill>
-                <a:latin typeface="Calibri"/>
-                <a:ea typeface="DejaVu Sans"/>
-              </a:rPr>
-              <a:t>Using Java Enum class in both editor groovy scripts and logic groovy scripts</a:t>
-            </a:r>
-            <a:endParaRPr b="0" lang="en-US" sz="1800" spc="-1" strike="noStrike">
-              <a:solidFill>
-                <a:srgbClr val="000000"/>
-              </a:solidFill>
-              <a:uFill>
-                <a:solidFill>
-                  <a:srgbClr val="ffffff"/>
-                </a:solidFill>
-              </a:uFill>
-              <a:latin typeface="Arial"/>
-            </a:endParaRPr>
-          </a:p>
-          <a:p>
-            <a:pPr lvl="2" marL="648000" indent="-215640">
-              <a:lnSpc>
-                <a:spcPct val="100000"/>
-              </a:lnSpc>
-              <a:buClr>
-                <a:srgbClr val="000000"/>
-              </a:buClr>
-              <a:buSzPct val="45000"/>
-              <a:buFont typeface="Wingdings" charset="2"/>
-              <a:buChar char=""/>
-            </a:pPr>
-            <a:r>
-              <a:rPr b="0" lang="en-US" sz="2400" spc="-1" strike="noStrike">
-                <a:solidFill>
-                  <a:srgbClr val="000000"/>
-                </a:solidFill>
-                <a:uFill>
-                  <a:solidFill>
-                    <a:srgbClr val="ffffff"/>
-                  </a:solidFill>
-                </a:uFill>
-                <a:latin typeface="Calibri"/>
-                <a:ea typeface="DejaVu Sans"/>
-              </a:rPr>
-              <a:t>Went for using enums as groovy script &amp;</a:t>
-            </a:r>
-            <a:endParaRPr b="0" lang="en-US" sz="1800" spc="-1" strike="noStrike">
-              <a:solidFill>
-                <a:srgbClr val="000000"/>
-              </a:solidFill>
-              <a:uFill>
-                <a:solidFill>
-                  <a:srgbClr val="ffffff"/>
-                </a:solidFill>
-              </a:uFill>
-              <a:latin typeface="Arial"/>
-            </a:endParaRPr>
-          </a:p>
-          <a:p>
-            <a:pPr lvl="2" marL="648000" indent="-215640">
-              <a:lnSpc>
-                <a:spcPct val="100000"/>
-              </a:lnSpc>
-              <a:buClr>
-                <a:srgbClr val="000000"/>
-              </a:buClr>
-              <a:buSzPct val="45000"/>
-              <a:buFont typeface="Wingdings" charset="2"/>
-              <a:buChar char=""/>
-            </a:pPr>
-            <a:r>
-              <a:rPr b="0" lang="en-US" sz="2400" spc="-1" strike="noStrike">
-                <a:solidFill>
-                  <a:srgbClr val="000000"/>
-                </a:solidFill>
-                <a:uFill>
-                  <a:solidFill>
-                    <a:srgbClr val="ffffff"/>
-                  </a:solidFill>
-                </a:uFill>
-                <a:latin typeface="Calibri"/>
-                <a:ea typeface="DejaVu Sans"/>
-              </a:rPr>
-              <a:t>loading via groovy class loader </a:t>
-            </a:r>
-            <a:endParaRPr b="0" lang="en-US" sz="1800" spc="-1" strike="noStrike">
-              <a:solidFill>
-                <a:srgbClr val="000000"/>
-              </a:solidFill>
-              <a:uFill>
-                <a:solidFill>
-                  <a:srgbClr val="ffffff"/>
-                </a:solidFill>
-              </a:uFill>
-              <a:latin typeface="Arial"/>
-            </a:endParaRPr>
-          </a:p>
-          <a:p>
-            <a:pPr>
-              <a:lnSpc>
-                <a:spcPct val="100000"/>
-              </a:lnSpc>
-            </a:pPr>
-            <a:endParaRPr b="0" lang="en-US" sz="1800" spc="-1" strike="noStrike">
-              <a:solidFill>
-                <a:srgbClr val="000000"/>
-              </a:solidFill>
-              <a:uFill>
-                <a:solidFill>
-                  <a:srgbClr val="ffffff"/>
-                </a:solidFill>
-              </a:uFill>
-              <a:latin typeface="Arial"/>
-            </a:endParaRPr>
-          </a:p>
         </p:txBody>
       </p:sp>
     </p:spTree>
@@ -5871,479 +5640,6 @@
           <p:childTnLst>
             <p:seq>
               <p:cTn id="24" nodeType="mainSeq"/>
-              <p:prevCondLst>
-                <p:cond delay="0" evt="onPrev">
-                  <p:tgtEl>
-                    <p:sldTgt/>
-                  </p:tgtEl>
-                </p:cond>
-              </p:prevCondLst>
-              <p:nextCondLst>
-                <p:cond delay="0" evt="onNext">
-                  <p:tgtEl>
-                    <p:sldTgt/>
-                  </p:tgtEl>
-                </p:cond>
-              </p:nextCondLst>
-            </p:seq>
-          </p:childTnLst>
-        </p:cTn>
-      </p:par>
-    </p:tnLst>
-  </p:timing>
-</p:sld>
-</file>
-
-<file path=ppt/slides/slide13.xml><?xml version="1.0" encoding="utf-8"?>
-<p:sld xmlns:a="http://schemas.openxmlformats.org/drawingml/2006/main" xmlns:p="http://schemas.openxmlformats.org/presentationml/2006/main" xmlns:r="http://schemas.openxmlformats.org/officeDocument/2006/relationships" xmlns:p14="http://schemas.microsoft.com/office/powerpoint/2010/main" xmlns:p15="http://schemas.microsoft.com/office/powerpoint/2012/main" xmlns:mc="http://schemas.openxmlformats.org/markup-compatibility/2006">
-  <p:cSld>
-    <p:spTree>
-      <p:nvGrpSpPr>
-        <p:cNvPr id="1" name=""/>
-        <p:cNvGrpSpPr/>
-        <p:nvPr/>
-      </p:nvGrpSpPr>
-      <p:grpSpPr>
-        <a:xfrm>
-          <a:off x="0" y="0"/>
-          <a:ext cx="0" cy="0"/>
-          <a:chOff x="0" y="0"/>
-          <a:chExt cx="0" cy="0"/>
-        </a:xfrm>
-      </p:grpSpPr>
-      <p:sp>
-        <p:nvSpPr>
-          <p:cNvPr id="124" name="CustomShape 1"/>
-          <p:cNvSpPr/>
-          <p:nvPr/>
-        </p:nvSpPr>
-        <p:spPr>
-          <a:xfrm>
-            <a:off x="457200" y="32040"/>
-            <a:ext cx="8227440" cy="1140840"/>
-          </a:xfrm>
-          <a:prstGeom prst="rect">
-            <a:avLst/>
-          </a:prstGeom>
-          <a:noFill/>
-          <a:ln>
-            <a:noFill/>
-          </a:ln>
-        </p:spPr>
-        <p:style>
-          <a:lnRef idx="0"/>
-          <a:fillRef idx="0"/>
-          <a:effectRef idx="0"/>
-          <a:fontRef idx="minor"/>
-        </p:style>
-        <p:txBody>
-          <a:bodyPr lIns="90000" rIns="90000" tIns="45000" bIns="45000" anchor="ctr"/>
-          <a:p>
-            <a:pPr>
-              <a:lnSpc>
-                <a:spcPct val="100000"/>
-              </a:lnSpc>
-            </a:pPr>
-            <a:r>
-              <a:rPr b="1" lang="en-US" sz="3200" spc="-1" strike="noStrike">
-                <a:solidFill>
-                  <a:srgbClr val="1d3455"/>
-                </a:solidFill>
-                <a:uFill>
-                  <a:solidFill>
-                    <a:srgbClr val="ffffff"/>
-                  </a:solidFill>
-                </a:uFill>
-                <a:latin typeface="Calibri"/>
-                <a:ea typeface="DejaVu Sans"/>
-              </a:rPr>
-              <a:t>Conclusion &amp; Future Plans</a:t>
-            </a:r>
-            <a:endParaRPr b="0" lang="en-US" sz="1800" spc="-1" strike="noStrike">
-              <a:solidFill>
-                <a:srgbClr val="000000"/>
-              </a:solidFill>
-              <a:uFill>
-                <a:solidFill>
-                  <a:srgbClr val="ffffff"/>
-                </a:solidFill>
-              </a:uFill>
-              <a:latin typeface="Arial"/>
-            </a:endParaRPr>
-          </a:p>
-        </p:txBody>
-      </p:sp>
-      <p:sp>
-        <p:nvSpPr>
-          <p:cNvPr id="125" name="CustomShape 2"/>
-          <p:cNvSpPr/>
-          <p:nvPr/>
-        </p:nvSpPr>
-        <p:spPr>
-          <a:xfrm>
-            <a:off x="7164360" y="6520320"/>
-            <a:ext cx="1520280" cy="362880"/>
-          </a:xfrm>
-          <a:prstGeom prst="rect">
-            <a:avLst/>
-          </a:prstGeom>
-          <a:noFill/>
-          <a:ln>
-            <a:noFill/>
-          </a:ln>
-        </p:spPr>
-        <p:style>
-          <a:lnRef idx="0"/>
-          <a:fillRef idx="0"/>
-          <a:effectRef idx="0"/>
-          <a:fontRef idx="minor"/>
-        </p:style>
-      </p:sp>
-      <p:sp>
-        <p:nvSpPr>
-          <p:cNvPr id="126" name="CustomShape 3"/>
-          <p:cNvSpPr/>
-          <p:nvPr/>
-        </p:nvSpPr>
-        <p:spPr>
-          <a:xfrm>
-            <a:off x="457200" y="1600200"/>
-            <a:ext cx="8227440" cy="4523760"/>
-          </a:xfrm>
-          <a:prstGeom prst="rect">
-            <a:avLst/>
-          </a:prstGeom>
-          <a:noFill/>
-          <a:ln>
-            <a:noFill/>
-          </a:ln>
-        </p:spPr>
-        <p:style>
-          <a:lnRef idx="0"/>
-          <a:fillRef idx="0"/>
-          <a:effectRef idx="0"/>
-          <a:fontRef idx="minor"/>
-        </p:style>
-        <p:txBody>
-          <a:bodyPr lIns="90000" rIns="90000" tIns="45000" bIns="45000"/>
-          <a:p>
-            <a:pPr marL="343080" indent="-340920">
-              <a:lnSpc>
-                <a:spcPct val="100000"/>
-              </a:lnSpc>
-              <a:buClr>
-                <a:srgbClr val="1d3455"/>
-              </a:buClr>
-              <a:buFont typeface="Wingdings" charset="2"/>
-              <a:buChar char=""/>
-            </a:pPr>
-            <a:r>
-              <a:rPr b="0" lang="en-US" sz="2800" spc="-1" strike="noStrike">
-                <a:solidFill>
-                  <a:srgbClr val="000000"/>
-                </a:solidFill>
-                <a:uFill>
-                  <a:solidFill>
-                    <a:srgbClr val="ffffff"/>
-                  </a:solidFill>
-                </a:uFill>
-                <a:latin typeface="Calibri"/>
-                <a:ea typeface="DejaVu Sans"/>
-              </a:rPr>
-              <a:t>Benefit for defining a DSL is clear</a:t>
-            </a:r>
-            <a:endParaRPr b="0" lang="en-US" sz="1800" spc="-1" strike="noStrike">
-              <a:solidFill>
-                <a:srgbClr val="000000"/>
-              </a:solidFill>
-              <a:uFill>
-                <a:solidFill>
-                  <a:srgbClr val="ffffff"/>
-                </a:solidFill>
-              </a:uFill>
-              <a:latin typeface="Arial"/>
-            </a:endParaRPr>
-          </a:p>
-          <a:p>
-            <a:pPr lvl="2" marL="648000" indent="-215640">
-              <a:lnSpc>
-                <a:spcPct val="100000"/>
-              </a:lnSpc>
-              <a:buClr>
-                <a:srgbClr val="000000"/>
-              </a:buClr>
-              <a:buSzPct val="45000"/>
-              <a:buFont typeface="Wingdings" charset="2"/>
-              <a:buChar char=""/>
-            </a:pPr>
-            <a:r>
-              <a:rPr b="0" lang="en-US" sz="2400" spc="-1" strike="noStrike">
-                <a:solidFill>
-                  <a:srgbClr val="000000"/>
-                </a:solidFill>
-                <a:uFill>
-                  <a:solidFill>
-                    <a:srgbClr val="ffffff"/>
-                  </a:solidFill>
-                </a:uFill>
-                <a:latin typeface="Calibri"/>
-                <a:ea typeface="DejaVu Sans"/>
-              </a:rPr>
-              <a:t>Jsyn API can be challenging</a:t>
-            </a:r>
-            <a:endParaRPr b="0" lang="en-US" sz="1800" spc="-1" strike="noStrike">
-              <a:solidFill>
-                <a:srgbClr val="000000"/>
-              </a:solidFill>
-              <a:uFill>
-                <a:solidFill>
-                  <a:srgbClr val="ffffff"/>
-                </a:solidFill>
-              </a:uFill>
-              <a:latin typeface="Arial"/>
-            </a:endParaRPr>
-          </a:p>
-          <a:p>
-            <a:pPr marL="343080" indent="-340920">
-              <a:lnSpc>
-                <a:spcPct val="100000"/>
-              </a:lnSpc>
-              <a:buClr>
-                <a:srgbClr val="1d3455"/>
-              </a:buClr>
-              <a:buFont typeface="Wingdings" charset="2"/>
-              <a:buChar char=""/>
-            </a:pPr>
-            <a:r>
-              <a:rPr b="0" lang="en-US" sz="2800" spc="-1" strike="noStrike">
-                <a:solidFill>
-                  <a:srgbClr val="000000"/>
-                </a:solidFill>
-                <a:uFill>
-                  <a:solidFill>
-                    <a:srgbClr val="ffffff"/>
-                  </a:solidFill>
-                </a:uFill>
-                <a:latin typeface="Calibri"/>
-                <a:ea typeface="DejaVu Sans"/>
-              </a:rPr>
-              <a:t> </a:t>
-            </a:r>
-            <a:endParaRPr b="0" lang="en-US" sz="1800" spc="-1" strike="noStrike">
-              <a:solidFill>
-                <a:srgbClr val="000000"/>
-              </a:solidFill>
-              <a:uFill>
-                <a:solidFill>
-                  <a:srgbClr val="ffffff"/>
-                </a:solidFill>
-              </a:uFill>
-              <a:latin typeface="Arial"/>
-            </a:endParaRPr>
-          </a:p>
-          <a:p>
-            <a:pPr marL="343080" indent="-340920">
-              <a:lnSpc>
-                <a:spcPct val="100000"/>
-              </a:lnSpc>
-              <a:buClr>
-                <a:srgbClr val="1d3455"/>
-              </a:buClr>
-              <a:buFont typeface="Wingdings" charset="2"/>
-              <a:buChar char=""/>
-            </a:pPr>
-            <a:r>
-              <a:rPr b="0" lang="en-US" sz="2800" spc="-1" strike="noStrike">
-                <a:solidFill>
-                  <a:srgbClr val="000000"/>
-                </a:solidFill>
-                <a:uFill>
-                  <a:solidFill>
-                    <a:srgbClr val="ffffff"/>
-                  </a:solidFill>
-                </a:uFill>
-                <a:latin typeface="Calibri"/>
-                <a:ea typeface="DejaVu Sans"/>
-              </a:rPr>
-              <a:t> </a:t>
-            </a:r>
-            <a:endParaRPr b="0" lang="en-US" sz="1800" spc="-1" strike="noStrike">
-              <a:solidFill>
-                <a:srgbClr val="000000"/>
-              </a:solidFill>
-              <a:uFill>
-                <a:solidFill>
-                  <a:srgbClr val="ffffff"/>
-                </a:solidFill>
-              </a:uFill>
-              <a:latin typeface="Arial"/>
-            </a:endParaRPr>
-          </a:p>
-          <a:p>
-            <a:pPr marL="343080" indent="-340920">
-              <a:lnSpc>
-                <a:spcPct val="100000"/>
-              </a:lnSpc>
-              <a:buClr>
-                <a:srgbClr val="1d3455"/>
-              </a:buClr>
-              <a:buFont typeface="Wingdings" charset="2"/>
-              <a:buChar char=""/>
-            </a:pPr>
-            <a:r>
-              <a:rPr b="0" lang="en-US" sz="2800" spc="-1" strike="noStrike">
-                <a:solidFill>
-                  <a:srgbClr val="000000"/>
-                </a:solidFill>
-                <a:uFill>
-                  <a:solidFill>
-                    <a:srgbClr val="ffffff"/>
-                  </a:solidFill>
-                </a:uFill>
-                <a:latin typeface="Calibri"/>
-                <a:ea typeface="DejaVu Sans"/>
-              </a:rPr>
-              <a:t>Ideas for future work</a:t>
-            </a:r>
-            <a:endParaRPr b="0" lang="en-US" sz="1800" spc="-1" strike="noStrike">
-              <a:solidFill>
-                <a:srgbClr val="000000"/>
-              </a:solidFill>
-              <a:uFill>
-                <a:solidFill>
-                  <a:srgbClr val="ffffff"/>
-                </a:solidFill>
-              </a:uFill>
-              <a:latin typeface="Arial"/>
-            </a:endParaRPr>
-          </a:p>
-          <a:p>
-            <a:pPr lvl="2" marL="648000" indent="-215640">
-              <a:lnSpc>
-                <a:spcPct val="100000"/>
-              </a:lnSpc>
-              <a:buClr>
-                <a:srgbClr val="000000"/>
-              </a:buClr>
-              <a:buSzPct val="45000"/>
-              <a:buFont typeface="Wingdings" charset="2"/>
-              <a:buChar char=""/>
-            </a:pPr>
-            <a:r>
-              <a:rPr b="0" lang="en-US" sz="2400" spc="-1" strike="noStrike">
-                <a:solidFill>
-                  <a:srgbClr val="000000"/>
-                </a:solidFill>
-                <a:uFill>
-                  <a:solidFill>
-                    <a:srgbClr val="ffffff"/>
-                  </a:solidFill>
-                </a:uFill>
-                <a:latin typeface="Calibri"/>
-                <a:ea typeface="DejaVu Sans"/>
-              </a:rPr>
-              <a:t>Extend the Demo with a build-in song</a:t>
-            </a:r>
-            <a:endParaRPr b="0" lang="en-US" sz="1800" spc="-1" strike="noStrike">
-              <a:solidFill>
-                <a:srgbClr val="000000"/>
-              </a:solidFill>
-              <a:uFill>
-                <a:solidFill>
-                  <a:srgbClr val="ffffff"/>
-                </a:solidFill>
-              </a:uFill>
-              <a:latin typeface="Arial"/>
-            </a:endParaRPr>
-          </a:p>
-          <a:p>
-            <a:pPr lvl="2" marL="648000" indent="-215640">
-              <a:lnSpc>
-                <a:spcPct val="100000"/>
-              </a:lnSpc>
-              <a:buClr>
-                <a:srgbClr val="000000"/>
-              </a:buClr>
-              <a:buSzPct val="45000"/>
-              <a:buFont typeface="Wingdings" charset="2"/>
-              <a:buChar char=""/>
-            </a:pPr>
-            <a:r>
-              <a:rPr b="0" lang="en-US" sz="2400" spc="-1" strike="noStrike">
-                <a:solidFill>
-                  <a:srgbClr val="000000"/>
-                </a:solidFill>
-                <a:uFill>
-                  <a:solidFill>
-                    <a:srgbClr val="ffffff"/>
-                  </a:solidFill>
-                </a:uFill>
-                <a:latin typeface="Calibri"/>
-                <a:ea typeface="DejaVu Sans"/>
-              </a:rPr>
-              <a:t>Experiment more with different Jsyn Components (Unit Generators)</a:t>
-            </a:r>
-            <a:endParaRPr b="0" lang="en-US" sz="1800" spc="-1" strike="noStrike">
-              <a:solidFill>
-                <a:srgbClr val="000000"/>
-              </a:solidFill>
-              <a:uFill>
-                <a:solidFill>
-                  <a:srgbClr val="ffffff"/>
-                </a:solidFill>
-              </a:uFill>
-              <a:latin typeface="Arial"/>
-            </a:endParaRPr>
-          </a:p>
-          <a:p>
-            <a:pPr marL="343080" indent="-340920">
-              <a:lnSpc>
-                <a:spcPct val="100000"/>
-              </a:lnSpc>
-              <a:buClr>
-                <a:srgbClr val="1d3455"/>
-              </a:buClr>
-              <a:buFont typeface="Wingdings" charset="2"/>
-              <a:buChar char=""/>
-            </a:pPr>
-            <a:r>
-              <a:rPr b="0" lang="en-US" sz="2800" spc="-1" strike="noStrike">
-                <a:solidFill>
-                  <a:srgbClr val="000000"/>
-                </a:solidFill>
-                <a:uFill>
-                  <a:solidFill>
-                    <a:srgbClr val="ffffff"/>
-                  </a:solidFill>
-                </a:uFill>
-                <a:latin typeface="Calibri"/>
-                <a:ea typeface="DejaVu Sans"/>
-              </a:rPr>
-              <a:t> </a:t>
-            </a:r>
-            <a:endParaRPr b="0" lang="en-US" sz="1800" spc="-1" strike="noStrike">
-              <a:solidFill>
-                <a:srgbClr val="000000"/>
-              </a:solidFill>
-              <a:uFill>
-                <a:solidFill>
-                  <a:srgbClr val="ffffff"/>
-                </a:solidFill>
-              </a:uFill>
-              <a:latin typeface="Arial"/>
-            </a:endParaRPr>
-          </a:p>
-        </p:txBody>
-      </p:sp>
-    </p:spTree>
-  </p:cSld>
-  <p:timing>
-    <p:tnLst>
-      <p:par>
-        <p:cTn id="25" dur="indefinite" restart="never" nodeType="tmRoot">
-          <p:childTnLst>
-            <p:seq>
-              <p:cTn id="26" nodeType="mainSeq"/>
               <p:prevCondLst>
                 <p:cond delay="0" evt="onPrev">
                   <p:tgtEl>
@@ -6393,7 +5689,7 @@
         <p:spPr>
           <a:xfrm>
             <a:off x="457200" y="32040"/>
-            <a:ext cx="8227440" cy="1140840"/>
+            <a:ext cx="8227080" cy="1140480"/>
           </a:xfrm>
           <a:prstGeom prst="rect">
             <a:avLst/>
@@ -6455,7 +5751,7 @@
         <p:spPr>
           <a:xfrm>
             <a:off x="7164360" y="6520320"/>
-            <a:ext cx="1520280" cy="362880"/>
+            <a:ext cx="1519920" cy="362520"/>
           </a:xfrm>
           <a:prstGeom prst="rect">
             <a:avLst/>
@@ -6481,7 +5777,7 @@
         <p:spPr>
           <a:xfrm>
             <a:off x="457200" y="1600200"/>
-            <a:ext cx="8227440" cy="4523760"/>
+            <a:ext cx="8227080" cy="4523400"/>
           </a:xfrm>
           <a:prstGeom prst="rect">
             <a:avLst/>
@@ -6500,7 +5796,7 @@
         <p:txBody>
           <a:bodyPr lIns="90000" rIns="90000" tIns="45000" bIns="45000"/>
           <a:p>
-            <a:pPr marL="343080" indent="-340920">
+            <a:pPr marL="343080" indent="-340560">
               <a:lnSpc>
                 <a:spcPct val="100000"/>
               </a:lnSpc>
@@ -6538,7 +5834,7 @@
             </a:endParaRPr>
           </a:p>
           <a:p>
-            <a:pPr lvl="1" marL="864000" indent="-322200">
+            <a:pPr lvl="1" marL="864000" indent="-321840">
               <a:lnSpc>
                 <a:spcPct val="100000"/>
               </a:lnSpc>
@@ -6577,7 +5873,46 @@
             </a:endParaRPr>
           </a:p>
           <a:p>
-            <a:pPr marL="343080" indent="-340920">
+            <a:pPr lvl="1" marL="864000" indent="-321840">
+              <a:lnSpc>
+                <a:spcPct val="100000"/>
+              </a:lnSpc>
+              <a:buClr>
+                <a:srgbClr val="000000"/>
+              </a:buClr>
+              <a:buSzPct val="75000"/>
+              <a:buFont typeface="Symbol"/>
+              <a:buChar char=""/>
+            </a:pPr>
+            <a:r>
+              <a:rPr b="0" lang="en-US" sz="2800" spc="-1" strike="noStrike">
+                <a:solidFill>
+                  <a:srgbClr val="000000"/>
+                </a:solidFill>
+                <a:uFill>
+                  <a:solidFill>
+                    <a:srgbClr val="ffffff"/>
+                  </a:solidFill>
+                </a:uFill>
+                <a:latin typeface="Calibri"/>
+                <a:ea typeface="DejaVu Sans"/>
+              </a:rPr>
+              <a:t> </a:t>
+            </a:r>
+            <a:endParaRPr b="0" lang="en-US" sz="1800" spc="-1" strike="noStrike">
+              <a:solidFill>
+                <a:srgbClr val="000000"/>
+              </a:solidFill>
+              <a:uFill>
+                <a:solidFill>
+                  <a:srgbClr val="ffffff"/>
+                </a:solidFill>
+              </a:uFill>
+              <a:latin typeface="Arial"/>
+            </a:endParaRPr>
+          </a:p>
+          <a:p>
+            <a:pPr marL="343080" indent="-340560">
               <a:lnSpc>
                 <a:spcPct val="100000"/>
               </a:lnSpc>
@@ -6600,7 +5935,7 @@
                 <a:latin typeface="Calibri"/>
                 <a:ea typeface="DejaVu Sans"/>
               </a:rPr>
-              <a:t> </a:t>
+              <a:t>Main functionalities</a:t>
             </a:r>
             <a:endParaRPr b="0" lang="en-US" sz="1800" spc="-1" strike="noStrike">
               <a:solidFill>
@@ -6615,18 +5950,19 @@
             </a:endParaRPr>
           </a:p>
           <a:p>
-            <a:pPr marL="343080" indent="-340920">
+            <a:pPr lvl="1" marL="864000" indent="-321840">
               <a:lnSpc>
                 <a:spcPct val="100000"/>
               </a:lnSpc>
               <a:buClr>
-                <a:srgbClr val="1d3455"/>
+                <a:srgbClr val="000000"/>
               </a:buClr>
-              <a:buFont typeface="Wingdings" charset="2"/>
-              <a:buChar char=""/>
+              <a:buSzPct val="75000"/>
+              <a:buFont typeface="Symbol"/>
+              <a:buChar char=""/>
             </a:pPr>
             <a:r>
-              <a:rPr b="0" lang="en-US" sz="2800" spc="-1" strike="noStrike">
+              <a:rPr b="0" lang="en-US" sz="2400" spc="-1" strike="noStrike">
                 <a:solidFill>
                   <a:srgbClr val="000000"/>
                 </a:solidFill>
@@ -6638,7 +5974,7 @@
                 <a:latin typeface="Calibri"/>
                 <a:ea typeface="DejaVu Sans"/>
               </a:rPr>
-              <a:t>Main functionalities</a:t>
+              <a:t>Harmonic Simulator</a:t>
             </a:r>
             <a:endParaRPr b="0" lang="en-US" sz="1800" spc="-1" strike="noStrike">
               <a:solidFill>
@@ -6653,19 +5989,19 @@
             </a:endParaRPr>
           </a:p>
           <a:p>
-            <a:pPr lvl="1" marL="864000" indent="-322200">
+            <a:pPr lvl="4" marL="1080000" indent="-216000">
               <a:lnSpc>
                 <a:spcPct val="100000"/>
               </a:lnSpc>
               <a:buClr>
                 <a:srgbClr val="000000"/>
               </a:buClr>
-              <a:buSzPct val="75000"/>
-              <a:buFont typeface="Symbol"/>
-              <a:buChar char=""/>
+              <a:buSzPct val="45000"/>
+              <a:buFont typeface="Wingdings" charset="2"/>
+              <a:buChar char=""/>
             </a:pPr>
             <a:r>
-              <a:rPr b="0" lang="en-US" sz="2400" spc="-1" strike="noStrike">
+              <a:rPr b="0" lang="en-US" sz="2200" spc="-1" strike="noStrike">
                 <a:solidFill>
                   <a:srgbClr val="000000"/>
                 </a:solidFill>
@@ -6677,7 +6013,7 @@
                 <a:latin typeface="Calibri"/>
                 <a:ea typeface="DejaVu Sans"/>
               </a:rPr>
-              <a:t>Harmonic Simulation</a:t>
+              <a:t>Compose all oscillator waveforms into a harmonic</a:t>
             </a:r>
             <a:endParaRPr b="0" lang="en-US" sz="1800" spc="-1" strike="noStrike">
               <a:solidFill>
@@ -6692,7 +6028,7 @@
             </a:endParaRPr>
           </a:p>
           <a:p>
-            <a:pPr lvl="1" marL="864000" indent="-322200">
+            <a:pPr lvl="1" marL="864000" indent="-321840">
               <a:lnSpc>
                 <a:spcPct val="100000"/>
               </a:lnSpc>
@@ -6717,6 +6053,45 @@
                 <a:ea typeface="DejaVu Sans"/>
               </a:rPr>
               <a:t>DSL Editor</a:t>
+            </a:r>
+            <a:endParaRPr b="0" lang="en-US" sz="1800" spc="-1" strike="noStrike">
+              <a:solidFill>
+                <a:srgbClr val="000000"/>
+              </a:solidFill>
+              <a:uFill>
+                <a:solidFill>
+                  <a:srgbClr val="ffffff"/>
+                </a:solidFill>
+              </a:uFill>
+              <a:latin typeface="Arial"/>
+            </a:endParaRPr>
+          </a:p>
+          <a:p>
+            <a:pPr lvl="4" marL="1080000" indent="-216000">
+              <a:lnSpc>
+                <a:spcPct val="100000"/>
+              </a:lnSpc>
+              <a:buClr>
+                <a:srgbClr val="000000"/>
+              </a:buClr>
+              <a:buSzPct val="45000"/>
+              <a:buFont typeface="Wingdings" charset="2"/>
+              <a:buChar char=""/>
+            </a:pPr>
+            <a:r>
+              <a:rPr b="0" lang="en-US" sz="2200" spc="-1" strike="noStrike">
+                <a:solidFill>
+                  <a:srgbClr val="000000"/>
+                </a:solidFill>
+                <a:uFill>
+                  <a:solidFill>
+                    <a:srgbClr val="ffffff"/>
+                  </a:solidFill>
+                </a:uFill>
+                <a:latin typeface="Calibri"/>
+                <a:ea typeface="DejaVu Sans"/>
+              </a:rPr>
+              <a:t>Enable user to define Components, their initial values and relationship</a:t>
             </a:r>
             <a:endParaRPr b="0" lang="en-US" sz="1800" spc="-1" strike="noStrike">
               <a:solidFill>
@@ -6808,7 +6183,7 @@
         <p:spPr>
           <a:xfrm>
             <a:off x="457200" y="32040"/>
-            <a:ext cx="8227440" cy="1140840"/>
+            <a:ext cx="8227080" cy="1140480"/>
           </a:xfrm>
           <a:prstGeom prst="rect">
             <a:avLst/>
@@ -6870,7 +6245,7 @@
         <p:spPr>
           <a:xfrm>
             <a:off x="7164360" y="6520320"/>
-            <a:ext cx="1520280" cy="362880"/>
+            <a:ext cx="1519920" cy="362520"/>
           </a:xfrm>
           <a:prstGeom prst="rect">
             <a:avLst/>
@@ -6896,7 +6271,7 @@
         <p:spPr>
           <a:xfrm>
             <a:off x="457200" y="1600200"/>
-            <a:ext cx="8227440" cy="4523760"/>
+            <a:ext cx="8227080" cy="4523400"/>
           </a:xfrm>
           <a:prstGeom prst="rect">
             <a:avLst/>
@@ -6915,7 +6290,7 @@
         <p:txBody>
           <a:bodyPr lIns="90000" rIns="90000" tIns="45000" bIns="45000"/>
           <a:p>
-            <a:pPr marL="343080" indent="-340920">
+            <a:pPr marL="343080" indent="-340560">
               <a:lnSpc>
                 <a:spcPct val="100000"/>
               </a:lnSpc>
@@ -6953,7 +6328,7 @@
             </a:endParaRPr>
           </a:p>
           <a:p>
-            <a:pPr lvl="1" marL="864000" indent="-322200">
+            <a:pPr lvl="1" marL="864000" indent="-321840">
               <a:lnSpc>
                 <a:spcPct val="100000"/>
               </a:lnSpc>
@@ -6992,7 +6367,7 @@
             </a:endParaRPr>
           </a:p>
           <a:p>
-            <a:pPr lvl="2" marL="1296000" indent="-286200">
+            <a:pPr lvl="2" marL="1296000" indent="-285840">
               <a:lnSpc>
                 <a:spcPct val="100000"/>
               </a:lnSpc>
@@ -7031,7 +6406,7 @@
             </a:endParaRPr>
           </a:p>
           <a:p>
-            <a:pPr lvl="1" marL="864000" indent="-322200">
+            <a:pPr lvl="1" marL="864000" indent="-321840">
               <a:lnSpc>
                 <a:spcPct val="100000"/>
               </a:lnSpc>
@@ -7070,7 +6445,7 @@
             </a:endParaRPr>
           </a:p>
           <a:p>
-            <a:pPr lvl="2" marL="1296000" indent="-286200">
+            <a:pPr lvl="2" marL="1296000" indent="-285840">
               <a:lnSpc>
                 <a:spcPct val="100000"/>
               </a:lnSpc>
@@ -7109,7 +6484,7 @@
             </a:endParaRPr>
           </a:p>
           <a:p>
-            <a:pPr lvl="2" marL="1296000" indent="-286200">
+            <a:pPr lvl="2" marL="1296000" indent="-285840">
               <a:lnSpc>
                 <a:spcPct val="100000"/>
               </a:lnSpc>
@@ -7148,7 +6523,7 @@
             </a:endParaRPr>
           </a:p>
           <a:p>
-            <a:pPr marL="343080" indent="-340920">
+            <a:pPr marL="343080" indent="-340560">
               <a:lnSpc>
                 <a:spcPct val="100000"/>
               </a:lnSpc>
@@ -7186,7 +6561,7 @@
             </a:endParaRPr>
           </a:p>
           <a:p>
-            <a:pPr marL="343080" indent="-340920">
+            <a:pPr marL="343080" indent="-340560">
               <a:lnSpc>
                 <a:spcPct val="100000"/>
               </a:lnSpc>
@@ -7224,7 +6599,7 @@
             </a:endParaRPr>
           </a:p>
           <a:p>
-            <a:pPr lvl="1" marL="864000" indent="-322200">
+            <a:pPr lvl="1" marL="864000" indent="-321840">
               <a:lnSpc>
                 <a:spcPct val="100000"/>
               </a:lnSpc>
@@ -7291,7 +6666,7 @@
         <p:spPr>
           <a:xfrm>
             <a:off x="1097280" y="5760720"/>
-            <a:ext cx="6973920" cy="429480"/>
+            <a:ext cx="6973560" cy="429120"/>
           </a:xfrm>
           <a:prstGeom prst="rect">
             <a:avLst/>
@@ -7402,7 +6777,7 @@
         <p:spPr>
           <a:xfrm>
             <a:off x="457200" y="32040"/>
-            <a:ext cx="8227440" cy="1140840"/>
+            <a:ext cx="8227080" cy="1140480"/>
           </a:xfrm>
           <a:prstGeom prst="rect">
             <a:avLst/>
@@ -7464,7 +6839,7 @@
         <p:spPr>
           <a:xfrm>
             <a:off x="7164360" y="6520320"/>
-            <a:ext cx="1520280" cy="362880"/>
+            <a:ext cx="1519920" cy="362520"/>
           </a:xfrm>
           <a:prstGeom prst="rect">
             <a:avLst/>
@@ -7489,8 +6864,8 @@
         </p:nvSpPr>
         <p:spPr>
           <a:xfrm>
-            <a:off x="457200" y="1600200"/>
-            <a:ext cx="8227440" cy="4523760"/>
+            <a:off x="457560" y="1600560"/>
+            <a:ext cx="8227080" cy="2331360"/>
           </a:xfrm>
           <a:prstGeom prst="rect">
             <a:avLst/>
@@ -7509,7 +6884,7 @@
         <p:txBody>
           <a:bodyPr lIns="90000" rIns="90000" tIns="45000" bIns="45000"/>
           <a:p>
-            <a:pPr marL="343080" indent="-340920">
+            <a:pPr marL="343080" indent="-340560">
               <a:lnSpc>
                 <a:spcPct val="100000"/>
               </a:lnSpc>
@@ -7532,7 +6907,7 @@
                 <a:latin typeface="Calibri"/>
                 <a:ea typeface="DejaVu Sans"/>
               </a:rPr>
-              <a:t>Step 1: Create DSL</a:t>
+              <a:t>Step 1: DSL</a:t>
             </a:r>
             <a:endParaRPr b="0" lang="en-US" sz="1800" spc="-1" strike="noStrike">
               <a:solidFill>
@@ -7547,32 +6922,11 @@
             </a:endParaRPr>
           </a:p>
           <a:p>
-            <a:pPr lvl="1" marL="864000" indent="-322200">
+            <a:pPr>
               <a:lnSpc>
                 <a:spcPct val="100000"/>
               </a:lnSpc>
-              <a:buClr>
-                <a:srgbClr val="000000"/>
-              </a:buClr>
-              <a:buSzPct val="75000"/>
-              <a:buFont typeface="Symbol"/>
-              <a:buChar char=""/>
             </a:pPr>
-            <a:r>
-              <a:rPr b="0" lang="en-US" sz="2400" spc="-1" strike="noStrike">
-                <a:solidFill>
-                  <a:srgbClr val="000000"/>
-                </a:solidFill>
-                <a:uFill>
-                  <a:solidFill>
-                    <a:srgbClr val="ffffff"/>
-                  </a:solidFill>
-                </a:uFill>
-                <a:latin typeface="Calibri"/>
-                <a:ea typeface="DejaVu Sans"/>
-              </a:rPr>
-              <a:t>Enable user to define the values</a:t>
-            </a:r>
             <a:endParaRPr b="0" lang="en-US" sz="1800" spc="-1" strike="noStrike">
               <a:solidFill>
                 <a:srgbClr val="000000"/>
@@ -7585,8 +6939,83 @@
               <a:latin typeface="Arial"/>
             </a:endParaRPr>
           </a:p>
-          <a:p>
-            <a:pPr marL="343080" indent="-340920">
+        </p:txBody>
+      </p:sp>
+      <p:pic>
+        <p:nvPicPr>
+          <p:cNvPr id="94" name="Picture 101" descr=""/>
+          <p:cNvPicPr/>
+          <p:nvPr/>
+        </p:nvPicPr>
+        <p:blipFill>
+          <a:blip r:embed="rId1"/>
+          <a:stretch/>
+        </p:blipFill>
+        <p:spPr>
+          <a:xfrm>
+            <a:off x="1280160" y="2309040"/>
+            <a:ext cx="4883040" cy="1530000"/>
+          </a:xfrm>
+          <a:prstGeom prst="rect">
+            <a:avLst/>
+          </a:prstGeom>
+          <a:ln>
+            <a:noFill/>
+          </a:ln>
+        </p:spPr>
+      </p:pic>
+      <p:pic>
+        <p:nvPicPr>
+          <p:cNvPr id="95" name="Picture 102" descr=""/>
+          <p:cNvPicPr/>
+          <p:nvPr/>
+        </p:nvPicPr>
+        <p:blipFill>
+          <a:blip r:embed="rId2"/>
+          <a:stretch/>
+        </p:blipFill>
+        <p:spPr>
+          <a:xfrm>
+            <a:off x="1248120" y="4930560"/>
+            <a:ext cx="7335000" cy="920160"/>
+          </a:xfrm>
+          <a:prstGeom prst="rect">
+            <a:avLst/>
+          </a:prstGeom>
+          <a:ln>
+            <a:noFill/>
+          </a:ln>
+        </p:spPr>
+      </p:pic>
+      <p:sp>
+        <p:nvSpPr>
+          <p:cNvPr id="96" name="CustomShape 4"/>
+          <p:cNvSpPr/>
+          <p:nvPr/>
+        </p:nvSpPr>
+        <p:spPr>
+          <a:xfrm>
+            <a:off x="548640" y="4160880"/>
+            <a:ext cx="8227080" cy="2331360"/>
+          </a:xfrm>
+          <a:prstGeom prst="rect">
+            <a:avLst/>
+          </a:prstGeom>
+          <a:noFill/>
+          <a:ln>
+            <a:noFill/>
+          </a:ln>
+        </p:spPr>
+        <p:style>
+          <a:lnRef idx="0"/>
+          <a:fillRef idx="0"/>
+          <a:effectRef idx="0"/>
+          <a:fontRef idx="minor"/>
+        </p:style>
+        <p:txBody>
+          <a:bodyPr lIns="90000" rIns="90000" tIns="45000" bIns="45000"/>
+          <a:p>
+            <a:pPr marL="343080" indent="-340560">
               <a:lnSpc>
                 <a:spcPct val="100000"/>
               </a:lnSpc>
@@ -7609,45 +7038,7 @@
                 <a:latin typeface="Calibri"/>
                 <a:ea typeface="DejaVu Sans"/>
               </a:rPr>
-              <a:t> </a:t>
-            </a:r>
-            <a:endParaRPr b="0" lang="en-US" sz="1800" spc="-1" strike="noStrike">
-              <a:solidFill>
-                <a:srgbClr val="000000"/>
-              </a:solidFill>
-              <a:uFill>
-                <a:solidFill>
-                  <a:srgbClr val="ffffff"/>
-                </a:solidFill>
-              </a:uFill>
-              <a:latin typeface="Arial"/>
-            </a:endParaRPr>
-          </a:p>
-          <a:p>
-            <a:pPr marL="343080" indent="-340920">
-              <a:lnSpc>
-                <a:spcPct val="100000"/>
-              </a:lnSpc>
-              <a:buClr>
-                <a:srgbClr val="1d3455"/>
-              </a:buClr>
-              <a:buFont typeface="Wingdings" charset="2"/>
-              <a:buChar char=""/>
-            </a:pPr>
-            <a:r>
-              <a:rPr b="0" lang="en-US" sz="2800" spc="-1" strike="noStrike">
-                <a:solidFill>
-                  <a:srgbClr val="000000"/>
-                </a:solidFill>
-                <a:uFill>
-                  <a:solidFill>
-                    <a:srgbClr val="ffffff"/>
-                  </a:solidFill>
-                </a:uFill>
-                <a:latin typeface="Calibri"/>
-                <a:ea typeface="DejaVu Sans"/>
-              </a:rPr>
-              <a:t>Step 2: Implement the Simulation</a:t>
+              <a:t>Step 2: Implement the Simulator</a:t>
             </a:r>
             <a:endParaRPr b="0" lang="en-US" sz="1800" spc="-1" strike="noStrike">
               <a:solidFill>
@@ -7732,14 +7123,14 @@
       </p:grpSpPr>
       <p:sp>
         <p:nvSpPr>
-          <p:cNvPr id="94" name="CustomShape 1"/>
+          <p:cNvPr id="97" name="CustomShape 1"/>
           <p:cNvSpPr/>
           <p:nvPr/>
         </p:nvSpPr>
         <p:spPr>
           <a:xfrm>
             <a:off x="457200" y="32040"/>
-            <a:ext cx="8227440" cy="1140840"/>
+            <a:ext cx="8227080" cy="1140480"/>
           </a:xfrm>
           <a:prstGeom prst="rect">
             <a:avLst/>
@@ -7776,7 +7167,7 @@
                 <a:latin typeface="Calibri"/>
                 <a:ea typeface="DejaVu Sans"/>
               </a:rPr>
-              <a:t>Application Structure: More Detail</a:t>
+              <a:t>User Actions</a:t>
             </a:r>
             <a:endParaRPr b="0" lang="en-US" sz="1800" spc="-1" strike="noStrike">
               <a:solidFill>
@@ -7794,14 +7185,14 @@
       </p:sp>
       <p:sp>
         <p:nvSpPr>
-          <p:cNvPr id="95" name="CustomShape 2"/>
+          <p:cNvPr id="98" name="CustomShape 2"/>
           <p:cNvSpPr/>
           <p:nvPr/>
         </p:nvSpPr>
         <p:spPr>
           <a:xfrm>
             <a:off x="7164360" y="6520320"/>
-            <a:ext cx="1520280" cy="362880"/>
+            <a:ext cx="1519920" cy="362520"/>
           </a:xfrm>
           <a:prstGeom prst="rect">
             <a:avLst/>
@@ -7820,14 +7211,14 @@
       </p:sp>
       <p:sp>
         <p:nvSpPr>
-          <p:cNvPr id="96" name="CustomShape 3"/>
+          <p:cNvPr id="99" name="CustomShape 3"/>
           <p:cNvSpPr/>
           <p:nvPr/>
         </p:nvSpPr>
         <p:spPr>
           <a:xfrm>
-            <a:off x="457560" y="1600560"/>
-            <a:ext cx="8227440" cy="4523760"/>
+            <a:off x="457200" y="1600200"/>
+            <a:ext cx="8227080" cy="4523400"/>
           </a:xfrm>
           <a:prstGeom prst="rect">
             <a:avLst/>
@@ -7846,7 +7237,7 @@
         <p:txBody>
           <a:bodyPr lIns="90000" rIns="90000" tIns="45000" bIns="45000"/>
           <a:p>
-            <a:pPr marL="343080" indent="-340920">
+            <a:pPr marL="343080" indent="-340560">
               <a:lnSpc>
                 <a:spcPct val="100000"/>
               </a:lnSpc>
@@ -7869,7 +7260,7 @@
                 <a:latin typeface="Calibri"/>
                 <a:ea typeface="DejaVu Sans"/>
               </a:rPr>
-              <a:t>Step 1: DSL </a:t>
+              <a:t>Define Components</a:t>
             </a:r>
             <a:endParaRPr b="0" lang="en-US" sz="1800" spc="-1" strike="noStrike">
               <a:solidFill>
@@ -7884,7 +7275,7 @@
             </a:endParaRPr>
           </a:p>
           <a:p>
-            <a:pPr marL="343080" indent="-340920">
+            <a:pPr marL="343080" indent="-340560">
               <a:lnSpc>
                 <a:spcPct val="100000"/>
               </a:lnSpc>
@@ -7922,7 +7313,7 @@
             </a:endParaRPr>
           </a:p>
           <a:p>
-            <a:pPr marL="343080" indent="-340920">
+            <a:pPr marL="343080" indent="-340560">
               <a:lnSpc>
                 <a:spcPct val="100000"/>
               </a:lnSpc>
@@ -7945,7 +7336,7 @@
                 <a:latin typeface="Calibri"/>
                 <a:ea typeface="DejaVu Sans"/>
               </a:rPr>
-              <a:t> </a:t>
+              <a:t>Configure Components – the initial state</a:t>
             </a:r>
             <a:endParaRPr b="0" lang="en-US" sz="1800" spc="-1" strike="noStrike">
               <a:solidFill>
@@ -7960,7 +7351,7 @@
             </a:endParaRPr>
           </a:p>
           <a:p>
-            <a:pPr marL="343080" indent="-340920">
+            <a:pPr marL="343080" indent="-340560">
               <a:lnSpc>
                 <a:spcPct val="100000"/>
               </a:lnSpc>
@@ -7998,25 +7389,7 @@
             </a:endParaRPr>
           </a:p>
           <a:p>
-            <a:pPr>
-              <a:lnSpc>
-                <a:spcPct val="100000"/>
-              </a:lnSpc>
-            </a:pPr>
-            <a:endParaRPr b="0" lang="en-US" sz="1800" spc="-1" strike="noStrike">
-              <a:solidFill>
-                <a:srgbClr val="000000"/>
-              </a:solidFill>
-              <a:uFill>
-                <a:solidFill>
-                  <a:srgbClr val="ffffff"/>
-                </a:solidFill>
-              </a:uFill>
-              <a:latin typeface="Arial"/>
-            </a:endParaRPr>
-          </a:p>
-          <a:p>
-            <a:pPr marL="343080" indent="-340920">
+            <a:pPr marL="343080" indent="-340560">
               <a:lnSpc>
                 <a:spcPct val="100000"/>
               </a:lnSpc>
@@ -8039,6 +7412,45 @@
                 <a:latin typeface="Calibri"/>
                 <a:ea typeface="DejaVu Sans"/>
               </a:rPr>
+              <a:t>Define Relationships between Components</a:t>
+            </a:r>
+            <a:endParaRPr b="0" lang="en-US" sz="1800" spc="-1" strike="noStrike">
+              <a:solidFill>
+                <a:srgbClr val="000000"/>
+              </a:solidFill>
+              <a:uFill>
+                <a:solidFill>
+                  <a:srgbClr val="ffffff"/>
+                </a:solidFill>
+              </a:uFill>
+              <a:latin typeface="Arial"/>
+            </a:endParaRPr>
+          </a:p>
+          <a:p>
+            <a:pPr lvl="1" marL="864000" indent="-321840">
+              <a:lnSpc>
+                <a:spcPct val="100000"/>
+              </a:lnSpc>
+              <a:buClr>
+                <a:srgbClr val="000000"/>
+              </a:buClr>
+              <a:buSzPct val="75000"/>
+              <a:buFont typeface="Symbol"/>
+              <a:buChar char=""/>
+            </a:pPr>
+            <a:r>
+              <a:rPr b="0" lang="en-US" sz="2400" spc="-1" strike="noStrike">
+                <a:solidFill>
+                  <a:srgbClr val="000000"/>
+                </a:solidFill>
+                <a:uFill>
+                  <a:solidFill>
+                    <a:srgbClr val="ffffff"/>
+                  </a:solidFill>
+                </a:uFill>
+                <a:latin typeface="Calibri"/>
+                <a:ea typeface="DejaVu Sans"/>
+              </a:rPr>
               <a:t> </a:t>
             </a:r>
             <a:endParaRPr b="0" lang="en-US" sz="1800" spc="-1" strike="noStrike">
@@ -8054,7 +7466,7 @@
             </a:endParaRPr>
           </a:p>
           <a:p>
-            <a:pPr marL="343080" indent="-340920">
+            <a:pPr marL="343080" indent="-340560">
               <a:lnSpc>
                 <a:spcPct val="100000"/>
               </a:lnSpc>
@@ -8077,7 +7489,7 @@
                 <a:latin typeface="Calibri"/>
                 <a:ea typeface="DejaVu Sans"/>
               </a:rPr>
-              <a:t>Step 2: Implementation</a:t>
+              <a:t>Define the default Operation for the Sound Composition </a:t>
             </a:r>
             <a:endParaRPr b="0" lang="en-US" sz="1800" spc="-1" strike="noStrike">
               <a:solidFill>
@@ -8111,52 +7523,6 @@
           </a:p>
         </p:txBody>
       </p:sp>
-      <p:pic>
-        <p:nvPicPr>
-          <p:cNvPr id="97" name="Picture 101" descr=""/>
-          <p:cNvPicPr/>
-          <p:nvPr/>
-        </p:nvPicPr>
-        <p:blipFill>
-          <a:blip r:embed="rId1"/>
-          <a:stretch/>
-        </p:blipFill>
-        <p:spPr>
-          <a:xfrm>
-            <a:off x="1280160" y="2309040"/>
-            <a:ext cx="4883400" cy="1530360"/>
-          </a:xfrm>
-          <a:prstGeom prst="rect">
-            <a:avLst/>
-          </a:prstGeom>
-          <a:ln>
-            <a:noFill/>
-          </a:ln>
-        </p:spPr>
-      </p:pic>
-      <p:pic>
-        <p:nvPicPr>
-          <p:cNvPr id="98" name="Picture 102" descr=""/>
-          <p:cNvPicPr/>
-          <p:nvPr/>
-        </p:nvPicPr>
-        <p:blipFill>
-          <a:blip r:embed="rId2"/>
-          <a:stretch/>
-        </p:blipFill>
-        <p:spPr>
-          <a:xfrm>
-            <a:off x="1248120" y="4930560"/>
-            <a:ext cx="7335360" cy="920520"/>
-          </a:xfrm>
-          <a:prstGeom prst="rect">
-            <a:avLst/>
-          </a:prstGeom>
-          <a:ln>
-            <a:noFill/>
-          </a:ln>
-        </p:spPr>
-      </p:pic>
     </p:spTree>
   </p:cSld>
   <p:timing>
@@ -8208,14 +7574,14 @@
       </p:grpSpPr>
       <p:sp>
         <p:nvSpPr>
-          <p:cNvPr id="99" name="CustomShape 1"/>
+          <p:cNvPr id="100" name="CustomShape 1"/>
           <p:cNvSpPr/>
           <p:nvPr/>
         </p:nvSpPr>
         <p:spPr>
           <a:xfrm>
             <a:off x="457200" y="32040"/>
-            <a:ext cx="8227440" cy="1140840"/>
+            <a:ext cx="8227080" cy="1140480"/>
           </a:xfrm>
           <a:prstGeom prst="rect">
             <a:avLst/>
@@ -8252,7 +7618,7 @@
                 <a:latin typeface="Calibri"/>
                 <a:ea typeface="DejaVu Sans"/>
               </a:rPr>
-              <a:t>User Actions</a:t>
+              <a:t>User Actions – Define Components</a:t>
             </a:r>
             <a:endParaRPr b="0" lang="en-US" sz="1800" spc="-1" strike="noStrike">
               <a:solidFill>
@@ -8270,14 +7636,14 @@
       </p:sp>
       <p:sp>
         <p:nvSpPr>
-          <p:cNvPr id="100" name="CustomShape 2"/>
+          <p:cNvPr id="101" name="CustomShape 2"/>
           <p:cNvSpPr/>
           <p:nvPr/>
         </p:nvSpPr>
         <p:spPr>
           <a:xfrm>
             <a:off x="7164360" y="6520320"/>
-            <a:ext cx="1520280" cy="362880"/>
+            <a:ext cx="1519920" cy="362520"/>
           </a:xfrm>
           <a:prstGeom prst="rect">
             <a:avLst/>
@@ -8296,14 +7662,14 @@
       </p:sp>
       <p:sp>
         <p:nvSpPr>
-          <p:cNvPr id="101" name="CustomShape 3"/>
+          <p:cNvPr id="102" name="CustomShape 3"/>
           <p:cNvSpPr/>
           <p:nvPr/>
         </p:nvSpPr>
         <p:spPr>
           <a:xfrm>
             <a:off x="457200" y="1600200"/>
-            <a:ext cx="8227440" cy="4523760"/>
+            <a:ext cx="8227080" cy="4523400"/>
           </a:xfrm>
           <a:prstGeom prst="rect">
             <a:avLst/>
@@ -8322,7 +7688,7 @@
         <p:txBody>
           <a:bodyPr lIns="90000" rIns="90000" tIns="45000" bIns="45000"/>
           <a:p>
-            <a:pPr marL="343080" indent="-340920">
+            <a:pPr marL="343080" indent="-340560">
               <a:lnSpc>
                 <a:spcPct val="100000"/>
               </a:lnSpc>
@@ -8345,274 +7711,7 @@
                 <a:latin typeface="Calibri"/>
                 <a:ea typeface="DejaVu Sans"/>
               </a:rPr>
-              <a:t>Define Components</a:t>
-            </a:r>
-            <a:endParaRPr b="0" lang="en-US" sz="1800" spc="-1" strike="noStrike">
-              <a:solidFill>
-                <a:srgbClr val="000000"/>
-              </a:solidFill>
-              <a:uFill>
-                <a:solidFill>
-                  <a:srgbClr val="ffffff"/>
-                </a:solidFill>
-              </a:uFill>
-              <a:latin typeface="Arial"/>
-            </a:endParaRPr>
-          </a:p>
-          <a:p>
-            <a:pPr marL="343080" indent="-340920">
-              <a:lnSpc>
-                <a:spcPct val="100000"/>
-              </a:lnSpc>
-              <a:buClr>
-                <a:srgbClr val="1d3455"/>
-              </a:buClr>
-              <a:buFont typeface="Wingdings" charset="2"/>
-              <a:buChar char=""/>
-            </a:pPr>
-            <a:r>
-              <a:rPr b="0" lang="en-US" sz="2800" spc="-1" strike="noStrike">
-                <a:solidFill>
-                  <a:srgbClr val="000000"/>
-                </a:solidFill>
-                <a:uFill>
-                  <a:solidFill>
-                    <a:srgbClr val="ffffff"/>
-                  </a:solidFill>
-                </a:uFill>
-                <a:latin typeface="Calibri"/>
-                <a:ea typeface="DejaVu Sans"/>
-              </a:rPr>
-              <a:t> </a:t>
-            </a:r>
-            <a:endParaRPr b="0" lang="en-US" sz="1800" spc="-1" strike="noStrike">
-              <a:solidFill>
-                <a:srgbClr val="000000"/>
-              </a:solidFill>
-              <a:uFill>
-                <a:solidFill>
-                  <a:srgbClr val="ffffff"/>
-                </a:solidFill>
-              </a:uFill>
-              <a:latin typeface="Arial"/>
-            </a:endParaRPr>
-          </a:p>
-          <a:p>
-            <a:pPr marL="343080" indent="-340920">
-              <a:lnSpc>
-                <a:spcPct val="100000"/>
-              </a:lnSpc>
-              <a:buClr>
-                <a:srgbClr val="1d3455"/>
-              </a:buClr>
-              <a:buFont typeface="Wingdings" charset="2"/>
-              <a:buChar char=""/>
-            </a:pPr>
-            <a:r>
-              <a:rPr b="0" lang="en-US" sz="2800" spc="-1" strike="noStrike">
-                <a:solidFill>
-                  <a:srgbClr val="000000"/>
-                </a:solidFill>
-                <a:uFill>
-                  <a:solidFill>
-                    <a:srgbClr val="ffffff"/>
-                  </a:solidFill>
-                </a:uFill>
-                <a:latin typeface="Calibri"/>
-                <a:ea typeface="DejaVu Sans"/>
-              </a:rPr>
-              <a:t>Configure Components – the initial state</a:t>
-            </a:r>
-            <a:endParaRPr b="0" lang="en-US" sz="1800" spc="-1" strike="noStrike">
-              <a:solidFill>
-                <a:srgbClr val="000000"/>
-              </a:solidFill>
-              <a:uFill>
-                <a:solidFill>
-                  <a:srgbClr val="ffffff"/>
-                </a:solidFill>
-              </a:uFill>
-              <a:latin typeface="Arial"/>
-            </a:endParaRPr>
-          </a:p>
-          <a:p>
-            <a:pPr marL="343080" indent="-340920">
-              <a:lnSpc>
-                <a:spcPct val="100000"/>
-              </a:lnSpc>
-              <a:buClr>
-                <a:srgbClr val="1d3455"/>
-              </a:buClr>
-              <a:buFont typeface="Wingdings" charset="2"/>
-              <a:buChar char=""/>
-            </a:pPr>
-            <a:r>
-              <a:rPr b="0" lang="en-US" sz="2800" spc="-1" strike="noStrike">
-                <a:solidFill>
-                  <a:srgbClr val="000000"/>
-                </a:solidFill>
-                <a:uFill>
-                  <a:solidFill>
-                    <a:srgbClr val="ffffff"/>
-                  </a:solidFill>
-                </a:uFill>
-                <a:latin typeface="Calibri"/>
-                <a:ea typeface="DejaVu Sans"/>
-              </a:rPr>
-              <a:t> </a:t>
-            </a:r>
-            <a:endParaRPr b="0" lang="en-US" sz="1800" spc="-1" strike="noStrike">
-              <a:solidFill>
-                <a:srgbClr val="000000"/>
-              </a:solidFill>
-              <a:uFill>
-                <a:solidFill>
-                  <a:srgbClr val="ffffff"/>
-                </a:solidFill>
-              </a:uFill>
-              <a:latin typeface="Arial"/>
-            </a:endParaRPr>
-          </a:p>
-          <a:p>
-            <a:pPr marL="343080" indent="-340920">
-              <a:lnSpc>
-                <a:spcPct val="100000"/>
-              </a:lnSpc>
-              <a:buClr>
-                <a:srgbClr val="1d3455"/>
-              </a:buClr>
-              <a:buFont typeface="Wingdings" charset="2"/>
-              <a:buChar char=""/>
-            </a:pPr>
-            <a:r>
-              <a:rPr b="0" lang="en-US" sz="2800" spc="-1" strike="noStrike">
-                <a:solidFill>
-                  <a:srgbClr val="000000"/>
-                </a:solidFill>
-                <a:uFill>
-                  <a:solidFill>
-                    <a:srgbClr val="ffffff"/>
-                  </a:solidFill>
-                </a:uFill>
-                <a:latin typeface="Calibri"/>
-                <a:ea typeface="DejaVu Sans"/>
-              </a:rPr>
-              <a:t>Define Relationships between Components</a:t>
-            </a:r>
-            <a:endParaRPr b="0" lang="en-US" sz="1800" spc="-1" strike="noStrike">
-              <a:solidFill>
-                <a:srgbClr val="000000"/>
-              </a:solidFill>
-              <a:uFill>
-                <a:solidFill>
-                  <a:srgbClr val="ffffff"/>
-                </a:solidFill>
-              </a:uFill>
-              <a:latin typeface="Arial"/>
-            </a:endParaRPr>
-          </a:p>
-          <a:p>
-            <a:pPr lvl="1" marL="864000" indent="-322200">
-              <a:lnSpc>
-                <a:spcPct val="100000"/>
-              </a:lnSpc>
-              <a:buClr>
-                <a:srgbClr val="000000"/>
-              </a:buClr>
-              <a:buSzPct val="75000"/>
-              <a:buFont typeface="Symbol"/>
-              <a:buChar char=""/>
-            </a:pPr>
-            <a:r>
-              <a:rPr b="0" lang="en-US" sz="2400" spc="-1" strike="noStrike">
-                <a:solidFill>
-                  <a:srgbClr val="000000"/>
-                </a:solidFill>
-                <a:uFill>
-                  <a:solidFill>
-                    <a:srgbClr val="ffffff"/>
-                  </a:solidFill>
-                </a:uFill>
-                <a:latin typeface="Calibri"/>
-                <a:ea typeface="DejaVu Sans"/>
-              </a:rPr>
-              <a:t> </a:t>
-            </a:r>
-            <a:endParaRPr b="0" lang="en-US" sz="1800" spc="-1" strike="noStrike">
-              <a:solidFill>
-                <a:srgbClr val="000000"/>
-              </a:solidFill>
-              <a:uFill>
-                <a:solidFill>
-                  <a:srgbClr val="ffffff"/>
-                </a:solidFill>
-              </a:uFill>
-              <a:latin typeface="Arial"/>
-            </a:endParaRPr>
-          </a:p>
-          <a:p>
-            <a:pPr marL="343080" indent="-340920">
-              <a:lnSpc>
-                <a:spcPct val="100000"/>
-              </a:lnSpc>
-              <a:buClr>
-                <a:srgbClr val="1d3455"/>
-              </a:buClr>
-              <a:buFont typeface="Wingdings" charset="2"/>
-              <a:buChar char=""/>
-            </a:pPr>
-            <a:r>
-              <a:rPr b="0" lang="en-US" sz="2800" spc="-1" strike="noStrike">
-                <a:solidFill>
-                  <a:srgbClr val="000000"/>
-                </a:solidFill>
-                <a:uFill>
-                  <a:solidFill>
-                    <a:srgbClr val="ffffff"/>
-                  </a:solidFill>
-                </a:uFill>
-                <a:latin typeface="Calibri"/>
-                <a:ea typeface="DejaVu Sans"/>
-              </a:rPr>
-              <a:t>Define the Operation for the </a:t>
-            </a:r>
-            <a:endParaRPr b="0" lang="en-US" sz="1800" spc="-1" strike="noStrike">
-              <a:solidFill>
-                <a:srgbClr val="000000"/>
-              </a:solidFill>
-              <a:uFill>
-                <a:solidFill>
-                  <a:srgbClr val="ffffff"/>
-                </a:solidFill>
-              </a:uFill>
-              <a:latin typeface="Arial"/>
-            </a:endParaRPr>
-          </a:p>
-          <a:p>
-            <a:pPr marL="343080" indent="-340920">
-              <a:lnSpc>
-                <a:spcPct val="100000"/>
-              </a:lnSpc>
-              <a:buClr>
-                <a:srgbClr val="1d3455"/>
-              </a:buClr>
-              <a:buFont typeface="Wingdings" charset="2"/>
-              <a:buChar char=""/>
-            </a:pPr>
-            <a:r>
-              <a:rPr b="0" lang="en-US" sz="2800" spc="-1" strike="noStrike">
-                <a:solidFill>
-                  <a:srgbClr val="000000"/>
-                </a:solidFill>
-                <a:uFill>
-                  <a:solidFill>
-                    <a:srgbClr val="ffffff"/>
-                  </a:solidFill>
-                </a:uFill>
-                <a:latin typeface="Calibri"/>
-                <a:ea typeface="DejaVu Sans"/>
-              </a:rPr>
-              <a:t>Sound Composition </a:t>
+              <a:t>Define Controllers and Filters </a:t>
             </a:r>
             <a:endParaRPr b="0" lang="en-US" sz="1800" spc="-1" strike="noStrike">
               <a:solidFill>
@@ -8646,6 +7745,1510 @@
           </a:p>
         </p:txBody>
       </p:sp>
+      <p:graphicFrame>
+        <p:nvGraphicFramePr>
+          <p:cNvPr id="103" name="Table 4"/>
+          <p:cNvGraphicFramePr/>
+          <p:nvPr/>
+        </p:nvGraphicFramePr>
+        <p:xfrm>
+          <a:off x="866160" y="2134080"/>
+          <a:ext cx="7818120" cy="1439280"/>
+        </p:xfrm>
+        <a:graphic>
+          <a:graphicData uri="http://schemas.openxmlformats.org/drawingml/2006/table">
+            <a:tbl>
+              <a:tblPr/>
+              <a:tblGrid>
+                <a:gridCol w="4056120"/>
+                <a:gridCol w="3762360"/>
+              </a:tblGrid>
+              <a:tr h="719640">
+                <a:tc>
+                  <a:txBody>
+                    <a:bodyPr lIns="90000" rIns="90000"/>
+                    <a:p>
+                      <a:r>
+                        <a:rPr b="0" lang="en-US" sz="1400" spc="-1" strike="noStrike">
+                          <a:solidFill>
+                            <a:srgbClr val="000000"/>
+                          </a:solidFill>
+                          <a:uFill>
+                            <a:solidFill>
+                              <a:srgbClr val="ffffff"/>
+                            </a:solidFill>
+                          </a:uFill>
+                          <a:latin typeface="Courier 10 Pitch"/>
+                        </a:rPr>
+                        <a:t>controls</a:t>
+                      </a:r>
+                      <a:endParaRPr b="0" lang="en-US" sz="1800" spc="-1" strike="noStrike">
+                        <a:solidFill>
+                          <a:srgbClr val="000000"/>
+                        </a:solidFill>
+                        <a:uFill>
+                          <a:solidFill>
+                            <a:srgbClr val="ffffff"/>
+                          </a:solidFill>
+                        </a:uFill>
+                        <a:latin typeface="Arial"/>
+                      </a:endParaRPr>
+                    </a:p>
+                    <a:p>
+                      <a:r>
+                        <a:rPr b="0" lang="en-US" sz="1400" spc="-1" strike="noStrike">
+                          <a:solidFill>
+                            <a:srgbClr val="000000"/>
+                          </a:solidFill>
+                          <a:uFill>
+                            <a:solidFill>
+                              <a:srgbClr val="ffffff"/>
+                            </a:solidFill>
+                          </a:uFill>
+                          <a:latin typeface="Courier 10 Pitch"/>
+                        </a:rPr>
+                        <a:t>	</a:t>
+                      </a:r>
+                      <a:r>
+                        <a:rPr b="0" lang="en-US" sz="1400" spc="-1" strike="noStrike">
+                          <a:solidFill>
+                            <a:srgbClr val="000000"/>
+                          </a:solidFill>
+                          <a:uFill>
+                            <a:solidFill>
+                              <a:srgbClr val="ffffff"/>
+                            </a:solidFill>
+                          </a:uFill>
+                          <a:latin typeface="Courier 10 Pitch"/>
+                        </a:rPr>
+                        <a:t>.add(new RotaryKnob(</a:t>
+                      </a:r>
+                      <a:endParaRPr b="0" lang="en-US" sz="1800" spc="-1" strike="noStrike">
+                        <a:solidFill>
+                          <a:srgbClr val="000000"/>
+                        </a:solidFill>
+                        <a:uFill>
+                          <a:solidFill>
+                            <a:srgbClr val="ffffff"/>
+                          </a:solidFill>
+                        </a:uFill>
+                        <a:latin typeface="Arial"/>
+                      </a:endParaRPr>
+                    </a:p>
+                    <a:p>
+                      <a:r>
+                        <a:rPr b="0" lang="en-US" sz="1400" spc="-1" strike="noStrike">
+                          <a:solidFill>
+                            <a:srgbClr val="000000"/>
+                          </a:solidFill>
+                          <a:uFill>
+                            <a:solidFill>
+                              <a:srgbClr val="ffffff"/>
+                            </a:solidFill>
+                          </a:uFill>
+                          <a:latin typeface="Courier 10 Pitch"/>
+                        </a:rPr>
+                        <a:t>	</a:t>
+                      </a:r>
+                      <a:r>
+                        <a:rPr b="0" lang="en-US" sz="1400" spc="-1" strike="noStrike">
+                          <a:solidFill>
+                            <a:srgbClr val="000000"/>
+                          </a:solidFill>
+                          <a:uFill>
+                            <a:solidFill>
+                              <a:srgbClr val="ffffff"/>
+                            </a:solidFill>
+                          </a:uFill>
+                          <a:latin typeface="Courier 10 Pitch"/>
+                        </a:rPr>
+                        <a:t>	</a:t>
+                      </a:r>
+                      <a:r>
+                        <a:rPr b="0" lang="en-US" sz="1400" spc="-1" strike="noStrike">
+                          <a:solidFill>
+                            <a:srgbClr val="000000"/>
+                          </a:solidFill>
+                          <a:uFill>
+                            <a:solidFill>
+                              <a:srgbClr val="ffffff"/>
+                            </a:solidFill>
+                          </a:uFill>
+                          <a:latin typeface="Courier 10 Pitch"/>
+                        </a:rPr>
+                        <a:t>	</a:t>
+                      </a:r>
+                      <a:r>
+                        <a:rPr b="0" lang="en-US" sz="1400" spc="-1" strike="noStrike">
+                          <a:solidFill>
+                            <a:srgbClr val="000000"/>
+                          </a:solidFill>
+                          <a:uFill>
+                            <a:solidFill>
+                              <a:srgbClr val="ffffff"/>
+                            </a:solidFill>
+                          </a:uFill>
+                          <a:latin typeface="Courier 10 Pitch"/>
+                        </a:rPr>
+                        <a:t>type: 'knob',</a:t>
+                      </a:r>
+                      <a:endParaRPr b="0" lang="en-US" sz="1800" spc="-1" strike="noStrike">
+                        <a:solidFill>
+                          <a:srgbClr val="000000"/>
+                        </a:solidFill>
+                        <a:uFill>
+                          <a:solidFill>
+                            <a:srgbClr val="ffffff"/>
+                          </a:solidFill>
+                        </a:uFill>
+                        <a:latin typeface="Arial"/>
+                      </a:endParaRPr>
+                    </a:p>
+                    <a:p>
+                      <a:r>
+                        <a:rPr b="0" lang="en-US" sz="1400" spc="-1" strike="noStrike">
+                          <a:solidFill>
+                            <a:srgbClr val="000000"/>
+                          </a:solidFill>
+                          <a:uFill>
+                            <a:solidFill>
+                              <a:srgbClr val="ffffff"/>
+                            </a:solidFill>
+                          </a:uFill>
+                          <a:latin typeface="Courier 10 Pitch"/>
+                        </a:rPr>
+                        <a:t>	</a:t>
+                      </a:r>
+                      <a:r>
+                        <a:rPr b="0" lang="en-US" sz="1400" spc="-1" strike="noStrike">
+                          <a:solidFill>
+                            <a:srgbClr val="000000"/>
+                          </a:solidFill>
+                          <a:uFill>
+                            <a:solidFill>
+                              <a:srgbClr val="ffffff"/>
+                            </a:solidFill>
+                          </a:uFill>
+                          <a:latin typeface="Courier 10 Pitch"/>
+                        </a:rPr>
+                        <a:t>	</a:t>
+                      </a:r>
+                      <a:r>
+                        <a:rPr b="0" lang="en-US" sz="1400" spc="-1" strike="noStrike">
+                          <a:solidFill>
+                            <a:srgbClr val="000000"/>
+                          </a:solidFill>
+                          <a:uFill>
+                            <a:solidFill>
+                              <a:srgbClr val="ffffff"/>
+                            </a:solidFill>
+                          </a:uFill>
+                          <a:latin typeface="Courier 10 Pitch"/>
+                        </a:rPr>
+                        <a:t>	</a:t>
+                      </a:r>
+                      <a:r>
+                        <a:rPr b="0" lang="en-US" sz="1400" spc="-1" strike="noStrike">
+                          <a:solidFill>
+                            <a:srgbClr val="000000"/>
+                          </a:solidFill>
+                          <a:uFill>
+                            <a:solidFill>
+                              <a:srgbClr val="ffffff"/>
+                            </a:solidFill>
+                          </a:uFill>
+                          <a:latin typeface="Courier 10 Pitch"/>
+                        </a:rPr>
+                        <a:t>name: 'myKnob',</a:t>
+                      </a:r>
+                      <a:endParaRPr b="0" lang="en-US" sz="1800" spc="-1" strike="noStrike">
+                        <a:solidFill>
+                          <a:srgbClr val="000000"/>
+                        </a:solidFill>
+                        <a:uFill>
+                          <a:solidFill>
+                            <a:srgbClr val="ffffff"/>
+                          </a:solidFill>
+                        </a:uFill>
+                        <a:latin typeface="Arial"/>
+                      </a:endParaRPr>
+                    </a:p>
+                    <a:p>
+                      <a:r>
+                        <a:rPr b="0" lang="en-US" sz="1400" spc="-1" strike="noStrike">
+                          <a:solidFill>
+                            <a:srgbClr val="000000"/>
+                          </a:solidFill>
+                          <a:uFill>
+                            <a:solidFill>
+                              <a:srgbClr val="ffffff"/>
+                            </a:solidFill>
+                          </a:uFill>
+                          <a:latin typeface="Courier 10 Pitch"/>
+                        </a:rPr>
+                        <a:t>	</a:t>
+                      </a:r>
+                      <a:r>
+                        <a:rPr b="0" lang="en-US" sz="1400" spc="-1" strike="noStrike">
+                          <a:solidFill>
+                            <a:srgbClr val="000000"/>
+                          </a:solidFill>
+                          <a:uFill>
+                            <a:solidFill>
+                              <a:srgbClr val="ffffff"/>
+                            </a:solidFill>
+                          </a:uFill>
+                          <a:latin typeface="Courier 10 Pitch"/>
+                        </a:rPr>
+                        <a:t>	</a:t>
+                      </a:r>
+                      <a:r>
+                        <a:rPr b="0" lang="en-US" sz="1400" spc="-1" strike="noStrike">
+                          <a:solidFill>
+                            <a:srgbClr val="000000"/>
+                          </a:solidFill>
+                          <a:uFill>
+                            <a:solidFill>
+                              <a:srgbClr val="ffffff"/>
+                            </a:solidFill>
+                          </a:uFill>
+                          <a:latin typeface="Courier 10 Pitch"/>
+                        </a:rPr>
+                        <a:t>	</a:t>
+                      </a:r>
+                      <a:r>
+                        <a:rPr b="0" lang="en-US" sz="1400" spc="-1" strike="noStrike">
+                          <a:solidFill>
+                            <a:srgbClr val="000000"/>
+                          </a:solidFill>
+                          <a:uFill>
+                            <a:solidFill>
+                              <a:srgbClr val="ffffff"/>
+                            </a:solidFill>
+                          </a:uFill>
+                          <a:latin typeface="Courier 10 Pitch"/>
+                        </a:rPr>
+                        <a:t>digits: 5</a:t>
+                      </a:r>
+                      <a:endParaRPr b="0" lang="en-US" sz="1800" spc="-1" strike="noStrike">
+                        <a:solidFill>
+                          <a:srgbClr val="000000"/>
+                        </a:solidFill>
+                        <a:uFill>
+                          <a:solidFill>
+                            <a:srgbClr val="ffffff"/>
+                          </a:solidFill>
+                        </a:uFill>
+                        <a:latin typeface="Arial"/>
+                      </a:endParaRPr>
+                    </a:p>
+                    <a:p>
+                      <a:r>
+                        <a:rPr b="0" lang="en-US" sz="1400" spc="-1" strike="noStrike">
+                          <a:solidFill>
+                            <a:srgbClr val="000000"/>
+                          </a:solidFill>
+                          <a:uFill>
+                            <a:solidFill>
+                              <a:srgbClr val="ffffff"/>
+                            </a:solidFill>
+                          </a:uFill>
+                          <a:latin typeface="Courier 10 Pitch"/>
+                        </a:rPr>
+                        <a:t>	</a:t>
+                      </a:r>
+                      <a:r>
+                        <a:rPr b="0" lang="en-US" sz="1400" spc="-1" strike="noStrike">
+                          <a:solidFill>
+                            <a:srgbClr val="000000"/>
+                          </a:solidFill>
+                          <a:uFill>
+                            <a:solidFill>
+                              <a:srgbClr val="ffffff"/>
+                            </a:solidFill>
+                          </a:uFill>
+                          <a:latin typeface="Courier 10 Pitch"/>
+                        </a:rPr>
+                        <a:t>	</a:t>
+                      </a:r>
+                      <a:r>
+                        <a:rPr b="0" lang="en-US" sz="1400" spc="-1" strike="noStrike">
+                          <a:solidFill>
+                            <a:srgbClr val="000000"/>
+                          </a:solidFill>
+                          <a:uFill>
+                            <a:solidFill>
+                              <a:srgbClr val="ffffff"/>
+                            </a:solidFill>
+                          </a:uFill>
+                          <a:latin typeface="Courier 10 Pitch"/>
+                        </a:rPr>
+                        <a:t>))</a:t>
+                      </a:r>
+                      <a:endParaRPr b="0" lang="en-US" sz="1800" spc="-1" strike="noStrike">
+                        <a:solidFill>
+                          <a:srgbClr val="000000"/>
+                        </a:solidFill>
+                        <a:uFill>
+                          <a:solidFill>
+                            <a:srgbClr val="ffffff"/>
+                          </a:solidFill>
+                        </a:uFill>
+                        <a:latin typeface="Arial"/>
+                      </a:endParaRPr>
+                    </a:p>
+                  </a:txBody>
+                  <a:tcPr marL="90000" marR="90000">
+                    <a:lnL w="720">
+                      <a:solidFill>
+                        <a:srgbClr val="ffffff"/>
+                      </a:solidFill>
+                    </a:lnL>
+                    <a:lnR w="720">
+                      <a:solidFill>
+                        <a:srgbClr val="ffffff"/>
+                      </a:solidFill>
+                    </a:lnR>
+                    <a:lnT w="720">
+                      <a:solidFill>
+                        <a:srgbClr val="ffffff"/>
+                      </a:solidFill>
+                    </a:lnT>
+                    <a:lnB w="720">
+                      <a:solidFill>
+                        <a:srgbClr val="ffffff"/>
+                      </a:solidFill>
+                    </a:lnB>
+                    <a:solidFill>
+                      <a:srgbClr val="e6e6e6"/>
+                    </a:solidFill>
+                  </a:tcPr>
+                </a:tc>
+                <a:tc>
+                  <a:txBody>
+                    <a:bodyPr lIns="90000" rIns="90000"/>
+                    <a:p>
+                      <a:r>
+                        <a:rPr b="0" lang="en-US" sz="1400" spc="-1" strike="noStrike">
+                          <a:solidFill>
+                            <a:srgbClr val="000000"/>
+                          </a:solidFill>
+                          <a:uFill>
+                            <a:solidFill>
+                              <a:srgbClr val="ffffff"/>
+                            </a:solidFill>
+                          </a:uFill>
+                          <a:latin typeface="Courier 10 Pitch"/>
+                        </a:rPr>
+                        <a:t>controls</a:t>
+                      </a:r>
+                      <a:endParaRPr b="0" lang="en-US" sz="1800" spc="-1" strike="noStrike">
+                        <a:solidFill>
+                          <a:srgbClr val="000000"/>
+                        </a:solidFill>
+                        <a:uFill>
+                          <a:solidFill>
+                            <a:srgbClr val="ffffff"/>
+                          </a:solidFill>
+                        </a:uFill>
+                        <a:latin typeface="Arial"/>
+                      </a:endParaRPr>
+                    </a:p>
+                    <a:p>
+                      <a:r>
+                        <a:rPr b="0" lang="en-US" sz="1400" spc="-1" strike="noStrike">
+                          <a:solidFill>
+                            <a:srgbClr val="000000"/>
+                          </a:solidFill>
+                          <a:uFill>
+                            <a:solidFill>
+                              <a:srgbClr val="ffffff"/>
+                            </a:solidFill>
+                          </a:uFill>
+                          <a:latin typeface="Courier 10 Pitch"/>
+                        </a:rPr>
+                        <a:t>	</a:t>
+                      </a:r>
+                      <a:r>
+                        <a:rPr b="0" lang="en-US" sz="1400" spc="-1" strike="noStrike">
+                          <a:solidFill>
+                            <a:srgbClr val="000000"/>
+                          </a:solidFill>
+                          <a:uFill>
+                            <a:solidFill>
+                              <a:srgbClr val="ffffff"/>
+                            </a:solidFill>
+                          </a:uFill>
+                          <a:latin typeface="Courier 10 Pitch"/>
+                        </a:rPr>
+                        <a:t>.add(new Slider(</a:t>
+                      </a:r>
+                      <a:endParaRPr b="0" lang="en-US" sz="1800" spc="-1" strike="noStrike">
+                        <a:solidFill>
+                          <a:srgbClr val="000000"/>
+                        </a:solidFill>
+                        <a:uFill>
+                          <a:solidFill>
+                            <a:srgbClr val="ffffff"/>
+                          </a:solidFill>
+                        </a:uFill>
+                        <a:latin typeface="Arial"/>
+                      </a:endParaRPr>
+                    </a:p>
+                    <a:p>
+                      <a:r>
+                        <a:rPr b="0" lang="en-US" sz="1400" spc="-1" strike="noStrike">
+                          <a:solidFill>
+                            <a:srgbClr val="000000"/>
+                          </a:solidFill>
+                          <a:uFill>
+                            <a:solidFill>
+                              <a:srgbClr val="ffffff"/>
+                            </a:solidFill>
+                          </a:uFill>
+                          <a:latin typeface="Courier 10 Pitch"/>
+                        </a:rPr>
+                        <a:t>	</a:t>
+                      </a:r>
+                      <a:r>
+                        <a:rPr b="0" lang="en-US" sz="1400" spc="-1" strike="noStrike">
+                          <a:solidFill>
+                            <a:srgbClr val="000000"/>
+                          </a:solidFill>
+                          <a:uFill>
+                            <a:solidFill>
+                              <a:srgbClr val="ffffff"/>
+                            </a:solidFill>
+                          </a:uFill>
+                          <a:latin typeface="Courier 10 Pitch"/>
+                        </a:rPr>
+                        <a:t>	</a:t>
+                      </a:r>
+                      <a:r>
+                        <a:rPr b="0" lang="en-US" sz="1400" spc="-1" strike="noStrike">
+                          <a:solidFill>
+                            <a:srgbClr val="000000"/>
+                          </a:solidFill>
+                          <a:uFill>
+                            <a:solidFill>
+                              <a:srgbClr val="ffffff"/>
+                            </a:solidFill>
+                          </a:uFill>
+                          <a:latin typeface="Courier 10 Pitch"/>
+                        </a:rPr>
+                        <a:t>type: 'slider',</a:t>
+                      </a:r>
+                      <a:endParaRPr b="0" lang="en-US" sz="1800" spc="-1" strike="noStrike">
+                        <a:solidFill>
+                          <a:srgbClr val="000000"/>
+                        </a:solidFill>
+                        <a:uFill>
+                          <a:solidFill>
+                            <a:srgbClr val="ffffff"/>
+                          </a:solidFill>
+                        </a:uFill>
+                        <a:latin typeface="Arial"/>
+                      </a:endParaRPr>
+                    </a:p>
+                    <a:p>
+                      <a:r>
+                        <a:rPr b="0" lang="en-US" sz="1400" spc="-1" strike="noStrike">
+                          <a:solidFill>
+                            <a:srgbClr val="000000"/>
+                          </a:solidFill>
+                          <a:uFill>
+                            <a:solidFill>
+                              <a:srgbClr val="ffffff"/>
+                            </a:solidFill>
+                          </a:uFill>
+                          <a:latin typeface="Courier 10 Pitch"/>
+                        </a:rPr>
+                        <a:t>	</a:t>
+                      </a:r>
+                      <a:r>
+                        <a:rPr b="0" lang="en-US" sz="1400" spc="-1" strike="noStrike">
+                          <a:solidFill>
+                            <a:srgbClr val="000000"/>
+                          </a:solidFill>
+                          <a:uFill>
+                            <a:solidFill>
+                              <a:srgbClr val="ffffff"/>
+                            </a:solidFill>
+                          </a:uFill>
+                          <a:latin typeface="Courier 10 Pitch"/>
+                        </a:rPr>
+                        <a:t>	</a:t>
+                      </a:r>
+                      <a:r>
+                        <a:rPr b="0" lang="en-US" sz="1400" spc="-1" strike="noStrike">
+                          <a:solidFill>
+                            <a:srgbClr val="000000"/>
+                          </a:solidFill>
+                          <a:uFill>
+                            <a:solidFill>
+                              <a:srgbClr val="ffffff"/>
+                            </a:solidFill>
+                          </a:uFill>
+                          <a:latin typeface="Courier 10 Pitch"/>
+                        </a:rPr>
+                        <a:t>name: 'mySlider'</a:t>
+                      </a:r>
+                      <a:endParaRPr b="0" lang="en-US" sz="1800" spc="-1" strike="noStrike">
+                        <a:solidFill>
+                          <a:srgbClr val="000000"/>
+                        </a:solidFill>
+                        <a:uFill>
+                          <a:solidFill>
+                            <a:srgbClr val="ffffff"/>
+                          </a:solidFill>
+                        </a:uFill>
+                        <a:latin typeface="Arial"/>
+                      </a:endParaRPr>
+                    </a:p>
+                    <a:p>
+                      <a:r>
+                        <a:rPr b="0" lang="en-US" sz="1400" spc="-1" strike="noStrike">
+                          <a:solidFill>
+                            <a:srgbClr val="000000"/>
+                          </a:solidFill>
+                          <a:uFill>
+                            <a:solidFill>
+                              <a:srgbClr val="ffffff"/>
+                            </a:solidFill>
+                          </a:uFill>
+                          <a:latin typeface="Courier 10 Pitch"/>
+                        </a:rPr>
+                        <a:t>	</a:t>
+                      </a:r>
+                      <a:r>
+                        <a:rPr b="0" lang="en-US" sz="1400" spc="-1" strike="noStrike">
+                          <a:solidFill>
+                            <a:srgbClr val="000000"/>
+                          </a:solidFill>
+                          <a:uFill>
+                            <a:solidFill>
+                              <a:srgbClr val="ffffff"/>
+                            </a:solidFill>
+                          </a:uFill>
+                          <a:latin typeface="Courier 10 Pitch"/>
+                        </a:rPr>
+                        <a:t>	</a:t>
+                      </a:r>
+                      <a:r>
+                        <a:rPr b="0" lang="en-US" sz="1400" spc="-1" strike="noStrike">
+                          <a:solidFill>
+                            <a:srgbClr val="000000"/>
+                          </a:solidFill>
+                          <a:uFill>
+                            <a:solidFill>
+                              <a:srgbClr val="ffffff"/>
+                            </a:solidFill>
+                          </a:uFill>
+                          <a:latin typeface="Courier 10 Pitch"/>
+                        </a:rPr>
+                        <a:t>))</a:t>
+                      </a:r>
+                      <a:endParaRPr b="0" lang="en-US" sz="1800" spc="-1" strike="noStrike">
+                        <a:solidFill>
+                          <a:srgbClr val="000000"/>
+                        </a:solidFill>
+                        <a:uFill>
+                          <a:solidFill>
+                            <a:srgbClr val="ffffff"/>
+                          </a:solidFill>
+                        </a:uFill>
+                        <a:latin typeface="Arial"/>
+                      </a:endParaRPr>
+                    </a:p>
+                  </a:txBody>
+                  <a:tcPr marL="90000" marR="90000">
+                    <a:lnL w="720">
+                      <a:solidFill>
+                        <a:srgbClr val="ffffff"/>
+                      </a:solidFill>
+                    </a:lnL>
+                    <a:lnR w="720">
+                      <a:solidFill>
+                        <a:srgbClr val="ffffff"/>
+                      </a:solidFill>
+                    </a:lnR>
+                    <a:lnT w="720">
+                      <a:solidFill>
+                        <a:srgbClr val="ffffff"/>
+                      </a:solidFill>
+                    </a:lnT>
+                    <a:lnB w="720">
+                      <a:solidFill>
+                        <a:srgbClr val="ffffff"/>
+                      </a:solidFill>
+                    </a:lnB>
+                    <a:solidFill>
+                      <a:srgbClr val="e6e6e6"/>
+                    </a:solidFill>
+                  </a:tcPr>
+                </a:tc>
+              </a:tr>
+              <a:tr h="720000">
+                <a:tc>
+                  <a:txBody>
+                    <a:bodyPr lIns="90000" rIns="90000"/>
+                    <a:p>
+                      <a:r>
+                        <a:rPr b="0" lang="en-US" sz="1400" spc="-1" strike="noStrike">
+                          <a:solidFill>
+                            <a:srgbClr val="000000"/>
+                          </a:solidFill>
+                          <a:uFill>
+                            <a:solidFill>
+                              <a:srgbClr val="ffffff"/>
+                            </a:solidFill>
+                          </a:uFill>
+                          <a:latin typeface="Courier 10 Pitch"/>
+                        </a:rPr>
+                        <a:t>filters</a:t>
+                      </a:r>
+                      <a:endParaRPr b="0" lang="en-US" sz="1800" spc="-1" strike="noStrike">
+                        <a:solidFill>
+                          <a:srgbClr val="000000"/>
+                        </a:solidFill>
+                        <a:uFill>
+                          <a:solidFill>
+                            <a:srgbClr val="ffffff"/>
+                          </a:solidFill>
+                        </a:uFill>
+                        <a:latin typeface="Arial"/>
+                      </a:endParaRPr>
+                    </a:p>
+                    <a:p>
+                      <a:r>
+                        <a:rPr b="0" lang="en-US" sz="1400" spc="-1" strike="noStrike">
+                          <a:solidFill>
+                            <a:srgbClr val="000000"/>
+                          </a:solidFill>
+                          <a:uFill>
+                            <a:solidFill>
+                              <a:srgbClr val="ffffff"/>
+                            </a:solidFill>
+                          </a:uFill>
+                          <a:latin typeface="Courier 10 Pitch"/>
+                        </a:rPr>
+                        <a:t>	</a:t>
+                      </a:r>
+                      <a:r>
+                        <a:rPr b="0" lang="en-US" sz="1400" spc="-1" strike="noStrike">
+                          <a:solidFill>
+                            <a:srgbClr val="000000"/>
+                          </a:solidFill>
+                          <a:uFill>
+                            <a:solidFill>
+                              <a:srgbClr val="ffffff"/>
+                            </a:solidFill>
+                          </a:uFill>
+                          <a:latin typeface="Courier 10 Pitch"/>
+                        </a:rPr>
+                        <a:t>.add(new LinearRamp(</a:t>
+                      </a:r>
+                      <a:endParaRPr b="0" lang="en-US" sz="1800" spc="-1" strike="noStrike">
+                        <a:solidFill>
+                          <a:srgbClr val="000000"/>
+                        </a:solidFill>
+                        <a:uFill>
+                          <a:solidFill>
+                            <a:srgbClr val="ffffff"/>
+                          </a:solidFill>
+                        </a:uFill>
+                        <a:latin typeface="Arial"/>
+                      </a:endParaRPr>
+                    </a:p>
+                    <a:p>
+                      <a:r>
+                        <a:rPr b="0" lang="en-US" sz="1400" spc="-1" strike="noStrike">
+                          <a:solidFill>
+                            <a:srgbClr val="000000"/>
+                          </a:solidFill>
+                          <a:uFill>
+                            <a:solidFill>
+                              <a:srgbClr val="ffffff"/>
+                            </a:solidFill>
+                          </a:uFill>
+                          <a:latin typeface="Courier 10 Pitch"/>
+                        </a:rPr>
+                        <a:t>	</a:t>
+                      </a:r>
+                      <a:r>
+                        <a:rPr b="0" lang="en-US" sz="1400" spc="-1" strike="noStrike">
+                          <a:solidFill>
+                            <a:srgbClr val="000000"/>
+                          </a:solidFill>
+                          <a:uFill>
+                            <a:solidFill>
+                              <a:srgbClr val="ffffff"/>
+                            </a:solidFill>
+                          </a:uFill>
+                          <a:latin typeface="Courier 10 Pitch"/>
+                        </a:rPr>
+                        <a:t>	</a:t>
+                      </a:r>
+                      <a:r>
+                        <a:rPr b="0" lang="en-US" sz="1400" spc="-1" strike="noStrike">
+                          <a:solidFill>
+                            <a:srgbClr val="000000"/>
+                          </a:solidFill>
+                          <a:uFill>
+                            <a:solidFill>
+                              <a:srgbClr val="ffffff"/>
+                            </a:solidFill>
+                          </a:uFill>
+                          <a:latin typeface="Courier 10 Pitch"/>
+                        </a:rPr>
+                        <a:t>name: 'frequencyRamp',</a:t>
+                      </a:r>
+                      <a:endParaRPr b="0" lang="en-US" sz="1800" spc="-1" strike="noStrike">
+                        <a:solidFill>
+                          <a:srgbClr val="000000"/>
+                        </a:solidFill>
+                        <a:uFill>
+                          <a:solidFill>
+                            <a:srgbClr val="ffffff"/>
+                          </a:solidFill>
+                        </a:uFill>
+                        <a:latin typeface="Arial"/>
+                      </a:endParaRPr>
+                    </a:p>
+                    <a:p>
+                      <a:r>
+                        <a:rPr b="0" lang="en-US" sz="1400" spc="-1" strike="noStrike">
+                          <a:solidFill>
+                            <a:srgbClr val="000000"/>
+                          </a:solidFill>
+                          <a:uFill>
+                            <a:solidFill>
+                              <a:srgbClr val="ffffff"/>
+                            </a:solidFill>
+                          </a:uFill>
+                          <a:latin typeface="Courier 10 Pitch"/>
+                        </a:rPr>
+                        <a:t>	</a:t>
+                      </a:r>
+                      <a:r>
+                        <a:rPr b="0" lang="en-US" sz="1400" spc="-1" strike="noStrike">
+                          <a:solidFill>
+                            <a:srgbClr val="000000"/>
+                          </a:solidFill>
+                          <a:uFill>
+                            <a:solidFill>
+                              <a:srgbClr val="ffffff"/>
+                            </a:solidFill>
+                          </a:uFill>
+                          <a:latin typeface="Courier 10 Pitch"/>
+                        </a:rPr>
+                        <a:t>	</a:t>
+                      </a:r>
+                      <a:r>
+                        <a:rPr b="0" lang="en-US" sz="1400" spc="-1" strike="noStrike">
+                          <a:solidFill>
+                            <a:srgbClr val="000000"/>
+                          </a:solidFill>
+                          <a:uFill>
+                            <a:solidFill>
+                              <a:srgbClr val="ffffff"/>
+                            </a:solidFill>
+                          </a:uFill>
+                          <a:latin typeface="Courier 10 Pitch"/>
+                        </a:rPr>
+                        <a:t>type: 'LinearRamp',</a:t>
+                      </a:r>
+                      <a:endParaRPr b="0" lang="en-US" sz="1800" spc="-1" strike="noStrike">
+                        <a:solidFill>
+                          <a:srgbClr val="000000"/>
+                        </a:solidFill>
+                        <a:uFill>
+                          <a:solidFill>
+                            <a:srgbClr val="ffffff"/>
+                          </a:solidFill>
+                        </a:uFill>
+                        <a:latin typeface="Arial"/>
+                      </a:endParaRPr>
+                    </a:p>
+                    <a:p>
+                      <a:r>
+                        <a:rPr b="0" lang="en-US" sz="1400" spc="-1" strike="noStrike">
+                          <a:solidFill>
+                            <a:srgbClr val="000000"/>
+                          </a:solidFill>
+                          <a:uFill>
+                            <a:solidFill>
+                              <a:srgbClr val="ffffff"/>
+                            </a:solidFill>
+                          </a:uFill>
+                          <a:latin typeface="Courier 10 Pitch"/>
+                        </a:rPr>
+                        <a:t>	</a:t>
+                      </a:r>
+                      <a:r>
+                        <a:rPr b="0" lang="en-US" sz="1400" spc="-1" strike="noStrike">
+                          <a:solidFill>
+                            <a:srgbClr val="000000"/>
+                          </a:solidFill>
+                          <a:uFill>
+                            <a:solidFill>
+                              <a:srgbClr val="ffffff"/>
+                            </a:solidFill>
+                          </a:uFill>
+                          <a:latin typeface="Courier 10 Pitch"/>
+                        </a:rPr>
+                        <a:t>	</a:t>
+                      </a:r>
+                      <a:r>
+                        <a:rPr b="0" lang="en-US" sz="1400" spc="-1" strike="noStrike">
+                          <a:solidFill>
+                            <a:srgbClr val="000000"/>
+                          </a:solidFill>
+                          <a:uFill>
+                            <a:solidFill>
+                              <a:srgbClr val="ffffff"/>
+                            </a:solidFill>
+                          </a:uFill>
+                          <a:latin typeface="Courier 10 Pitch"/>
+                        </a:rPr>
+                        <a:t>input: new LinearRampInput(</a:t>
+                      </a:r>
+                      <a:endParaRPr b="0" lang="en-US" sz="1800" spc="-1" strike="noStrike">
+                        <a:solidFill>
+                          <a:srgbClr val="000000"/>
+                        </a:solidFill>
+                        <a:uFill>
+                          <a:solidFill>
+                            <a:srgbClr val="ffffff"/>
+                          </a:solidFill>
+                        </a:uFill>
+                        <a:latin typeface="Arial"/>
+                      </a:endParaRPr>
+                    </a:p>
+                    <a:p>
+                      <a:r>
+                        <a:rPr b="0" lang="en-US" sz="1400" spc="-1" strike="noStrike">
+                          <a:solidFill>
+                            <a:srgbClr val="000000"/>
+                          </a:solidFill>
+                          <a:uFill>
+                            <a:solidFill>
+                              <a:srgbClr val="ffffff"/>
+                            </a:solidFill>
+                          </a:uFill>
+                          <a:latin typeface="Courier 10 Pitch"/>
+                        </a:rPr>
+                        <a:t>	</a:t>
+                      </a:r>
+                      <a:r>
+                        <a:rPr b="0" lang="en-US" sz="1400" spc="-1" strike="noStrike">
+                          <a:solidFill>
+                            <a:srgbClr val="000000"/>
+                          </a:solidFill>
+                          <a:uFill>
+                            <a:solidFill>
+                              <a:srgbClr val="ffffff"/>
+                            </a:solidFill>
+                          </a:uFill>
+                          <a:latin typeface="Courier 10 Pitch"/>
+                        </a:rPr>
+                        <a:t>	</a:t>
+                      </a:r>
+                      <a:r>
+                        <a:rPr b="0" lang="en-US" sz="1400" spc="-1" strike="noStrike">
+                          <a:solidFill>
+                            <a:srgbClr val="000000"/>
+                          </a:solidFill>
+                          <a:uFill>
+                            <a:solidFill>
+                              <a:srgbClr val="ffffff"/>
+                            </a:solidFill>
+                          </a:uFill>
+                          <a:latin typeface="Courier 10 Pitch"/>
+                        </a:rPr>
+                        <a:t>	</a:t>
+                      </a:r>
+                      <a:r>
+                        <a:rPr b="0" lang="en-US" sz="1400" spc="-1" strike="noStrike">
+                          <a:solidFill>
+                            <a:srgbClr val="000000"/>
+                          </a:solidFill>
+                          <a:uFill>
+                            <a:solidFill>
+                              <a:srgbClr val="ffffff"/>
+                            </a:solidFill>
+                          </a:uFill>
+                          <a:latin typeface="Courier 10 Pitch"/>
+                        </a:rPr>
+                        <a:t>minimum: 50.0, </a:t>
+                      </a:r>
+                      <a:endParaRPr b="0" lang="en-US" sz="1800" spc="-1" strike="noStrike">
+                        <a:solidFill>
+                          <a:srgbClr val="000000"/>
+                        </a:solidFill>
+                        <a:uFill>
+                          <a:solidFill>
+                            <a:srgbClr val="ffffff"/>
+                          </a:solidFill>
+                        </a:uFill>
+                        <a:latin typeface="Arial"/>
+                      </a:endParaRPr>
+                    </a:p>
+                    <a:p>
+                      <a:r>
+                        <a:rPr b="0" lang="en-US" sz="1400" spc="-1" strike="noStrike">
+                          <a:solidFill>
+                            <a:srgbClr val="000000"/>
+                          </a:solidFill>
+                          <a:uFill>
+                            <a:solidFill>
+                              <a:srgbClr val="ffffff"/>
+                            </a:solidFill>
+                          </a:uFill>
+                          <a:latin typeface="Courier 10 Pitch"/>
+                        </a:rPr>
+                        <a:t>	</a:t>
+                      </a:r>
+                      <a:r>
+                        <a:rPr b="0" lang="en-US" sz="1400" spc="-1" strike="noStrike">
+                          <a:solidFill>
+                            <a:srgbClr val="000000"/>
+                          </a:solidFill>
+                          <a:uFill>
+                            <a:solidFill>
+                              <a:srgbClr val="ffffff"/>
+                            </a:solidFill>
+                          </a:uFill>
+                          <a:latin typeface="Courier 10 Pitch"/>
+                        </a:rPr>
+                        <a:t>	</a:t>
+                      </a:r>
+                      <a:r>
+                        <a:rPr b="0" lang="en-US" sz="1400" spc="-1" strike="noStrike">
+                          <a:solidFill>
+                            <a:srgbClr val="000000"/>
+                          </a:solidFill>
+                          <a:uFill>
+                            <a:solidFill>
+                              <a:srgbClr val="ffffff"/>
+                            </a:solidFill>
+                          </a:uFill>
+                          <a:latin typeface="Courier 10 Pitch"/>
+                        </a:rPr>
+                        <a:t>	</a:t>
+                      </a:r>
+                      <a:r>
+                        <a:rPr b="0" lang="en-US" sz="1400" spc="-1" strike="noStrike">
+                          <a:solidFill>
+                            <a:srgbClr val="000000"/>
+                          </a:solidFill>
+                          <a:uFill>
+                            <a:solidFill>
+                              <a:srgbClr val="ffffff"/>
+                            </a:solidFill>
+                          </a:uFill>
+                          <a:latin typeface="Courier 10 Pitch"/>
+                        </a:rPr>
+                        <a:t>actualValue: 300.0, </a:t>
+                      </a:r>
+                      <a:endParaRPr b="0" lang="en-US" sz="1800" spc="-1" strike="noStrike">
+                        <a:solidFill>
+                          <a:srgbClr val="000000"/>
+                        </a:solidFill>
+                        <a:uFill>
+                          <a:solidFill>
+                            <a:srgbClr val="ffffff"/>
+                          </a:solidFill>
+                        </a:uFill>
+                        <a:latin typeface="Arial"/>
+                      </a:endParaRPr>
+                    </a:p>
+                    <a:p>
+                      <a:r>
+                        <a:rPr b="0" lang="en-US" sz="1400" spc="-1" strike="noStrike">
+                          <a:solidFill>
+                            <a:srgbClr val="000000"/>
+                          </a:solidFill>
+                          <a:uFill>
+                            <a:solidFill>
+                              <a:srgbClr val="ffffff"/>
+                            </a:solidFill>
+                          </a:uFill>
+                          <a:latin typeface="Courier 10 Pitch"/>
+                        </a:rPr>
+                        <a:t>	</a:t>
+                      </a:r>
+                      <a:r>
+                        <a:rPr b="0" lang="en-US" sz="1400" spc="-1" strike="noStrike">
+                          <a:solidFill>
+                            <a:srgbClr val="000000"/>
+                          </a:solidFill>
+                          <a:uFill>
+                            <a:solidFill>
+                              <a:srgbClr val="ffffff"/>
+                            </a:solidFill>
+                          </a:uFill>
+                          <a:latin typeface="Courier 10 Pitch"/>
+                        </a:rPr>
+                        <a:t>	</a:t>
+                      </a:r>
+                      <a:r>
+                        <a:rPr b="0" lang="en-US" sz="1400" spc="-1" strike="noStrike">
+                          <a:solidFill>
+                            <a:srgbClr val="000000"/>
+                          </a:solidFill>
+                          <a:uFill>
+                            <a:solidFill>
+                              <a:srgbClr val="ffffff"/>
+                            </a:solidFill>
+                          </a:uFill>
+                          <a:latin typeface="Courier 10 Pitch"/>
+                        </a:rPr>
+                        <a:t>	</a:t>
+                      </a:r>
+                      <a:r>
+                        <a:rPr b="0" lang="en-US" sz="1400" spc="-1" strike="noStrike">
+                          <a:solidFill>
+                            <a:srgbClr val="000000"/>
+                          </a:solidFill>
+                          <a:uFill>
+                            <a:solidFill>
+                              <a:srgbClr val="ffffff"/>
+                            </a:solidFill>
+                          </a:uFill>
+                          <a:latin typeface="Courier 10 Pitch"/>
+                        </a:rPr>
+                        <a:t>maximum: 10000.0</a:t>
+                      </a:r>
+                      <a:endParaRPr b="0" lang="en-US" sz="1800" spc="-1" strike="noStrike">
+                        <a:solidFill>
+                          <a:srgbClr val="000000"/>
+                        </a:solidFill>
+                        <a:uFill>
+                          <a:solidFill>
+                            <a:srgbClr val="ffffff"/>
+                          </a:solidFill>
+                        </a:uFill>
+                        <a:latin typeface="Arial"/>
+                      </a:endParaRPr>
+                    </a:p>
+                    <a:p>
+                      <a:r>
+                        <a:rPr b="0" lang="en-US" sz="1400" spc="-1" strike="noStrike">
+                          <a:solidFill>
+                            <a:srgbClr val="000000"/>
+                          </a:solidFill>
+                          <a:uFill>
+                            <a:solidFill>
+                              <a:srgbClr val="ffffff"/>
+                            </a:solidFill>
+                          </a:uFill>
+                          <a:latin typeface="Courier 10 Pitch"/>
+                        </a:rPr>
+                        <a:t>	</a:t>
+                      </a:r>
+                      <a:r>
+                        <a:rPr b="0" lang="en-US" sz="1400" spc="-1" strike="noStrike">
+                          <a:solidFill>
+                            <a:srgbClr val="000000"/>
+                          </a:solidFill>
+                          <a:uFill>
+                            <a:solidFill>
+                              <a:srgbClr val="ffffff"/>
+                            </a:solidFill>
+                          </a:uFill>
+                          <a:latin typeface="Courier 10 Pitch"/>
+                        </a:rPr>
+                        <a:t>	</a:t>
+                      </a:r>
+                      <a:r>
+                        <a:rPr b="0" lang="en-US" sz="1400" spc="-1" strike="noStrike">
+                          <a:solidFill>
+                            <a:srgbClr val="000000"/>
+                          </a:solidFill>
+                          <a:uFill>
+                            <a:solidFill>
+                              <a:srgbClr val="ffffff"/>
+                            </a:solidFill>
+                          </a:uFill>
+                          <a:latin typeface="Courier 10 Pitch"/>
+                        </a:rPr>
+                        <a:t>),</a:t>
+                      </a:r>
+                      <a:endParaRPr b="0" lang="en-US" sz="1800" spc="-1" strike="noStrike">
+                        <a:solidFill>
+                          <a:srgbClr val="000000"/>
+                        </a:solidFill>
+                        <a:uFill>
+                          <a:solidFill>
+                            <a:srgbClr val="ffffff"/>
+                          </a:solidFill>
+                        </a:uFill>
+                        <a:latin typeface="Arial"/>
+                      </a:endParaRPr>
+                    </a:p>
+                    <a:p>
+                      <a:r>
+                        <a:rPr b="0" lang="en-US" sz="1400" spc="-1" strike="noStrike">
+                          <a:solidFill>
+                            <a:srgbClr val="000000"/>
+                          </a:solidFill>
+                          <a:uFill>
+                            <a:solidFill>
+                              <a:srgbClr val="ffffff"/>
+                            </a:solidFill>
+                          </a:uFill>
+                          <a:latin typeface="Courier 10 Pitch"/>
+                        </a:rPr>
+                        <a:t>	</a:t>
+                      </a:r>
+                      <a:r>
+                        <a:rPr b="0" lang="en-US" sz="1400" spc="-1" strike="noStrike">
+                          <a:solidFill>
+                            <a:srgbClr val="000000"/>
+                          </a:solidFill>
+                          <a:uFill>
+                            <a:solidFill>
+                              <a:srgbClr val="ffffff"/>
+                            </a:solidFill>
+                          </a:uFill>
+                          <a:latin typeface="Courier 10 Pitch"/>
+                        </a:rPr>
+                        <a:t>	</a:t>
+                      </a:r>
+                      <a:r>
+                        <a:rPr b="0" lang="en-US" sz="1400" spc="-1" strike="noStrike">
+                          <a:solidFill>
+                            <a:srgbClr val="000000"/>
+                          </a:solidFill>
+                          <a:uFill>
+                            <a:solidFill>
+                              <a:srgbClr val="ffffff"/>
+                            </a:solidFill>
+                          </a:uFill>
+                          <a:latin typeface="Courier 10 Pitch"/>
+                        </a:rPr>
+                        <a:t>connectsTo: 'frequency',</a:t>
+                      </a:r>
+                      <a:endParaRPr b="0" lang="en-US" sz="1800" spc="-1" strike="noStrike">
+                        <a:solidFill>
+                          <a:srgbClr val="000000"/>
+                        </a:solidFill>
+                        <a:uFill>
+                          <a:solidFill>
+                            <a:srgbClr val="ffffff"/>
+                          </a:solidFill>
+                        </a:uFill>
+                        <a:latin typeface="Arial"/>
+                      </a:endParaRPr>
+                    </a:p>
+                    <a:p>
+                      <a:r>
+                        <a:rPr b="0" lang="en-US" sz="1400" spc="-1" strike="noStrike">
+                          <a:solidFill>
+                            <a:srgbClr val="000000"/>
+                          </a:solidFill>
+                          <a:uFill>
+                            <a:solidFill>
+                              <a:srgbClr val="ffffff"/>
+                            </a:solidFill>
+                          </a:uFill>
+                          <a:latin typeface="Courier 10 Pitch"/>
+                        </a:rPr>
+                        <a:t>	</a:t>
+                      </a:r>
+                      <a:r>
+                        <a:rPr b="0" lang="en-US" sz="1400" spc="-1" strike="noStrike">
+                          <a:solidFill>
+                            <a:srgbClr val="000000"/>
+                          </a:solidFill>
+                          <a:uFill>
+                            <a:solidFill>
+                              <a:srgbClr val="ffffff"/>
+                            </a:solidFill>
+                          </a:uFill>
+                          <a:latin typeface="Courier 10 Pitch"/>
+                        </a:rPr>
+                        <a:t>	</a:t>
+                      </a:r>
+                      <a:r>
+                        <a:rPr b="0" lang="en-US" sz="1400" spc="-1" strike="noStrike">
+                          <a:solidFill>
+                            <a:srgbClr val="000000"/>
+                          </a:solidFill>
+                          <a:uFill>
+                            <a:solidFill>
+                              <a:srgbClr val="ffffff"/>
+                            </a:solidFill>
+                          </a:uFill>
+                          <a:latin typeface="Courier 10 Pitch"/>
+                        </a:rPr>
+                        <a:t>time: new LinearRampTime(</a:t>
+                      </a:r>
+                      <a:endParaRPr b="0" lang="en-US" sz="1800" spc="-1" strike="noStrike">
+                        <a:solidFill>
+                          <a:srgbClr val="000000"/>
+                        </a:solidFill>
+                        <a:uFill>
+                          <a:solidFill>
+                            <a:srgbClr val="ffffff"/>
+                          </a:solidFill>
+                        </a:uFill>
+                        <a:latin typeface="Arial"/>
+                      </a:endParaRPr>
+                    </a:p>
+                    <a:p>
+                      <a:r>
+                        <a:rPr b="0" lang="en-US" sz="1400" spc="-1" strike="noStrike">
+                          <a:solidFill>
+                            <a:srgbClr val="000000"/>
+                          </a:solidFill>
+                          <a:uFill>
+                            <a:solidFill>
+                              <a:srgbClr val="ffffff"/>
+                            </a:solidFill>
+                          </a:uFill>
+                          <a:latin typeface="Courier 10 Pitch"/>
+                        </a:rPr>
+                        <a:t>	</a:t>
+                      </a:r>
+                      <a:r>
+                        <a:rPr b="0" lang="en-US" sz="1400" spc="-1" strike="noStrike">
+                          <a:solidFill>
+                            <a:srgbClr val="000000"/>
+                          </a:solidFill>
+                          <a:uFill>
+                            <a:solidFill>
+                              <a:srgbClr val="ffffff"/>
+                            </a:solidFill>
+                          </a:uFill>
+                          <a:latin typeface="Courier 10 Pitch"/>
+                        </a:rPr>
+                        <a:t>	</a:t>
+                      </a:r>
+                      <a:r>
+                        <a:rPr b="0" lang="en-US" sz="1400" spc="-1" strike="noStrike">
+                          <a:solidFill>
+                            <a:srgbClr val="000000"/>
+                          </a:solidFill>
+                          <a:uFill>
+                            <a:solidFill>
+                              <a:srgbClr val="ffffff"/>
+                            </a:solidFill>
+                          </a:uFill>
+                          <a:latin typeface="Courier 10 Pitch"/>
+                        </a:rPr>
+                        <a:t>	</a:t>
+                      </a:r>
+                      <a:r>
+                        <a:rPr b="0" lang="en-US" sz="1400" spc="-1" strike="noStrike">
+                          <a:solidFill>
+                            <a:srgbClr val="000000"/>
+                          </a:solidFill>
+                          <a:uFill>
+                            <a:solidFill>
+                              <a:srgbClr val="ffffff"/>
+                            </a:solidFill>
+                          </a:uFill>
+                          <a:latin typeface="Courier 10 Pitch"/>
+                        </a:rPr>
+                        <a:t>duration: 0.2</a:t>
+                      </a:r>
+                      <a:endParaRPr b="0" lang="en-US" sz="1800" spc="-1" strike="noStrike">
+                        <a:solidFill>
+                          <a:srgbClr val="000000"/>
+                        </a:solidFill>
+                        <a:uFill>
+                          <a:solidFill>
+                            <a:srgbClr val="ffffff"/>
+                          </a:solidFill>
+                        </a:uFill>
+                        <a:latin typeface="Arial"/>
+                      </a:endParaRPr>
+                    </a:p>
+                    <a:p>
+                      <a:r>
+                        <a:rPr b="0" lang="en-US" sz="1400" spc="-1" strike="noStrike">
+                          <a:solidFill>
+                            <a:srgbClr val="000000"/>
+                          </a:solidFill>
+                          <a:uFill>
+                            <a:solidFill>
+                              <a:srgbClr val="ffffff"/>
+                            </a:solidFill>
+                          </a:uFill>
+                          <a:latin typeface="Courier 10 Pitch"/>
+                        </a:rPr>
+                        <a:t>	</a:t>
+                      </a:r>
+                      <a:r>
+                        <a:rPr b="0" lang="en-US" sz="1400" spc="-1" strike="noStrike">
+                          <a:solidFill>
+                            <a:srgbClr val="000000"/>
+                          </a:solidFill>
+                          <a:uFill>
+                            <a:solidFill>
+                              <a:srgbClr val="ffffff"/>
+                            </a:solidFill>
+                          </a:uFill>
+                          <a:latin typeface="Courier 10 Pitch"/>
+                        </a:rPr>
+                        <a:t>	</a:t>
+                      </a:r>
+                      <a:r>
+                        <a:rPr b="0" lang="en-US" sz="1400" spc="-1" strike="noStrike">
+                          <a:solidFill>
+                            <a:srgbClr val="000000"/>
+                          </a:solidFill>
+                          <a:uFill>
+                            <a:solidFill>
+                              <a:srgbClr val="ffffff"/>
+                            </a:solidFill>
+                          </a:uFill>
+                          <a:latin typeface="Courier 10 Pitch"/>
+                        </a:rPr>
+                        <a:t>	</a:t>
+                      </a:r>
+                      <a:r>
+                        <a:rPr b="0" lang="en-US" sz="1400" spc="-1" strike="noStrike">
+                          <a:solidFill>
+                            <a:srgbClr val="000000"/>
+                          </a:solidFill>
+                          <a:uFill>
+                            <a:solidFill>
+                              <a:srgbClr val="ffffff"/>
+                            </a:solidFill>
+                          </a:uFill>
+                          <a:latin typeface="Courier 10 Pitch"/>
+                        </a:rPr>
+                        <a:t>)</a:t>
+                      </a:r>
+                      <a:endParaRPr b="0" lang="en-US" sz="1800" spc="-1" strike="noStrike">
+                        <a:solidFill>
+                          <a:srgbClr val="000000"/>
+                        </a:solidFill>
+                        <a:uFill>
+                          <a:solidFill>
+                            <a:srgbClr val="ffffff"/>
+                          </a:solidFill>
+                        </a:uFill>
+                        <a:latin typeface="Arial"/>
+                      </a:endParaRPr>
+                    </a:p>
+                    <a:p>
+                      <a:r>
+                        <a:rPr b="0" lang="en-US" sz="1400" spc="-1" strike="noStrike">
+                          <a:solidFill>
+                            <a:srgbClr val="000000"/>
+                          </a:solidFill>
+                          <a:uFill>
+                            <a:solidFill>
+                              <a:srgbClr val="ffffff"/>
+                            </a:solidFill>
+                          </a:uFill>
+                          <a:latin typeface="Courier 10 Pitch"/>
+                        </a:rPr>
+                        <a:t>	</a:t>
+                      </a:r>
+                      <a:r>
+                        <a:rPr b="0" lang="en-US" sz="1400" spc="-1" strike="noStrike">
+                          <a:solidFill>
+                            <a:srgbClr val="000000"/>
+                          </a:solidFill>
+                          <a:uFill>
+                            <a:solidFill>
+                              <a:srgbClr val="ffffff"/>
+                            </a:solidFill>
+                          </a:uFill>
+                          <a:latin typeface="Courier 10 Pitch"/>
+                        </a:rPr>
+                        <a:t>	</a:t>
+                      </a:r>
+                      <a:r>
+                        <a:rPr b="0" lang="en-US" sz="1400" spc="-1" strike="noStrike">
+                          <a:solidFill>
+                            <a:srgbClr val="000000"/>
+                          </a:solidFill>
+                          <a:uFill>
+                            <a:solidFill>
+                              <a:srgbClr val="ffffff"/>
+                            </a:solidFill>
+                          </a:uFill>
+                          <a:latin typeface="Courier 10 Pitch"/>
+                        </a:rPr>
+                        <a:t>))</a:t>
+                      </a:r>
+                      <a:endParaRPr b="0" lang="en-US" sz="1800" spc="-1" strike="noStrike">
+                        <a:solidFill>
+                          <a:srgbClr val="000000"/>
+                        </a:solidFill>
+                        <a:uFill>
+                          <a:solidFill>
+                            <a:srgbClr val="ffffff"/>
+                          </a:solidFill>
+                        </a:uFill>
+                        <a:latin typeface="Arial"/>
+                      </a:endParaRPr>
+                    </a:p>
+                  </a:txBody>
+                  <a:tcPr marL="90000" marR="90000">
+                    <a:lnL w="720">
+                      <a:solidFill>
+                        <a:srgbClr val="ffffff"/>
+                      </a:solidFill>
+                    </a:lnL>
+                    <a:lnR w="720">
+                      <a:solidFill>
+                        <a:srgbClr val="ffffff"/>
+                      </a:solidFill>
+                    </a:lnR>
+                    <a:lnT w="720">
+                      <a:solidFill>
+                        <a:srgbClr val="ffffff"/>
+                      </a:solidFill>
+                    </a:lnT>
+                    <a:lnB w="720">
+                      <a:solidFill>
+                        <a:srgbClr val="ffffff"/>
+                      </a:solidFill>
+                    </a:lnB>
+                    <a:solidFill>
+                      <a:srgbClr val="e6e6e6"/>
+                    </a:solidFill>
+                  </a:tcPr>
+                </a:tc>
+                <a:tc>
+                  <a:tcPr marL="90000" marR="90000">
+                    <a:lnL w="720">
+                      <a:solidFill>
+                        <a:srgbClr val="ffffff"/>
+                      </a:solidFill>
+                    </a:lnL>
+                    <a:lnR w="720">
+                      <a:solidFill>
+                        <a:srgbClr val="ffffff"/>
+                      </a:solidFill>
+                    </a:lnR>
+                    <a:lnT w="720">
+                      <a:solidFill>
+                        <a:srgbClr val="ffffff"/>
+                      </a:solidFill>
+                    </a:lnT>
+                    <a:lnB w="720">
+                      <a:solidFill>
+                        <a:srgbClr val="ffffff"/>
+                      </a:solidFill>
+                    </a:lnB>
+                    <a:solidFill>
+                      <a:srgbClr val="e6e6e6"/>
+                    </a:solidFill>
+                  </a:tcPr>
+                </a:tc>
+              </a:tr>
+            </a:tbl>
+          </a:graphicData>
+        </a:graphic>
+      </p:graphicFrame>
     </p:spTree>
   </p:cSld>
   <p:timing>
@@ -8697,14 +9300,14 @@
       </p:grpSpPr>
       <p:sp>
         <p:nvSpPr>
-          <p:cNvPr id="102" name="CustomShape 1"/>
+          <p:cNvPr id="104" name="CustomShape 1"/>
           <p:cNvSpPr/>
           <p:nvPr/>
         </p:nvSpPr>
         <p:spPr>
           <a:xfrm>
             <a:off x="457200" y="32040"/>
-            <a:ext cx="8227440" cy="1140840"/>
+            <a:ext cx="8227080" cy="1140480"/>
           </a:xfrm>
           <a:prstGeom prst="rect">
             <a:avLst/>
@@ -8759,14 +9362,14 @@
       </p:sp>
       <p:sp>
         <p:nvSpPr>
-          <p:cNvPr id="103" name="CustomShape 2"/>
+          <p:cNvPr id="105" name="CustomShape 2"/>
           <p:cNvSpPr/>
           <p:nvPr/>
         </p:nvSpPr>
         <p:spPr>
           <a:xfrm>
             <a:off x="7164360" y="6520320"/>
-            <a:ext cx="1520280" cy="362880"/>
+            <a:ext cx="1519920" cy="362520"/>
           </a:xfrm>
           <a:prstGeom prst="rect">
             <a:avLst/>
@@ -8785,14 +9388,14 @@
       </p:sp>
       <p:sp>
         <p:nvSpPr>
-          <p:cNvPr id="104" name="CustomShape 3"/>
+          <p:cNvPr id="106" name="CustomShape 3"/>
           <p:cNvSpPr/>
           <p:nvPr/>
         </p:nvSpPr>
         <p:spPr>
           <a:xfrm>
             <a:off x="457200" y="1600200"/>
-            <a:ext cx="8227440" cy="4523760"/>
+            <a:ext cx="8227080" cy="4523400"/>
           </a:xfrm>
           <a:prstGeom prst="rect">
             <a:avLst/>
@@ -8811,7 +9414,7 @@
         <p:txBody>
           <a:bodyPr lIns="90000" rIns="90000" tIns="45000" bIns="45000"/>
           <a:p>
-            <a:pPr marL="343080" indent="-340920">
+            <a:pPr marL="343080" indent="-340560">
               <a:lnSpc>
                 <a:spcPct val="100000"/>
               </a:lnSpc>
@@ -8834,7 +9437,7 @@
                 <a:latin typeface="Calibri"/>
                 <a:ea typeface="DejaVu Sans"/>
               </a:rPr>
-              <a:t>Define Controllers and Filters </a:t>
+              <a:t>Define Oscillators </a:t>
             </a:r>
             <a:endParaRPr b="0" lang="en-US" sz="1800" spc="-1" strike="noStrike">
               <a:solidFill>
@@ -8870,26 +9473,25 @@
       </p:sp>
       <p:graphicFrame>
         <p:nvGraphicFramePr>
-          <p:cNvPr id="105" name="Table 4"/>
+          <p:cNvPr id="107" name="Table 4"/>
           <p:cNvGraphicFramePr/>
           <p:nvPr/>
         </p:nvGraphicFramePr>
         <p:xfrm>
-          <a:off x="866160" y="2134080"/>
-          <a:ext cx="7818480" cy="4749480"/>
+          <a:off x="1760760" y="2600640"/>
+          <a:ext cx="5075280" cy="719280"/>
         </p:xfrm>
         <a:graphic>
           <a:graphicData uri="http://schemas.openxmlformats.org/drawingml/2006/table">
             <a:tbl>
               <a:tblPr/>
               <a:tblGrid>
-                <a:gridCol w="4056120"/>
-                <a:gridCol w="3762360"/>
+                <a:gridCol w="5075640"/>
               </a:tblGrid>
               <a:tr h="719640">
                 <a:tc>
                   <a:txBody>
-                    <a:bodyPr lIns="90000" rIns="90000" tIns="46800" bIns="46800"/>
+                    <a:bodyPr lIns="90000" rIns="90000"/>
                     <a:p>
                       <a:r>
                         <a:rPr b="0" lang="en-US" sz="1400" spc="-1" strike="noStrike">
@@ -8903,9 +9505,9 @@
                           </a:uFill>
                           <a:latin typeface="Courier 10 Pitch"/>
                         </a:rPr>
-                        <a:t>controls</a:t>
-                      </a:r>
-                      <a:endParaRPr b="0" lang="en-US" sz="1400" spc="-1" strike="noStrike">
+                        <a:t>oscillators</a:t>
+                      </a:r>
+                      <a:endParaRPr b="0" lang="en-US" sz="1800" spc="-1" strike="noStrike">
                         <a:solidFill>
                           <a:srgbClr val="000000"/>
                         </a:solidFill>
@@ -8944,9 +9546,9 @@
                           </a:uFill>
                           <a:latin typeface="Courier 10 Pitch"/>
                         </a:rPr>
-                        <a:t>.add(new RotaryKnob(</a:t>
-                      </a:r>
-                      <a:endParaRPr b="0" lang="en-US" sz="1400" spc="-1" strike="noStrike">
+                        <a:t>.add(new Oscillator(</a:t>
+                      </a:r>
+                      <a:endParaRPr b="0" lang="en-US" sz="1800" spc="-1" strike="noStrike">
                         <a:solidFill>
                           <a:srgbClr val="000000"/>
                         </a:solidFill>
@@ -9013,9 +9615,9 @@
                           </a:uFill>
                           <a:latin typeface="Courier 10 Pitch"/>
                         </a:rPr>
-                        <a:t>type: 'knob',</a:t>
-                      </a:r>
-                      <a:endParaRPr b="0" lang="en-US" sz="1400" spc="-1" strike="noStrike">
+                        <a:t>name: 'myFirstOsc',</a:t>
+                      </a:r>
+                      <a:endParaRPr b="0" lang="en-US" sz="1800" spc="-1" strike="noStrike">
                         <a:solidFill>
                           <a:srgbClr val="000000"/>
                         </a:solidFill>
@@ -9082,9 +9684,9 @@
                           </a:uFill>
                           <a:latin typeface="Courier 10 Pitch"/>
                         </a:rPr>
-                        <a:t>name: 'myKnob',</a:t>
-                      </a:r>
-                      <a:endParaRPr b="0" lang="en-US" sz="1400" spc="-1" strike="noStrike">
+                        <a:t>type: 'SineOscillator',</a:t>
+                      </a:r>
+                      <a:endParaRPr b="0" lang="en-US" sz="1800" spc="-1" strike="noStrike">
                         <a:solidFill>
                           <a:srgbClr val="000000"/>
                         </a:solidFill>
@@ -9151,9 +9753,9 @@
                           </a:uFill>
                           <a:latin typeface="Courier 10 Pitch"/>
                         </a:rPr>
-                        <a:t>digits: 5</a:t>
-                      </a:r>
-                      <a:endParaRPr b="0" lang="en-US" sz="1400" spc="-1" strike="noStrike">
+                        <a:t>amplitude: new Amplitude(</a:t>
+                      </a:r>
+                      <a:endParaRPr b="0" lang="en-US" sz="1800" spc="-1" strike="noStrike">
                         <a:solidFill>
                           <a:srgbClr val="000000"/>
                         </a:solidFill>
@@ -9206,9 +9808,700 @@
                           </a:uFill>
                           <a:latin typeface="Courier 10 Pitch"/>
                         </a:rPr>
+                        <a:t>	</a:t>
+                      </a:r>
+                      <a:r>
+                        <a:rPr b="0" lang="en-US" sz="1400" spc="-1" strike="noStrike">
+                          <a:solidFill>
+                            <a:srgbClr val="000000"/>
+                          </a:solidFill>
+                          <a:uFill>
+                            <a:solidFill>
+                              <a:srgbClr val="ffffff"/>
+                            </a:solidFill>
+                          </a:uFill>
+                          <a:latin typeface="Courier 10 Pitch"/>
+                        </a:rPr>
+                        <a:t>	</a:t>
+                      </a:r>
+                      <a:r>
+                        <a:rPr b="0" lang="en-US" sz="1400" spc="-1" strike="noStrike">
+                          <a:solidFill>
+                            <a:srgbClr val="000000"/>
+                          </a:solidFill>
+                          <a:uFill>
+                            <a:solidFill>
+                              <a:srgbClr val="ffffff"/>
+                            </a:solidFill>
+                          </a:uFill>
+                          <a:latin typeface="Courier 10 Pitch"/>
+                        </a:rPr>
+                        <a:t>minimum : 0.0,</a:t>
+                      </a:r>
+                      <a:endParaRPr b="0" lang="en-US" sz="1800" spc="-1" strike="noStrike">
+                        <a:solidFill>
+                          <a:srgbClr val="000000"/>
+                        </a:solidFill>
+                        <a:uFill>
+                          <a:solidFill>
+                            <a:srgbClr val="ffffff"/>
+                          </a:solidFill>
+                        </a:uFill>
+                        <a:latin typeface="Courier 10 Pitch"/>
+                      </a:endParaRPr>
+                    </a:p>
+                    <a:p>
+                      <a:r>
+                        <a:rPr b="0" lang="en-US" sz="1400" spc="-1" strike="noStrike">
+                          <a:solidFill>
+                            <a:srgbClr val="000000"/>
+                          </a:solidFill>
+                          <a:uFill>
+                            <a:solidFill>
+                              <a:srgbClr val="ffffff"/>
+                            </a:solidFill>
+                          </a:uFill>
+                          <a:latin typeface="Courier 10 Pitch"/>
+                        </a:rPr>
+                        <a:t>	</a:t>
+                      </a:r>
+                      <a:r>
+                        <a:rPr b="0" lang="en-US" sz="1400" spc="-1" strike="noStrike">
+                          <a:solidFill>
+                            <a:srgbClr val="000000"/>
+                          </a:solidFill>
+                          <a:uFill>
+                            <a:solidFill>
+                              <a:srgbClr val="ffffff"/>
+                            </a:solidFill>
+                          </a:uFill>
+                          <a:latin typeface="Courier 10 Pitch"/>
+                        </a:rPr>
+                        <a:t>	</a:t>
+                      </a:r>
+                      <a:r>
+                        <a:rPr b="0" lang="en-US" sz="1400" spc="-1" strike="noStrike">
+                          <a:solidFill>
+                            <a:srgbClr val="000000"/>
+                          </a:solidFill>
+                          <a:uFill>
+                            <a:solidFill>
+                              <a:srgbClr val="ffffff"/>
+                            </a:solidFill>
+                          </a:uFill>
+                          <a:latin typeface="Courier 10 Pitch"/>
+                        </a:rPr>
+                        <a:t>	</a:t>
+                      </a:r>
+                      <a:r>
+                        <a:rPr b="0" lang="en-US" sz="1400" spc="-1" strike="noStrike">
+                          <a:solidFill>
+                            <a:srgbClr val="000000"/>
+                          </a:solidFill>
+                          <a:uFill>
+                            <a:solidFill>
+                              <a:srgbClr val="ffffff"/>
+                            </a:solidFill>
+                          </a:uFill>
+                          <a:latin typeface="Courier 10 Pitch"/>
+                        </a:rPr>
+                        <a:t>	</a:t>
+                      </a:r>
+                      <a:r>
+                        <a:rPr b="0" lang="en-US" sz="1400" spc="-1" strike="noStrike">
+                          <a:solidFill>
+                            <a:srgbClr val="000000"/>
+                          </a:solidFill>
+                          <a:uFill>
+                            <a:solidFill>
+                              <a:srgbClr val="ffffff"/>
+                            </a:solidFill>
+                          </a:uFill>
+                          <a:latin typeface="Courier 10 Pitch"/>
+                        </a:rPr>
+                        <a:t>maximum : 1.0,</a:t>
+                      </a:r>
+                      <a:endParaRPr b="0" lang="en-US" sz="1800" spc="-1" strike="noStrike">
+                        <a:solidFill>
+                          <a:srgbClr val="000000"/>
+                        </a:solidFill>
+                        <a:uFill>
+                          <a:solidFill>
+                            <a:srgbClr val="ffffff"/>
+                          </a:solidFill>
+                        </a:uFill>
+                        <a:latin typeface="Courier 10 Pitch"/>
+                      </a:endParaRPr>
+                    </a:p>
+                    <a:p>
+                      <a:r>
+                        <a:rPr b="0" lang="en-US" sz="1400" spc="-1" strike="noStrike">
+                          <a:solidFill>
+                            <a:srgbClr val="000000"/>
+                          </a:solidFill>
+                          <a:uFill>
+                            <a:solidFill>
+                              <a:srgbClr val="ffffff"/>
+                            </a:solidFill>
+                          </a:uFill>
+                          <a:latin typeface="Courier 10 Pitch"/>
+                        </a:rPr>
+                        <a:t>	</a:t>
+                      </a:r>
+                      <a:r>
+                        <a:rPr b="0" lang="en-US" sz="1400" spc="-1" strike="noStrike">
+                          <a:solidFill>
+                            <a:srgbClr val="000000"/>
+                          </a:solidFill>
+                          <a:uFill>
+                            <a:solidFill>
+                              <a:srgbClr val="ffffff"/>
+                            </a:solidFill>
+                          </a:uFill>
+                          <a:latin typeface="Courier 10 Pitch"/>
+                        </a:rPr>
+                        <a:t>	</a:t>
+                      </a:r>
+                      <a:r>
+                        <a:rPr b="0" lang="en-US" sz="1400" spc="-1" strike="noStrike">
+                          <a:solidFill>
+                            <a:srgbClr val="000000"/>
+                          </a:solidFill>
+                          <a:uFill>
+                            <a:solidFill>
+                              <a:srgbClr val="ffffff"/>
+                            </a:solidFill>
+                          </a:uFill>
+                          <a:latin typeface="Courier 10 Pitch"/>
+                        </a:rPr>
+                        <a:t>	</a:t>
+                      </a:r>
+                      <a:r>
+                        <a:rPr b="0" lang="en-US" sz="1400" spc="-1" strike="noStrike">
+                          <a:solidFill>
+                            <a:srgbClr val="000000"/>
+                          </a:solidFill>
+                          <a:uFill>
+                            <a:solidFill>
+                              <a:srgbClr val="ffffff"/>
+                            </a:solidFill>
+                          </a:uFill>
+                          <a:latin typeface="Courier 10 Pitch"/>
+                        </a:rPr>
+                        <a:t>	</a:t>
+                      </a:r>
+                      <a:r>
+                        <a:rPr b="0" lang="en-US" sz="1400" spc="-1" strike="noStrike">
+                          <a:solidFill>
+                            <a:srgbClr val="000000"/>
+                          </a:solidFill>
+                          <a:uFill>
+                            <a:solidFill>
+                              <a:srgbClr val="ffffff"/>
+                            </a:solidFill>
+                          </a:uFill>
+                          <a:latin typeface="Courier 10 Pitch"/>
+                        </a:rPr>
+                        <a:t>defaultValue : 0.5</a:t>
+                      </a:r>
+                      <a:endParaRPr b="0" lang="en-US" sz="1800" spc="-1" strike="noStrike">
+                        <a:solidFill>
+                          <a:srgbClr val="000000"/>
+                        </a:solidFill>
+                        <a:uFill>
+                          <a:solidFill>
+                            <a:srgbClr val="ffffff"/>
+                          </a:solidFill>
+                        </a:uFill>
+                        <a:latin typeface="Courier 10 Pitch"/>
+                      </a:endParaRPr>
+                    </a:p>
+                    <a:p>
+                      <a:r>
+                        <a:rPr b="0" lang="en-US" sz="1400" spc="-1" strike="noStrike">
+                          <a:solidFill>
+                            <a:srgbClr val="000000"/>
+                          </a:solidFill>
+                          <a:uFill>
+                            <a:solidFill>
+                              <a:srgbClr val="ffffff"/>
+                            </a:solidFill>
+                          </a:uFill>
+                          <a:latin typeface="Courier 10 Pitch"/>
+                        </a:rPr>
+                        <a:t>	</a:t>
+                      </a:r>
+                      <a:r>
+                        <a:rPr b="0" lang="en-US" sz="1400" spc="-1" strike="noStrike">
+                          <a:solidFill>
+                            <a:srgbClr val="000000"/>
+                          </a:solidFill>
+                          <a:uFill>
+                            <a:solidFill>
+                              <a:srgbClr val="ffffff"/>
+                            </a:solidFill>
+                          </a:uFill>
+                          <a:latin typeface="Courier 10 Pitch"/>
+                        </a:rPr>
+                        <a:t>	</a:t>
+                      </a:r>
+                      <a:r>
+                        <a:rPr b="0" lang="en-US" sz="1400" spc="-1" strike="noStrike">
+                          <a:solidFill>
+                            <a:srgbClr val="000000"/>
+                          </a:solidFill>
+                          <a:uFill>
+                            <a:solidFill>
+                              <a:srgbClr val="ffffff"/>
+                            </a:solidFill>
+                          </a:uFill>
+                          <a:latin typeface="Courier 10 Pitch"/>
+                        </a:rPr>
+                        <a:t>	</a:t>
+                      </a:r>
+                      <a:r>
+                        <a:rPr b="0" lang="en-US" sz="1400" spc="-1" strike="noStrike">
+                          <a:solidFill>
+                            <a:srgbClr val="000000"/>
+                          </a:solidFill>
+                          <a:uFill>
+                            <a:solidFill>
+                              <a:srgbClr val="ffffff"/>
+                            </a:solidFill>
+                          </a:uFill>
+                          <a:latin typeface="Courier 10 Pitch"/>
+                        </a:rPr>
+                        <a:t>),</a:t>
+                      </a:r>
+                      <a:endParaRPr b="0" lang="en-US" sz="1800" spc="-1" strike="noStrike">
+                        <a:solidFill>
+                          <a:srgbClr val="000000"/>
+                        </a:solidFill>
+                        <a:uFill>
+                          <a:solidFill>
+                            <a:srgbClr val="ffffff"/>
+                          </a:solidFill>
+                        </a:uFill>
+                        <a:latin typeface="Courier 10 Pitch"/>
+                      </a:endParaRPr>
+                    </a:p>
+                    <a:p>
+                      <a:r>
+                        <a:rPr b="0" lang="en-US" sz="1400" spc="-1" strike="noStrike">
+                          <a:solidFill>
+                            <a:srgbClr val="000000"/>
+                          </a:solidFill>
+                          <a:uFill>
+                            <a:solidFill>
+                              <a:srgbClr val="ffffff"/>
+                            </a:solidFill>
+                          </a:uFill>
+                          <a:latin typeface="Courier 10 Pitch"/>
+                        </a:rPr>
+                        <a:t>	</a:t>
+                      </a:r>
+                      <a:r>
+                        <a:rPr b="0" lang="en-US" sz="1400" spc="-1" strike="noStrike">
+                          <a:solidFill>
+                            <a:srgbClr val="000000"/>
+                          </a:solidFill>
+                          <a:uFill>
+                            <a:solidFill>
+                              <a:srgbClr val="ffffff"/>
+                            </a:solidFill>
+                          </a:uFill>
+                          <a:latin typeface="Courier 10 Pitch"/>
+                        </a:rPr>
+                        <a:t>	</a:t>
+                      </a:r>
+                      <a:r>
+                        <a:rPr b="0" lang="en-US" sz="1400" spc="-1" strike="noStrike">
+                          <a:solidFill>
+                            <a:srgbClr val="000000"/>
+                          </a:solidFill>
+                          <a:uFill>
+                            <a:solidFill>
+                              <a:srgbClr val="ffffff"/>
+                            </a:solidFill>
+                          </a:uFill>
+                          <a:latin typeface="Courier 10 Pitch"/>
+                        </a:rPr>
+                        <a:t>	</a:t>
+                      </a:r>
+                      <a:r>
+                        <a:rPr b="0" lang="en-US" sz="1400" spc="-1" strike="noStrike">
+                          <a:solidFill>
+                            <a:srgbClr val="000000"/>
+                          </a:solidFill>
+                          <a:uFill>
+                            <a:solidFill>
+                              <a:srgbClr val="ffffff"/>
+                            </a:solidFill>
+                          </a:uFill>
+                          <a:latin typeface="Courier 10 Pitch"/>
+                        </a:rPr>
+                        <a:t>frequency: new Frequency(</a:t>
+                      </a:r>
+                      <a:endParaRPr b="0" lang="en-US" sz="1800" spc="-1" strike="noStrike">
+                        <a:solidFill>
+                          <a:srgbClr val="000000"/>
+                        </a:solidFill>
+                        <a:uFill>
+                          <a:solidFill>
+                            <a:srgbClr val="ffffff"/>
+                          </a:solidFill>
+                        </a:uFill>
+                        <a:latin typeface="Courier 10 Pitch"/>
+                      </a:endParaRPr>
+                    </a:p>
+                    <a:p>
+                      <a:r>
+                        <a:rPr b="0" lang="en-US" sz="1400" spc="-1" strike="noStrike">
+                          <a:solidFill>
+                            <a:srgbClr val="000000"/>
+                          </a:solidFill>
+                          <a:uFill>
+                            <a:solidFill>
+                              <a:srgbClr val="ffffff"/>
+                            </a:solidFill>
+                          </a:uFill>
+                          <a:latin typeface="Courier 10 Pitch"/>
+                        </a:rPr>
+                        <a:t>	</a:t>
+                      </a:r>
+                      <a:r>
+                        <a:rPr b="0" lang="en-US" sz="1400" spc="-1" strike="noStrike">
+                          <a:solidFill>
+                            <a:srgbClr val="000000"/>
+                          </a:solidFill>
+                          <a:uFill>
+                            <a:solidFill>
+                              <a:srgbClr val="ffffff"/>
+                            </a:solidFill>
+                          </a:uFill>
+                          <a:latin typeface="Courier 10 Pitch"/>
+                        </a:rPr>
+                        <a:t>	</a:t>
+                      </a:r>
+                      <a:r>
+                        <a:rPr b="0" lang="en-US" sz="1400" spc="-1" strike="noStrike">
+                          <a:solidFill>
+                            <a:srgbClr val="000000"/>
+                          </a:solidFill>
+                          <a:uFill>
+                            <a:solidFill>
+                              <a:srgbClr val="ffffff"/>
+                            </a:solidFill>
+                          </a:uFill>
+                          <a:latin typeface="Courier 10 Pitch"/>
+                        </a:rPr>
+                        <a:t>	</a:t>
+                      </a:r>
+                      <a:r>
+                        <a:rPr b="0" lang="en-US" sz="1400" spc="-1" strike="noStrike">
+                          <a:solidFill>
+                            <a:srgbClr val="000000"/>
+                          </a:solidFill>
+                          <a:uFill>
+                            <a:solidFill>
+                              <a:srgbClr val="ffffff"/>
+                            </a:solidFill>
+                          </a:uFill>
+                          <a:latin typeface="Courier 10 Pitch"/>
+                        </a:rPr>
+                        <a:t>	</a:t>
+                      </a:r>
+                      <a:r>
+                        <a:rPr b="0" lang="en-US" sz="1400" spc="-1" strike="noStrike">
+                          <a:solidFill>
+                            <a:srgbClr val="000000"/>
+                          </a:solidFill>
+                          <a:uFill>
+                            <a:solidFill>
+                              <a:srgbClr val="ffffff"/>
+                            </a:solidFill>
+                          </a:uFill>
+                          <a:latin typeface="Courier 10 Pitch"/>
+                        </a:rPr>
+                        <a:t>minimum : 50.0,</a:t>
+                      </a:r>
+                      <a:endParaRPr b="0" lang="en-US" sz="1800" spc="-1" strike="noStrike">
+                        <a:solidFill>
+                          <a:srgbClr val="000000"/>
+                        </a:solidFill>
+                        <a:uFill>
+                          <a:solidFill>
+                            <a:srgbClr val="ffffff"/>
+                          </a:solidFill>
+                        </a:uFill>
+                        <a:latin typeface="Courier 10 Pitch"/>
+                      </a:endParaRPr>
+                    </a:p>
+                    <a:p>
+                      <a:r>
+                        <a:rPr b="0" lang="en-US" sz="1400" spc="-1" strike="noStrike">
+                          <a:solidFill>
+                            <a:srgbClr val="000000"/>
+                          </a:solidFill>
+                          <a:uFill>
+                            <a:solidFill>
+                              <a:srgbClr val="ffffff"/>
+                            </a:solidFill>
+                          </a:uFill>
+                          <a:latin typeface="Courier 10 Pitch"/>
+                        </a:rPr>
+                        <a:t>	</a:t>
+                      </a:r>
+                      <a:r>
+                        <a:rPr b="0" lang="en-US" sz="1400" spc="-1" strike="noStrike">
+                          <a:solidFill>
+                            <a:srgbClr val="000000"/>
+                          </a:solidFill>
+                          <a:uFill>
+                            <a:solidFill>
+                              <a:srgbClr val="ffffff"/>
+                            </a:solidFill>
+                          </a:uFill>
+                          <a:latin typeface="Courier 10 Pitch"/>
+                        </a:rPr>
+                        <a:t>	</a:t>
+                      </a:r>
+                      <a:r>
+                        <a:rPr b="0" lang="en-US" sz="1400" spc="-1" strike="noStrike">
+                          <a:solidFill>
+                            <a:srgbClr val="000000"/>
+                          </a:solidFill>
+                          <a:uFill>
+                            <a:solidFill>
+                              <a:srgbClr val="ffffff"/>
+                            </a:solidFill>
+                          </a:uFill>
+                          <a:latin typeface="Courier 10 Pitch"/>
+                        </a:rPr>
+                        <a:t>	</a:t>
+                      </a:r>
+                      <a:r>
+                        <a:rPr b="0" lang="en-US" sz="1400" spc="-1" strike="noStrike">
+                          <a:solidFill>
+                            <a:srgbClr val="000000"/>
+                          </a:solidFill>
+                          <a:uFill>
+                            <a:solidFill>
+                              <a:srgbClr val="ffffff"/>
+                            </a:solidFill>
+                          </a:uFill>
+                          <a:latin typeface="Courier 10 Pitch"/>
+                        </a:rPr>
+                        <a:t>	</a:t>
+                      </a:r>
+                      <a:r>
+                        <a:rPr b="0" lang="en-US" sz="1400" spc="-1" strike="noStrike">
+                          <a:solidFill>
+                            <a:srgbClr val="000000"/>
+                          </a:solidFill>
+                          <a:uFill>
+                            <a:solidFill>
+                              <a:srgbClr val="ffffff"/>
+                            </a:solidFill>
+                          </a:uFill>
+                          <a:latin typeface="Courier 10 Pitch"/>
+                        </a:rPr>
+                        <a:t>maximum : 10000.0,</a:t>
+                      </a:r>
+                      <a:endParaRPr b="0" lang="en-US" sz="1800" spc="-1" strike="noStrike">
+                        <a:solidFill>
+                          <a:srgbClr val="000000"/>
+                        </a:solidFill>
+                        <a:uFill>
+                          <a:solidFill>
+                            <a:srgbClr val="ffffff"/>
+                          </a:solidFill>
+                        </a:uFill>
+                        <a:latin typeface="Courier 10 Pitch"/>
+                      </a:endParaRPr>
+                    </a:p>
+                    <a:p>
+                      <a:r>
+                        <a:rPr b="0" lang="en-US" sz="1400" spc="-1" strike="noStrike">
+                          <a:solidFill>
+                            <a:srgbClr val="000000"/>
+                          </a:solidFill>
+                          <a:uFill>
+                            <a:solidFill>
+                              <a:srgbClr val="ffffff"/>
+                            </a:solidFill>
+                          </a:uFill>
+                          <a:latin typeface="Courier 10 Pitch"/>
+                        </a:rPr>
+                        <a:t>	</a:t>
+                      </a:r>
+                      <a:r>
+                        <a:rPr b="0" lang="en-US" sz="1400" spc="-1" strike="noStrike">
+                          <a:solidFill>
+                            <a:srgbClr val="000000"/>
+                          </a:solidFill>
+                          <a:uFill>
+                            <a:solidFill>
+                              <a:srgbClr val="ffffff"/>
+                            </a:solidFill>
+                          </a:uFill>
+                          <a:latin typeface="Courier 10 Pitch"/>
+                        </a:rPr>
+                        <a:t>	</a:t>
+                      </a:r>
+                      <a:r>
+                        <a:rPr b="0" lang="en-US" sz="1400" spc="-1" strike="noStrike">
+                          <a:solidFill>
+                            <a:srgbClr val="000000"/>
+                          </a:solidFill>
+                          <a:uFill>
+                            <a:solidFill>
+                              <a:srgbClr val="ffffff"/>
+                            </a:solidFill>
+                          </a:uFill>
+                          <a:latin typeface="Courier 10 Pitch"/>
+                        </a:rPr>
+                        <a:t>	</a:t>
+                      </a:r>
+                      <a:r>
+                        <a:rPr b="0" lang="en-US" sz="1400" spc="-1" strike="noStrike">
+                          <a:solidFill>
+                            <a:srgbClr val="000000"/>
+                          </a:solidFill>
+                          <a:uFill>
+                            <a:solidFill>
+                              <a:srgbClr val="ffffff"/>
+                            </a:solidFill>
+                          </a:uFill>
+                          <a:latin typeface="Courier 10 Pitch"/>
+                        </a:rPr>
+                        <a:t>	</a:t>
+                      </a:r>
+                      <a:r>
+                        <a:rPr b="0" lang="en-US" sz="1400" spc="-1" strike="noStrike">
+                          <a:solidFill>
+                            <a:srgbClr val="000000"/>
+                          </a:solidFill>
+                          <a:uFill>
+                            <a:solidFill>
+                              <a:srgbClr val="ffffff"/>
+                            </a:solidFill>
+                          </a:uFill>
+                          <a:latin typeface="Courier 10 Pitch"/>
+                        </a:rPr>
+                        <a:t>defaultValue : 300.0</a:t>
+                      </a:r>
+                      <a:endParaRPr b="0" lang="en-US" sz="1800" spc="-1" strike="noStrike">
+                        <a:solidFill>
+                          <a:srgbClr val="000000"/>
+                        </a:solidFill>
+                        <a:uFill>
+                          <a:solidFill>
+                            <a:srgbClr val="ffffff"/>
+                          </a:solidFill>
+                        </a:uFill>
+                        <a:latin typeface="Courier 10 Pitch"/>
+                      </a:endParaRPr>
+                    </a:p>
+                    <a:p>
+                      <a:r>
+                        <a:rPr b="0" lang="en-US" sz="1400" spc="-1" strike="noStrike">
+                          <a:solidFill>
+                            <a:srgbClr val="000000"/>
+                          </a:solidFill>
+                          <a:uFill>
+                            <a:solidFill>
+                              <a:srgbClr val="ffffff"/>
+                            </a:solidFill>
+                          </a:uFill>
+                          <a:latin typeface="Courier 10 Pitch"/>
+                        </a:rPr>
+                        <a:t>	</a:t>
+                      </a:r>
+                      <a:r>
+                        <a:rPr b="0" lang="en-US" sz="1400" spc="-1" strike="noStrike">
+                          <a:solidFill>
+                            <a:srgbClr val="000000"/>
+                          </a:solidFill>
+                          <a:uFill>
+                            <a:solidFill>
+                              <a:srgbClr val="ffffff"/>
+                            </a:solidFill>
+                          </a:uFill>
+                          <a:latin typeface="Courier 10 Pitch"/>
+                        </a:rPr>
+                        <a:t>	</a:t>
+                      </a:r>
+                      <a:r>
+                        <a:rPr b="0" lang="en-US" sz="1400" spc="-1" strike="noStrike">
+                          <a:solidFill>
+                            <a:srgbClr val="000000"/>
+                          </a:solidFill>
+                          <a:uFill>
+                            <a:solidFill>
+                              <a:srgbClr val="ffffff"/>
+                            </a:solidFill>
+                          </a:uFill>
+                          <a:latin typeface="Courier 10 Pitch"/>
+                        </a:rPr>
+                        <a:t>	</a:t>
+                      </a:r>
+                      <a:r>
+                        <a:rPr b="0" lang="en-US" sz="1400" spc="-1" strike="noStrike">
+                          <a:solidFill>
+                            <a:srgbClr val="000000"/>
+                          </a:solidFill>
+                          <a:uFill>
+                            <a:solidFill>
+                              <a:srgbClr val="ffffff"/>
+                            </a:solidFill>
+                          </a:uFill>
+                          <a:latin typeface="Courier 10 Pitch"/>
+                        </a:rPr>
+                        <a:t>)</a:t>
+                      </a:r>
+                      <a:endParaRPr b="0" lang="en-US" sz="1800" spc="-1" strike="noStrike">
+                        <a:solidFill>
+                          <a:srgbClr val="000000"/>
+                        </a:solidFill>
+                        <a:uFill>
+                          <a:solidFill>
+                            <a:srgbClr val="ffffff"/>
+                          </a:solidFill>
+                        </a:uFill>
+                        <a:latin typeface="Courier 10 Pitch"/>
+                      </a:endParaRPr>
+                    </a:p>
+                    <a:p>
+                      <a:r>
+                        <a:rPr b="0" lang="en-US" sz="1400" spc="-1" strike="noStrike">
+                          <a:solidFill>
+                            <a:srgbClr val="000000"/>
+                          </a:solidFill>
+                          <a:uFill>
+                            <a:solidFill>
+                              <a:srgbClr val="ffffff"/>
+                            </a:solidFill>
+                          </a:uFill>
+                          <a:latin typeface="Courier 10 Pitch"/>
+                        </a:rPr>
+                        <a:t>	</a:t>
+                      </a:r>
+                      <a:r>
+                        <a:rPr b="0" lang="en-US" sz="1400" spc="-1" strike="noStrike">
+                          <a:solidFill>
+                            <a:srgbClr val="000000"/>
+                          </a:solidFill>
+                          <a:uFill>
+                            <a:solidFill>
+                              <a:srgbClr val="ffffff"/>
+                            </a:solidFill>
+                          </a:uFill>
+                          <a:latin typeface="Courier 10 Pitch"/>
+                        </a:rPr>
                         <a:t>))</a:t>
                       </a:r>
-                      <a:endParaRPr b="0" lang="en-US" sz="1400" spc="-1" strike="noStrike">
+                      <a:endParaRPr b="0" lang="en-US" sz="1800" spc="-1" strike="noStrike">
                         <a:solidFill>
                           <a:srgbClr val="000000"/>
                         </a:solidFill>
@@ -9221,1126 +10514,6 @@
                       </a:endParaRPr>
                     </a:p>
                   </a:txBody>
-                  <a:tcPr marL="90000" marR="90000">
-                    <a:lnL w="720">
-                      <a:solidFill>
-                        <a:srgbClr val="ffffff"/>
-                      </a:solidFill>
-                    </a:lnL>
-                    <a:lnR w="720">
-                      <a:solidFill>
-                        <a:srgbClr val="ffffff"/>
-                      </a:solidFill>
-                    </a:lnR>
-                    <a:lnT w="720">
-                      <a:solidFill>
-                        <a:srgbClr val="ffffff"/>
-                      </a:solidFill>
-                    </a:lnT>
-                    <a:lnB w="720">
-                      <a:solidFill>
-                        <a:srgbClr val="ffffff"/>
-                      </a:solidFill>
-                    </a:lnB>
-                    <a:solidFill>
-                      <a:srgbClr val="e6e6e6"/>
-                    </a:solidFill>
-                  </a:tcPr>
-                </a:tc>
-                <a:tc>
-                  <a:txBody>
-                    <a:bodyPr lIns="90000" rIns="90000" tIns="46800" bIns="46800"/>
-                    <a:p>
-                      <a:r>
-                        <a:rPr b="0" lang="en-US" sz="1400" spc="-1" strike="noStrike">
-                          <a:solidFill>
-                            <a:srgbClr val="000000"/>
-                          </a:solidFill>
-                          <a:uFill>
-                            <a:solidFill>
-                              <a:srgbClr val="ffffff"/>
-                            </a:solidFill>
-                          </a:uFill>
-                          <a:latin typeface="Courier 10 Pitch"/>
-                        </a:rPr>
-                        <a:t>controls</a:t>
-                      </a:r>
-                      <a:endParaRPr b="0" lang="en-US" sz="1400" spc="-1" strike="noStrike">
-                        <a:solidFill>
-                          <a:srgbClr val="000000"/>
-                        </a:solidFill>
-                        <a:uFill>
-                          <a:solidFill>
-                            <a:srgbClr val="ffffff"/>
-                          </a:solidFill>
-                        </a:uFill>
-                        <a:latin typeface="Courier 10 Pitch"/>
-                      </a:endParaRPr>
-                    </a:p>
-                    <a:p>
-                      <a:r>
-                        <a:rPr b="0" lang="en-US" sz="1400" spc="-1" strike="noStrike">
-                          <a:solidFill>
-                            <a:srgbClr val="000000"/>
-                          </a:solidFill>
-                          <a:uFill>
-                            <a:solidFill>
-                              <a:srgbClr val="ffffff"/>
-                            </a:solidFill>
-                          </a:uFill>
-                          <a:latin typeface="Courier 10 Pitch"/>
-                        </a:rPr>
-                        <a:t>	</a:t>
-                      </a:r>
-                      <a:r>
-                        <a:rPr b="0" lang="en-US" sz="1400" spc="-1" strike="noStrike">
-                          <a:solidFill>
-                            <a:srgbClr val="000000"/>
-                          </a:solidFill>
-                          <a:uFill>
-                            <a:solidFill>
-                              <a:srgbClr val="ffffff"/>
-                            </a:solidFill>
-                          </a:uFill>
-                          <a:latin typeface="Courier 10 Pitch"/>
-                        </a:rPr>
-                        <a:t>.add(new Slider(</a:t>
-                      </a:r>
-                      <a:endParaRPr b="0" lang="en-US" sz="1400" spc="-1" strike="noStrike">
-                        <a:solidFill>
-                          <a:srgbClr val="000000"/>
-                        </a:solidFill>
-                        <a:uFill>
-                          <a:solidFill>
-                            <a:srgbClr val="ffffff"/>
-                          </a:solidFill>
-                        </a:uFill>
-                        <a:latin typeface="Courier 10 Pitch"/>
-                      </a:endParaRPr>
-                    </a:p>
-                    <a:p>
-                      <a:r>
-                        <a:rPr b="0" lang="en-US" sz="1400" spc="-1" strike="noStrike">
-                          <a:solidFill>
-                            <a:srgbClr val="000000"/>
-                          </a:solidFill>
-                          <a:uFill>
-                            <a:solidFill>
-                              <a:srgbClr val="ffffff"/>
-                            </a:solidFill>
-                          </a:uFill>
-                          <a:latin typeface="Courier 10 Pitch"/>
-                        </a:rPr>
-                        <a:t>	</a:t>
-                      </a:r>
-                      <a:r>
-                        <a:rPr b="0" lang="en-US" sz="1400" spc="-1" strike="noStrike">
-                          <a:solidFill>
-                            <a:srgbClr val="000000"/>
-                          </a:solidFill>
-                          <a:uFill>
-                            <a:solidFill>
-                              <a:srgbClr val="ffffff"/>
-                            </a:solidFill>
-                          </a:uFill>
-                          <a:latin typeface="Courier 10 Pitch"/>
-                        </a:rPr>
-                        <a:t>	</a:t>
-                      </a:r>
-                      <a:r>
-                        <a:rPr b="0" lang="en-US" sz="1400" spc="-1" strike="noStrike">
-                          <a:solidFill>
-                            <a:srgbClr val="000000"/>
-                          </a:solidFill>
-                          <a:uFill>
-                            <a:solidFill>
-                              <a:srgbClr val="ffffff"/>
-                            </a:solidFill>
-                          </a:uFill>
-                          <a:latin typeface="Courier 10 Pitch"/>
-                        </a:rPr>
-                        <a:t>type: 'slider',</a:t>
-                      </a:r>
-                      <a:endParaRPr b="0" lang="en-US" sz="1400" spc="-1" strike="noStrike">
-                        <a:solidFill>
-                          <a:srgbClr val="000000"/>
-                        </a:solidFill>
-                        <a:uFill>
-                          <a:solidFill>
-                            <a:srgbClr val="ffffff"/>
-                          </a:solidFill>
-                        </a:uFill>
-                        <a:latin typeface="Courier 10 Pitch"/>
-                      </a:endParaRPr>
-                    </a:p>
-                    <a:p>
-                      <a:r>
-                        <a:rPr b="0" lang="en-US" sz="1400" spc="-1" strike="noStrike">
-                          <a:solidFill>
-                            <a:srgbClr val="000000"/>
-                          </a:solidFill>
-                          <a:uFill>
-                            <a:solidFill>
-                              <a:srgbClr val="ffffff"/>
-                            </a:solidFill>
-                          </a:uFill>
-                          <a:latin typeface="Courier 10 Pitch"/>
-                        </a:rPr>
-                        <a:t>	</a:t>
-                      </a:r>
-                      <a:r>
-                        <a:rPr b="0" lang="en-US" sz="1400" spc="-1" strike="noStrike">
-                          <a:solidFill>
-                            <a:srgbClr val="000000"/>
-                          </a:solidFill>
-                          <a:uFill>
-                            <a:solidFill>
-                              <a:srgbClr val="ffffff"/>
-                            </a:solidFill>
-                          </a:uFill>
-                          <a:latin typeface="Courier 10 Pitch"/>
-                        </a:rPr>
-                        <a:t>	</a:t>
-                      </a:r>
-                      <a:r>
-                        <a:rPr b="0" lang="en-US" sz="1400" spc="-1" strike="noStrike">
-                          <a:solidFill>
-                            <a:srgbClr val="000000"/>
-                          </a:solidFill>
-                          <a:uFill>
-                            <a:solidFill>
-                              <a:srgbClr val="ffffff"/>
-                            </a:solidFill>
-                          </a:uFill>
-                          <a:latin typeface="Courier 10 Pitch"/>
-                        </a:rPr>
-                        <a:t>name: 'mySlider'</a:t>
-                      </a:r>
-                      <a:endParaRPr b="0" lang="en-US" sz="1400" spc="-1" strike="noStrike">
-                        <a:solidFill>
-                          <a:srgbClr val="000000"/>
-                        </a:solidFill>
-                        <a:uFill>
-                          <a:solidFill>
-                            <a:srgbClr val="ffffff"/>
-                          </a:solidFill>
-                        </a:uFill>
-                        <a:latin typeface="Courier 10 Pitch"/>
-                      </a:endParaRPr>
-                    </a:p>
-                    <a:p>
-                      <a:r>
-                        <a:rPr b="0" lang="en-US" sz="1400" spc="-1" strike="noStrike">
-                          <a:solidFill>
-                            <a:srgbClr val="000000"/>
-                          </a:solidFill>
-                          <a:uFill>
-                            <a:solidFill>
-                              <a:srgbClr val="ffffff"/>
-                            </a:solidFill>
-                          </a:uFill>
-                          <a:latin typeface="Courier 10 Pitch"/>
-                        </a:rPr>
-                        <a:t>	</a:t>
-                      </a:r>
-                      <a:r>
-                        <a:rPr b="0" lang="en-US" sz="1400" spc="-1" strike="noStrike">
-                          <a:solidFill>
-                            <a:srgbClr val="000000"/>
-                          </a:solidFill>
-                          <a:uFill>
-                            <a:solidFill>
-                              <a:srgbClr val="ffffff"/>
-                            </a:solidFill>
-                          </a:uFill>
-                          <a:latin typeface="Courier 10 Pitch"/>
-                        </a:rPr>
-                        <a:t>	</a:t>
-                      </a:r>
-                      <a:r>
-                        <a:rPr b="0" lang="en-US" sz="1400" spc="-1" strike="noStrike">
-                          <a:solidFill>
-                            <a:srgbClr val="000000"/>
-                          </a:solidFill>
-                          <a:uFill>
-                            <a:solidFill>
-                              <a:srgbClr val="ffffff"/>
-                            </a:solidFill>
-                          </a:uFill>
-                          <a:latin typeface="Courier 10 Pitch"/>
-                        </a:rPr>
-                        <a:t>))</a:t>
-                      </a:r>
-                      <a:endParaRPr b="0" lang="en-US" sz="1400" spc="-1" strike="noStrike">
-                        <a:solidFill>
-                          <a:srgbClr val="000000"/>
-                        </a:solidFill>
-                        <a:uFill>
-                          <a:solidFill>
-                            <a:srgbClr val="ffffff"/>
-                          </a:solidFill>
-                        </a:uFill>
-                        <a:latin typeface="Courier 10 Pitch"/>
-                      </a:endParaRPr>
-                    </a:p>
-                  </a:txBody>
-                  <a:tcPr marL="90000" marR="90000">
-                    <a:lnL w="720">
-                      <a:solidFill>
-                        <a:srgbClr val="ffffff"/>
-                      </a:solidFill>
-                    </a:lnL>
-                    <a:lnR w="720">
-                      <a:solidFill>
-                        <a:srgbClr val="ffffff"/>
-                      </a:solidFill>
-                    </a:lnR>
-                    <a:lnT w="720">
-                      <a:solidFill>
-                        <a:srgbClr val="ffffff"/>
-                      </a:solidFill>
-                    </a:lnT>
-                    <a:lnB w="720">
-                      <a:solidFill>
-                        <a:srgbClr val="ffffff"/>
-                      </a:solidFill>
-                    </a:lnB>
-                    <a:solidFill>
-                      <a:srgbClr val="e6e6e6"/>
-                    </a:solidFill>
-                  </a:tcPr>
-                </a:tc>
-              </a:tr>
-              <a:tr h="720000">
-                <a:tc>
-                  <a:txBody>
-                    <a:bodyPr lIns="90000" rIns="90000" tIns="46800" bIns="46800"/>
-                    <a:p>
-                      <a:r>
-                        <a:rPr b="0" lang="en-US" sz="1400" spc="-1" strike="noStrike">
-                          <a:solidFill>
-                            <a:srgbClr val="000000"/>
-                          </a:solidFill>
-                          <a:uFill>
-                            <a:solidFill>
-                              <a:srgbClr val="ffffff"/>
-                            </a:solidFill>
-                          </a:uFill>
-                          <a:latin typeface="Courier 10 Pitch"/>
-                        </a:rPr>
-                        <a:t>filters</a:t>
-                      </a:r>
-                      <a:endParaRPr b="0" lang="en-US" sz="1400" spc="-1" strike="noStrike">
-                        <a:solidFill>
-                          <a:srgbClr val="000000"/>
-                        </a:solidFill>
-                        <a:uFill>
-                          <a:solidFill>
-                            <a:srgbClr val="ffffff"/>
-                          </a:solidFill>
-                        </a:uFill>
-                        <a:latin typeface="Courier 10 Pitch"/>
-                      </a:endParaRPr>
-                    </a:p>
-                    <a:p>
-                      <a:r>
-                        <a:rPr b="0" lang="en-US" sz="1400" spc="-1" strike="noStrike">
-                          <a:solidFill>
-                            <a:srgbClr val="000000"/>
-                          </a:solidFill>
-                          <a:uFill>
-                            <a:solidFill>
-                              <a:srgbClr val="ffffff"/>
-                            </a:solidFill>
-                          </a:uFill>
-                          <a:latin typeface="Courier 10 Pitch"/>
-                        </a:rPr>
-                        <a:t>	</a:t>
-                      </a:r>
-                      <a:r>
-                        <a:rPr b="0" lang="en-US" sz="1400" spc="-1" strike="noStrike">
-                          <a:solidFill>
-                            <a:srgbClr val="000000"/>
-                          </a:solidFill>
-                          <a:uFill>
-                            <a:solidFill>
-                              <a:srgbClr val="ffffff"/>
-                            </a:solidFill>
-                          </a:uFill>
-                          <a:latin typeface="Courier 10 Pitch"/>
-                        </a:rPr>
-                        <a:t>.add(new LinearRamp(</a:t>
-                      </a:r>
-                      <a:endParaRPr b="0" lang="en-US" sz="1400" spc="-1" strike="noStrike">
-                        <a:solidFill>
-                          <a:srgbClr val="000000"/>
-                        </a:solidFill>
-                        <a:uFill>
-                          <a:solidFill>
-                            <a:srgbClr val="ffffff"/>
-                          </a:solidFill>
-                        </a:uFill>
-                        <a:latin typeface="Courier 10 Pitch"/>
-                      </a:endParaRPr>
-                    </a:p>
-                    <a:p>
-                      <a:r>
-                        <a:rPr b="0" lang="en-US" sz="1400" spc="-1" strike="noStrike">
-                          <a:solidFill>
-                            <a:srgbClr val="000000"/>
-                          </a:solidFill>
-                          <a:uFill>
-                            <a:solidFill>
-                              <a:srgbClr val="ffffff"/>
-                            </a:solidFill>
-                          </a:uFill>
-                          <a:latin typeface="Courier 10 Pitch"/>
-                        </a:rPr>
-                        <a:t>	</a:t>
-                      </a:r>
-                      <a:r>
-                        <a:rPr b="0" lang="en-US" sz="1400" spc="-1" strike="noStrike">
-                          <a:solidFill>
-                            <a:srgbClr val="000000"/>
-                          </a:solidFill>
-                          <a:uFill>
-                            <a:solidFill>
-                              <a:srgbClr val="ffffff"/>
-                            </a:solidFill>
-                          </a:uFill>
-                          <a:latin typeface="Courier 10 Pitch"/>
-                        </a:rPr>
-                        <a:t>	</a:t>
-                      </a:r>
-                      <a:r>
-                        <a:rPr b="0" lang="en-US" sz="1400" spc="-1" strike="noStrike">
-                          <a:solidFill>
-                            <a:srgbClr val="000000"/>
-                          </a:solidFill>
-                          <a:uFill>
-                            <a:solidFill>
-                              <a:srgbClr val="ffffff"/>
-                            </a:solidFill>
-                          </a:uFill>
-                          <a:latin typeface="Courier 10 Pitch"/>
-                        </a:rPr>
-                        <a:t>name: 'frequencyRamp',</a:t>
-                      </a:r>
-                      <a:endParaRPr b="0" lang="en-US" sz="1400" spc="-1" strike="noStrike">
-                        <a:solidFill>
-                          <a:srgbClr val="000000"/>
-                        </a:solidFill>
-                        <a:uFill>
-                          <a:solidFill>
-                            <a:srgbClr val="ffffff"/>
-                          </a:solidFill>
-                        </a:uFill>
-                        <a:latin typeface="Courier 10 Pitch"/>
-                      </a:endParaRPr>
-                    </a:p>
-                    <a:p>
-                      <a:r>
-                        <a:rPr b="0" lang="en-US" sz="1400" spc="-1" strike="noStrike">
-                          <a:solidFill>
-                            <a:srgbClr val="000000"/>
-                          </a:solidFill>
-                          <a:uFill>
-                            <a:solidFill>
-                              <a:srgbClr val="ffffff"/>
-                            </a:solidFill>
-                          </a:uFill>
-                          <a:latin typeface="Courier 10 Pitch"/>
-                        </a:rPr>
-                        <a:t>	</a:t>
-                      </a:r>
-                      <a:r>
-                        <a:rPr b="0" lang="en-US" sz="1400" spc="-1" strike="noStrike">
-                          <a:solidFill>
-                            <a:srgbClr val="000000"/>
-                          </a:solidFill>
-                          <a:uFill>
-                            <a:solidFill>
-                              <a:srgbClr val="ffffff"/>
-                            </a:solidFill>
-                          </a:uFill>
-                          <a:latin typeface="Courier 10 Pitch"/>
-                        </a:rPr>
-                        <a:t>	</a:t>
-                      </a:r>
-                      <a:r>
-                        <a:rPr b="0" lang="en-US" sz="1400" spc="-1" strike="noStrike">
-                          <a:solidFill>
-                            <a:srgbClr val="000000"/>
-                          </a:solidFill>
-                          <a:uFill>
-                            <a:solidFill>
-                              <a:srgbClr val="ffffff"/>
-                            </a:solidFill>
-                          </a:uFill>
-                          <a:latin typeface="Courier 10 Pitch"/>
-                        </a:rPr>
-                        <a:t>type: 'LinearRamp',</a:t>
-                      </a:r>
-                      <a:endParaRPr b="0" lang="en-US" sz="1400" spc="-1" strike="noStrike">
-                        <a:solidFill>
-                          <a:srgbClr val="000000"/>
-                        </a:solidFill>
-                        <a:uFill>
-                          <a:solidFill>
-                            <a:srgbClr val="ffffff"/>
-                          </a:solidFill>
-                        </a:uFill>
-                        <a:latin typeface="Courier 10 Pitch"/>
-                      </a:endParaRPr>
-                    </a:p>
-                    <a:p>
-                      <a:r>
-                        <a:rPr b="0" lang="en-US" sz="1400" spc="-1" strike="noStrike">
-                          <a:solidFill>
-                            <a:srgbClr val="000000"/>
-                          </a:solidFill>
-                          <a:uFill>
-                            <a:solidFill>
-                              <a:srgbClr val="ffffff"/>
-                            </a:solidFill>
-                          </a:uFill>
-                          <a:latin typeface="Courier 10 Pitch"/>
-                        </a:rPr>
-                        <a:t>	</a:t>
-                      </a:r>
-                      <a:r>
-                        <a:rPr b="0" lang="en-US" sz="1400" spc="-1" strike="noStrike">
-                          <a:solidFill>
-                            <a:srgbClr val="000000"/>
-                          </a:solidFill>
-                          <a:uFill>
-                            <a:solidFill>
-                              <a:srgbClr val="ffffff"/>
-                            </a:solidFill>
-                          </a:uFill>
-                          <a:latin typeface="Courier 10 Pitch"/>
-                        </a:rPr>
-                        <a:t>	</a:t>
-                      </a:r>
-                      <a:r>
-                        <a:rPr b="0" lang="en-US" sz="1400" spc="-1" strike="noStrike">
-                          <a:solidFill>
-                            <a:srgbClr val="000000"/>
-                          </a:solidFill>
-                          <a:uFill>
-                            <a:solidFill>
-                              <a:srgbClr val="ffffff"/>
-                            </a:solidFill>
-                          </a:uFill>
-                          <a:latin typeface="Courier 10 Pitch"/>
-                        </a:rPr>
-                        <a:t>input: new LinearRampInput(</a:t>
-                      </a:r>
-                      <a:endParaRPr b="0" lang="en-US" sz="1400" spc="-1" strike="noStrike">
-                        <a:solidFill>
-                          <a:srgbClr val="000000"/>
-                        </a:solidFill>
-                        <a:uFill>
-                          <a:solidFill>
-                            <a:srgbClr val="ffffff"/>
-                          </a:solidFill>
-                        </a:uFill>
-                        <a:latin typeface="Courier 10 Pitch"/>
-                      </a:endParaRPr>
-                    </a:p>
-                    <a:p>
-                      <a:r>
-                        <a:rPr b="0" lang="en-US" sz="1400" spc="-1" strike="noStrike">
-                          <a:solidFill>
-                            <a:srgbClr val="000000"/>
-                          </a:solidFill>
-                          <a:uFill>
-                            <a:solidFill>
-                              <a:srgbClr val="ffffff"/>
-                            </a:solidFill>
-                          </a:uFill>
-                          <a:latin typeface="Courier 10 Pitch"/>
-                        </a:rPr>
-                        <a:t>	</a:t>
-                      </a:r>
-                      <a:r>
-                        <a:rPr b="0" lang="en-US" sz="1400" spc="-1" strike="noStrike">
-                          <a:solidFill>
-                            <a:srgbClr val="000000"/>
-                          </a:solidFill>
-                          <a:uFill>
-                            <a:solidFill>
-                              <a:srgbClr val="ffffff"/>
-                            </a:solidFill>
-                          </a:uFill>
-                          <a:latin typeface="Courier 10 Pitch"/>
-                        </a:rPr>
-                        <a:t>	</a:t>
-                      </a:r>
-                      <a:r>
-                        <a:rPr b="0" lang="en-US" sz="1400" spc="-1" strike="noStrike">
-                          <a:solidFill>
-                            <a:srgbClr val="000000"/>
-                          </a:solidFill>
-                          <a:uFill>
-                            <a:solidFill>
-                              <a:srgbClr val="ffffff"/>
-                            </a:solidFill>
-                          </a:uFill>
-                          <a:latin typeface="Courier 10 Pitch"/>
-                        </a:rPr>
-                        <a:t>	</a:t>
-                      </a:r>
-                      <a:r>
-                        <a:rPr b="0" lang="en-US" sz="1400" spc="-1" strike="noStrike">
-                          <a:solidFill>
-                            <a:srgbClr val="000000"/>
-                          </a:solidFill>
-                          <a:uFill>
-                            <a:solidFill>
-                              <a:srgbClr val="ffffff"/>
-                            </a:solidFill>
-                          </a:uFill>
-                          <a:latin typeface="Courier 10 Pitch"/>
-                        </a:rPr>
-                        <a:t>minimum: 50.0, </a:t>
-                      </a:r>
-                      <a:endParaRPr b="0" lang="en-US" sz="1400" spc="-1" strike="noStrike">
-                        <a:solidFill>
-                          <a:srgbClr val="000000"/>
-                        </a:solidFill>
-                        <a:uFill>
-                          <a:solidFill>
-                            <a:srgbClr val="ffffff"/>
-                          </a:solidFill>
-                        </a:uFill>
-                        <a:latin typeface="Courier 10 Pitch"/>
-                      </a:endParaRPr>
-                    </a:p>
-                    <a:p>
-                      <a:r>
-                        <a:rPr b="0" lang="en-US" sz="1400" spc="-1" strike="noStrike">
-                          <a:solidFill>
-                            <a:srgbClr val="000000"/>
-                          </a:solidFill>
-                          <a:uFill>
-                            <a:solidFill>
-                              <a:srgbClr val="ffffff"/>
-                            </a:solidFill>
-                          </a:uFill>
-                          <a:latin typeface="Courier 10 Pitch"/>
-                        </a:rPr>
-                        <a:t>	</a:t>
-                      </a:r>
-                      <a:r>
-                        <a:rPr b="0" lang="en-US" sz="1400" spc="-1" strike="noStrike">
-                          <a:solidFill>
-                            <a:srgbClr val="000000"/>
-                          </a:solidFill>
-                          <a:uFill>
-                            <a:solidFill>
-                              <a:srgbClr val="ffffff"/>
-                            </a:solidFill>
-                          </a:uFill>
-                          <a:latin typeface="Courier 10 Pitch"/>
-                        </a:rPr>
-                        <a:t>	</a:t>
-                      </a:r>
-                      <a:r>
-                        <a:rPr b="0" lang="en-US" sz="1400" spc="-1" strike="noStrike">
-                          <a:solidFill>
-                            <a:srgbClr val="000000"/>
-                          </a:solidFill>
-                          <a:uFill>
-                            <a:solidFill>
-                              <a:srgbClr val="ffffff"/>
-                            </a:solidFill>
-                          </a:uFill>
-                          <a:latin typeface="Courier 10 Pitch"/>
-                        </a:rPr>
-                        <a:t>	</a:t>
-                      </a:r>
-                      <a:r>
-                        <a:rPr b="0" lang="en-US" sz="1400" spc="-1" strike="noStrike">
-                          <a:solidFill>
-                            <a:srgbClr val="000000"/>
-                          </a:solidFill>
-                          <a:uFill>
-                            <a:solidFill>
-                              <a:srgbClr val="ffffff"/>
-                            </a:solidFill>
-                          </a:uFill>
-                          <a:latin typeface="Courier 10 Pitch"/>
-                        </a:rPr>
-                        <a:t>actualValue: 300.0, </a:t>
-                      </a:r>
-                      <a:endParaRPr b="0" lang="en-US" sz="1400" spc="-1" strike="noStrike">
-                        <a:solidFill>
-                          <a:srgbClr val="000000"/>
-                        </a:solidFill>
-                        <a:uFill>
-                          <a:solidFill>
-                            <a:srgbClr val="ffffff"/>
-                          </a:solidFill>
-                        </a:uFill>
-                        <a:latin typeface="Courier 10 Pitch"/>
-                      </a:endParaRPr>
-                    </a:p>
-                    <a:p>
-                      <a:r>
-                        <a:rPr b="0" lang="en-US" sz="1400" spc="-1" strike="noStrike">
-                          <a:solidFill>
-                            <a:srgbClr val="000000"/>
-                          </a:solidFill>
-                          <a:uFill>
-                            <a:solidFill>
-                              <a:srgbClr val="ffffff"/>
-                            </a:solidFill>
-                          </a:uFill>
-                          <a:latin typeface="Courier 10 Pitch"/>
-                        </a:rPr>
-                        <a:t>	</a:t>
-                      </a:r>
-                      <a:r>
-                        <a:rPr b="0" lang="en-US" sz="1400" spc="-1" strike="noStrike">
-                          <a:solidFill>
-                            <a:srgbClr val="000000"/>
-                          </a:solidFill>
-                          <a:uFill>
-                            <a:solidFill>
-                              <a:srgbClr val="ffffff"/>
-                            </a:solidFill>
-                          </a:uFill>
-                          <a:latin typeface="Courier 10 Pitch"/>
-                        </a:rPr>
-                        <a:t>	</a:t>
-                      </a:r>
-                      <a:r>
-                        <a:rPr b="0" lang="en-US" sz="1400" spc="-1" strike="noStrike">
-                          <a:solidFill>
-                            <a:srgbClr val="000000"/>
-                          </a:solidFill>
-                          <a:uFill>
-                            <a:solidFill>
-                              <a:srgbClr val="ffffff"/>
-                            </a:solidFill>
-                          </a:uFill>
-                          <a:latin typeface="Courier 10 Pitch"/>
-                        </a:rPr>
-                        <a:t>	</a:t>
-                      </a:r>
-                      <a:r>
-                        <a:rPr b="0" lang="en-US" sz="1400" spc="-1" strike="noStrike">
-                          <a:solidFill>
-                            <a:srgbClr val="000000"/>
-                          </a:solidFill>
-                          <a:uFill>
-                            <a:solidFill>
-                              <a:srgbClr val="ffffff"/>
-                            </a:solidFill>
-                          </a:uFill>
-                          <a:latin typeface="Courier 10 Pitch"/>
-                        </a:rPr>
-                        <a:t>maximum: 10000.0</a:t>
-                      </a:r>
-                      <a:endParaRPr b="0" lang="en-US" sz="1400" spc="-1" strike="noStrike">
-                        <a:solidFill>
-                          <a:srgbClr val="000000"/>
-                        </a:solidFill>
-                        <a:uFill>
-                          <a:solidFill>
-                            <a:srgbClr val="ffffff"/>
-                          </a:solidFill>
-                        </a:uFill>
-                        <a:latin typeface="Courier 10 Pitch"/>
-                      </a:endParaRPr>
-                    </a:p>
-                    <a:p>
-                      <a:r>
-                        <a:rPr b="0" lang="en-US" sz="1400" spc="-1" strike="noStrike">
-                          <a:solidFill>
-                            <a:srgbClr val="000000"/>
-                          </a:solidFill>
-                          <a:uFill>
-                            <a:solidFill>
-                              <a:srgbClr val="ffffff"/>
-                            </a:solidFill>
-                          </a:uFill>
-                          <a:latin typeface="Courier 10 Pitch"/>
-                        </a:rPr>
-                        <a:t>	</a:t>
-                      </a:r>
-                      <a:r>
-                        <a:rPr b="0" lang="en-US" sz="1400" spc="-1" strike="noStrike">
-                          <a:solidFill>
-                            <a:srgbClr val="000000"/>
-                          </a:solidFill>
-                          <a:uFill>
-                            <a:solidFill>
-                              <a:srgbClr val="ffffff"/>
-                            </a:solidFill>
-                          </a:uFill>
-                          <a:latin typeface="Courier 10 Pitch"/>
-                        </a:rPr>
-                        <a:t>	</a:t>
-                      </a:r>
-                      <a:r>
-                        <a:rPr b="0" lang="en-US" sz="1400" spc="-1" strike="noStrike">
-                          <a:solidFill>
-                            <a:srgbClr val="000000"/>
-                          </a:solidFill>
-                          <a:uFill>
-                            <a:solidFill>
-                              <a:srgbClr val="ffffff"/>
-                            </a:solidFill>
-                          </a:uFill>
-                          <a:latin typeface="Courier 10 Pitch"/>
-                        </a:rPr>
-                        <a:t>),</a:t>
-                      </a:r>
-                      <a:endParaRPr b="0" lang="en-US" sz="1400" spc="-1" strike="noStrike">
-                        <a:solidFill>
-                          <a:srgbClr val="000000"/>
-                        </a:solidFill>
-                        <a:uFill>
-                          <a:solidFill>
-                            <a:srgbClr val="ffffff"/>
-                          </a:solidFill>
-                        </a:uFill>
-                        <a:latin typeface="Courier 10 Pitch"/>
-                      </a:endParaRPr>
-                    </a:p>
-                    <a:p>
-                      <a:r>
-                        <a:rPr b="0" lang="en-US" sz="1400" spc="-1" strike="noStrike">
-                          <a:solidFill>
-                            <a:srgbClr val="000000"/>
-                          </a:solidFill>
-                          <a:uFill>
-                            <a:solidFill>
-                              <a:srgbClr val="ffffff"/>
-                            </a:solidFill>
-                          </a:uFill>
-                          <a:latin typeface="Courier 10 Pitch"/>
-                        </a:rPr>
-                        <a:t>	</a:t>
-                      </a:r>
-                      <a:r>
-                        <a:rPr b="0" lang="en-US" sz="1400" spc="-1" strike="noStrike">
-                          <a:solidFill>
-                            <a:srgbClr val="000000"/>
-                          </a:solidFill>
-                          <a:uFill>
-                            <a:solidFill>
-                              <a:srgbClr val="ffffff"/>
-                            </a:solidFill>
-                          </a:uFill>
-                          <a:latin typeface="Courier 10 Pitch"/>
-                        </a:rPr>
-                        <a:t>	</a:t>
-                      </a:r>
-                      <a:r>
-                        <a:rPr b="0" lang="en-US" sz="1400" spc="-1" strike="noStrike">
-                          <a:solidFill>
-                            <a:srgbClr val="000000"/>
-                          </a:solidFill>
-                          <a:uFill>
-                            <a:solidFill>
-                              <a:srgbClr val="ffffff"/>
-                            </a:solidFill>
-                          </a:uFill>
-                          <a:latin typeface="Courier 10 Pitch"/>
-                        </a:rPr>
-                        <a:t>connectsTo: 'frequency',</a:t>
-                      </a:r>
-                      <a:endParaRPr b="0" lang="en-US" sz="1400" spc="-1" strike="noStrike">
-                        <a:solidFill>
-                          <a:srgbClr val="000000"/>
-                        </a:solidFill>
-                        <a:uFill>
-                          <a:solidFill>
-                            <a:srgbClr val="ffffff"/>
-                          </a:solidFill>
-                        </a:uFill>
-                        <a:latin typeface="Courier 10 Pitch"/>
-                      </a:endParaRPr>
-                    </a:p>
-                    <a:p>
-                      <a:r>
-                        <a:rPr b="0" lang="en-US" sz="1400" spc="-1" strike="noStrike">
-                          <a:solidFill>
-                            <a:srgbClr val="000000"/>
-                          </a:solidFill>
-                          <a:uFill>
-                            <a:solidFill>
-                              <a:srgbClr val="ffffff"/>
-                            </a:solidFill>
-                          </a:uFill>
-                          <a:latin typeface="Courier 10 Pitch"/>
-                        </a:rPr>
-                        <a:t>	</a:t>
-                      </a:r>
-                      <a:r>
-                        <a:rPr b="0" lang="en-US" sz="1400" spc="-1" strike="noStrike">
-                          <a:solidFill>
-                            <a:srgbClr val="000000"/>
-                          </a:solidFill>
-                          <a:uFill>
-                            <a:solidFill>
-                              <a:srgbClr val="ffffff"/>
-                            </a:solidFill>
-                          </a:uFill>
-                          <a:latin typeface="Courier 10 Pitch"/>
-                        </a:rPr>
-                        <a:t>	</a:t>
-                      </a:r>
-                      <a:r>
-                        <a:rPr b="0" lang="en-US" sz="1400" spc="-1" strike="noStrike">
-                          <a:solidFill>
-                            <a:srgbClr val="000000"/>
-                          </a:solidFill>
-                          <a:uFill>
-                            <a:solidFill>
-                              <a:srgbClr val="ffffff"/>
-                            </a:solidFill>
-                          </a:uFill>
-                          <a:latin typeface="Courier 10 Pitch"/>
-                        </a:rPr>
-                        <a:t>time: new LinearRampTime(</a:t>
-                      </a:r>
-                      <a:endParaRPr b="0" lang="en-US" sz="1400" spc="-1" strike="noStrike">
-                        <a:solidFill>
-                          <a:srgbClr val="000000"/>
-                        </a:solidFill>
-                        <a:uFill>
-                          <a:solidFill>
-                            <a:srgbClr val="ffffff"/>
-                          </a:solidFill>
-                        </a:uFill>
-                        <a:latin typeface="Courier 10 Pitch"/>
-                      </a:endParaRPr>
-                    </a:p>
-                    <a:p>
-                      <a:r>
-                        <a:rPr b="0" lang="en-US" sz="1400" spc="-1" strike="noStrike">
-                          <a:solidFill>
-                            <a:srgbClr val="000000"/>
-                          </a:solidFill>
-                          <a:uFill>
-                            <a:solidFill>
-                              <a:srgbClr val="ffffff"/>
-                            </a:solidFill>
-                          </a:uFill>
-                          <a:latin typeface="Courier 10 Pitch"/>
-                        </a:rPr>
-                        <a:t>	</a:t>
-                      </a:r>
-                      <a:r>
-                        <a:rPr b="0" lang="en-US" sz="1400" spc="-1" strike="noStrike">
-                          <a:solidFill>
-                            <a:srgbClr val="000000"/>
-                          </a:solidFill>
-                          <a:uFill>
-                            <a:solidFill>
-                              <a:srgbClr val="ffffff"/>
-                            </a:solidFill>
-                          </a:uFill>
-                          <a:latin typeface="Courier 10 Pitch"/>
-                        </a:rPr>
-                        <a:t>	</a:t>
-                      </a:r>
-                      <a:r>
-                        <a:rPr b="0" lang="en-US" sz="1400" spc="-1" strike="noStrike">
-                          <a:solidFill>
-                            <a:srgbClr val="000000"/>
-                          </a:solidFill>
-                          <a:uFill>
-                            <a:solidFill>
-                              <a:srgbClr val="ffffff"/>
-                            </a:solidFill>
-                          </a:uFill>
-                          <a:latin typeface="Courier 10 Pitch"/>
-                        </a:rPr>
-                        <a:t>	</a:t>
-                      </a:r>
-                      <a:r>
-                        <a:rPr b="0" lang="en-US" sz="1400" spc="-1" strike="noStrike">
-                          <a:solidFill>
-                            <a:srgbClr val="000000"/>
-                          </a:solidFill>
-                          <a:uFill>
-                            <a:solidFill>
-                              <a:srgbClr val="ffffff"/>
-                            </a:solidFill>
-                          </a:uFill>
-                          <a:latin typeface="Courier 10 Pitch"/>
-                        </a:rPr>
-                        <a:t>duration: 0.2</a:t>
-                      </a:r>
-                      <a:endParaRPr b="0" lang="en-US" sz="1400" spc="-1" strike="noStrike">
-                        <a:solidFill>
-                          <a:srgbClr val="000000"/>
-                        </a:solidFill>
-                        <a:uFill>
-                          <a:solidFill>
-                            <a:srgbClr val="ffffff"/>
-                          </a:solidFill>
-                        </a:uFill>
-                        <a:latin typeface="Courier 10 Pitch"/>
-                      </a:endParaRPr>
-                    </a:p>
-                    <a:p>
-                      <a:r>
-                        <a:rPr b="0" lang="en-US" sz="1400" spc="-1" strike="noStrike">
-                          <a:solidFill>
-                            <a:srgbClr val="000000"/>
-                          </a:solidFill>
-                          <a:uFill>
-                            <a:solidFill>
-                              <a:srgbClr val="ffffff"/>
-                            </a:solidFill>
-                          </a:uFill>
-                          <a:latin typeface="Courier 10 Pitch"/>
-                        </a:rPr>
-                        <a:t>	</a:t>
-                      </a:r>
-                      <a:r>
-                        <a:rPr b="0" lang="en-US" sz="1400" spc="-1" strike="noStrike">
-                          <a:solidFill>
-                            <a:srgbClr val="000000"/>
-                          </a:solidFill>
-                          <a:uFill>
-                            <a:solidFill>
-                              <a:srgbClr val="ffffff"/>
-                            </a:solidFill>
-                          </a:uFill>
-                          <a:latin typeface="Courier 10 Pitch"/>
-                        </a:rPr>
-                        <a:t>	</a:t>
-                      </a:r>
-                      <a:r>
-                        <a:rPr b="0" lang="en-US" sz="1400" spc="-1" strike="noStrike">
-                          <a:solidFill>
-                            <a:srgbClr val="000000"/>
-                          </a:solidFill>
-                          <a:uFill>
-                            <a:solidFill>
-                              <a:srgbClr val="ffffff"/>
-                            </a:solidFill>
-                          </a:uFill>
-                          <a:latin typeface="Courier 10 Pitch"/>
-                        </a:rPr>
-                        <a:t>	</a:t>
-                      </a:r>
-                      <a:r>
-                        <a:rPr b="0" lang="en-US" sz="1400" spc="-1" strike="noStrike">
-                          <a:solidFill>
-                            <a:srgbClr val="000000"/>
-                          </a:solidFill>
-                          <a:uFill>
-                            <a:solidFill>
-                              <a:srgbClr val="ffffff"/>
-                            </a:solidFill>
-                          </a:uFill>
-                          <a:latin typeface="Courier 10 Pitch"/>
-                        </a:rPr>
-                        <a:t>)</a:t>
-                      </a:r>
-                      <a:endParaRPr b="0" lang="en-US" sz="1400" spc="-1" strike="noStrike">
-                        <a:solidFill>
-                          <a:srgbClr val="000000"/>
-                        </a:solidFill>
-                        <a:uFill>
-                          <a:solidFill>
-                            <a:srgbClr val="ffffff"/>
-                          </a:solidFill>
-                        </a:uFill>
-                        <a:latin typeface="Courier 10 Pitch"/>
-                      </a:endParaRPr>
-                    </a:p>
-                    <a:p>
-                      <a:r>
-                        <a:rPr b="0" lang="en-US" sz="1400" spc="-1" strike="noStrike">
-                          <a:solidFill>
-                            <a:srgbClr val="000000"/>
-                          </a:solidFill>
-                          <a:uFill>
-                            <a:solidFill>
-                              <a:srgbClr val="ffffff"/>
-                            </a:solidFill>
-                          </a:uFill>
-                          <a:latin typeface="Courier 10 Pitch"/>
-                        </a:rPr>
-                        <a:t>	</a:t>
-                      </a:r>
-                      <a:r>
-                        <a:rPr b="0" lang="en-US" sz="1400" spc="-1" strike="noStrike">
-                          <a:solidFill>
-                            <a:srgbClr val="000000"/>
-                          </a:solidFill>
-                          <a:uFill>
-                            <a:solidFill>
-                              <a:srgbClr val="ffffff"/>
-                            </a:solidFill>
-                          </a:uFill>
-                          <a:latin typeface="Courier 10 Pitch"/>
-                        </a:rPr>
-                        <a:t>	</a:t>
-                      </a:r>
-                      <a:r>
-                        <a:rPr b="0" lang="en-US" sz="1400" spc="-1" strike="noStrike">
-                          <a:solidFill>
-                            <a:srgbClr val="000000"/>
-                          </a:solidFill>
-                          <a:uFill>
-                            <a:solidFill>
-                              <a:srgbClr val="ffffff"/>
-                            </a:solidFill>
-                          </a:uFill>
-                          <a:latin typeface="Courier 10 Pitch"/>
-                        </a:rPr>
-                        <a:t>))</a:t>
-                      </a:r>
-                      <a:endParaRPr b="0" lang="en-US" sz="1400" spc="-1" strike="noStrike">
-                        <a:solidFill>
-                          <a:srgbClr val="000000"/>
-                        </a:solidFill>
-                        <a:uFill>
-                          <a:solidFill>
-                            <a:srgbClr val="ffffff"/>
-                          </a:solidFill>
-                        </a:uFill>
-                        <a:latin typeface="Courier 10 Pitch"/>
-                      </a:endParaRPr>
-                    </a:p>
-                  </a:txBody>
-                  <a:tcPr marL="90000" marR="90000">
-                    <a:lnL w="720">
-                      <a:solidFill>
-                        <a:srgbClr val="ffffff"/>
-                      </a:solidFill>
-                    </a:lnL>
-                    <a:lnR w="720">
-                      <a:solidFill>
-                        <a:srgbClr val="ffffff"/>
-                      </a:solidFill>
-                    </a:lnR>
-                    <a:lnT w="720">
-                      <a:solidFill>
-                        <a:srgbClr val="ffffff"/>
-                      </a:solidFill>
-                    </a:lnT>
-                    <a:lnB w="720">
-                      <a:solidFill>
-                        <a:srgbClr val="ffffff"/>
-                      </a:solidFill>
-                    </a:lnB>
-                    <a:solidFill>
-                      <a:srgbClr val="e6e6e6"/>
-                    </a:solidFill>
-                  </a:tcPr>
-                </a:tc>
-                <a:tc>
                   <a:tcPr marL="90000" marR="90000">
                     <a:lnL w="720">
                       <a:solidFill>
@@ -10423,14 +10596,14 @@
       </p:grpSpPr>
       <p:sp>
         <p:nvSpPr>
-          <p:cNvPr id="106" name="CustomShape 1"/>
+          <p:cNvPr id="108" name="CustomShape 1"/>
           <p:cNvSpPr/>
           <p:nvPr/>
         </p:nvSpPr>
         <p:spPr>
           <a:xfrm>
             <a:off x="457200" y="32040"/>
-            <a:ext cx="8227440" cy="1140840"/>
+            <a:ext cx="8227080" cy="1140480"/>
           </a:xfrm>
           <a:prstGeom prst="rect">
             <a:avLst/>
@@ -10467,472 +10640,7 @@
                 <a:latin typeface="Calibri"/>
                 <a:ea typeface="DejaVu Sans"/>
               </a:rPr>
-              <a:t>U</a:t>
-            </a:r>
-            <a:r>
-              <a:rPr b="1" lang="en-US" sz="3200" spc="-1" strike="noStrike">
-                <a:solidFill>
-                  <a:srgbClr val="1d3455"/>
-                </a:solidFill>
-                <a:uFill>
-                  <a:solidFill>
-                    <a:srgbClr val="ffffff"/>
-                  </a:solidFill>
-                </a:uFill>
-                <a:latin typeface="Calibri"/>
-                <a:ea typeface="DejaVu Sans"/>
-              </a:rPr>
-              <a:t>s</a:t>
-            </a:r>
-            <a:r>
-              <a:rPr b="1" lang="en-US" sz="3200" spc="-1" strike="noStrike">
-                <a:solidFill>
-                  <a:srgbClr val="1d3455"/>
-                </a:solidFill>
-                <a:uFill>
-                  <a:solidFill>
-                    <a:srgbClr val="ffffff"/>
-                  </a:solidFill>
-                </a:uFill>
-                <a:latin typeface="Calibri"/>
-                <a:ea typeface="DejaVu Sans"/>
-              </a:rPr>
-              <a:t>e</a:t>
-            </a:r>
-            <a:r>
-              <a:rPr b="1" lang="en-US" sz="3200" spc="-1" strike="noStrike">
-                <a:solidFill>
-                  <a:srgbClr val="1d3455"/>
-                </a:solidFill>
-                <a:uFill>
-                  <a:solidFill>
-                    <a:srgbClr val="ffffff"/>
-                  </a:solidFill>
-                </a:uFill>
-                <a:latin typeface="Calibri"/>
-                <a:ea typeface="DejaVu Sans"/>
-              </a:rPr>
-              <a:t>r</a:t>
-            </a:r>
-            <a:r>
-              <a:rPr b="1" lang="en-US" sz="3200" spc="-1" strike="noStrike">
-                <a:solidFill>
-                  <a:srgbClr val="1d3455"/>
-                </a:solidFill>
-                <a:uFill>
-                  <a:solidFill>
-                    <a:srgbClr val="ffffff"/>
-                  </a:solidFill>
-                </a:uFill>
-                <a:latin typeface="Calibri"/>
-                <a:ea typeface="DejaVu Sans"/>
-              </a:rPr>
-              <a:t> </a:t>
-            </a:r>
-            <a:r>
-              <a:rPr b="1" lang="en-US" sz="3200" spc="-1" strike="noStrike">
-                <a:solidFill>
-                  <a:srgbClr val="1d3455"/>
-                </a:solidFill>
-                <a:uFill>
-                  <a:solidFill>
-                    <a:srgbClr val="ffffff"/>
-                  </a:solidFill>
-                </a:uFill>
-                <a:latin typeface="Calibri"/>
-                <a:ea typeface="DejaVu Sans"/>
-              </a:rPr>
-              <a:t>A</a:t>
-            </a:r>
-            <a:r>
-              <a:rPr b="1" lang="en-US" sz="3200" spc="-1" strike="noStrike">
-                <a:solidFill>
-                  <a:srgbClr val="1d3455"/>
-                </a:solidFill>
-                <a:uFill>
-                  <a:solidFill>
-                    <a:srgbClr val="ffffff"/>
-                  </a:solidFill>
-                </a:uFill>
-                <a:latin typeface="Calibri"/>
-                <a:ea typeface="DejaVu Sans"/>
-              </a:rPr>
-              <a:t>c</a:t>
-            </a:r>
-            <a:r>
-              <a:rPr b="1" lang="en-US" sz="3200" spc="-1" strike="noStrike">
-                <a:solidFill>
-                  <a:srgbClr val="1d3455"/>
-                </a:solidFill>
-                <a:uFill>
-                  <a:solidFill>
-                    <a:srgbClr val="ffffff"/>
-                  </a:solidFill>
-                </a:uFill>
-                <a:latin typeface="Calibri"/>
-                <a:ea typeface="DejaVu Sans"/>
-              </a:rPr>
-              <a:t>t</a:t>
-            </a:r>
-            <a:r>
-              <a:rPr b="1" lang="en-US" sz="3200" spc="-1" strike="noStrike">
-                <a:solidFill>
-                  <a:srgbClr val="1d3455"/>
-                </a:solidFill>
-                <a:uFill>
-                  <a:solidFill>
-                    <a:srgbClr val="ffffff"/>
-                  </a:solidFill>
-                </a:uFill>
-                <a:latin typeface="Calibri"/>
-                <a:ea typeface="DejaVu Sans"/>
-              </a:rPr>
-              <a:t>i</a:t>
-            </a:r>
-            <a:r>
-              <a:rPr b="1" lang="en-US" sz="3200" spc="-1" strike="noStrike">
-                <a:solidFill>
-                  <a:srgbClr val="1d3455"/>
-                </a:solidFill>
-                <a:uFill>
-                  <a:solidFill>
-                    <a:srgbClr val="ffffff"/>
-                  </a:solidFill>
-                </a:uFill>
-                <a:latin typeface="Calibri"/>
-                <a:ea typeface="DejaVu Sans"/>
-              </a:rPr>
-              <a:t>o</a:t>
-            </a:r>
-            <a:r>
-              <a:rPr b="1" lang="en-US" sz="3200" spc="-1" strike="noStrike">
-                <a:solidFill>
-                  <a:srgbClr val="1d3455"/>
-                </a:solidFill>
-                <a:uFill>
-                  <a:solidFill>
-                    <a:srgbClr val="ffffff"/>
-                  </a:solidFill>
-                </a:uFill>
-                <a:latin typeface="Calibri"/>
-                <a:ea typeface="DejaVu Sans"/>
-              </a:rPr>
-              <a:t>n</a:t>
-            </a:r>
-            <a:r>
-              <a:rPr b="1" lang="en-US" sz="3200" spc="-1" strike="noStrike">
-                <a:solidFill>
-                  <a:srgbClr val="1d3455"/>
-                </a:solidFill>
-                <a:uFill>
-                  <a:solidFill>
-                    <a:srgbClr val="ffffff"/>
-                  </a:solidFill>
-                </a:uFill>
-                <a:latin typeface="Calibri"/>
-                <a:ea typeface="DejaVu Sans"/>
-              </a:rPr>
-              <a:t>s</a:t>
-            </a:r>
-            <a:r>
-              <a:rPr b="1" lang="en-US" sz="3200" spc="-1" strike="noStrike">
-                <a:solidFill>
-                  <a:srgbClr val="1d3455"/>
-                </a:solidFill>
-                <a:uFill>
-                  <a:solidFill>
-                    <a:srgbClr val="ffffff"/>
-                  </a:solidFill>
-                </a:uFill>
-                <a:latin typeface="Calibri"/>
-                <a:ea typeface="DejaVu Sans"/>
-              </a:rPr>
-              <a:t> </a:t>
-            </a:r>
-            <a:r>
-              <a:rPr b="1" lang="en-US" sz="3200" spc="-1" strike="noStrike">
-                <a:solidFill>
-                  <a:srgbClr val="1d3455"/>
-                </a:solidFill>
-                <a:uFill>
-                  <a:solidFill>
-                    <a:srgbClr val="ffffff"/>
-                  </a:solidFill>
-                </a:uFill>
-                <a:latin typeface="Calibri"/>
-                <a:ea typeface="DejaVu Sans"/>
-              </a:rPr>
-              <a:t>–</a:t>
-            </a:r>
-            <a:r>
-              <a:rPr b="1" lang="en-US" sz="3200" spc="-1" strike="noStrike">
-                <a:solidFill>
-                  <a:srgbClr val="1d3455"/>
-                </a:solidFill>
-                <a:uFill>
-                  <a:solidFill>
-                    <a:srgbClr val="ffffff"/>
-                  </a:solidFill>
-                </a:uFill>
-                <a:latin typeface="Calibri"/>
-                <a:ea typeface="DejaVu Sans"/>
-              </a:rPr>
-              <a:t> </a:t>
-            </a:r>
-            <a:r>
-              <a:rPr b="1" lang="en-US" sz="3200" spc="-1" strike="noStrike">
-                <a:solidFill>
-                  <a:srgbClr val="1d3455"/>
-                </a:solidFill>
-                <a:uFill>
-                  <a:solidFill>
-                    <a:srgbClr val="ffffff"/>
-                  </a:solidFill>
-                </a:uFill>
-                <a:latin typeface="Calibri"/>
-                <a:ea typeface="DejaVu Sans"/>
-              </a:rPr>
-              <a:t>D</a:t>
-            </a:r>
-            <a:r>
-              <a:rPr b="1" lang="en-US" sz="3200" spc="-1" strike="noStrike">
-                <a:solidFill>
-                  <a:srgbClr val="1d3455"/>
-                </a:solidFill>
-                <a:uFill>
-                  <a:solidFill>
-                    <a:srgbClr val="ffffff"/>
-                  </a:solidFill>
-                </a:uFill>
-                <a:latin typeface="Calibri"/>
-                <a:ea typeface="DejaVu Sans"/>
-              </a:rPr>
-              <a:t>e</a:t>
-            </a:r>
-            <a:r>
-              <a:rPr b="1" lang="en-US" sz="3200" spc="-1" strike="noStrike">
-                <a:solidFill>
-                  <a:srgbClr val="1d3455"/>
-                </a:solidFill>
-                <a:uFill>
-                  <a:solidFill>
-                    <a:srgbClr val="ffffff"/>
-                  </a:solidFill>
-                </a:uFill>
-                <a:latin typeface="Calibri"/>
-                <a:ea typeface="DejaVu Sans"/>
-              </a:rPr>
-              <a:t>f</a:t>
-            </a:r>
-            <a:r>
-              <a:rPr b="1" lang="en-US" sz="3200" spc="-1" strike="noStrike">
-                <a:solidFill>
-                  <a:srgbClr val="1d3455"/>
-                </a:solidFill>
-                <a:uFill>
-                  <a:solidFill>
-                    <a:srgbClr val="ffffff"/>
-                  </a:solidFill>
-                </a:uFill>
-                <a:latin typeface="Calibri"/>
-                <a:ea typeface="DejaVu Sans"/>
-              </a:rPr>
-              <a:t>i</a:t>
-            </a:r>
-            <a:r>
-              <a:rPr b="1" lang="en-US" sz="3200" spc="-1" strike="noStrike">
-                <a:solidFill>
-                  <a:srgbClr val="1d3455"/>
-                </a:solidFill>
-                <a:uFill>
-                  <a:solidFill>
-                    <a:srgbClr val="ffffff"/>
-                  </a:solidFill>
-                </a:uFill>
-                <a:latin typeface="Calibri"/>
-                <a:ea typeface="DejaVu Sans"/>
-              </a:rPr>
-              <a:t>n</a:t>
-            </a:r>
-            <a:r>
-              <a:rPr b="1" lang="en-US" sz="3200" spc="-1" strike="noStrike">
-                <a:solidFill>
-                  <a:srgbClr val="1d3455"/>
-                </a:solidFill>
-                <a:uFill>
-                  <a:solidFill>
-                    <a:srgbClr val="ffffff"/>
-                  </a:solidFill>
-                </a:uFill>
-                <a:latin typeface="Calibri"/>
-                <a:ea typeface="DejaVu Sans"/>
-              </a:rPr>
-              <a:t>e</a:t>
-            </a:r>
-            <a:r>
-              <a:rPr b="1" lang="en-US" sz="3200" spc="-1" strike="noStrike">
-                <a:solidFill>
-                  <a:srgbClr val="1d3455"/>
-                </a:solidFill>
-                <a:uFill>
-                  <a:solidFill>
-                    <a:srgbClr val="ffffff"/>
-                  </a:solidFill>
-                </a:uFill>
-                <a:latin typeface="Calibri"/>
-                <a:ea typeface="DejaVu Sans"/>
-              </a:rPr>
-              <a:t> </a:t>
-            </a:r>
-            <a:r>
-              <a:rPr b="1" lang="en-US" sz="3200" spc="-1" strike="noStrike">
-                <a:solidFill>
-                  <a:srgbClr val="1d3455"/>
-                </a:solidFill>
-                <a:uFill>
-                  <a:solidFill>
-                    <a:srgbClr val="ffffff"/>
-                  </a:solidFill>
-                </a:uFill>
-                <a:latin typeface="Calibri"/>
-                <a:ea typeface="DejaVu Sans"/>
-              </a:rPr>
-              <a:t>C</a:t>
-            </a:r>
-            <a:r>
-              <a:rPr b="1" lang="en-US" sz="3200" spc="-1" strike="noStrike">
-                <a:solidFill>
-                  <a:srgbClr val="1d3455"/>
-                </a:solidFill>
-                <a:uFill>
-                  <a:solidFill>
-                    <a:srgbClr val="ffffff"/>
-                  </a:solidFill>
-                </a:uFill>
-                <a:latin typeface="Calibri"/>
-                <a:ea typeface="DejaVu Sans"/>
-              </a:rPr>
-              <a:t>o</a:t>
-            </a:r>
-            <a:r>
-              <a:rPr b="1" lang="en-US" sz="3200" spc="-1" strike="noStrike">
-                <a:solidFill>
-                  <a:srgbClr val="1d3455"/>
-                </a:solidFill>
-                <a:uFill>
-                  <a:solidFill>
-                    <a:srgbClr val="ffffff"/>
-                  </a:solidFill>
-                </a:uFill>
-                <a:latin typeface="Calibri"/>
-                <a:ea typeface="DejaVu Sans"/>
-              </a:rPr>
-              <a:t>m</a:t>
-            </a:r>
-            <a:r>
-              <a:rPr b="1" lang="en-US" sz="3200" spc="-1" strike="noStrike">
-                <a:solidFill>
-                  <a:srgbClr val="1d3455"/>
-                </a:solidFill>
-                <a:uFill>
-                  <a:solidFill>
-                    <a:srgbClr val="ffffff"/>
-                  </a:solidFill>
-                </a:uFill>
-                <a:latin typeface="Calibri"/>
-                <a:ea typeface="DejaVu Sans"/>
-              </a:rPr>
-              <a:t>p</a:t>
-            </a:r>
-            <a:r>
-              <a:rPr b="1" lang="en-US" sz="3200" spc="-1" strike="noStrike">
-                <a:solidFill>
-                  <a:srgbClr val="1d3455"/>
-                </a:solidFill>
-                <a:uFill>
-                  <a:solidFill>
-                    <a:srgbClr val="ffffff"/>
-                  </a:solidFill>
-                </a:uFill>
-                <a:latin typeface="Calibri"/>
-                <a:ea typeface="DejaVu Sans"/>
-              </a:rPr>
-              <a:t>o</a:t>
-            </a:r>
-            <a:r>
-              <a:rPr b="1" lang="en-US" sz="3200" spc="-1" strike="noStrike">
-                <a:solidFill>
-                  <a:srgbClr val="1d3455"/>
-                </a:solidFill>
-                <a:uFill>
-                  <a:solidFill>
-                    <a:srgbClr val="ffffff"/>
-                  </a:solidFill>
-                </a:uFill>
-                <a:latin typeface="Calibri"/>
-                <a:ea typeface="DejaVu Sans"/>
-              </a:rPr>
-              <a:t>n</a:t>
-            </a:r>
-            <a:r>
-              <a:rPr b="1" lang="en-US" sz="3200" spc="-1" strike="noStrike">
-                <a:solidFill>
-                  <a:srgbClr val="1d3455"/>
-                </a:solidFill>
-                <a:uFill>
-                  <a:solidFill>
-                    <a:srgbClr val="ffffff"/>
-                  </a:solidFill>
-                </a:uFill>
-                <a:latin typeface="Calibri"/>
-                <a:ea typeface="DejaVu Sans"/>
-              </a:rPr>
-              <a:t>e</a:t>
-            </a:r>
-            <a:r>
-              <a:rPr b="1" lang="en-US" sz="3200" spc="-1" strike="noStrike">
-                <a:solidFill>
-                  <a:srgbClr val="1d3455"/>
-                </a:solidFill>
-                <a:uFill>
-                  <a:solidFill>
-                    <a:srgbClr val="ffffff"/>
-                  </a:solidFill>
-                </a:uFill>
-                <a:latin typeface="Calibri"/>
-                <a:ea typeface="DejaVu Sans"/>
-              </a:rPr>
-              <a:t>n</a:t>
-            </a:r>
-            <a:r>
-              <a:rPr b="1" lang="en-US" sz="3200" spc="-1" strike="noStrike">
-                <a:solidFill>
-                  <a:srgbClr val="1d3455"/>
-                </a:solidFill>
-                <a:uFill>
-                  <a:solidFill>
-                    <a:srgbClr val="ffffff"/>
-                  </a:solidFill>
-                </a:uFill>
-                <a:latin typeface="Calibri"/>
-                <a:ea typeface="DejaVu Sans"/>
-              </a:rPr>
-              <a:t>t</a:t>
-            </a:r>
-            <a:r>
-              <a:rPr b="1" lang="en-US" sz="3200" spc="-1" strike="noStrike">
-                <a:solidFill>
-                  <a:srgbClr val="1d3455"/>
-                </a:solidFill>
-                <a:uFill>
-                  <a:solidFill>
-                    <a:srgbClr val="ffffff"/>
-                  </a:solidFill>
-                </a:uFill>
-                <a:latin typeface="Calibri"/>
-                <a:ea typeface="DejaVu Sans"/>
-              </a:rPr>
-              <a:t>s</a:t>
+              <a:t>User Actions – Add Relationships</a:t>
             </a:r>
             <a:endParaRPr b="0" lang="en-US" sz="1800" spc="-1" strike="noStrike">
               <a:solidFill>
@@ -10950,14 +10658,14 @@
       </p:sp>
       <p:sp>
         <p:nvSpPr>
-          <p:cNvPr id="107" name="CustomShape 2"/>
+          <p:cNvPr id="109" name="CustomShape 2"/>
           <p:cNvSpPr/>
           <p:nvPr/>
         </p:nvSpPr>
         <p:spPr>
           <a:xfrm>
             <a:off x="7164360" y="6520320"/>
-            <a:ext cx="1520280" cy="362880"/>
+            <a:ext cx="1519920" cy="362520"/>
           </a:xfrm>
           <a:prstGeom prst="rect">
             <a:avLst/>
@@ -10976,14 +10684,14 @@
       </p:sp>
       <p:sp>
         <p:nvSpPr>
-          <p:cNvPr id="108" name="CustomShape 3"/>
+          <p:cNvPr id="110" name="CustomShape 3"/>
           <p:cNvSpPr/>
           <p:nvPr/>
         </p:nvSpPr>
         <p:spPr>
           <a:xfrm>
             <a:off x="457200" y="1600200"/>
-            <a:ext cx="8227440" cy="4523760"/>
+            <a:ext cx="8227080" cy="4523400"/>
           </a:xfrm>
           <a:prstGeom prst="rect">
             <a:avLst/>
@@ -11002,7 +10710,7 @@
         <p:txBody>
           <a:bodyPr lIns="90000" rIns="90000" tIns="45000" bIns="45000"/>
           <a:p>
-            <a:pPr marL="343080" indent="-340920">
+            <a:pPr marL="343080" indent="-340560">
               <a:lnSpc>
                 <a:spcPct val="100000"/>
               </a:lnSpc>
@@ -11025,22 +10733,7 @@
                 <a:latin typeface="Calibri"/>
                 <a:ea typeface="DejaVu Sans"/>
               </a:rPr>
-              <a:t>Define </a:t>
-            </a:r>
-            <a:r>
-              <a:rPr b="0" lang="en-US" sz="2800" spc="-1" strike="noStrike">
-                <a:solidFill>
-                  <a:srgbClr val="000000"/>
-                </a:solidFill>
-                <a:uFill>
-                  <a:solidFill>
-                    <a:srgbClr val="ffffff"/>
-                  </a:solidFill>
-                </a:uFill>
-                <a:latin typeface="Calibri"/>
-                <a:ea typeface="DejaVu Sans"/>
-              </a:rPr>
-              <a:t>Oscillators </a:t>
+              <a:t>Add Connection </a:t>
             </a:r>
             <a:endParaRPr b="0" lang="en-US" sz="1800" spc="-1" strike="noStrike">
               <a:solidFill>
@@ -11076,7 +10769,7 @@
       </p:sp>
       <p:graphicFrame>
         <p:nvGraphicFramePr>
-          <p:cNvPr id="109" name="Table 4"/>
+          <p:cNvPr id="111" name="Table 4"/>
           <p:cNvGraphicFramePr/>
           <p:nvPr/>
         </p:nvGraphicFramePr>
@@ -11094,7 +10787,7 @@
               <a:tr h="719640">
                 <a:tc>
                   <a:txBody>
-                    <a:bodyPr lIns="90000" rIns="90000" tIns="46800" bIns="46800"/>
+                    <a:bodyPr lIns="90000" rIns="90000"/>
                     <a:p>
                       <a:r>
                         <a:rPr b="0" lang="en-US" sz="1400" spc="-1" strike="noStrike">
@@ -11106,11 +10799,11 @@
                               <a:srgbClr val="ffffff"/>
                             </a:solidFill>
                           </a:uFill>
-                          <a:latin typeface="Arial"/>
-                        </a:rPr>
-                        <a:t>oscillators</a:t>
-                      </a:r>
-                      <a:endParaRPr b="0" lang="en-US" sz="1400" spc="-1" strike="noStrike">
+                          <a:latin typeface="Courier 10 Pitch"/>
+                        </a:rPr>
+                        <a:t>connections</a:t>
+                      </a:r>
+                      <a:endParaRPr b="0" lang="en-US" sz="1800" spc="-1" strike="noStrike">
                         <a:solidFill>
                           <a:srgbClr val="000000"/>
                         </a:solidFill>
@@ -11119,7 +10812,7 @@
                             <a:srgbClr val="ffffff"/>
                           </a:solidFill>
                         </a:uFill>
-                        <a:latin typeface="Arial"/>
+                        <a:latin typeface="Courier 10 Pitch"/>
                       </a:endParaRPr>
                     </a:p>
                     <a:p>
@@ -11133,7 +10826,7 @@
                               <a:srgbClr val="ffffff"/>
                             </a:solidFill>
                           </a:uFill>
-                          <a:latin typeface="Arial"/>
+                          <a:latin typeface="Courier 10 Pitch"/>
                         </a:rPr>
                         <a:t>	</a:t>
                       </a:r>
@@ -11147,11 +10840,11 @@
                               <a:srgbClr val="ffffff"/>
                             </a:solidFill>
                           </a:uFill>
-                          <a:latin typeface="Arial"/>
-                        </a:rPr>
-                        <a:t>.add(new Oscillator(</a:t>
-                      </a:r>
-                      <a:endParaRPr b="0" lang="en-US" sz="1400" spc="-1" strike="noStrike">
+                          <a:latin typeface="Courier 10 Pitch"/>
+                        </a:rPr>
+                        <a:t>.add(</a:t>
+                      </a:r>
+                      <a:endParaRPr b="0" lang="en-US" sz="1800" spc="-1" strike="noStrike">
                         <a:solidFill>
                           <a:srgbClr val="000000"/>
                         </a:solidFill>
@@ -11160,7 +10853,7 @@
                             <a:srgbClr val="ffffff"/>
                           </a:solidFill>
                         </a:uFill>
-                        <a:latin typeface="Arial"/>
+                        <a:latin typeface="Courier 10 Pitch"/>
                       </a:endParaRPr>
                     </a:p>
                     <a:p>
@@ -11174,7 +10867,7 @@
                               <a:srgbClr val="ffffff"/>
                             </a:solidFill>
                           </a:uFill>
-                          <a:latin typeface="Arial"/>
+                          <a:latin typeface="Courier 10 Pitch"/>
                         </a:rPr>
                         <a:t>	</a:t>
                       </a:r>
@@ -11188,7 +10881,7 @@
                               <a:srgbClr val="ffffff"/>
                             </a:solidFill>
                           </a:uFill>
-                          <a:latin typeface="Arial"/>
+                          <a:latin typeface="Courier 10 Pitch"/>
                         </a:rPr>
                         <a:t>	</a:t>
                       </a:r>
@@ -11202,25 +10895,11 @@
                               <a:srgbClr val="ffffff"/>
                             </a:solidFill>
                           </a:uFill>
-                          <a:latin typeface="Arial"/>
-                        </a:rPr>
-                        <a:t>	</a:t>
-                      </a:r>
-                      <a:r>
-                        <a:rPr b="0" lang="en-US" sz="1400" spc="-1" strike="noStrike">
-                          <a:solidFill>
-                            <a:srgbClr val="000000"/>
-                          </a:solidFill>
-                          <a:uFill>
-                            <a:solidFill>
-                              <a:srgbClr val="ffffff"/>
-                            </a:solidFill>
-                          </a:uFill>
-                          <a:latin typeface="Arial"/>
-                        </a:rPr>
-                        <a:t>name: 'myFirstOsc',</a:t>
-                      </a:r>
-                      <a:endParaRPr b="0" lang="en-US" sz="1400" spc="-1" strike="noStrike">
+                          <a:latin typeface="Courier 10 Pitch"/>
+                        </a:rPr>
+                        <a:t>new Connection(</a:t>
+                      </a:r>
+                      <a:endParaRPr b="0" lang="en-US" sz="1800" spc="-1" strike="noStrike">
                         <a:solidFill>
                           <a:srgbClr val="000000"/>
                         </a:solidFill>
@@ -11229,7 +10908,7 @@
                             <a:srgbClr val="ffffff"/>
                           </a:solidFill>
                         </a:uFill>
-                        <a:latin typeface="Arial"/>
+                        <a:latin typeface="Courier 10 Pitch"/>
                       </a:endParaRPr>
                     </a:p>
                     <a:p>
@@ -11243,7 +10922,7 @@
                               <a:srgbClr val="ffffff"/>
                             </a:solidFill>
                           </a:uFill>
-                          <a:latin typeface="Arial"/>
+                          <a:latin typeface="Courier 10 Pitch"/>
                         </a:rPr>
                         <a:t>	</a:t>
                       </a:r>
@@ -11257,7 +10936,7 @@
                               <a:srgbClr val="ffffff"/>
                             </a:solidFill>
                           </a:uFill>
-                          <a:latin typeface="Arial"/>
+                          <a:latin typeface="Courier 10 Pitch"/>
                         </a:rPr>
                         <a:t>	</a:t>
                       </a:r>
@@ -11271,7 +10950,7 @@
                               <a:srgbClr val="ffffff"/>
                             </a:solidFill>
                           </a:uFill>
-                          <a:latin typeface="Arial"/>
+                          <a:latin typeface="Courier 10 Pitch"/>
                         </a:rPr>
                         <a:t>	</a:t>
                       </a:r>
@@ -11285,11 +10964,11 @@
                               <a:srgbClr val="ffffff"/>
                             </a:solidFill>
                           </a:uFill>
-                          <a:latin typeface="Arial"/>
-                        </a:rPr>
-                        <a:t>type: 'SineOscillator',</a:t>
-                      </a:r>
-                      <a:endParaRPr b="0" lang="en-US" sz="1400" spc="-1" strike="noStrike">
+                          <a:latin typeface="Courier 10 Pitch"/>
+                        </a:rPr>
+                        <a:t>filter: 'amplitudeRamp',</a:t>
+                      </a:r>
+                      <a:endParaRPr b="0" lang="en-US" sz="1800" spc="-1" strike="noStrike">
                         <a:solidFill>
                           <a:srgbClr val="000000"/>
                         </a:solidFill>
@@ -11298,7 +10977,7 @@
                             <a:srgbClr val="ffffff"/>
                           </a:solidFill>
                         </a:uFill>
-                        <a:latin typeface="Arial"/>
+                        <a:latin typeface="Courier 10 Pitch"/>
                       </a:endParaRPr>
                     </a:p>
                     <a:p>
@@ -11312,7 +10991,7 @@
                               <a:srgbClr val="ffffff"/>
                             </a:solidFill>
                           </a:uFill>
-                          <a:latin typeface="Arial"/>
+                          <a:latin typeface="Courier 10 Pitch"/>
                         </a:rPr>
                         <a:t>	</a:t>
                       </a:r>
@@ -11326,7 +11005,7 @@
                               <a:srgbClr val="ffffff"/>
                             </a:solidFill>
                           </a:uFill>
-                          <a:latin typeface="Arial"/>
+                          <a:latin typeface="Courier 10 Pitch"/>
                         </a:rPr>
                         <a:t>	</a:t>
                       </a:r>
@@ -11340,7 +11019,7 @@
                               <a:srgbClr val="ffffff"/>
                             </a:solidFill>
                           </a:uFill>
-                          <a:latin typeface="Arial"/>
+                          <a:latin typeface="Courier 10 Pitch"/>
                         </a:rPr>
                         <a:t>	</a:t>
                       </a:r>
@@ -11354,11 +11033,11 @@
                               <a:srgbClr val="ffffff"/>
                             </a:solidFill>
                           </a:uFill>
-                          <a:latin typeface="Arial"/>
-                        </a:rPr>
-                        <a:t>amplitude: new Amplitude(</a:t>
-                      </a:r>
-                      <a:endParaRPr b="0" lang="en-US" sz="1400" spc="-1" strike="noStrike">
+                          <a:latin typeface="Courier 10 Pitch"/>
+                        </a:rPr>
+                        <a:t>fromController: 'myKnob',</a:t>
+                      </a:r>
+                      <a:endParaRPr b="0" lang="en-US" sz="1800" spc="-1" strike="noStrike">
                         <a:solidFill>
                           <a:srgbClr val="000000"/>
                         </a:solidFill>
@@ -11367,7 +11046,7 @@
                             <a:srgbClr val="ffffff"/>
                           </a:solidFill>
                         </a:uFill>
-                        <a:latin typeface="Arial"/>
+                        <a:latin typeface="Courier 10 Pitch"/>
                       </a:endParaRPr>
                     </a:p>
                     <a:p>
@@ -11381,7 +11060,7 @@
                               <a:srgbClr val="ffffff"/>
                             </a:solidFill>
                           </a:uFill>
-                          <a:latin typeface="Arial"/>
+                          <a:latin typeface="Courier 10 Pitch"/>
                         </a:rPr>
                         <a:t>	</a:t>
                       </a:r>
@@ -11395,7 +11074,7 @@
                               <a:srgbClr val="ffffff"/>
                             </a:solidFill>
                           </a:uFill>
-                          <a:latin typeface="Arial"/>
+                          <a:latin typeface="Courier 10 Pitch"/>
                         </a:rPr>
                         <a:t>	</a:t>
                       </a:r>
@@ -11409,7 +11088,7 @@
                               <a:srgbClr val="ffffff"/>
                             </a:solidFill>
                           </a:uFill>
-                          <a:latin typeface="Arial"/>
+                          <a:latin typeface="Courier 10 Pitch"/>
                         </a:rPr>
                         <a:t>	</a:t>
                       </a:r>
@@ -11423,25 +11102,11 @@
                               <a:srgbClr val="ffffff"/>
                             </a:solidFill>
                           </a:uFill>
-                          <a:latin typeface="Arial"/>
-                        </a:rPr>
-                        <a:t>	</a:t>
-                      </a:r>
-                      <a:r>
-                        <a:rPr b="0" lang="en-US" sz="1400" spc="-1" strike="noStrike">
-                          <a:solidFill>
-                            <a:srgbClr val="000000"/>
-                          </a:solidFill>
-                          <a:uFill>
-                            <a:solidFill>
-                              <a:srgbClr val="ffffff"/>
-                            </a:solidFill>
-                          </a:uFill>
-                          <a:latin typeface="Arial"/>
-                        </a:rPr>
-                        <a:t>minimum : 0.0,</a:t>
-                      </a:r>
-                      <a:endParaRPr b="0" lang="en-US" sz="1400" spc="-1" strike="noStrike">
+                          <a:latin typeface="Courier 10 Pitch"/>
+                        </a:rPr>
+                        <a:t>toOscillator: 'myFirstOsc'</a:t>
+                      </a:r>
+                      <a:endParaRPr b="0" lang="en-US" sz="1800" spc="-1" strike="noStrike">
                         <a:solidFill>
                           <a:srgbClr val="000000"/>
                         </a:solidFill>
@@ -11450,7 +11115,7 @@
                             <a:srgbClr val="ffffff"/>
                           </a:solidFill>
                         </a:uFill>
-                        <a:latin typeface="Arial"/>
+                        <a:latin typeface="Courier 10 Pitch"/>
                       </a:endParaRPr>
                     </a:p>
                     <a:p>
@@ -11464,7 +11129,7 @@
                               <a:srgbClr val="ffffff"/>
                             </a:solidFill>
                           </a:uFill>
-                          <a:latin typeface="Arial"/>
+                          <a:latin typeface="Courier 10 Pitch"/>
                         </a:rPr>
                         <a:t>	</a:t>
                       </a:r>
@@ -11478,7 +11143,7 @@
                               <a:srgbClr val="ffffff"/>
                             </a:solidFill>
                           </a:uFill>
-                          <a:latin typeface="Arial"/>
+                          <a:latin typeface="Courier 10 Pitch"/>
                         </a:rPr>
                         <a:t>	</a:t>
                       </a:r>
@@ -11492,39 +11157,11 @@
                               <a:srgbClr val="ffffff"/>
                             </a:solidFill>
                           </a:uFill>
-                          <a:latin typeface="Arial"/>
-                        </a:rPr>
-                        <a:t>	</a:t>
-                      </a:r>
-                      <a:r>
-                        <a:rPr b="0" lang="en-US" sz="1400" spc="-1" strike="noStrike">
-                          <a:solidFill>
-                            <a:srgbClr val="000000"/>
-                          </a:solidFill>
-                          <a:uFill>
-                            <a:solidFill>
-                              <a:srgbClr val="ffffff"/>
-                            </a:solidFill>
-                          </a:uFill>
-                          <a:latin typeface="Arial"/>
-                        </a:rPr>
-                        <a:t>	</a:t>
-                      </a:r>
-                      <a:r>
-                        <a:rPr b="0" lang="en-US" sz="1400" spc="-1" strike="noStrike">
-                          <a:solidFill>
-                            <a:srgbClr val="000000"/>
-                          </a:solidFill>
-                          <a:uFill>
-                            <a:solidFill>
-                              <a:srgbClr val="ffffff"/>
-                            </a:solidFill>
-                          </a:uFill>
-                          <a:latin typeface="Arial"/>
-                        </a:rPr>
-                        <a:t>maximum : 1.0,</a:t>
-                      </a:r>
-                      <a:endParaRPr b="0" lang="en-US" sz="1400" spc="-1" strike="noStrike">
+                          <a:latin typeface="Courier 10 Pitch"/>
+                        </a:rPr>
+                        <a:t>)</a:t>
+                      </a:r>
+                      <a:endParaRPr b="0" lang="en-US" sz="1800" spc="-1" strike="noStrike">
                         <a:solidFill>
                           <a:srgbClr val="000000"/>
                         </a:solidFill>
@@ -11533,7 +11170,7 @@
                             <a:srgbClr val="ffffff"/>
                           </a:solidFill>
                         </a:uFill>
-                        <a:latin typeface="Arial"/>
+                        <a:latin typeface="Courier 10 Pitch"/>
                       </a:endParaRPr>
                     </a:p>
                     <a:p>
@@ -11547,7 +11184,7 @@
                               <a:srgbClr val="ffffff"/>
                             </a:solidFill>
                           </a:uFill>
-                          <a:latin typeface="Arial"/>
+                          <a:latin typeface="Courier 10 Pitch"/>
                         </a:rPr>
                         <a:t>	</a:t>
                       </a:r>
@@ -11561,53 +11198,11 @@
                               <a:srgbClr val="ffffff"/>
                             </a:solidFill>
                           </a:uFill>
-                          <a:latin typeface="Arial"/>
-                        </a:rPr>
-                        <a:t>	</a:t>
-                      </a:r>
-                      <a:r>
-                        <a:rPr b="0" lang="en-US" sz="1400" spc="-1" strike="noStrike">
-                          <a:solidFill>
-                            <a:srgbClr val="000000"/>
-                          </a:solidFill>
-                          <a:uFill>
-                            <a:solidFill>
-                              <a:srgbClr val="ffffff"/>
-                            </a:solidFill>
-                          </a:uFill>
-                          <a:latin typeface="Arial"/>
-                        </a:rPr>
-                        <a:t>	</a:t>
-                      </a:r>
-                      <a:r>
-                        <a:rPr b="0" lang="en-US" sz="1400" spc="-1" strike="noStrike">
-                          <a:solidFill>
-                            <a:srgbClr val="000000"/>
-                          </a:solidFill>
-                          <a:uFill>
-                            <a:solidFill>
-                              <a:srgbClr val="ffffff"/>
-                            </a:solidFill>
-                          </a:uFill>
-                          <a:latin typeface="Arial"/>
-                        </a:rPr>
-                        <a:t>	</a:t>
-                      </a:r>
-                      <a:r>
-                        <a:rPr b="0" lang="en-US" sz="1400" spc="-1" strike="noStrike">
-                          <a:solidFill>
-                            <a:srgbClr val="000000"/>
-                          </a:solidFill>
-                          <a:uFill>
-                            <a:solidFill>
-                              <a:srgbClr val="ffffff"/>
-                            </a:solidFill>
-                          </a:uFill>
-                          <a:latin typeface="Arial"/>
-                        </a:rPr>
-                        <a:t>defaultValue : 0.5</a:t>
-                      </a:r>
-                      <a:endParaRPr b="0" lang="en-US" sz="1400" spc="-1" strike="noStrike">
+                          <a:latin typeface="Courier 10 Pitch"/>
+                        </a:rPr>
+                        <a:t>)</a:t>
+                      </a:r>
+                      <a:endParaRPr b="0" lang="en-US" sz="1800" spc="-1" strike="noStrike">
                         <a:solidFill>
                           <a:srgbClr val="000000"/>
                         </a:solidFill>
@@ -11616,504 +11211,7 @@
                             <a:srgbClr val="ffffff"/>
                           </a:solidFill>
                         </a:uFill>
-                        <a:latin typeface="Arial"/>
-                      </a:endParaRPr>
-                    </a:p>
-                    <a:p>
-                      <a:r>
-                        <a:rPr b="0" lang="en-US" sz="1400" spc="-1" strike="noStrike">
-                          <a:solidFill>
-                            <a:srgbClr val="000000"/>
-                          </a:solidFill>
-                          <a:uFill>
-                            <a:solidFill>
-                              <a:srgbClr val="ffffff"/>
-                            </a:solidFill>
-                          </a:uFill>
-                          <a:latin typeface="Arial"/>
-                        </a:rPr>
-                        <a:t>	</a:t>
-                      </a:r>
-                      <a:r>
-                        <a:rPr b="0" lang="en-US" sz="1400" spc="-1" strike="noStrike">
-                          <a:solidFill>
-                            <a:srgbClr val="000000"/>
-                          </a:solidFill>
-                          <a:uFill>
-                            <a:solidFill>
-                              <a:srgbClr val="ffffff"/>
-                            </a:solidFill>
-                          </a:uFill>
-                          <a:latin typeface="Arial"/>
-                        </a:rPr>
-                        <a:t>	</a:t>
-                      </a:r>
-                      <a:r>
-                        <a:rPr b="0" lang="en-US" sz="1400" spc="-1" strike="noStrike">
-                          <a:solidFill>
-                            <a:srgbClr val="000000"/>
-                          </a:solidFill>
-                          <a:uFill>
-                            <a:solidFill>
-                              <a:srgbClr val="ffffff"/>
-                            </a:solidFill>
-                          </a:uFill>
-                          <a:latin typeface="Arial"/>
-                        </a:rPr>
-                        <a:t>	</a:t>
-                      </a:r>
-                      <a:r>
-                        <a:rPr b="0" lang="en-US" sz="1400" spc="-1" strike="noStrike">
-                          <a:solidFill>
-                            <a:srgbClr val="000000"/>
-                          </a:solidFill>
-                          <a:uFill>
-                            <a:solidFill>
-                              <a:srgbClr val="ffffff"/>
-                            </a:solidFill>
-                          </a:uFill>
-                          <a:latin typeface="Arial"/>
-                        </a:rPr>
-                        <a:t>),</a:t>
-                      </a:r>
-                      <a:endParaRPr b="0" lang="en-US" sz="1400" spc="-1" strike="noStrike">
-                        <a:solidFill>
-                          <a:srgbClr val="000000"/>
-                        </a:solidFill>
-                        <a:uFill>
-                          <a:solidFill>
-                            <a:srgbClr val="ffffff"/>
-                          </a:solidFill>
-                        </a:uFill>
-                        <a:latin typeface="Arial"/>
-                      </a:endParaRPr>
-                    </a:p>
-                    <a:p>
-                      <a:r>
-                        <a:rPr b="0" lang="en-US" sz="1400" spc="-1" strike="noStrike">
-                          <a:solidFill>
-                            <a:srgbClr val="000000"/>
-                          </a:solidFill>
-                          <a:uFill>
-                            <a:solidFill>
-                              <a:srgbClr val="ffffff"/>
-                            </a:solidFill>
-                          </a:uFill>
-                          <a:latin typeface="Arial"/>
-                        </a:rPr>
-                        <a:t>	</a:t>
-                      </a:r>
-                      <a:r>
-                        <a:rPr b="0" lang="en-US" sz="1400" spc="-1" strike="noStrike">
-                          <a:solidFill>
-                            <a:srgbClr val="000000"/>
-                          </a:solidFill>
-                          <a:uFill>
-                            <a:solidFill>
-                              <a:srgbClr val="ffffff"/>
-                            </a:solidFill>
-                          </a:uFill>
-                          <a:latin typeface="Arial"/>
-                        </a:rPr>
-                        <a:t>	</a:t>
-                      </a:r>
-                      <a:r>
-                        <a:rPr b="0" lang="en-US" sz="1400" spc="-1" strike="noStrike">
-                          <a:solidFill>
-                            <a:srgbClr val="000000"/>
-                          </a:solidFill>
-                          <a:uFill>
-                            <a:solidFill>
-                              <a:srgbClr val="ffffff"/>
-                            </a:solidFill>
-                          </a:uFill>
-                          <a:latin typeface="Arial"/>
-                        </a:rPr>
-                        <a:t>	</a:t>
-                      </a:r>
-                      <a:r>
-                        <a:rPr b="0" lang="en-US" sz="1400" spc="-1" strike="noStrike">
-                          <a:solidFill>
-                            <a:srgbClr val="000000"/>
-                          </a:solidFill>
-                          <a:uFill>
-                            <a:solidFill>
-                              <a:srgbClr val="ffffff"/>
-                            </a:solidFill>
-                          </a:uFill>
-                          <a:latin typeface="Arial"/>
-                        </a:rPr>
-                        <a:t>frequency: new Frequency(</a:t>
-                      </a:r>
-                      <a:endParaRPr b="0" lang="en-US" sz="1400" spc="-1" strike="noStrike">
-                        <a:solidFill>
-                          <a:srgbClr val="000000"/>
-                        </a:solidFill>
-                        <a:uFill>
-                          <a:solidFill>
-                            <a:srgbClr val="ffffff"/>
-                          </a:solidFill>
-                        </a:uFill>
-                        <a:latin typeface="Arial"/>
-                      </a:endParaRPr>
-                    </a:p>
-                    <a:p>
-                      <a:r>
-                        <a:rPr b="0" lang="en-US" sz="1400" spc="-1" strike="noStrike">
-                          <a:solidFill>
-                            <a:srgbClr val="000000"/>
-                          </a:solidFill>
-                          <a:uFill>
-                            <a:solidFill>
-                              <a:srgbClr val="ffffff"/>
-                            </a:solidFill>
-                          </a:uFill>
-                          <a:latin typeface="Arial"/>
-                        </a:rPr>
-                        <a:t>	</a:t>
-                      </a:r>
-                      <a:r>
-                        <a:rPr b="0" lang="en-US" sz="1400" spc="-1" strike="noStrike">
-                          <a:solidFill>
-                            <a:srgbClr val="000000"/>
-                          </a:solidFill>
-                          <a:uFill>
-                            <a:solidFill>
-                              <a:srgbClr val="ffffff"/>
-                            </a:solidFill>
-                          </a:uFill>
-                          <a:latin typeface="Arial"/>
-                        </a:rPr>
-                        <a:t>	</a:t>
-                      </a:r>
-                      <a:r>
-                        <a:rPr b="0" lang="en-US" sz="1400" spc="-1" strike="noStrike">
-                          <a:solidFill>
-                            <a:srgbClr val="000000"/>
-                          </a:solidFill>
-                          <a:uFill>
-                            <a:solidFill>
-                              <a:srgbClr val="ffffff"/>
-                            </a:solidFill>
-                          </a:uFill>
-                          <a:latin typeface="Arial"/>
-                        </a:rPr>
-                        <a:t>	</a:t>
-                      </a:r>
-                      <a:r>
-                        <a:rPr b="0" lang="en-US" sz="1400" spc="-1" strike="noStrike">
-                          <a:solidFill>
-                            <a:srgbClr val="000000"/>
-                          </a:solidFill>
-                          <a:uFill>
-                            <a:solidFill>
-                              <a:srgbClr val="ffffff"/>
-                            </a:solidFill>
-                          </a:uFill>
-                          <a:latin typeface="Arial"/>
-                        </a:rPr>
-                        <a:t>	</a:t>
-                      </a:r>
-                      <a:r>
-                        <a:rPr b="0" lang="en-US" sz="1400" spc="-1" strike="noStrike">
-                          <a:solidFill>
-                            <a:srgbClr val="000000"/>
-                          </a:solidFill>
-                          <a:uFill>
-                            <a:solidFill>
-                              <a:srgbClr val="ffffff"/>
-                            </a:solidFill>
-                          </a:uFill>
-                          <a:latin typeface="Arial"/>
-                        </a:rPr>
-                        <a:t>minimum : 50.0,</a:t>
-                      </a:r>
-                      <a:endParaRPr b="0" lang="en-US" sz="1400" spc="-1" strike="noStrike">
-                        <a:solidFill>
-                          <a:srgbClr val="000000"/>
-                        </a:solidFill>
-                        <a:uFill>
-                          <a:solidFill>
-                            <a:srgbClr val="ffffff"/>
-                          </a:solidFill>
-                        </a:uFill>
-                        <a:latin typeface="Arial"/>
-                      </a:endParaRPr>
-                    </a:p>
-                    <a:p>
-                      <a:r>
-                        <a:rPr b="0" lang="en-US" sz="1400" spc="-1" strike="noStrike">
-                          <a:solidFill>
-                            <a:srgbClr val="000000"/>
-                          </a:solidFill>
-                          <a:uFill>
-                            <a:solidFill>
-                              <a:srgbClr val="ffffff"/>
-                            </a:solidFill>
-                          </a:uFill>
-                          <a:latin typeface="Arial"/>
-                        </a:rPr>
-                        <a:t>	</a:t>
-                      </a:r>
-                      <a:r>
-                        <a:rPr b="0" lang="en-US" sz="1400" spc="-1" strike="noStrike">
-                          <a:solidFill>
-                            <a:srgbClr val="000000"/>
-                          </a:solidFill>
-                          <a:uFill>
-                            <a:solidFill>
-                              <a:srgbClr val="ffffff"/>
-                            </a:solidFill>
-                          </a:uFill>
-                          <a:latin typeface="Arial"/>
-                        </a:rPr>
-                        <a:t>	</a:t>
-                      </a:r>
-                      <a:r>
-                        <a:rPr b="0" lang="en-US" sz="1400" spc="-1" strike="noStrike">
-                          <a:solidFill>
-                            <a:srgbClr val="000000"/>
-                          </a:solidFill>
-                          <a:uFill>
-                            <a:solidFill>
-                              <a:srgbClr val="ffffff"/>
-                            </a:solidFill>
-                          </a:uFill>
-                          <a:latin typeface="Arial"/>
-                        </a:rPr>
-                        <a:t>	</a:t>
-                      </a:r>
-                      <a:r>
-                        <a:rPr b="0" lang="en-US" sz="1400" spc="-1" strike="noStrike">
-                          <a:solidFill>
-                            <a:srgbClr val="000000"/>
-                          </a:solidFill>
-                          <a:uFill>
-                            <a:solidFill>
-                              <a:srgbClr val="ffffff"/>
-                            </a:solidFill>
-                          </a:uFill>
-                          <a:latin typeface="Arial"/>
-                        </a:rPr>
-                        <a:t>	</a:t>
-                      </a:r>
-                      <a:r>
-                        <a:rPr b="0" lang="en-US" sz="1400" spc="-1" strike="noStrike">
-                          <a:solidFill>
-                            <a:srgbClr val="000000"/>
-                          </a:solidFill>
-                          <a:uFill>
-                            <a:solidFill>
-                              <a:srgbClr val="ffffff"/>
-                            </a:solidFill>
-                          </a:uFill>
-                          <a:latin typeface="Arial"/>
-                        </a:rPr>
-                        <a:t>maximum : 10000.0,</a:t>
-                      </a:r>
-                      <a:endParaRPr b="0" lang="en-US" sz="1400" spc="-1" strike="noStrike">
-                        <a:solidFill>
-                          <a:srgbClr val="000000"/>
-                        </a:solidFill>
-                        <a:uFill>
-                          <a:solidFill>
-                            <a:srgbClr val="ffffff"/>
-                          </a:solidFill>
-                        </a:uFill>
-                        <a:latin typeface="Arial"/>
-                      </a:endParaRPr>
-                    </a:p>
-                    <a:p>
-                      <a:r>
-                        <a:rPr b="0" lang="en-US" sz="1400" spc="-1" strike="noStrike">
-                          <a:solidFill>
-                            <a:srgbClr val="000000"/>
-                          </a:solidFill>
-                          <a:uFill>
-                            <a:solidFill>
-                              <a:srgbClr val="ffffff"/>
-                            </a:solidFill>
-                          </a:uFill>
-                          <a:latin typeface="Arial"/>
-                        </a:rPr>
-                        <a:t>	</a:t>
-                      </a:r>
-                      <a:r>
-                        <a:rPr b="0" lang="en-US" sz="1400" spc="-1" strike="noStrike">
-                          <a:solidFill>
-                            <a:srgbClr val="000000"/>
-                          </a:solidFill>
-                          <a:uFill>
-                            <a:solidFill>
-                              <a:srgbClr val="ffffff"/>
-                            </a:solidFill>
-                          </a:uFill>
-                          <a:latin typeface="Arial"/>
-                        </a:rPr>
-                        <a:t>	</a:t>
-                      </a:r>
-                      <a:r>
-                        <a:rPr b="0" lang="en-US" sz="1400" spc="-1" strike="noStrike">
-                          <a:solidFill>
-                            <a:srgbClr val="000000"/>
-                          </a:solidFill>
-                          <a:uFill>
-                            <a:solidFill>
-                              <a:srgbClr val="ffffff"/>
-                            </a:solidFill>
-                          </a:uFill>
-                          <a:latin typeface="Arial"/>
-                        </a:rPr>
-                        <a:t>	</a:t>
-                      </a:r>
-                      <a:r>
-                        <a:rPr b="0" lang="en-US" sz="1400" spc="-1" strike="noStrike">
-                          <a:solidFill>
-                            <a:srgbClr val="000000"/>
-                          </a:solidFill>
-                          <a:uFill>
-                            <a:solidFill>
-                              <a:srgbClr val="ffffff"/>
-                            </a:solidFill>
-                          </a:uFill>
-                          <a:latin typeface="Arial"/>
-                        </a:rPr>
-                        <a:t>	</a:t>
-                      </a:r>
-                      <a:r>
-                        <a:rPr b="0" lang="en-US" sz="1400" spc="-1" strike="noStrike">
-                          <a:solidFill>
-                            <a:srgbClr val="000000"/>
-                          </a:solidFill>
-                          <a:uFill>
-                            <a:solidFill>
-                              <a:srgbClr val="ffffff"/>
-                            </a:solidFill>
-                          </a:uFill>
-                          <a:latin typeface="Arial"/>
-                        </a:rPr>
-                        <a:t>defaultValue : 300.0</a:t>
-                      </a:r>
-                      <a:endParaRPr b="0" lang="en-US" sz="1400" spc="-1" strike="noStrike">
-                        <a:solidFill>
-                          <a:srgbClr val="000000"/>
-                        </a:solidFill>
-                        <a:uFill>
-                          <a:solidFill>
-                            <a:srgbClr val="ffffff"/>
-                          </a:solidFill>
-                        </a:uFill>
-                        <a:latin typeface="Arial"/>
-                      </a:endParaRPr>
-                    </a:p>
-                    <a:p>
-                      <a:r>
-                        <a:rPr b="0" lang="en-US" sz="1400" spc="-1" strike="noStrike">
-                          <a:solidFill>
-                            <a:srgbClr val="000000"/>
-                          </a:solidFill>
-                          <a:uFill>
-                            <a:solidFill>
-                              <a:srgbClr val="ffffff"/>
-                            </a:solidFill>
-                          </a:uFill>
-                          <a:latin typeface="Arial"/>
-                        </a:rPr>
-                        <a:t>	</a:t>
-                      </a:r>
-                      <a:r>
-                        <a:rPr b="0" lang="en-US" sz="1400" spc="-1" strike="noStrike">
-                          <a:solidFill>
-                            <a:srgbClr val="000000"/>
-                          </a:solidFill>
-                          <a:uFill>
-                            <a:solidFill>
-                              <a:srgbClr val="ffffff"/>
-                            </a:solidFill>
-                          </a:uFill>
-                          <a:latin typeface="Arial"/>
-                        </a:rPr>
-                        <a:t>	</a:t>
-                      </a:r>
-                      <a:r>
-                        <a:rPr b="0" lang="en-US" sz="1400" spc="-1" strike="noStrike">
-                          <a:solidFill>
-                            <a:srgbClr val="000000"/>
-                          </a:solidFill>
-                          <a:uFill>
-                            <a:solidFill>
-                              <a:srgbClr val="ffffff"/>
-                            </a:solidFill>
-                          </a:uFill>
-                          <a:latin typeface="Arial"/>
-                        </a:rPr>
-                        <a:t>	</a:t>
-                      </a:r>
-                      <a:r>
-                        <a:rPr b="0" lang="en-US" sz="1400" spc="-1" strike="noStrike">
-                          <a:solidFill>
-                            <a:srgbClr val="000000"/>
-                          </a:solidFill>
-                          <a:uFill>
-                            <a:solidFill>
-                              <a:srgbClr val="ffffff"/>
-                            </a:solidFill>
-                          </a:uFill>
-                          <a:latin typeface="Arial"/>
-                        </a:rPr>
-                        <a:t>)</a:t>
-                      </a:r>
-                      <a:endParaRPr b="0" lang="en-US" sz="1400" spc="-1" strike="noStrike">
-                        <a:solidFill>
-                          <a:srgbClr val="000000"/>
-                        </a:solidFill>
-                        <a:uFill>
-                          <a:solidFill>
-                            <a:srgbClr val="ffffff"/>
-                          </a:solidFill>
-                        </a:uFill>
-                        <a:latin typeface="Arial"/>
-                      </a:endParaRPr>
-                    </a:p>
-                    <a:p>
-                      <a:r>
-                        <a:rPr b="0" lang="en-US" sz="1400" spc="-1" strike="noStrike">
-                          <a:solidFill>
-                            <a:srgbClr val="000000"/>
-                          </a:solidFill>
-                          <a:uFill>
-                            <a:solidFill>
-                              <a:srgbClr val="ffffff"/>
-                            </a:solidFill>
-                          </a:uFill>
-                          <a:latin typeface="Arial"/>
-                        </a:rPr>
-                        <a:t>	</a:t>
-                      </a:r>
-                      <a:r>
-                        <a:rPr b="0" lang="en-US" sz="1400" spc="-1" strike="noStrike">
-                          <a:solidFill>
-                            <a:srgbClr val="000000"/>
-                          </a:solidFill>
-                          <a:uFill>
-                            <a:solidFill>
-                              <a:srgbClr val="ffffff"/>
-                            </a:solidFill>
-                          </a:uFill>
-                          <a:latin typeface="Arial"/>
-                        </a:rPr>
-                        <a:t>))</a:t>
-                      </a:r>
-                      <a:endParaRPr b="0" lang="en-US" sz="1400" spc="-1" strike="noStrike">
-                        <a:solidFill>
-                          <a:srgbClr val="000000"/>
-                        </a:solidFill>
-                        <a:uFill>
-                          <a:solidFill>
-                            <a:srgbClr val="ffffff"/>
-                          </a:solidFill>
-                        </a:uFill>
-                        <a:latin typeface="Arial"/>
+                        <a:latin typeface="Courier 10 Pitch"/>
                       </a:endParaRPr>
                     </a:p>
                   </a:txBody>
@@ -12199,14 +11297,14 @@
       </p:grpSpPr>
       <p:sp>
         <p:nvSpPr>
-          <p:cNvPr id="110" name="CustomShape 1"/>
+          <p:cNvPr id="112" name="CustomShape 1"/>
           <p:cNvSpPr/>
           <p:nvPr/>
         </p:nvSpPr>
         <p:spPr>
           <a:xfrm>
             <a:off x="457200" y="32040"/>
-            <a:ext cx="8227440" cy="1140840"/>
+            <a:ext cx="8227080" cy="1140480"/>
           </a:xfrm>
           <a:prstGeom prst="rect">
             <a:avLst/>
@@ -12243,7 +11341,7 @@
                 <a:latin typeface="Calibri"/>
                 <a:ea typeface="DejaVu Sans"/>
               </a:rPr>
-              <a:t>User Actions – Add Relationships</a:t>
+              <a:t>User Actions – Sound Composition</a:t>
             </a:r>
             <a:endParaRPr b="0" lang="en-US" sz="1800" spc="-1" strike="noStrike">
               <a:solidFill>
@@ -12261,14 +11359,14 @@
       </p:sp>
       <p:sp>
         <p:nvSpPr>
-          <p:cNvPr id="111" name="CustomShape 2"/>
+          <p:cNvPr id="113" name="CustomShape 2"/>
           <p:cNvSpPr/>
           <p:nvPr/>
         </p:nvSpPr>
         <p:spPr>
           <a:xfrm>
             <a:off x="7164360" y="6520320"/>
-            <a:ext cx="1520280" cy="362880"/>
+            <a:ext cx="1519920" cy="362520"/>
           </a:xfrm>
           <a:prstGeom prst="rect">
             <a:avLst/>
@@ -12287,14 +11385,14 @@
       </p:sp>
       <p:sp>
         <p:nvSpPr>
-          <p:cNvPr id="112" name="CustomShape 3"/>
+          <p:cNvPr id="114" name="CustomShape 3"/>
           <p:cNvSpPr/>
           <p:nvPr/>
         </p:nvSpPr>
         <p:spPr>
           <a:xfrm>
             <a:off x="457200" y="1600200"/>
-            <a:ext cx="8227440" cy="4523760"/>
+            <a:ext cx="8227080" cy="4523400"/>
           </a:xfrm>
           <a:prstGeom prst="rect">
             <a:avLst/>
@@ -12313,7 +11411,7 @@
         <p:txBody>
           <a:bodyPr lIns="90000" rIns="90000" tIns="45000" bIns="45000"/>
           <a:p>
-            <a:pPr marL="343080" indent="-340920">
+            <a:pPr marL="343080" indent="-340560">
               <a:lnSpc>
                 <a:spcPct val="100000"/>
               </a:lnSpc>
@@ -12336,26 +11434,8 @@
                 <a:latin typeface="Calibri"/>
                 <a:ea typeface="DejaVu Sans"/>
               </a:rPr>
-              <a:t>Add Connection </a:t>
+              <a:t>Define the default Operation for the Sound Composition </a:t>
             </a:r>
-            <a:endParaRPr b="0" lang="en-US" sz="1800" spc="-1" strike="noStrike">
-              <a:solidFill>
-                <a:srgbClr val="000000"/>
-              </a:solidFill>
-              <a:uFill>
-                <a:solidFill>
-                  <a:srgbClr val="ffffff"/>
-                </a:solidFill>
-              </a:uFill>
-              <a:latin typeface="Arial"/>
-            </a:endParaRPr>
-          </a:p>
-          <a:p>
-            <a:pPr>
-              <a:lnSpc>
-                <a:spcPct val="100000"/>
-              </a:lnSpc>
-            </a:pPr>
             <a:endParaRPr b="0" lang="en-US" sz="1800" spc="-1" strike="noStrike">
               <a:solidFill>
                 <a:srgbClr val="000000"/>
@@ -12372,39 +11452,39 @@
       </p:sp>
       <p:graphicFrame>
         <p:nvGraphicFramePr>
-          <p:cNvPr id="113" name="Table 4"/>
+          <p:cNvPr id="115" name="Table 4"/>
           <p:cNvGraphicFramePr/>
           <p:nvPr/>
         </p:nvGraphicFramePr>
         <p:xfrm>
-          <a:off x="1760760" y="2600640"/>
-          <a:ext cx="5075280" cy="719280"/>
+          <a:off x="1817640" y="3242880"/>
+          <a:ext cx="4005720" cy="719280"/>
         </p:xfrm>
         <a:graphic>
           <a:graphicData uri="http://schemas.openxmlformats.org/drawingml/2006/table">
             <a:tbl>
               <a:tblPr/>
               <a:tblGrid>
-                <a:gridCol w="5075640"/>
+                <a:gridCol w="4006080"/>
               </a:tblGrid>
               <a:tr h="719640">
                 <a:tc>
                   <a:txBody>
-                    <a:bodyPr lIns="90000" rIns="90000" tIns="46800" bIns="46800"/>
+                    <a:bodyPr lIns="90000" rIns="90000"/>
                     <a:p>
                       <a:r>
-                        <a:rPr b="0" lang="en-US" sz="1400" spc="-1" strike="noStrike">
-                          <a:solidFill>
-                            <a:srgbClr val="000000"/>
-                          </a:solidFill>
-                          <a:uFill>
-                            <a:solidFill>
-                              <a:srgbClr val="ffffff"/>
-                            </a:solidFill>
-                          </a:uFill>
-                          <a:latin typeface="Arial"/>
-                        </a:rPr>
-                        <a:t>connections</a:t>
+                        <a:rPr b="0" lang="en-US" sz="1800" spc="-1" strike="noStrike">
+                          <a:solidFill>
+                            <a:srgbClr val="000000"/>
+                          </a:solidFill>
+                          <a:uFill>
+                            <a:solidFill>
+                              <a:srgbClr val="ffffff"/>
+                            </a:solidFill>
+                          </a:uFill>
+                          <a:latin typeface="Courier 10 Pitch"/>
+                        </a:rPr>
+                        <a:t>waveformOperations</a:t>
                       </a:r>
                       <a:endParaRPr b="0" lang="en-US" sz="1800" spc="-1" strike="noStrike">
                         <a:solidFill>
@@ -12415,35 +11495,35 @@
                             <a:srgbClr val="ffffff"/>
                           </a:solidFill>
                         </a:uFill>
-                        <a:latin typeface="Arial"/>
+                        <a:latin typeface="Courier 10 Pitch"/>
                       </a:endParaRPr>
                     </a:p>
                     <a:p>
                       <a:r>
-                        <a:rPr b="0" lang="en-US" sz="1400" spc="-1" strike="noStrike">
-                          <a:solidFill>
-                            <a:srgbClr val="000000"/>
-                          </a:solidFill>
-                          <a:uFill>
-                            <a:solidFill>
-                              <a:srgbClr val="ffffff"/>
-                            </a:solidFill>
-                          </a:uFill>
-                          <a:latin typeface="Arial"/>
+                        <a:rPr b="0" lang="en-US" sz="1800" spc="-1" strike="noStrike">
+                          <a:solidFill>
+                            <a:srgbClr val="000000"/>
+                          </a:solidFill>
+                          <a:uFill>
+                            <a:solidFill>
+                              <a:srgbClr val="ffffff"/>
+                            </a:solidFill>
+                          </a:uFill>
+                          <a:latin typeface="Courier 10 Pitch"/>
                         </a:rPr>
                         <a:t>	</a:t>
                       </a:r>
                       <a:r>
-                        <a:rPr b="0" lang="en-US" sz="1400" spc="-1" strike="noStrike">
-                          <a:solidFill>
-                            <a:srgbClr val="000000"/>
-                          </a:solidFill>
-                          <a:uFill>
-                            <a:solidFill>
-                              <a:srgbClr val="ffffff"/>
-                            </a:solidFill>
-                          </a:uFill>
-                          <a:latin typeface="Arial"/>
+                        <a:rPr b="0" lang="en-US" sz="1800" spc="-1" strike="noStrike">
+                          <a:solidFill>
+                            <a:srgbClr val="000000"/>
+                          </a:solidFill>
+                          <a:uFill>
+                            <a:solidFill>
+                              <a:srgbClr val="ffffff"/>
+                            </a:solidFill>
+                          </a:uFill>
+                          <a:latin typeface="Courier 10 Pitch"/>
                         </a:rPr>
                         <a:t>.add(</a:t>
                       </a:r>
@@ -12456,51 +11536,51 @@
                             <a:srgbClr val="ffffff"/>
                           </a:solidFill>
                         </a:uFill>
-                        <a:latin typeface="Arial"/>
+                        <a:latin typeface="Courier 10 Pitch"/>
                       </a:endParaRPr>
                     </a:p>
                     <a:p>
                       <a:r>
-                        <a:rPr b="0" lang="en-US" sz="1400" spc="-1" strike="noStrike">
-                          <a:solidFill>
-                            <a:srgbClr val="000000"/>
-                          </a:solidFill>
-                          <a:uFill>
-                            <a:solidFill>
-                              <a:srgbClr val="ffffff"/>
-                            </a:solidFill>
-                          </a:uFill>
-                          <a:latin typeface="Arial"/>
+                        <a:rPr b="0" lang="en-US" sz="1800" spc="-1" strike="noStrike">
+                          <a:solidFill>
+                            <a:srgbClr val="000000"/>
+                          </a:solidFill>
+                          <a:uFill>
+                            <a:solidFill>
+                              <a:srgbClr val="ffffff"/>
+                            </a:solidFill>
+                          </a:uFill>
+                          <a:latin typeface="Courier 10 Pitch"/>
                         </a:rPr>
                         <a:t>	</a:t>
                       </a:r>
                       <a:r>
-                        <a:rPr b="0" lang="en-US" sz="1400" spc="-1" strike="noStrike">
-                          <a:solidFill>
-                            <a:srgbClr val="000000"/>
-                          </a:solidFill>
-                          <a:uFill>
-                            <a:solidFill>
-                              <a:srgbClr val="ffffff"/>
-                            </a:solidFill>
-                          </a:uFill>
-                          <a:latin typeface="Arial"/>
+                        <a:rPr b="0" lang="en-US" sz="1800" spc="-1" strike="noStrike">
+                          <a:solidFill>
+                            <a:srgbClr val="000000"/>
+                          </a:solidFill>
+                          <a:uFill>
+                            <a:solidFill>
+                              <a:srgbClr val="ffffff"/>
+                            </a:solidFill>
+                          </a:uFill>
+                          <a:latin typeface="Courier 10 Pitch"/>
                         </a:rPr>
                         <a:t>	</a:t>
                       </a:r>
                       <a:r>
-                        <a:rPr b="0" lang="en-US" sz="1400" spc="-1" strike="noStrike">
-                          <a:solidFill>
-                            <a:srgbClr val="000000"/>
-                          </a:solidFill>
-                          <a:uFill>
-                            <a:solidFill>
-                              <a:srgbClr val="ffffff"/>
-                            </a:solidFill>
-                          </a:uFill>
-                          <a:latin typeface="Arial"/>
-                        </a:rPr>
-                        <a:t>new Connection(</a:t>
+                        <a:rPr b="0" lang="en-US" sz="1800" spc="-1" strike="noStrike">
+                          <a:solidFill>
+                            <a:srgbClr val="000000"/>
+                          </a:solidFill>
+                          <a:uFill>
+                            <a:solidFill>
+                              <a:srgbClr val="ffffff"/>
+                            </a:solidFill>
+                          </a:uFill>
+                          <a:latin typeface="Courier 10 Pitch"/>
+                        </a:rPr>
+                        <a:t>new Operation(</a:t>
                       </a:r>
                       <a:endParaRPr b="0" lang="en-US" sz="1800" spc="-1" strike="noStrike">
                         <a:solidFill>
@@ -12511,65 +11591,65 @@
                             <a:srgbClr val="ffffff"/>
                           </a:solidFill>
                         </a:uFill>
-                        <a:latin typeface="Arial"/>
+                        <a:latin typeface="Courier 10 Pitch"/>
                       </a:endParaRPr>
                     </a:p>
                     <a:p>
                       <a:r>
-                        <a:rPr b="0" lang="en-US" sz="1400" spc="-1" strike="noStrike">
-                          <a:solidFill>
-                            <a:srgbClr val="000000"/>
-                          </a:solidFill>
-                          <a:uFill>
-                            <a:solidFill>
-                              <a:srgbClr val="ffffff"/>
-                            </a:solidFill>
-                          </a:uFill>
-                          <a:latin typeface="Arial"/>
+                        <a:rPr b="0" lang="en-US" sz="1800" spc="-1" strike="noStrike">
+                          <a:solidFill>
+                            <a:srgbClr val="000000"/>
+                          </a:solidFill>
+                          <a:uFill>
+                            <a:solidFill>
+                              <a:srgbClr val="ffffff"/>
+                            </a:solidFill>
+                          </a:uFill>
+                          <a:latin typeface="Courier 10 Pitch"/>
                         </a:rPr>
                         <a:t>	</a:t>
                       </a:r>
                       <a:r>
-                        <a:rPr b="0" lang="en-US" sz="1400" spc="-1" strike="noStrike">
-                          <a:solidFill>
-                            <a:srgbClr val="000000"/>
-                          </a:solidFill>
-                          <a:uFill>
-                            <a:solidFill>
-                              <a:srgbClr val="ffffff"/>
-                            </a:solidFill>
-                          </a:uFill>
-                          <a:latin typeface="Arial"/>
+                        <a:rPr b="0" lang="en-US" sz="1800" spc="-1" strike="noStrike">
+                          <a:solidFill>
+                            <a:srgbClr val="000000"/>
+                          </a:solidFill>
+                          <a:uFill>
+                            <a:solidFill>
+                              <a:srgbClr val="ffffff"/>
+                            </a:solidFill>
+                          </a:uFill>
+                          <a:latin typeface="Courier 10 Pitch"/>
                         </a:rPr>
                         <a:t>	</a:t>
                       </a:r>
                       <a:r>
-                        <a:rPr b="0" lang="en-US" sz="1400" spc="-1" strike="noStrike">
-                          <a:solidFill>
-                            <a:srgbClr val="000000"/>
-                          </a:solidFill>
-                          <a:uFill>
-                            <a:solidFill>
-                              <a:srgbClr val="ffffff"/>
-                            </a:solidFill>
-                          </a:uFill>
-                          <a:latin typeface="Arial"/>
+                        <a:rPr b="0" lang="en-US" sz="1800" spc="-1" strike="noStrike">
+                          <a:solidFill>
+                            <a:srgbClr val="000000"/>
+                          </a:solidFill>
+                          <a:uFill>
+                            <a:solidFill>
+                              <a:srgbClr val="ffffff"/>
+                            </a:solidFill>
+                          </a:uFill>
+                          <a:latin typeface="Courier 10 Pitch"/>
                         </a:rPr>
                         <a:t>	</a:t>
                       </a:r>
                       <a:r>
-                        <a:rPr b="0" lang="en-US" sz="1400" spc="-1" strike="noStrike">
-                          <a:solidFill>
-                            <a:srgbClr val="000000"/>
-                          </a:solidFill>
-                          <a:uFill>
-                            <a:solidFill>
-                              <a:srgbClr val="ffffff"/>
-                            </a:solidFill>
-                          </a:uFill>
-                          <a:latin typeface="Arial"/>
-                        </a:rPr>
-                        <a:t>filter: 'amplitudeRamp',</a:t>
+                        <a:rPr b="0" lang="en-US" sz="1800" spc="-1" strike="noStrike">
+                          <a:solidFill>
+                            <a:srgbClr val="000000"/>
+                          </a:solidFill>
+                          <a:uFill>
+                            <a:solidFill>
+                              <a:srgbClr val="ffffff"/>
+                            </a:solidFill>
+                          </a:uFill>
+                          <a:latin typeface="Courier 10 Pitch"/>
+                        </a:rPr>
+                        <a:t>name: 'Division'</a:t>
                       </a:r>
                       <a:endParaRPr b="0" lang="en-US" sz="1800" spc="-1" strike="noStrike">
                         <a:solidFill>
@@ -12580,65 +11660,51 @@
                             <a:srgbClr val="ffffff"/>
                           </a:solidFill>
                         </a:uFill>
-                        <a:latin typeface="Arial"/>
+                        <a:latin typeface="Courier 10 Pitch"/>
                       </a:endParaRPr>
                     </a:p>
                     <a:p>
                       <a:r>
-                        <a:rPr b="0" lang="en-US" sz="1400" spc="-1" strike="noStrike">
-                          <a:solidFill>
-                            <a:srgbClr val="000000"/>
-                          </a:solidFill>
-                          <a:uFill>
-                            <a:solidFill>
-                              <a:srgbClr val="ffffff"/>
-                            </a:solidFill>
-                          </a:uFill>
-                          <a:latin typeface="Arial"/>
+                        <a:rPr b="0" lang="en-US" sz="1800" spc="-1" strike="noStrike">
+                          <a:solidFill>
+                            <a:srgbClr val="000000"/>
+                          </a:solidFill>
+                          <a:uFill>
+                            <a:solidFill>
+                              <a:srgbClr val="ffffff"/>
+                            </a:solidFill>
+                          </a:uFill>
+                          <a:latin typeface="Courier 10 Pitch"/>
                         </a:rPr>
                         <a:t>	</a:t>
                       </a:r>
                       <a:r>
-                        <a:rPr b="0" lang="en-US" sz="1400" spc="-1" strike="noStrike">
-                          <a:solidFill>
-                            <a:srgbClr val="000000"/>
-                          </a:solidFill>
-                          <a:uFill>
-                            <a:solidFill>
-                              <a:srgbClr val="ffffff"/>
-                            </a:solidFill>
-                          </a:uFill>
-                          <a:latin typeface="Arial"/>
+                        <a:rPr b="0" lang="en-US" sz="1800" spc="-1" strike="noStrike">
+                          <a:solidFill>
+                            <a:srgbClr val="000000"/>
+                          </a:solidFill>
+                          <a:uFill>
+                            <a:solidFill>
+                              <a:srgbClr val="ffffff"/>
+                            </a:solidFill>
+                          </a:uFill>
+                          <a:latin typeface="Courier 10 Pitch"/>
                         </a:rPr>
                         <a:t>	</a:t>
                       </a:r>
                       <a:r>
-                        <a:rPr b="0" lang="en-US" sz="1400" spc="-1" strike="noStrike">
-                          <a:solidFill>
-                            <a:srgbClr val="000000"/>
-                          </a:solidFill>
-                          <a:uFill>
-                            <a:solidFill>
-                              <a:srgbClr val="ffffff"/>
-                            </a:solidFill>
-                          </a:uFill>
-                          <a:latin typeface="Arial"/>
-                        </a:rPr>
-                        <a:t>	</a:t>
-                      </a:r>
-                      <a:r>
-                        <a:rPr b="0" lang="en-US" sz="1400" spc="-1" strike="noStrike">
-                          <a:solidFill>
-                            <a:srgbClr val="000000"/>
-                          </a:solidFill>
-                          <a:uFill>
-                            <a:solidFill>
-                              <a:srgbClr val="ffffff"/>
-                            </a:solidFill>
-                          </a:uFill>
-                          <a:latin typeface="Arial"/>
-                        </a:rPr>
-                        <a:t>fromController: 'myKnob',</a:t>
+                        <a:rPr b="0" lang="en-US" sz="1800" spc="-1" strike="noStrike">
+                          <a:solidFill>
+                            <a:srgbClr val="000000"/>
+                          </a:solidFill>
+                          <a:uFill>
+                            <a:solidFill>
+                              <a:srgbClr val="ffffff"/>
+                            </a:solidFill>
+                          </a:uFill>
+                          <a:latin typeface="Courier 10 Pitch"/>
+                        </a:rPr>
+                        <a:t>)</a:t>
                       </a:r>
                       <a:endParaRPr b="0" lang="en-US" sz="1800" spc="-1" strike="noStrike">
                         <a:solidFill>
@@ -12649,65 +11715,37 @@
                             <a:srgbClr val="ffffff"/>
                           </a:solidFill>
                         </a:uFill>
-                        <a:latin typeface="Arial"/>
+                        <a:latin typeface="Courier 10 Pitch"/>
                       </a:endParaRPr>
                     </a:p>
                     <a:p>
                       <a:r>
-                        <a:rPr b="0" lang="en-US" sz="1400" spc="-1" strike="noStrike">
-                          <a:solidFill>
-                            <a:srgbClr val="000000"/>
-                          </a:solidFill>
-                          <a:uFill>
-                            <a:solidFill>
-                              <a:srgbClr val="ffffff"/>
-                            </a:solidFill>
-                          </a:uFill>
-                          <a:latin typeface="Arial"/>
+                        <a:rPr b="0" lang="en-US" sz="1800" spc="-1" strike="noStrike">
+                          <a:solidFill>
+                            <a:srgbClr val="000000"/>
+                          </a:solidFill>
+                          <a:uFill>
+                            <a:solidFill>
+                              <a:srgbClr val="ffffff"/>
+                            </a:solidFill>
+                          </a:uFill>
+                          <a:latin typeface="Courier 10 Pitch"/>
                         </a:rPr>
                         <a:t>	</a:t>
                       </a:r>
                       <a:r>
-                        <a:rPr b="0" lang="en-US" sz="1400" spc="-1" strike="noStrike">
-                          <a:solidFill>
-                            <a:srgbClr val="000000"/>
-                          </a:solidFill>
-                          <a:uFill>
-                            <a:solidFill>
-                              <a:srgbClr val="ffffff"/>
-                            </a:solidFill>
-                          </a:uFill>
-                          <a:latin typeface="Arial"/>
-                        </a:rPr>
-                        <a:t>	</a:t>
-                      </a:r>
-                      <a:r>
-                        <a:rPr b="0" lang="en-US" sz="1400" spc="-1" strike="noStrike">
-                          <a:solidFill>
-                            <a:srgbClr val="000000"/>
-                          </a:solidFill>
-                          <a:uFill>
-                            <a:solidFill>
-                              <a:srgbClr val="ffffff"/>
-                            </a:solidFill>
-                          </a:uFill>
-                          <a:latin typeface="Arial"/>
-                        </a:rPr>
-                        <a:t>	</a:t>
-                      </a:r>
-                      <a:r>
-                        <a:rPr b="0" lang="en-US" sz="1400" spc="-1" strike="noStrike">
-                          <a:solidFill>
-                            <a:srgbClr val="000000"/>
-                          </a:solidFill>
-                          <a:uFill>
-                            <a:solidFill>
-                              <a:srgbClr val="ffffff"/>
-                            </a:solidFill>
-                          </a:uFill>
-                          <a:latin typeface="Arial"/>
-                        </a:rPr>
-                        <a:t>toOscillator: 'myFirstOsc'</a:t>
+                        <a:rPr b="0" lang="en-US" sz="1800" spc="-1" strike="noStrike">
+                          <a:solidFill>
+                            <a:srgbClr val="000000"/>
+                          </a:solidFill>
+                          <a:uFill>
+                            <a:solidFill>
+                              <a:srgbClr val="ffffff"/>
+                            </a:solidFill>
+                          </a:uFill>
+                          <a:latin typeface="Courier 10 Pitch"/>
+                        </a:rPr>
+                        <a:t>)</a:t>
                       </a:r>
                       <a:endParaRPr b="0" lang="en-US" sz="1800" spc="-1" strike="noStrike">
                         <a:solidFill>
@@ -12718,103 +11756,7 @@
                             <a:srgbClr val="ffffff"/>
                           </a:solidFill>
                         </a:uFill>
-                        <a:latin typeface="Arial"/>
-                      </a:endParaRPr>
-                    </a:p>
-                    <a:p>
-                      <a:r>
-                        <a:rPr b="0" lang="en-US" sz="1400" spc="-1" strike="noStrike">
-                          <a:solidFill>
-                            <a:srgbClr val="000000"/>
-                          </a:solidFill>
-                          <a:uFill>
-                            <a:solidFill>
-                              <a:srgbClr val="ffffff"/>
-                            </a:solidFill>
-                          </a:uFill>
-                          <a:latin typeface="Arial"/>
-                        </a:rPr>
-                        <a:t>	</a:t>
-                      </a:r>
-                      <a:r>
-                        <a:rPr b="0" lang="en-US" sz="1400" spc="-1" strike="noStrike">
-                          <a:solidFill>
-                            <a:srgbClr val="000000"/>
-                          </a:solidFill>
-                          <a:uFill>
-                            <a:solidFill>
-                              <a:srgbClr val="ffffff"/>
-                            </a:solidFill>
-                          </a:uFill>
-                          <a:latin typeface="Arial"/>
-                        </a:rPr>
-                        <a:t>	</a:t>
-                      </a:r>
-                      <a:r>
-                        <a:rPr b="0" lang="en-US" sz="1400" spc="-1" strike="noStrike">
-                          <a:solidFill>
-                            <a:srgbClr val="000000"/>
-                          </a:solidFill>
-                          <a:uFill>
-                            <a:solidFill>
-                              <a:srgbClr val="ffffff"/>
-                            </a:solidFill>
-                          </a:uFill>
-                          <a:latin typeface="Arial"/>
-                        </a:rPr>
-                        <a:t>)</a:t>
-                      </a:r>
-                      <a:endParaRPr b="0" lang="en-US" sz="1800" spc="-1" strike="noStrike">
-                        <a:solidFill>
-                          <a:srgbClr val="000000"/>
-                        </a:solidFill>
-                        <a:uFill>
-                          <a:solidFill>
-                            <a:srgbClr val="ffffff"/>
-                          </a:solidFill>
-                        </a:uFill>
-                        <a:latin typeface="Arial"/>
-                      </a:endParaRPr>
-                    </a:p>
-                    <a:p>
-                      <a:r>
-                        <a:rPr b="0" lang="en-US" sz="1400" spc="-1" strike="noStrike">
-                          <a:solidFill>
-                            <a:srgbClr val="000000"/>
-                          </a:solidFill>
-                          <a:uFill>
-                            <a:solidFill>
-                              <a:srgbClr val="ffffff"/>
-                            </a:solidFill>
-                          </a:uFill>
-                          <a:latin typeface="Arial"/>
-                        </a:rPr>
-                        <a:t>	</a:t>
-                      </a:r>
-                      <a:r>
-                        <a:rPr b="0" lang="en-US" sz="1400" spc="-1" strike="noStrike">
-                          <a:solidFill>
-                            <a:srgbClr val="000000"/>
-                          </a:solidFill>
-                          <a:uFill>
-                            <a:solidFill>
-                              <a:srgbClr val="ffffff"/>
-                            </a:solidFill>
-                          </a:uFill>
-                          <a:latin typeface="Arial"/>
-                        </a:rPr>
-                        <a:t>)</a:t>
-                      </a:r>
-                      <a:endParaRPr b="0" lang="en-US" sz="1800" spc="-1" strike="noStrike">
-                        <a:solidFill>
-                          <a:srgbClr val="000000"/>
-                        </a:solidFill>
-                        <a:uFill>
-                          <a:solidFill>
-                            <a:srgbClr val="ffffff"/>
-                          </a:solidFill>
-                        </a:uFill>
-                        <a:latin typeface="Arial"/>
+                        <a:latin typeface="Courier 10 Pitch"/>
                       </a:endParaRPr>
                     </a:p>
                   </a:txBody>
